--- a/Student Alcohol Consumption Data Science Project.pptx
+++ b/Student Alcohol Consumption Data Science Project.pptx
@@ -3889,33 +3889,33 @@
     </dgm:pt>
   </dgm:ptLst>
   <dgm:cxnLst>
+    <dgm:cxn modelId="{3F4BEE9E-8D26-4AD2-ADA0-D76B4E28C08E}" type="presOf" srcId="{981C2CD8-7E8A-4682-8B5A-A510268B34AC}" destId="{C084451C-3DBC-48CF-A871-B521FE90830A}" srcOrd="0" destOrd="0" presId="urn:microsoft.com/office/officeart/2005/8/layout/process3"/>
+    <dgm:cxn modelId="{F188FC37-C998-4CDB-85A2-EBB389808248}" type="presOf" srcId="{981C2CD8-7E8A-4682-8B5A-A510268B34AC}" destId="{B29D4F23-83F6-4C7C-9B29-72BF90EFE2CC}" srcOrd="1" destOrd="0" presId="urn:microsoft.com/office/officeart/2005/8/layout/process3"/>
+    <dgm:cxn modelId="{C0883AEA-830B-4AD2-96BF-9E39D8362AB2}" type="presOf" srcId="{DC2DF88C-35A0-4E30-A3E4-E002DC34F521}" destId="{ABF185BD-956E-4777-8763-980278E426BB}" srcOrd="1" destOrd="0" presId="urn:microsoft.com/office/officeart/2005/8/layout/process3"/>
+    <dgm:cxn modelId="{B2733D3B-E352-4F5C-889A-1B9ECD5F8F60}" type="presOf" srcId="{EB5FE175-6B6D-4195-A86F-6DFA96778160}" destId="{B4B2D37A-6F50-4E0F-B305-9EB4D512D773}" srcOrd="0" destOrd="0" presId="urn:microsoft.com/office/officeart/2005/8/layout/process3"/>
+    <dgm:cxn modelId="{D95BF8C4-EEA0-4AAE-8693-AFAC7500B286}" srcId="{CADE50C9-6A62-45AC-AF42-A90DC46A3209}" destId="{981C2CD8-7E8A-4682-8B5A-A510268B34AC}" srcOrd="1" destOrd="0" parTransId="{1185AE54-EDEE-4D55-93F6-F7D354ED7C11}" sibTransId="{D7467A3A-2B78-4CDD-91C9-D96452997227}"/>
+    <dgm:cxn modelId="{6C7842C7-2928-4666-A7BA-454C6506C36C}" type="presOf" srcId="{4DFC88DE-E0F0-4976-9B83-58EADA7CE300}" destId="{7E8F3DD0-4BD8-4C40-B882-1E8B5E423D90}" srcOrd="1" destOrd="0" presId="urn:microsoft.com/office/officeart/2005/8/layout/process3"/>
+    <dgm:cxn modelId="{7A81218D-5146-40F9-9731-5BD21503537E}" srcId="{981C2CD8-7E8A-4682-8B5A-A510268B34AC}" destId="{CF1FE966-0BB0-47ED-84B3-EC7AB055925F}" srcOrd="0" destOrd="0" parTransId="{FB956851-3BB2-4FF1-A9D6-4692FA0EFDCA}" sibTransId="{831C3CE2-0F23-433C-85CA-9D194AAC5E20}"/>
+    <dgm:cxn modelId="{47BAA679-3D6E-4A1A-91AA-9E404EE6A4CB}" type="presOf" srcId="{F5961DD5-682B-4D21-A827-30C64679BB5F}" destId="{D685B160-AC57-41A0-95FE-636A4391B913}" srcOrd="1" destOrd="0" presId="urn:microsoft.com/office/officeart/2005/8/layout/process3"/>
+    <dgm:cxn modelId="{AABA8D8C-E800-4FDC-8C5F-A5D82041D563}" type="presOf" srcId="{CF1FE966-0BB0-47ED-84B3-EC7AB055925F}" destId="{032BAEB6-0FB1-4780-AF60-2EFB8C965C77}" srcOrd="0" destOrd="0" presId="urn:microsoft.com/office/officeart/2005/8/layout/process3"/>
+    <dgm:cxn modelId="{A5C9FCE5-8766-426B-B5BE-B83931DD52CA}" type="presOf" srcId="{D7467A3A-2B78-4CDD-91C9-D96452997227}" destId="{E38B4FCE-9678-4085-AB99-40595BD6EB1C}" srcOrd="1" destOrd="0" presId="urn:microsoft.com/office/officeart/2005/8/layout/process3"/>
+    <dgm:cxn modelId="{7C7C1ACA-D121-4A09-BFF4-2A57A30D871A}" type="presOf" srcId="{D7467A3A-2B78-4CDD-91C9-D96452997227}" destId="{84DC82A2-8D59-472B-BE22-46F053C16CD5}" srcOrd="0" destOrd="0" presId="urn:microsoft.com/office/officeart/2005/8/layout/process3"/>
+    <dgm:cxn modelId="{461E3B8D-CDD4-4E38-A9CC-325E95F35F5C}" type="presOf" srcId="{72DB7378-4256-4528-8672-DEEF82828E57}" destId="{893E387F-15C0-4F86-BCD4-13F52E420B46}" srcOrd="0" destOrd="0" presId="urn:microsoft.com/office/officeart/2005/8/layout/process3"/>
     <dgm:cxn modelId="{93006ACD-B004-4B1F-B0D0-6C85222A28DE}" type="presOf" srcId="{EB5FE175-6B6D-4195-A86F-6DFA96778160}" destId="{ADE18D45-E3E4-4C40-8D6C-3AC62ACE8299}" srcOrd="1" destOrd="0" presId="urn:microsoft.com/office/officeart/2005/8/layout/process3"/>
-    <dgm:cxn modelId="{F188FC37-C998-4CDB-85A2-EBB389808248}" type="presOf" srcId="{981C2CD8-7E8A-4682-8B5A-A510268B34AC}" destId="{B29D4F23-83F6-4C7C-9B29-72BF90EFE2CC}" srcOrd="1" destOrd="0" presId="urn:microsoft.com/office/officeart/2005/8/layout/process3"/>
+    <dgm:cxn modelId="{37CFE086-8264-4424-B1D0-18A97A56AF66}" type="presOf" srcId="{4DFC88DE-E0F0-4976-9B83-58EADA7CE300}" destId="{14AD0DAF-92D3-400A-A4E0-170D0AF84100}" srcOrd="0" destOrd="0" presId="urn:microsoft.com/office/officeart/2005/8/layout/process3"/>
+    <dgm:cxn modelId="{7A63044C-EE1D-4724-9059-4496B4425527}" type="presOf" srcId="{F5961DD5-682B-4D21-A827-30C64679BB5F}" destId="{4858D85A-2D02-42C7-A50A-A4E78D4F073F}" srcOrd="0" destOrd="0" presId="urn:microsoft.com/office/officeart/2005/8/layout/process3"/>
+    <dgm:cxn modelId="{2A4D48E1-6639-4AC8-ABBF-C8A0D045AFB7}" srcId="{F5961DD5-682B-4D21-A827-30C64679BB5F}" destId="{72DB7378-4256-4528-8672-DEEF82828E57}" srcOrd="0" destOrd="0" parTransId="{97CEFC59-E261-4652-BC13-D71B45B5EC50}" sibTransId="{D0054105-F7A3-4CAE-89E2-0979360A932C}"/>
+    <dgm:cxn modelId="{D998B319-C072-4BF0-B5CB-2075DB30B691}" srcId="{DC2DF88C-35A0-4E30-A3E4-E002DC34F521}" destId="{DF9FD532-8B13-446E-B6A3-59BDF574BCA8}" srcOrd="0" destOrd="0" parTransId="{3A79FA23-5F3F-4F7D-B4AC-A9C282166E18}" sibTransId="{31B32A6E-6E91-4EAA-96F6-92A0035B120A}"/>
+    <dgm:cxn modelId="{654B2758-BB63-4A67-9FA8-BFB78F357825}" type="presOf" srcId="{DC2DF88C-35A0-4E30-A3E4-E002DC34F521}" destId="{D297B747-A2CF-41E4-A59D-391BC474F135}" srcOrd="0" destOrd="0" presId="urn:microsoft.com/office/officeart/2005/8/layout/process3"/>
+    <dgm:cxn modelId="{762AB07F-C728-41D8-9B57-DB011D1EC3F0}" type="presOf" srcId="{DF9FD532-8B13-446E-B6A3-59BDF574BCA8}" destId="{1526152F-906E-4121-A143-DD130A011105}" srcOrd="0" destOrd="0" presId="urn:microsoft.com/office/officeart/2005/8/layout/process3"/>
+    <dgm:cxn modelId="{55246683-0A80-455D-B6B5-2B2736293CF2}" srcId="{5F712884-449D-4DB5-9953-28B7C76B95EA}" destId="{3C06DC45-D510-48CC-B9DC-C19564791119}" srcOrd="0" destOrd="0" parTransId="{65F5C7C6-EB25-442A-AB0B-B47F97609474}" sibTransId="{D1AB7263-DC38-4830-9C45-C1403EA8E20B}"/>
+    <dgm:cxn modelId="{5BBBD0A9-97DA-480E-AD44-1947C76CE5E6}" srcId="{CADE50C9-6A62-45AC-AF42-A90DC46A3209}" destId="{5F712884-449D-4DB5-9953-28B7C76B95EA}" srcOrd="0" destOrd="0" parTransId="{959B81DB-0329-4043-A334-D05EB5160B66}" sibTransId="{EB5FE175-6B6D-4195-A86F-6DFA96778160}"/>
+    <dgm:cxn modelId="{5BDE1DA6-E08E-43FF-BCA1-46EC3454F22A}" type="presOf" srcId="{5F712884-449D-4DB5-9953-28B7C76B95EA}" destId="{EF3A946E-96B3-4628-91EB-8B0A2A37DDB1}" srcOrd="0" destOrd="0" presId="urn:microsoft.com/office/officeart/2005/8/layout/process3"/>
     <dgm:cxn modelId="{9197A1EF-40BA-4A00-90BC-61CBC94FE8A7}" type="presOf" srcId="{3C06DC45-D510-48CC-B9DC-C19564791119}" destId="{9AFA4903-C1AC-4872-B8FC-33B461DA35FC}" srcOrd="0" destOrd="0" presId="urn:microsoft.com/office/officeart/2005/8/layout/process3"/>
     <dgm:cxn modelId="{63D5015B-3865-4A4B-AEB1-FBEF0DE71B9A}" srcId="{CADE50C9-6A62-45AC-AF42-A90DC46A3209}" destId="{DC2DF88C-35A0-4E30-A3E4-E002DC34F521}" srcOrd="2" destOrd="0" parTransId="{9BB88C43-2261-4EC7-A70D-463964685938}" sibTransId="{4DFC88DE-E0F0-4976-9B83-58EADA7CE300}"/>
-    <dgm:cxn modelId="{654B2758-BB63-4A67-9FA8-BFB78F357825}" type="presOf" srcId="{DC2DF88C-35A0-4E30-A3E4-E002DC34F521}" destId="{D297B747-A2CF-41E4-A59D-391BC474F135}" srcOrd="0" destOrd="0" presId="urn:microsoft.com/office/officeart/2005/8/layout/process3"/>
-    <dgm:cxn modelId="{C0883AEA-830B-4AD2-96BF-9E39D8362AB2}" type="presOf" srcId="{DC2DF88C-35A0-4E30-A3E4-E002DC34F521}" destId="{ABF185BD-956E-4777-8763-980278E426BB}" srcOrd="1" destOrd="0" presId="urn:microsoft.com/office/officeart/2005/8/layout/process3"/>
-    <dgm:cxn modelId="{B2733D3B-E352-4F5C-889A-1B9ECD5F8F60}" type="presOf" srcId="{EB5FE175-6B6D-4195-A86F-6DFA96778160}" destId="{B4B2D37A-6F50-4E0F-B305-9EB4D512D773}" srcOrd="0" destOrd="0" presId="urn:microsoft.com/office/officeart/2005/8/layout/process3"/>
-    <dgm:cxn modelId="{5BDE1DA6-E08E-43FF-BCA1-46EC3454F22A}" type="presOf" srcId="{5F712884-449D-4DB5-9953-28B7C76B95EA}" destId="{EF3A946E-96B3-4628-91EB-8B0A2A37DDB1}" srcOrd="0" destOrd="0" presId="urn:microsoft.com/office/officeart/2005/8/layout/process3"/>
-    <dgm:cxn modelId="{7C7C1ACA-D121-4A09-BFF4-2A57A30D871A}" type="presOf" srcId="{D7467A3A-2B78-4CDD-91C9-D96452997227}" destId="{84DC82A2-8D59-472B-BE22-46F053C16CD5}" srcOrd="0" destOrd="0" presId="urn:microsoft.com/office/officeart/2005/8/layout/process3"/>
-    <dgm:cxn modelId="{D998B319-C072-4BF0-B5CB-2075DB30B691}" srcId="{DC2DF88C-35A0-4E30-A3E4-E002DC34F521}" destId="{DF9FD532-8B13-446E-B6A3-59BDF574BCA8}" srcOrd="0" destOrd="0" parTransId="{3A79FA23-5F3F-4F7D-B4AC-A9C282166E18}" sibTransId="{31B32A6E-6E91-4EAA-96F6-92A0035B120A}"/>
-    <dgm:cxn modelId="{AABA8D8C-E800-4FDC-8C5F-A5D82041D563}" type="presOf" srcId="{CF1FE966-0BB0-47ED-84B3-EC7AB055925F}" destId="{032BAEB6-0FB1-4780-AF60-2EFB8C965C77}" srcOrd="0" destOrd="0" presId="urn:microsoft.com/office/officeart/2005/8/layout/process3"/>
-    <dgm:cxn modelId="{D95BF8C4-EEA0-4AAE-8693-AFAC7500B286}" srcId="{CADE50C9-6A62-45AC-AF42-A90DC46A3209}" destId="{981C2CD8-7E8A-4682-8B5A-A510268B34AC}" srcOrd="1" destOrd="0" parTransId="{1185AE54-EDEE-4D55-93F6-F7D354ED7C11}" sibTransId="{D7467A3A-2B78-4CDD-91C9-D96452997227}"/>
-    <dgm:cxn modelId="{5BBBD0A9-97DA-480E-AD44-1947C76CE5E6}" srcId="{CADE50C9-6A62-45AC-AF42-A90DC46A3209}" destId="{5F712884-449D-4DB5-9953-28B7C76B95EA}" srcOrd="0" destOrd="0" parTransId="{959B81DB-0329-4043-A334-D05EB5160B66}" sibTransId="{EB5FE175-6B6D-4195-A86F-6DFA96778160}"/>
-    <dgm:cxn modelId="{2A4D48E1-6639-4AC8-ABBF-C8A0D045AFB7}" srcId="{F5961DD5-682B-4D21-A827-30C64679BB5F}" destId="{72DB7378-4256-4528-8672-DEEF82828E57}" srcOrd="0" destOrd="0" parTransId="{97CEFC59-E261-4652-BC13-D71B45B5EC50}" sibTransId="{D0054105-F7A3-4CAE-89E2-0979360A932C}"/>
-    <dgm:cxn modelId="{7A81218D-5146-40F9-9731-5BD21503537E}" srcId="{981C2CD8-7E8A-4682-8B5A-A510268B34AC}" destId="{CF1FE966-0BB0-47ED-84B3-EC7AB055925F}" srcOrd="0" destOrd="0" parTransId="{FB956851-3BB2-4FF1-A9D6-4692FA0EFDCA}" sibTransId="{831C3CE2-0F23-433C-85CA-9D194AAC5E20}"/>
-    <dgm:cxn modelId="{6C7842C7-2928-4666-A7BA-454C6506C36C}" type="presOf" srcId="{4DFC88DE-E0F0-4976-9B83-58EADA7CE300}" destId="{7E8F3DD0-4BD8-4C40-B882-1E8B5E423D90}" srcOrd="1" destOrd="0" presId="urn:microsoft.com/office/officeart/2005/8/layout/process3"/>
-    <dgm:cxn modelId="{55246683-0A80-455D-B6B5-2B2736293CF2}" srcId="{5F712884-449D-4DB5-9953-28B7C76B95EA}" destId="{3C06DC45-D510-48CC-B9DC-C19564791119}" srcOrd="0" destOrd="0" parTransId="{65F5C7C6-EB25-442A-AB0B-B47F97609474}" sibTransId="{D1AB7263-DC38-4830-9C45-C1403EA8E20B}"/>
-    <dgm:cxn modelId="{461E3B8D-CDD4-4E38-A9CC-325E95F35F5C}" type="presOf" srcId="{72DB7378-4256-4528-8672-DEEF82828E57}" destId="{893E387F-15C0-4F86-BCD4-13F52E420B46}" srcOrd="0" destOrd="0" presId="urn:microsoft.com/office/officeart/2005/8/layout/process3"/>
-    <dgm:cxn modelId="{7A63044C-EE1D-4724-9059-4496B4425527}" type="presOf" srcId="{F5961DD5-682B-4D21-A827-30C64679BB5F}" destId="{4858D85A-2D02-42C7-A50A-A4E78D4F073F}" srcOrd="0" destOrd="0" presId="urn:microsoft.com/office/officeart/2005/8/layout/process3"/>
+    <dgm:cxn modelId="{73708078-FDBA-43F4-96AB-FB14C4C2602F}" srcId="{CADE50C9-6A62-45AC-AF42-A90DC46A3209}" destId="{F5961DD5-682B-4D21-A827-30C64679BB5F}" srcOrd="3" destOrd="0" parTransId="{75D73089-01C8-4BC0-90ED-CA9D1B8E3ADF}" sibTransId="{CA7ED3B0-10D1-4E2F-8BA0-8D58C22A94D0}"/>
     <dgm:cxn modelId="{BB6865B8-A688-4FC4-AFAA-E66324174F02}" type="presOf" srcId="{5F712884-449D-4DB5-9953-28B7C76B95EA}" destId="{E252839F-D941-4E3B-BA68-AC653DAEAE4C}" srcOrd="1" destOrd="0" presId="urn:microsoft.com/office/officeart/2005/8/layout/process3"/>
-    <dgm:cxn modelId="{73708078-FDBA-43F4-96AB-FB14C4C2602F}" srcId="{CADE50C9-6A62-45AC-AF42-A90DC46A3209}" destId="{F5961DD5-682B-4D21-A827-30C64679BB5F}" srcOrd="3" destOrd="0" parTransId="{75D73089-01C8-4BC0-90ED-CA9D1B8E3ADF}" sibTransId="{CA7ED3B0-10D1-4E2F-8BA0-8D58C22A94D0}"/>
-    <dgm:cxn modelId="{37CFE086-8264-4424-B1D0-18A97A56AF66}" type="presOf" srcId="{4DFC88DE-E0F0-4976-9B83-58EADA7CE300}" destId="{14AD0DAF-92D3-400A-A4E0-170D0AF84100}" srcOrd="0" destOrd="0" presId="urn:microsoft.com/office/officeart/2005/8/layout/process3"/>
-    <dgm:cxn modelId="{A5C9FCE5-8766-426B-B5BE-B83931DD52CA}" type="presOf" srcId="{D7467A3A-2B78-4CDD-91C9-D96452997227}" destId="{E38B4FCE-9678-4085-AB99-40595BD6EB1C}" srcOrd="1" destOrd="0" presId="urn:microsoft.com/office/officeart/2005/8/layout/process3"/>
-    <dgm:cxn modelId="{3F4BEE9E-8D26-4AD2-ADA0-D76B4E28C08E}" type="presOf" srcId="{981C2CD8-7E8A-4682-8B5A-A510268B34AC}" destId="{C084451C-3DBC-48CF-A871-B521FE90830A}" srcOrd="0" destOrd="0" presId="urn:microsoft.com/office/officeart/2005/8/layout/process3"/>
-    <dgm:cxn modelId="{47BAA679-3D6E-4A1A-91AA-9E404EE6A4CB}" type="presOf" srcId="{F5961DD5-682B-4D21-A827-30C64679BB5F}" destId="{D685B160-AC57-41A0-95FE-636A4391B913}" srcOrd="1" destOrd="0" presId="urn:microsoft.com/office/officeart/2005/8/layout/process3"/>
     <dgm:cxn modelId="{AF250757-46ED-49A3-A2B4-276D1B47F666}" type="presOf" srcId="{CADE50C9-6A62-45AC-AF42-A90DC46A3209}" destId="{FDB6D5C0-0ED5-4B9D-9E48-126ED2C433C3}" srcOrd="0" destOrd="0" presId="urn:microsoft.com/office/officeart/2005/8/layout/process3"/>
-    <dgm:cxn modelId="{762AB07F-C728-41D8-9B57-DB011D1EC3F0}" type="presOf" srcId="{DF9FD532-8B13-446E-B6A3-59BDF574BCA8}" destId="{1526152F-906E-4121-A143-DD130A011105}" srcOrd="0" destOrd="0" presId="urn:microsoft.com/office/officeart/2005/8/layout/process3"/>
     <dgm:cxn modelId="{2B1E6CD2-9E99-4BF4-91F4-6569897959CC}" type="presParOf" srcId="{FDB6D5C0-0ED5-4B9D-9E48-126ED2C433C3}" destId="{CFDB6B04-AAD5-42A2-8A40-C0EC4077F01E}" srcOrd="0" destOrd="0" presId="urn:microsoft.com/office/officeart/2005/8/layout/process3"/>
     <dgm:cxn modelId="{1E36B744-698A-4110-8366-45A5C14FAB2F}" type="presParOf" srcId="{CFDB6B04-AAD5-42A2-8A40-C0EC4077F01E}" destId="{EF3A946E-96B3-4628-91EB-8B0A2A37DDB1}" srcOrd="0" destOrd="0" presId="urn:microsoft.com/office/officeart/2005/8/layout/process3"/>
     <dgm:cxn modelId="{A8E72DFA-2E76-423D-B051-4B4AE1F43988}" type="presParOf" srcId="{CFDB6B04-AAD5-42A2-8A40-C0EC4077F01E}" destId="{E252839F-D941-4E3B-BA68-AC653DAEAE4C}" srcOrd="1" destOrd="0" presId="urn:microsoft.com/office/officeart/2005/8/layout/process3"/>
@@ -4816,33 +4816,33 @@
     </dgm:pt>
   </dgm:ptLst>
   <dgm:cxnLst>
-    <dgm:cxn modelId="{3F4BEE9E-8D26-4AD2-ADA0-D76B4E28C08E}" type="presOf" srcId="{981C2CD8-7E8A-4682-8B5A-A510268B34AC}" destId="{C084451C-3DBC-48CF-A871-B521FE90830A}" srcOrd="0" destOrd="0" presId="urn:microsoft.com/office/officeart/2005/8/layout/process3"/>
+    <dgm:cxn modelId="{93006ACD-B004-4B1F-B0D0-6C85222A28DE}" type="presOf" srcId="{EB5FE175-6B6D-4195-A86F-6DFA96778160}" destId="{ADE18D45-E3E4-4C40-8D6C-3AC62ACE8299}" srcOrd="1" destOrd="0" presId="urn:microsoft.com/office/officeart/2005/8/layout/process3"/>
     <dgm:cxn modelId="{F188FC37-C998-4CDB-85A2-EBB389808248}" type="presOf" srcId="{981C2CD8-7E8A-4682-8B5A-A510268B34AC}" destId="{B29D4F23-83F6-4C7C-9B29-72BF90EFE2CC}" srcOrd="1" destOrd="0" presId="urn:microsoft.com/office/officeart/2005/8/layout/process3"/>
+    <dgm:cxn modelId="{9197A1EF-40BA-4A00-90BC-61CBC94FE8A7}" type="presOf" srcId="{3C06DC45-D510-48CC-B9DC-C19564791119}" destId="{9AFA4903-C1AC-4872-B8FC-33B461DA35FC}" srcOrd="0" destOrd="0" presId="urn:microsoft.com/office/officeart/2005/8/layout/process3"/>
+    <dgm:cxn modelId="{63D5015B-3865-4A4B-AEB1-FBEF0DE71B9A}" srcId="{CADE50C9-6A62-45AC-AF42-A90DC46A3209}" destId="{DC2DF88C-35A0-4E30-A3E4-E002DC34F521}" srcOrd="2" destOrd="0" parTransId="{9BB88C43-2261-4EC7-A70D-463964685938}" sibTransId="{4DFC88DE-E0F0-4976-9B83-58EADA7CE300}"/>
+    <dgm:cxn modelId="{654B2758-BB63-4A67-9FA8-BFB78F357825}" type="presOf" srcId="{DC2DF88C-35A0-4E30-A3E4-E002DC34F521}" destId="{D297B747-A2CF-41E4-A59D-391BC474F135}" srcOrd="0" destOrd="0" presId="urn:microsoft.com/office/officeart/2005/8/layout/process3"/>
     <dgm:cxn modelId="{C0883AEA-830B-4AD2-96BF-9E39D8362AB2}" type="presOf" srcId="{DC2DF88C-35A0-4E30-A3E4-E002DC34F521}" destId="{ABF185BD-956E-4777-8763-980278E426BB}" srcOrd="1" destOrd="0" presId="urn:microsoft.com/office/officeart/2005/8/layout/process3"/>
     <dgm:cxn modelId="{B2733D3B-E352-4F5C-889A-1B9ECD5F8F60}" type="presOf" srcId="{EB5FE175-6B6D-4195-A86F-6DFA96778160}" destId="{B4B2D37A-6F50-4E0F-B305-9EB4D512D773}" srcOrd="0" destOrd="0" presId="urn:microsoft.com/office/officeart/2005/8/layout/process3"/>
+    <dgm:cxn modelId="{5BDE1DA6-E08E-43FF-BCA1-46EC3454F22A}" type="presOf" srcId="{5F712884-449D-4DB5-9953-28B7C76B95EA}" destId="{EF3A946E-96B3-4628-91EB-8B0A2A37DDB1}" srcOrd="0" destOrd="0" presId="urn:microsoft.com/office/officeart/2005/8/layout/process3"/>
+    <dgm:cxn modelId="{7C7C1ACA-D121-4A09-BFF4-2A57A30D871A}" type="presOf" srcId="{D7467A3A-2B78-4CDD-91C9-D96452997227}" destId="{84DC82A2-8D59-472B-BE22-46F053C16CD5}" srcOrd="0" destOrd="0" presId="urn:microsoft.com/office/officeart/2005/8/layout/process3"/>
+    <dgm:cxn modelId="{D998B319-C072-4BF0-B5CB-2075DB30B691}" srcId="{DC2DF88C-35A0-4E30-A3E4-E002DC34F521}" destId="{DF9FD532-8B13-446E-B6A3-59BDF574BCA8}" srcOrd="0" destOrd="0" parTransId="{3A79FA23-5F3F-4F7D-B4AC-A9C282166E18}" sibTransId="{31B32A6E-6E91-4EAA-96F6-92A0035B120A}"/>
+    <dgm:cxn modelId="{AABA8D8C-E800-4FDC-8C5F-A5D82041D563}" type="presOf" srcId="{CF1FE966-0BB0-47ED-84B3-EC7AB055925F}" destId="{032BAEB6-0FB1-4780-AF60-2EFB8C965C77}" srcOrd="0" destOrd="0" presId="urn:microsoft.com/office/officeart/2005/8/layout/process3"/>
     <dgm:cxn modelId="{D95BF8C4-EEA0-4AAE-8693-AFAC7500B286}" srcId="{CADE50C9-6A62-45AC-AF42-A90DC46A3209}" destId="{981C2CD8-7E8A-4682-8B5A-A510268B34AC}" srcOrd="1" destOrd="0" parTransId="{1185AE54-EDEE-4D55-93F6-F7D354ED7C11}" sibTransId="{D7467A3A-2B78-4CDD-91C9-D96452997227}"/>
+    <dgm:cxn modelId="{5BBBD0A9-97DA-480E-AD44-1947C76CE5E6}" srcId="{CADE50C9-6A62-45AC-AF42-A90DC46A3209}" destId="{5F712884-449D-4DB5-9953-28B7C76B95EA}" srcOrd="0" destOrd="0" parTransId="{959B81DB-0329-4043-A334-D05EB5160B66}" sibTransId="{EB5FE175-6B6D-4195-A86F-6DFA96778160}"/>
+    <dgm:cxn modelId="{2A4D48E1-6639-4AC8-ABBF-C8A0D045AFB7}" srcId="{F5961DD5-682B-4D21-A827-30C64679BB5F}" destId="{72DB7378-4256-4528-8672-DEEF82828E57}" srcOrd="0" destOrd="0" parTransId="{97CEFC59-E261-4652-BC13-D71B45B5EC50}" sibTransId="{D0054105-F7A3-4CAE-89E2-0979360A932C}"/>
+    <dgm:cxn modelId="{7A81218D-5146-40F9-9731-5BD21503537E}" srcId="{981C2CD8-7E8A-4682-8B5A-A510268B34AC}" destId="{CF1FE966-0BB0-47ED-84B3-EC7AB055925F}" srcOrd="0" destOrd="0" parTransId="{FB956851-3BB2-4FF1-A9D6-4692FA0EFDCA}" sibTransId="{831C3CE2-0F23-433C-85CA-9D194AAC5E20}"/>
     <dgm:cxn modelId="{6C7842C7-2928-4666-A7BA-454C6506C36C}" type="presOf" srcId="{4DFC88DE-E0F0-4976-9B83-58EADA7CE300}" destId="{7E8F3DD0-4BD8-4C40-B882-1E8B5E423D90}" srcOrd="1" destOrd="0" presId="urn:microsoft.com/office/officeart/2005/8/layout/process3"/>
-    <dgm:cxn modelId="{7A81218D-5146-40F9-9731-5BD21503537E}" srcId="{981C2CD8-7E8A-4682-8B5A-A510268B34AC}" destId="{CF1FE966-0BB0-47ED-84B3-EC7AB055925F}" srcOrd="0" destOrd="0" parTransId="{FB956851-3BB2-4FF1-A9D6-4692FA0EFDCA}" sibTransId="{831C3CE2-0F23-433C-85CA-9D194AAC5E20}"/>
+    <dgm:cxn modelId="{55246683-0A80-455D-B6B5-2B2736293CF2}" srcId="{5F712884-449D-4DB5-9953-28B7C76B95EA}" destId="{3C06DC45-D510-48CC-B9DC-C19564791119}" srcOrd="0" destOrd="0" parTransId="{65F5C7C6-EB25-442A-AB0B-B47F97609474}" sibTransId="{D1AB7263-DC38-4830-9C45-C1403EA8E20B}"/>
+    <dgm:cxn modelId="{461E3B8D-CDD4-4E38-A9CC-325E95F35F5C}" type="presOf" srcId="{72DB7378-4256-4528-8672-DEEF82828E57}" destId="{893E387F-15C0-4F86-BCD4-13F52E420B46}" srcOrd="0" destOrd="0" presId="urn:microsoft.com/office/officeart/2005/8/layout/process3"/>
+    <dgm:cxn modelId="{7A63044C-EE1D-4724-9059-4496B4425527}" type="presOf" srcId="{F5961DD5-682B-4D21-A827-30C64679BB5F}" destId="{4858D85A-2D02-42C7-A50A-A4E78D4F073F}" srcOrd="0" destOrd="0" presId="urn:microsoft.com/office/officeart/2005/8/layout/process3"/>
+    <dgm:cxn modelId="{BB6865B8-A688-4FC4-AFAA-E66324174F02}" type="presOf" srcId="{5F712884-449D-4DB5-9953-28B7C76B95EA}" destId="{E252839F-D941-4E3B-BA68-AC653DAEAE4C}" srcOrd="1" destOrd="0" presId="urn:microsoft.com/office/officeart/2005/8/layout/process3"/>
+    <dgm:cxn modelId="{73708078-FDBA-43F4-96AB-FB14C4C2602F}" srcId="{CADE50C9-6A62-45AC-AF42-A90DC46A3209}" destId="{F5961DD5-682B-4D21-A827-30C64679BB5F}" srcOrd="3" destOrd="0" parTransId="{75D73089-01C8-4BC0-90ED-CA9D1B8E3ADF}" sibTransId="{CA7ED3B0-10D1-4E2F-8BA0-8D58C22A94D0}"/>
+    <dgm:cxn modelId="{37CFE086-8264-4424-B1D0-18A97A56AF66}" type="presOf" srcId="{4DFC88DE-E0F0-4976-9B83-58EADA7CE300}" destId="{14AD0DAF-92D3-400A-A4E0-170D0AF84100}" srcOrd="0" destOrd="0" presId="urn:microsoft.com/office/officeart/2005/8/layout/process3"/>
+    <dgm:cxn modelId="{A5C9FCE5-8766-426B-B5BE-B83931DD52CA}" type="presOf" srcId="{D7467A3A-2B78-4CDD-91C9-D96452997227}" destId="{E38B4FCE-9678-4085-AB99-40595BD6EB1C}" srcOrd="1" destOrd="0" presId="urn:microsoft.com/office/officeart/2005/8/layout/process3"/>
+    <dgm:cxn modelId="{3F4BEE9E-8D26-4AD2-ADA0-D76B4E28C08E}" type="presOf" srcId="{981C2CD8-7E8A-4682-8B5A-A510268B34AC}" destId="{C084451C-3DBC-48CF-A871-B521FE90830A}" srcOrd="0" destOrd="0" presId="urn:microsoft.com/office/officeart/2005/8/layout/process3"/>
     <dgm:cxn modelId="{47BAA679-3D6E-4A1A-91AA-9E404EE6A4CB}" type="presOf" srcId="{F5961DD5-682B-4D21-A827-30C64679BB5F}" destId="{D685B160-AC57-41A0-95FE-636A4391B913}" srcOrd="1" destOrd="0" presId="urn:microsoft.com/office/officeart/2005/8/layout/process3"/>
-    <dgm:cxn modelId="{AABA8D8C-E800-4FDC-8C5F-A5D82041D563}" type="presOf" srcId="{CF1FE966-0BB0-47ED-84B3-EC7AB055925F}" destId="{032BAEB6-0FB1-4780-AF60-2EFB8C965C77}" srcOrd="0" destOrd="0" presId="urn:microsoft.com/office/officeart/2005/8/layout/process3"/>
-    <dgm:cxn modelId="{A5C9FCE5-8766-426B-B5BE-B83931DD52CA}" type="presOf" srcId="{D7467A3A-2B78-4CDD-91C9-D96452997227}" destId="{E38B4FCE-9678-4085-AB99-40595BD6EB1C}" srcOrd="1" destOrd="0" presId="urn:microsoft.com/office/officeart/2005/8/layout/process3"/>
-    <dgm:cxn modelId="{7C7C1ACA-D121-4A09-BFF4-2A57A30D871A}" type="presOf" srcId="{D7467A3A-2B78-4CDD-91C9-D96452997227}" destId="{84DC82A2-8D59-472B-BE22-46F053C16CD5}" srcOrd="0" destOrd="0" presId="urn:microsoft.com/office/officeart/2005/8/layout/process3"/>
-    <dgm:cxn modelId="{461E3B8D-CDD4-4E38-A9CC-325E95F35F5C}" type="presOf" srcId="{72DB7378-4256-4528-8672-DEEF82828E57}" destId="{893E387F-15C0-4F86-BCD4-13F52E420B46}" srcOrd="0" destOrd="0" presId="urn:microsoft.com/office/officeart/2005/8/layout/process3"/>
-    <dgm:cxn modelId="{93006ACD-B004-4B1F-B0D0-6C85222A28DE}" type="presOf" srcId="{EB5FE175-6B6D-4195-A86F-6DFA96778160}" destId="{ADE18D45-E3E4-4C40-8D6C-3AC62ACE8299}" srcOrd="1" destOrd="0" presId="urn:microsoft.com/office/officeart/2005/8/layout/process3"/>
-    <dgm:cxn modelId="{37CFE086-8264-4424-B1D0-18A97A56AF66}" type="presOf" srcId="{4DFC88DE-E0F0-4976-9B83-58EADA7CE300}" destId="{14AD0DAF-92D3-400A-A4E0-170D0AF84100}" srcOrd="0" destOrd="0" presId="urn:microsoft.com/office/officeart/2005/8/layout/process3"/>
-    <dgm:cxn modelId="{7A63044C-EE1D-4724-9059-4496B4425527}" type="presOf" srcId="{F5961DD5-682B-4D21-A827-30C64679BB5F}" destId="{4858D85A-2D02-42C7-A50A-A4E78D4F073F}" srcOrd="0" destOrd="0" presId="urn:microsoft.com/office/officeart/2005/8/layout/process3"/>
-    <dgm:cxn modelId="{2A4D48E1-6639-4AC8-ABBF-C8A0D045AFB7}" srcId="{F5961DD5-682B-4D21-A827-30C64679BB5F}" destId="{72DB7378-4256-4528-8672-DEEF82828E57}" srcOrd="0" destOrd="0" parTransId="{97CEFC59-E261-4652-BC13-D71B45B5EC50}" sibTransId="{D0054105-F7A3-4CAE-89E2-0979360A932C}"/>
-    <dgm:cxn modelId="{D998B319-C072-4BF0-B5CB-2075DB30B691}" srcId="{DC2DF88C-35A0-4E30-A3E4-E002DC34F521}" destId="{DF9FD532-8B13-446E-B6A3-59BDF574BCA8}" srcOrd="0" destOrd="0" parTransId="{3A79FA23-5F3F-4F7D-B4AC-A9C282166E18}" sibTransId="{31B32A6E-6E91-4EAA-96F6-92A0035B120A}"/>
-    <dgm:cxn modelId="{654B2758-BB63-4A67-9FA8-BFB78F357825}" type="presOf" srcId="{DC2DF88C-35A0-4E30-A3E4-E002DC34F521}" destId="{D297B747-A2CF-41E4-A59D-391BC474F135}" srcOrd="0" destOrd="0" presId="urn:microsoft.com/office/officeart/2005/8/layout/process3"/>
+    <dgm:cxn modelId="{AF250757-46ED-49A3-A2B4-276D1B47F666}" type="presOf" srcId="{CADE50C9-6A62-45AC-AF42-A90DC46A3209}" destId="{FDB6D5C0-0ED5-4B9D-9E48-126ED2C433C3}" srcOrd="0" destOrd="0" presId="urn:microsoft.com/office/officeart/2005/8/layout/process3"/>
     <dgm:cxn modelId="{762AB07F-C728-41D8-9B57-DB011D1EC3F0}" type="presOf" srcId="{DF9FD532-8B13-446E-B6A3-59BDF574BCA8}" destId="{1526152F-906E-4121-A143-DD130A011105}" srcOrd="0" destOrd="0" presId="urn:microsoft.com/office/officeart/2005/8/layout/process3"/>
-    <dgm:cxn modelId="{55246683-0A80-455D-B6B5-2B2736293CF2}" srcId="{5F712884-449D-4DB5-9953-28B7C76B95EA}" destId="{3C06DC45-D510-48CC-B9DC-C19564791119}" srcOrd="0" destOrd="0" parTransId="{65F5C7C6-EB25-442A-AB0B-B47F97609474}" sibTransId="{D1AB7263-DC38-4830-9C45-C1403EA8E20B}"/>
-    <dgm:cxn modelId="{5BBBD0A9-97DA-480E-AD44-1947C76CE5E6}" srcId="{CADE50C9-6A62-45AC-AF42-A90DC46A3209}" destId="{5F712884-449D-4DB5-9953-28B7C76B95EA}" srcOrd="0" destOrd="0" parTransId="{959B81DB-0329-4043-A334-D05EB5160B66}" sibTransId="{EB5FE175-6B6D-4195-A86F-6DFA96778160}"/>
-    <dgm:cxn modelId="{5BDE1DA6-E08E-43FF-BCA1-46EC3454F22A}" type="presOf" srcId="{5F712884-449D-4DB5-9953-28B7C76B95EA}" destId="{EF3A946E-96B3-4628-91EB-8B0A2A37DDB1}" srcOrd="0" destOrd="0" presId="urn:microsoft.com/office/officeart/2005/8/layout/process3"/>
-    <dgm:cxn modelId="{9197A1EF-40BA-4A00-90BC-61CBC94FE8A7}" type="presOf" srcId="{3C06DC45-D510-48CC-B9DC-C19564791119}" destId="{9AFA4903-C1AC-4872-B8FC-33B461DA35FC}" srcOrd="0" destOrd="0" presId="urn:microsoft.com/office/officeart/2005/8/layout/process3"/>
-    <dgm:cxn modelId="{63D5015B-3865-4A4B-AEB1-FBEF0DE71B9A}" srcId="{CADE50C9-6A62-45AC-AF42-A90DC46A3209}" destId="{DC2DF88C-35A0-4E30-A3E4-E002DC34F521}" srcOrd="2" destOrd="0" parTransId="{9BB88C43-2261-4EC7-A70D-463964685938}" sibTransId="{4DFC88DE-E0F0-4976-9B83-58EADA7CE300}"/>
-    <dgm:cxn modelId="{73708078-FDBA-43F4-96AB-FB14C4C2602F}" srcId="{CADE50C9-6A62-45AC-AF42-A90DC46A3209}" destId="{F5961DD5-682B-4D21-A827-30C64679BB5F}" srcOrd="3" destOrd="0" parTransId="{75D73089-01C8-4BC0-90ED-CA9D1B8E3ADF}" sibTransId="{CA7ED3B0-10D1-4E2F-8BA0-8D58C22A94D0}"/>
-    <dgm:cxn modelId="{BB6865B8-A688-4FC4-AFAA-E66324174F02}" type="presOf" srcId="{5F712884-449D-4DB5-9953-28B7C76B95EA}" destId="{E252839F-D941-4E3B-BA68-AC653DAEAE4C}" srcOrd="1" destOrd="0" presId="urn:microsoft.com/office/officeart/2005/8/layout/process3"/>
-    <dgm:cxn modelId="{AF250757-46ED-49A3-A2B4-276D1B47F666}" type="presOf" srcId="{CADE50C9-6A62-45AC-AF42-A90DC46A3209}" destId="{FDB6D5C0-0ED5-4B9D-9E48-126ED2C433C3}" srcOrd="0" destOrd="0" presId="urn:microsoft.com/office/officeart/2005/8/layout/process3"/>
     <dgm:cxn modelId="{2B1E6CD2-9E99-4BF4-91F4-6569897959CC}" type="presParOf" srcId="{FDB6D5C0-0ED5-4B9D-9E48-126ED2C433C3}" destId="{CFDB6B04-AAD5-42A2-8A40-C0EC4077F01E}" srcOrd="0" destOrd="0" presId="urn:microsoft.com/office/officeart/2005/8/layout/process3"/>
     <dgm:cxn modelId="{1E36B744-698A-4110-8366-45A5C14FAB2F}" type="presParOf" srcId="{CFDB6B04-AAD5-42A2-8A40-C0EC4077F01E}" destId="{EF3A946E-96B3-4628-91EB-8B0A2A37DDB1}" srcOrd="0" destOrd="0" presId="urn:microsoft.com/office/officeart/2005/8/layout/process3"/>
     <dgm:cxn modelId="{A8E72DFA-2E76-423D-B051-4B4AE1F43988}" type="presParOf" srcId="{CFDB6B04-AAD5-42A2-8A40-C0EC4077F01E}" destId="{E252839F-D941-4E3B-BA68-AC653DAEAE4C}" srcOrd="1" destOrd="0" presId="urn:microsoft.com/office/officeart/2005/8/layout/process3"/>
@@ -20658,6 +20658,8 @@
               <a:rPr lang="en-GB" dirty="0"/>
               <a:t>Used functions developed by Stephen Turner. </a:t>
             </a:r>
+          </a:p>
+          <a:p>
             <a:r>
               <a:rPr lang="en-US" b="1" dirty="0" err="1"/>
               <a:t>cor.prob</a:t>
@@ -20680,7 +20682,7 @@
             </a:r>
             <a:r>
               <a:rPr lang="en-US" dirty="0"/>
-              <a:t> will flatten all the combinations from the square matrix into a data frame of 4 columns made up of row names, column names, the correlation value and the </a:t>
+              <a:t> flattened all the combinations from the square matrix into a data frame of 4 columns made up of row names, column names, the correlation value and the </a:t>
             </a:r>
             <a:r>
               <a:rPr lang="en-US" i="1" dirty="0"/>
@@ -22295,7 +22297,7 @@
           <a:p>
             <a:r>
               <a:rPr lang="en-GB" dirty="0"/>
-              <a:t>Both Datasets were merged and we ended up with 959 Observations.</a:t>
+              <a:t>Both Datasets were merged and we ended up with 959 Observations and 33 variables.</a:t>
             </a:r>
             <a:endParaRPr lang="en-US" dirty="0"/>
           </a:p>
@@ -22569,6 +22571,38 @@
           <a:bodyPr/>
           <a:lstStyle/>
           <a:p>
+            <a:r>
+              <a:rPr lang="en-GB" dirty="0"/>
+              <a:t>Created a passing grade column (0,1) to depict if the student had passed or failed. </a:t>
+            </a:r>
+          </a:p>
+          <a:p>
+            <a:r>
+              <a:rPr lang="en-US" b="1" dirty="0"/>
+              <a:t>17%</a:t>
+            </a:r>
+            <a:r>
+              <a:rPr lang="en-US" dirty="0"/>
+              <a:t> of our data contains students </a:t>
+            </a:r>
+            <a:r>
+              <a:rPr lang="en-US"/>
+              <a:t>that failed. </a:t>
+            </a:r>
+            <a:r>
+              <a:rPr lang="en-US" dirty="0"/>
+              <a:t>This is an important step because if the proportion was smaller than 15%, it would be considered a </a:t>
+            </a:r>
+            <a:r>
+              <a:rPr lang="en-US" b="1" dirty="0"/>
+              <a:t>rare event</a:t>
+            </a:r>
+            <a:r>
+              <a:rPr lang="en-US" dirty="0"/>
+              <a:t> and would be more challenging to model.</a:t>
+            </a:r>
+          </a:p>
+          <a:p>
             <a:endParaRPr lang="en-US" dirty="0"/>
           </a:p>
         </p:txBody>
@@ -22673,7 +22707,15 @@
           <a:p>
             <a:r>
               <a:rPr lang="en-US" dirty="0"/>
-              <a:t>Each category is converted into a separate binary variable with a value of either 1 or 0. </a:t>
+              <a:t>Each category was converted into a separate binary variable with a value of either 1 or 0. This </a:t>
+            </a:r>
+            <a:r>
+              <a:rPr lang="en-US" dirty="0" err="1"/>
+              <a:t>increnotenotrased</a:t>
+            </a:r>
+            <a:r>
+              <a:rPr lang="en-US" dirty="0"/>
+              <a:t> the number of variables from 33 to 42.</a:t>
             </a:r>
           </a:p>
         </p:txBody>
@@ -22903,7 +22945,7 @@
         <p:spPr>
           <a:xfrm>
             <a:off x="494675" y="1699510"/>
-            <a:ext cx="5478905" cy="2308324"/>
+            <a:ext cx="5478905" cy="2585323"/>
           </a:xfrm>
           <a:prstGeom prst="rect">
             <a:avLst/>
@@ -22927,7 +22969,16 @@
           <a:p>
             <a:r>
               <a:rPr lang="en-GB" dirty="0"/>
-              <a:t>The spread of scores of students who are 19 were was smaller than average and from 19 years, thee was a slight decline in average final scores. This could be due to other factors related to age </a:t>
+              <a:t>The spread of scores of students who are 19 were was smaller than average and from 19 years, there was a slight decline in average final scores. </a:t>
+            </a:r>
+          </a:p>
+          <a:p>
+            <a:endParaRPr lang="en-GB" dirty="0"/>
+          </a:p>
+          <a:p>
+            <a:r>
+              <a:rPr lang="en-GB" dirty="0"/>
+              <a:t>This could be due to other factors related to age </a:t>
             </a:r>
             <a:r>
               <a:rPr lang="en-GB" dirty="0" err="1"/>

--- a/Student Alcohol Consumption Data Science Project.pptx
+++ b/Student Alcohol Consumption Data Science Project.pptx
@@ -6,35 +6,36 @@
     <p:sldMasterId id="2147483660" r:id="rId2"/>
   </p:sldMasterIdLst>
   <p:notesMasterIdLst>
-    <p:notesMasterId r:id="rId26"/>
+    <p:notesMasterId r:id="rId27"/>
   </p:notesMasterIdLst>
   <p:handoutMasterIdLst>
-    <p:handoutMasterId r:id="rId27"/>
+    <p:handoutMasterId r:id="rId28"/>
   </p:handoutMasterIdLst>
   <p:sldIdLst>
     <p:sldId id="267" r:id="rId3"/>
     <p:sldId id="257" r:id="rId4"/>
     <p:sldId id="258" r:id="rId5"/>
-    <p:sldId id="259" r:id="rId6"/>
-    <p:sldId id="268" r:id="rId7"/>
-    <p:sldId id="279" r:id="rId8"/>
+    <p:sldId id="279" r:id="rId6"/>
+    <p:sldId id="259" r:id="rId7"/>
+    <p:sldId id="268" r:id="rId8"/>
     <p:sldId id="270" r:id="rId9"/>
     <p:sldId id="271" r:id="rId10"/>
     <p:sldId id="278" r:id="rId11"/>
     <p:sldId id="280" r:id="rId12"/>
-    <p:sldId id="276" r:id="rId13"/>
-    <p:sldId id="281" r:id="rId14"/>
-    <p:sldId id="263" r:id="rId15"/>
-    <p:sldId id="260" r:id="rId16"/>
-    <p:sldId id="261" r:id="rId17"/>
-    <p:sldId id="273" r:id="rId18"/>
-    <p:sldId id="274" r:id="rId19"/>
-    <p:sldId id="275" r:id="rId20"/>
-    <p:sldId id="265" r:id="rId21"/>
-    <p:sldId id="262" r:id="rId22"/>
-    <p:sldId id="272" r:id="rId23"/>
-    <p:sldId id="264" r:id="rId24"/>
-    <p:sldId id="266" r:id="rId25"/>
+    <p:sldId id="281" r:id="rId13"/>
+    <p:sldId id="282" r:id="rId14"/>
+    <p:sldId id="283" r:id="rId15"/>
+    <p:sldId id="261" r:id="rId16"/>
+    <p:sldId id="263" r:id="rId17"/>
+    <p:sldId id="260" r:id="rId18"/>
+    <p:sldId id="273" r:id="rId19"/>
+    <p:sldId id="274" r:id="rId20"/>
+    <p:sldId id="275" r:id="rId21"/>
+    <p:sldId id="265" r:id="rId22"/>
+    <p:sldId id="262" r:id="rId23"/>
+    <p:sldId id="272" r:id="rId24"/>
+    <p:sldId id="264" r:id="rId25"/>
+    <p:sldId id="266" r:id="rId26"/>
   </p:sldIdLst>
   <p:sldSz cx="12192000" cy="6858000"/>
   <p:notesSz cx="6858000" cy="9144000"/>
@@ -3889,33 +3890,33 @@
     </dgm:pt>
   </dgm:ptLst>
   <dgm:cxnLst>
-    <dgm:cxn modelId="{3F4BEE9E-8D26-4AD2-ADA0-D76B4E28C08E}" type="presOf" srcId="{981C2CD8-7E8A-4682-8B5A-A510268B34AC}" destId="{C084451C-3DBC-48CF-A871-B521FE90830A}" srcOrd="0" destOrd="0" presId="urn:microsoft.com/office/officeart/2005/8/layout/process3"/>
+    <dgm:cxn modelId="{93006ACD-B004-4B1F-B0D0-6C85222A28DE}" type="presOf" srcId="{EB5FE175-6B6D-4195-A86F-6DFA96778160}" destId="{ADE18D45-E3E4-4C40-8D6C-3AC62ACE8299}" srcOrd="1" destOrd="0" presId="urn:microsoft.com/office/officeart/2005/8/layout/process3"/>
     <dgm:cxn modelId="{F188FC37-C998-4CDB-85A2-EBB389808248}" type="presOf" srcId="{981C2CD8-7E8A-4682-8B5A-A510268B34AC}" destId="{B29D4F23-83F6-4C7C-9B29-72BF90EFE2CC}" srcOrd="1" destOrd="0" presId="urn:microsoft.com/office/officeart/2005/8/layout/process3"/>
+    <dgm:cxn modelId="{9197A1EF-40BA-4A00-90BC-61CBC94FE8A7}" type="presOf" srcId="{3C06DC45-D510-48CC-B9DC-C19564791119}" destId="{9AFA4903-C1AC-4872-B8FC-33B461DA35FC}" srcOrd="0" destOrd="0" presId="urn:microsoft.com/office/officeart/2005/8/layout/process3"/>
+    <dgm:cxn modelId="{63D5015B-3865-4A4B-AEB1-FBEF0DE71B9A}" srcId="{CADE50C9-6A62-45AC-AF42-A90DC46A3209}" destId="{DC2DF88C-35A0-4E30-A3E4-E002DC34F521}" srcOrd="2" destOrd="0" parTransId="{9BB88C43-2261-4EC7-A70D-463964685938}" sibTransId="{4DFC88DE-E0F0-4976-9B83-58EADA7CE300}"/>
+    <dgm:cxn modelId="{654B2758-BB63-4A67-9FA8-BFB78F357825}" type="presOf" srcId="{DC2DF88C-35A0-4E30-A3E4-E002DC34F521}" destId="{D297B747-A2CF-41E4-A59D-391BC474F135}" srcOrd="0" destOrd="0" presId="urn:microsoft.com/office/officeart/2005/8/layout/process3"/>
     <dgm:cxn modelId="{C0883AEA-830B-4AD2-96BF-9E39D8362AB2}" type="presOf" srcId="{DC2DF88C-35A0-4E30-A3E4-E002DC34F521}" destId="{ABF185BD-956E-4777-8763-980278E426BB}" srcOrd="1" destOrd="0" presId="urn:microsoft.com/office/officeart/2005/8/layout/process3"/>
     <dgm:cxn modelId="{B2733D3B-E352-4F5C-889A-1B9ECD5F8F60}" type="presOf" srcId="{EB5FE175-6B6D-4195-A86F-6DFA96778160}" destId="{B4B2D37A-6F50-4E0F-B305-9EB4D512D773}" srcOrd="0" destOrd="0" presId="urn:microsoft.com/office/officeart/2005/8/layout/process3"/>
+    <dgm:cxn modelId="{5BDE1DA6-E08E-43FF-BCA1-46EC3454F22A}" type="presOf" srcId="{5F712884-449D-4DB5-9953-28B7C76B95EA}" destId="{EF3A946E-96B3-4628-91EB-8B0A2A37DDB1}" srcOrd="0" destOrd="0" presId="urn:microsoft.com/office/officeart/2005/8/layout/process3"/>
+    <dgm:cxn modelId="{7C7C1ACA-D121-4A09-BFF4-2A57A30D871A}" type="presOf" srcId="{D7467A3A-2B78-4CDD-91C9-D96452997227}" destId="{84DC82A2-8D59-472B-BE22-46F053C16CD5}" srcOrd="0" destOrd="0" presId="urn:microsoft.com/office/officeart/2005/8/layout/process3"/>
+    <dgm:cxn modelId="{D998B319-C072-4BF0-B5CB-2075DB30B691}" srcId="{DC2DF88C-35A0-4E30-A3E4-E002DC34F521}" destId="{DF9FD532-8B13-446E-B6A3-59BDF574BCA8}" srcOrd="0" destOrd="0" parTransId="{3A79FA23-5F3F-4F7D-B4AC-A9C282166E18}" sibTransId="{31B32A6E-6E91-4EAA-96F6-92A0035B120A}"/>
+    <dgm:cxn modelId="{AABA8D8C-E800-4FDC-8C5F-A5D82041D563}" type="presOf" srcId="{CF1FE966-0BB0-47ED-84B3-EC7AB055925F}" destId="{032BAEB6-0FB1-4780-AF60-2EFB8C965C77}" srcOrd="0" destOrd="0" presId="urn:microsoft.com/office/officeart/2005/8/layout/process3"/>
     <dgm:cxn modelId="{D95BF8C4-EEA0-4AAE-8693-AFAC7500B286}" srcId="{CADE50C9-6A62-45AC-AF42-A90DC46A3209}" destId="{981C2CD8-7E8A-4682-8B5A-A510268B34AC}" srcOrd="1" destOrd="0" parTransId="{1185AE54-EDEE-4D55-93F6-F7D354ED7C11}" sibTransId="{D7467A3A-2B78-4CDD-91C9-D96452997227}"/>
+    <dgm:cxn modelId="{5BBBD0A9-97DA-480E-AD44-1947C76CE5E6}" srcId="{CADE50C9-6A62-45AC-AF42-A90DC46A3209}" destId="{5F712884-449D-4DB5-9953-28B7C76B95EA}" srcOrd="0" destOrd="0" parTransId="{959B81DB-0329-4043-A334-D05EB5160B66}" sibTransId="{EB5FE175-6B6D-4195-A86F-6DFA96778160}"/>
+    <dgm:cxn modelId="{2A4D48E1-6639-4AC8-ABBF-C8A0D045AFB7}" srcId="{F5961DD5-682B-4D21-A827-30C64679BB5F}" destId="{72DB7378-4256-4528-8672-DEEF82828E57}" srcOrd="0" destOrd="0" parTransId="{97CEFC59-E261-4652-BC13-D71B45B5EC50}" sibTransId="{D0054105-F7A3-4CAE-89E2-0979360A932C}"/>
+    <dgm:cxn modelId="{7A81218D-5146-40F9-9731-5BD21503537E}" srcId="{981C2CD8-7E8A-4682-8B5A-A510268B34AC}" destId="{CF1FE966-0BB0-47ED-84B3-EC7AB055925F}" srcOrd="0" destOrd="0" parTransId="{FB956851-3BB2-4FF1-A9D6-4692FA0EFDCA}" sibTransId="{831C3CE2-0F23-433C-85CA-9D194AAC5E20}"/>
     <dgm:cxn modelId="{6C7842C7-2928-4666-A7BA-454C6506C36C}" type="presOf" srcId="{4DFC88DE-E0F0-4976-9B83-58EADA7CE300}" destId="{7E8F3DD0-4BD8-4C40-B882-1E8B5E423D90}" srcOrd="1" destOrd="0" presId="urn:microsoft.com/office/officeart/2005/8/layout/process3"/>
-    <dgm:cxn modelId="{7A81218D-5146-40F9-9731-5BD21503537E}" srcId="{981C2CD8-7E8A-4682-8B5A-A510268B34AC}" destId="{CF1FE966-0BB0-47ED-84B3-EC7AB055925F}" srcOrd="0" destOrd="0" parTransId="{FB956851-3BB2-4FF1-A9D6-4692FA0EFDCA}" sibTransId="{831C3CE2-0F23-433C-85CA-9D194AAC5E20}"/>
+    <dgm:cxn modelId="{55246683-0A80-455D-B6B5-2B2736293CF2}" srcId="{5F712884-449D-4DB5-9953-28B7C76B95EA}" destId="{3C06DC45-D510-48CC-B9DC-C19564791119}" srcOrd="0" destOrd="0" parTransId="{65F5C7C6-EB25-442A-AB0B-B47F97609474}" sibTransId="{D1AB7263-DC38-4830-9C45-C1403EA8E20B}"/>
+    <dgm:cxn modelId="{461E3B8D-CDD4-4E38-A9CC-325E95F35F5C}" type="presOf" srcId="{72DB7378-4256-4528-8672-DEEF82828E57}" destId="{893E387F-15C0-4F86-BCD4-13F52E420B46}" srcOrd="0" destOrd="0" presId="urn:microsoft.com/office/officeart/2005/8/layout/process3"/>
+    <dgm:cxn modelId="{7A63044C-EE1D-4724-9059-4496B4425527}" type="presOf" srcId="{F5961DD5-682B-4D21-A827-30C64679BB5F}" destId="{4858D85A-2D02-42C7-A50A-A4E78D4F073F}" srcOrd="0" destOrd="0" presId="urn:microsoft.com/office/officeart/2005/8/layout/process3"/>
+    <dgm:cxn modelId="{BB6865B8-A688-4FC4-AFAA-E66324174F02}" type="presOf" srcId="{5F712884-449D-4DB5-9953-28B7C76B95EA}" destId="{E252839F-D941-4E3B-BA68-AC653DAEAE4C}" srcOrd="1" destOrd="0" presId="urn:microsoft.com/office/officeart/2005/8/layout/process3"/>
+    <dgm:cxn modelId="{73708078-FDBA-43F4-96AB-FB14C4C2602F}" srcId="{CADE50C9-6A62-45AC-AF42-A90DC46A3209}" destId="{F5961DD5-682B-4D21-A827-30C64679BB5F}" srcOrd="3" destOrd="0" parTransId="{75D73089-01C8-4BC0-90ED-CA9D1B8E3ADF}" sibTransId="{CA7ED3B0-10D1-4E2F-8BA0-8D58C22A94D0}"/>
+    <dgm:cxn modelId="{37CFE086-8264-4424-B1D0-18A97A56AF66}" type="presOf" srcId="{4DFC88DE-E0F0-4976-9B83-58EADA7CE300}" destId="{14AD0DAF-92D3-400A-A4E0-170D0AF84100}" srcOrd="0" destOrd="0" presId="urn:microsoft.com/office/officeart/2005/8/layout/process3"/>
+    <dgm:cxn modelId="{A5C9FCE5-8766-426B-B5BE-B83931DD52CA}" type="presOf" srcId="{D7467A3A-2B78-4CDD-91C9-D96452997227}" destId="{E38B4FCE-9678-4085-AB99-40595BD6EB1C}" srcOrd="1" destOrd="0" presId="urn:microsoft.com/office/officeart/2005/8/layout/process3"/>
+    <dgm:cxn modelId="{3F4BEE9E-8D26-4AD2-ADA0-D76B4E28C08E}" type="presOf" srcId="{981C2CD8-7E8A-4682-8B5A-A510268B34AC}" destId="{C084451C-3DBC-48CF-A871-B521FE90830A}" srcOrd="0" destOrd="0" presId="urn:microsoft.com/office/officeart/2005/8/layout/process3"/>
     <dgm:cxn modelId="{47BAA679-3D6E-4A1A-91AA-9E404EE6A4CB}" type="presOf" srcId="{F5961DD5-682B-4D21-A827-30C64679BB5F}" destId="{D685B160-AC57-41A0-95FE-636A4391B913}" srcOrd="1" destOrd="0" presId="urn:microsoft.com/office/officeart/2005/8/layout/process3"/>
-    <dgm:cxn modelId="{AABA8D8C-E800-4FDC-8C5F-A5D82041D563}" type="presOf" srcId="{CF1FE966-0BB0-47ED-84B3-EC7AB055925F}" destId="{032BAEB6-0FB1-4780-AF60-2EFB8C965C77}" srcOrd="0" destOrd="0" presId="urn:microsoft.com/office/officeart/2005/8/layout/process3"/>
-    <dgm:cxn modelId="{A5C9FCE5-8766-426B-B5BE-B83931DD52CA}" type="presOf" srcId="{D7467A3A-2B78-4CDD-91C9-D96452997227}" destId="{E38B4FCE-9678-4085-AB99-40595BD6EB1C}" srcOrd="1" destOrd="0" presId="urn:microsoft.com/office/officeart/2005/8/layout/process3"/>
-    <dgm:cxn modelId="{7C7C1ACA-D121-4A09-BFF4-2A57A30D871A}" type="presOf" srcId="{D7467A3A-2B78-4CDD-91C9-D96452997227}" destId="{84DC82A2-8D59-472B-BE22-46F053C16CD5}" srcOrd="0" destOrd="0" presId="urn:microsoft.com/office/officeart/2005/8/layout/process3"/>
-    <dgm:cxn modelId="{461E3B8D-CDD4-4E38-A9CC-325E95F35F5C}" type="presOf" srcId="{72DB7378-4256-4528-8672-DEEF82828E57}" destId="{893E387F-15C0-4F86-BCD4-13F52E420B46}" srcOrd="0" destOrd="0" presId="urn:microsoft.com/office/officeart/2005/8/layout/process3"/>
-    <dgm:cxn modelId="{93006ACD-B004-4B1F-B0D0-6C85222A28DE}" type="presOf" srcId="{EB5FE175-6B6D-4195-A86F-6DFA96778160}" destId="{ADE18D45-E3E4-4C40-8D6C-3AC62ACE8299}" srcOrd="1" destOrd="0" presId="urn:microsoft.com/office/officeart/2005/8/layout/process3"/>
-    <dgm:cxn modelId="{37CFE086-8264-4424-B1D0-18A97A56AF66}" type="presOf" srcId="{4DFC88DE-E0F0-4976-9B83-58EADA7CE300}" destId="{14AD0DAF-92D3-400A-A4E0-170D0AF84100}" srcOrd="0" destOrd="0" presId="urn:microsoft.com/office/officeart/2005/8/layout/process3"/>
-    <dgm:cxn modelId="{7A63044C-EE1D-4724-9059-4496B4425527}" type="presOf" srcId="{F5961DD5-682B-4D21-A827-30C64679BB5F}" destId="{4858D85A-2D02-42C7-A50A-A4E78D4F073F}" srcOrd="0" destOrd="0" presId="urn:microsoft.com/office/officeart/2005/8/layout/process3"/>
-    <dgm:cxn modelId="{2A4D48E1-6639-4AC8-ABBF-C8A0D045AFB7}" srcId="{F5961DD5-682B-4D21-A827-30C64679BB5F}" destId="{72DB7378-4256-4528-8672-DEEF82828E57}" srcOrd="0" destOrd="0" parTransId="{97CEFC59-E261-4652-BC13-D71B45B5EC50}" sibTransId="{D0054105-F7A3-4CAE-89E2-0979360A932C}"/>
-    <dgm:cxn modelId="{D998B319-C072-4BF0-B5CB-2075DB30B691}" srcId="{DC2DF88C-35A0-4E30-A3E4-E002DC34F521}" destId="{DF9FD532-8B13-446E-B6A3-59BDF574BCA8}" srcOrd="0" destOrd="0" parTransId="{3A79FA23-5F3F-4F7D-B4AC-A9C282166E18}" sibTransId="{31B32A6E-6E91-4EAA-96F6-92A0035B120A}"/>
-    <dgm:cxn modelId="{654B2758-BB63-4A67-9FA8-BFB78F357825}" type="presOf" srcId="{DC2DF88C-35A0-4E30-A3E4-E002DC34F521}" destId="{D297B747-A2CF-41E4-A59D-391BC474F135}" srcOrd="0" destOrd="0" presId="urn:microsoft.com/office/officeart/2005/8/layout/process3"/>
+    <dgm:cxn modelId="{AF250757-46ED-49A3-A2B4-276D1B47F666}" type="presOf" srcId="{CADE50C9-6A62-45AC-AF42-A90DC46A3209}" destId="{FDB6D5C0-0ED5-4B9D-9E48-126ED2C433C3}" srcOrd="0" destOrd="0" presId="urn:microsoft.com/office/officeart/2005/8/layout/process3"/>
     <dgm:cxn modelId="{762AB07F-C728-41D8-9B57-DB011D1EC3F0}" type="presOf" srcId="{DF9FD532-8B13-446E-B6A3-59BDF574BCA8}" destId="{1526152F-906E-4121-A143-DD130A011105}" srcOrd="0" destOrd="0" presId="urn:microsoft.com/office/officeart/2005/8/layout/process3"/>
-    <dgm:cxn modelId="{55246683-0A80-455D-B6B5-2B2736293CF2}" srcId="{5F712884-449D-4DB5-9953-28B7C76B95EA}" destId="{3C06DC45-D510-48CC-B9DC-C19564791119}" srcOrd="0" destOrd="0" parTransId="{65F5C7C6-EB25-442A-AB0B-B47F97609474}" sibTransId="{D1AB7263-DC38-4830-9C45-C1403EA8E20B}"/>
-    <dgm:cxn modelId="{5BBBD0A9-97DA-480E-AD44-1947C76CE5E6}" srcId="{CADE50C9-6A62-45AC-AF42-A90DC46A3209}" destId="{5F712884-449D-4DB5-9953-28B7C76B95EA}" srcOrd="0" destOrd="0" parTransId="{959B81DB-0329-4043-A334-D05EB5160B66}" sibTransId="{EB5FE175-6B6D-4195-A86F-6DFA96778160}"/>
-    <dgm:cxn modelId="{5BDE1DA6-E08E-43FF-BCA1-46EC3454F22A}" type="presOf" srcId="{5F712884-449D-4DB5-9953-28B7C76B95EA}" destId="{EF3A946E-96B3-4628-91EB-8B0A2A37DDB1}" srcOrd="0" destOrd="0" presId="urn:microsoft.com/office/officeart/2005/8/layout/process3"/>
-    <dgm:cxn modelId="{9197A1EF-40BA-4A00-90BC-61CBC94FE8A7}" type="presOf" srcId="{3C06DC45-D510-48CC-B9DC-C19564791119}" destId="{9AFA4903-C1AC-4872-B8FC-33B461DA35FC}" srcOrd="0" destOrd="0" presId="urn:microsoft.com/office/officeart/2005/8/layout/process3"/>
-    <dgm:cxn modelId="{63D5015B-3865-4A4B-AEB1-FBEF0DE71B9A}" srcId="{CADE50C9-6A62-45AC-AF42-A90DC46A3209}" destId="{DC2DF88C-35A0-4E30-A3E4-E002DC34F521}" srcOrd="2" destOrd="0" parTransId="{9BB88C43-2261-4EC7-A70D-463964685938}" sibTransId="{4DFC88DE-E0F0-4976-9B83-58EADA7CE300}"/>
-    <dgm:cxn modelId="{73708078-FDBA-43F4-96AB-FB14C4C2602F}" srcId="{CADE50C9-6A62-45AC-AF42-A90DC46A3209}" destId="{F5961DD5-682B-4D21-A827-30C64679BB5F}" srcOrd="3" destOrd="0" parTransId="{75D73089-01C8-4BC0-90ED-CA9D1B8E3ADF}" sibTransId="{CA7ED3B0-10D1-4E2F-8BA0-8D58C22A94D0}"/>
-    <dgm:cxn modelId="{BB6865B8-A688-4FC4-AFAA-E66324174F02}" type="presOf" srcId="{5F712884-449D-4DB5-9953-28B7C76B95EA}" destId="{E252839F-D941-4E3B-BA68-AC653DAEAE4C}" srcOrd="1" destOrd="0" presId="urn:microsoft.com/office/officeart/2005/8/layout/process3"/>
-    <dgm:cxn modelId="{AF250757-46ED-49A3-A2B4-276D1B47F666}" type="presOf" srcId="{CADE50C9-6A62-45AC-AF42-A90DC46A3209}" destId="{FDB6D5C0-0ED5-4B9D-9E48-126ED2C433C3}" srcOrd="0" destOrd="0" presId="urn:microsoft.com/office/officeart/2005/8/layout/process3"/>
     <dgm:cxn modelId="{2B1E6CD2-9E99-4BF4-91F4-6569897959CC}" type="presParOf" srcId="{FDB6D5C0-0ED5-4B9D-9E48-126ED2C433C3}" destId="{CFDB6B04-AAD5-42A2-8A40-C0EC4077F01E}" srcOrd="0" destOrd="0" presId="urn:microsoft.com/office/officeart/2005/8/layout/process3"/>
     <dgm:cxn modelId="{1E36B744-698A-4110-8366-45A5C14FAB2F}" type="presParOf" srcId="{CFDB6B04-AAD5-42A2-8A40-C0EC4077F01E}" destId="{EF3A946E-96B3-4628-91EB-8B0A2A37DDB1}" srcOrd="0" destOrd="0" presId="urn:microsoft.com/office/officeart/2005/8/layout/process3"/>
     <dgm:cxn modelId="{A8E72DFA-2E76-423D-B051-4B4AE1F43988}" type="presParOf" srcId="{CFDB6B04-AAD5-42A2-8A40-C0EC4077F01E}" destId="{E252839F-D941-4E3B-BA68-AC653DAEAE4C}" srcOrd="1" destOrd="0" presId="urn:microsoft.com/office/officeart/2005/8/layout/process3"/>
@@ -4816,33 +4817,33 @@
     </dgm:pt>
   </dgm:ptLst>
   <dgm:cxnLst>
+    <dgm:cxn modelId="{3F4BEE9E-8D26-4AD2-ADA0-D76B4E28C08E}" type="presOf" srcId="{981C2CD8-7E8A-4682-8B5A-A510268B34AC}" destId="{C084451C-3DBC-48CF-A871-B521FE90830A}" srcOrd="0" destOrd="0" presId="urn:microsoft.com/office/officeart/2005/8/layout/process3"/>
+    <dgm:cxn modelId="{F188FC37-C998-4CDB-85A2-EBB389808248}" type="presOf" srcId="{981C2CD8-7E8A-4682-8B5A-A510268B34AC}" destId="{B29D4F23-83F6-4C7C-9B29-72BF90EFE2CC}" srcOrd="1" destOrd="0" presId="urn:microsoft.com/office/officeart/2005/8/layout/process3"/>
+    <dgm:cxn modelId="{C0883AEA-830B-4AD2-96BF-9E39D8362AB2}" type="presOf" srcId="{DC2DF88C-35A0-4E30-A3E4-E002DC34F521}" destId="{ABF185BD-956E-4777-8763-980278E426BB}" srcOrd="1" destOrd="0" presId="urn:microsoft.com/office/officeart/2005/8/layout/process3"/>
+    <dgm:cxn modelId="{B2733D3B-E352-4F5C-889A-1B9ECD5F8F60}" type="presOf" srcId="{EB5FE175-6B6D-4195-A86F-6DFA96778160}" destId="{B4B2D37A-6F50-4E0F-B305-9EB4D512D773}" srcOrd="0" destOrd="0" presId="urn:microsoft.com/office/officeart/2005/8/layout/process3"/>
+    <dgm:cxn modelId="{D95BF8C4-EEA0-4AAE-8693-AFAC7500B286}" srcId="{CADE50C9-6A62-45AC-AF42-A90DC46A3209}" destId="{981C2CD8-7E8A-4682-8B5A-A510268B34AC}" srcOrd="1" destOrd="0" parTransId="{1185AE54-EDEE-4D55-93F6-F7D354ED7C11}" sibTransId="{D7467A3A-2B78-4CDD-91C9-D96452997227}"/>
+    <dgm:cxn modelId="{6C7842C7-2928-4666-A7BA-454C6506C36C}" type="presOf" srcId="{4DFC88DE-E0F0-4976-9B83-58EADA7CE300}" destId="{7E8F3DD0-4BD8-4C40-B882-1E8B5E423D90}" srcOrd="1" destOrd="0" presId="urn:microsoft.com/office/officeart/2005/8/layout/process3"/>
+    <dgm:cxn modelId="{7A81218D-5146-40F9-9731-5BD21503537E}" srcId="{981C2CD8-7E8A-4682-8B5A-A510268B34AC}" destId="{CF1FE966-0BB0-47ED-84B3-EC7AB055925F}" srcOrd="0" destOrd="0" parTransId="{FB956851-3BB2-4FF1-A9D6-4692FA0EFDCA}" sibTransId="{831C3CE2-0F23-433C-85CA-9D194AAC5E20}"/>
+    <dgm:cxn modelId="{47BAA679-3D6E-4A1A-91AA-9E404EE6A4CB}" type="presOf" srcId="{F5961DD5-682B-4D21-A827-30C64679BB5F}" destId="{D685B160-AC57-41A0-95FE-636A4391B913}" srcOrd="1" destOrd="0" presId="urn:microsoft.com/office/officeart/2005/8/layout/process3"/>
+    <dgm:cxn modelId="{AABA8D8C-E800-4FDC-8C5F-A5D82041D563}" type="presOf" srcId="{CF1FE966-0BB0-47ED-84B3-EC7AB055925F}" destId="{032BAEB6-0FB1-4780-AF60-2EFB8C965C77}" srcOrd="0" destOrd="0" presId="urn:microsoft.com/office/officeart/2005/8/layout/process3"/>
+    <dgm:cxn modelId="{A5C9FCE5-8766-426B-B5BE-B83931DD52CA}" type="presOf" srcId="{D7467A3A-2B78-4CDD-91C9-D96452997227}" destId="{E38B4FCE-9678-4085-AB99-40595BD6EB1C}" srcOrd="1" destOrd="0" presId="urn:microsoft.com/office/officeart/2005/8/layout/process3"/>
+    <dgm:cxn modelId="{7C7C1ACA-D121-4A09-BFF4-2A57A30D871A}" type="presOf" srcId="{D7467A3A-2B78-4CDD-91C9-D96452997227}" destId="{84DC82A2-8D59-472B-BE22-46F053C16CD5}" srcOrd="0" destOrd="0" presId="urn:microsoft.com/office/officeart/2005/8/layout/process3"/>
+    <dgm:cxn modelId="{461E3B8D-CDD4-4E38-A9CC-325E95F35F5C}" type="presOf" srcId="{72DB7378-4256-4528-8672-DEEF82828E57}" destId="{893E387F-15C0-4F86-BCD4-13F52E420B46}" srcOrd="0" destOrd="0" presId="urn:microsoft.com/office/officeart/2005/8/layout/process3"/>
     <dgm:cxn modelId="{93006ACD-B004-4B1F-B0D0-6C85222A28DE}" type="presOf" srcId="{EB5FE175-6B6D-4195-A86F-6DFA96778160}" destId="{ADE18D45-E3E4-4C40-8D6C-3AC62ACE8299}" srcOrd="1" destOrd="0" presId="urn:microsoft.com/office/officeart/2005/8/layout/process3"/>
-    <dgm:cxn modelId="{F188FC37-C998-4CDB-85A2-EBB389808248}" type="presOf" srcId="{981C2CD8-7E8A-4682-8B5A-A510268B34AC}" destId="{B29D4F23-83F6-4C7C-9B29-72BF90EFE2CC}" srcOrd="1" destOrd="0" presId="urn:microsoft.com/office/officeart/2005/8/layout/process3"/>
+    <dgm:cxn modelId="{37CFE086-8264-4424-B1D0-18A97A56AF66}" type="presOf" srcId="{4DFC88DE-E0F0-4976-9B83-58EADA7CE300}" destId="{14AD0DAF-92D3-400A-A4E0-170D0AF84100}" srcOrd="0" destOrd="0" presId="urn:microsoft.com/office/officeart/2005/8/layout/process3"/>
+    <dgm:cxn modelId="{7A63044C-EE1D-4724-9059-4496B4425527}" type="presOf" srcId="{F5961DD5-682B-4D21-A827-30C64679BB5F}" destId="{4858D85A-2D02-42C7-A50A-A4E78D4F073F}" srcOrd="0" destOrd="0" presId="urn:microsoft.com/office/officeart/2005/8/layout/process3"/>
+    <dgm:cxn modelId="{2A4D48E1-6639-4AC8-ABBF-C8A0D045AFB7}" srcId="{F5961DD5-682B-4D21-A827-30C64679BB5F}" destId="{72DB7378-4256-4528-8672-DEEF82828E57}" srcOrd="0" destOrd="0" parTransId="{97CEFC59-E261-4652-BC13-D71B45B5EC50}" sibTransId="{D0054105-F7A3-4CAE-89E2-0979360A932C}"/>
+    <dgm:cxn modelId="{D998B319-C072-4BF0-B5CB-2075DB30B691}" srcId="{DC2DF88C-35A0-4E30-A3E4-E002DC34F521}" destId="{DF9FD532-8B13-446E-B6A3-59BDF574BCA8}" srcOrd="0" destOrd="0" parTransId="{3A79FA23-5F3F-4F7D-B4AC-A9C282166E18}" sibTransId="{31B32A6E-6E91-4EAA-96F6-92A0035B120A}"/>
+    <dgm:cxn modelId="{654B2758-BB63-4A67-9FA8-BFB78F357825}" type="presOf" srcId="{DC2DF88C-35A0-4E30-A3E4-E002DC34F521}" destId="{D297B747-A2CF-41E4-A59D-391BC474F135}" srcOrd="0" destOrd="0" presId="urn:microsoft.com/office/officeart/2005/8/layout/process3"/>
+    <dgm:cxn modelId="{762AB07F-C728-41D8-9B57-DB011D1EC3F0}" type="presOf" srcId="{DF9FD532-8B13-446E-B6A3-59BDF574BCA8}" destId="{1526152F-906E-4121-A143-DD130A011105}" srcOrd="0" destOrd="0" presId="urn:microsoft.com/office/officeart/2005/8/layout/process3"/>
+    <dgm:cxn modelId="{55246683-0A80-455D-B6B5-2B2736293CF2}" srcId="{5F712884-449D-4DB5-9953-28B7C76B95EA}" destId="{3C06DC45-D510-48CC-B9DC-C19564791119}" srcOrd="0" destOrd="0" parTransId="{65F5C7C6-EB25-442A-AB0B-B47F97609474}" sibTransId="{D1AB7263-DC38-4830-9C45-C1403EA8E20B}"/>
+    <dgm:cxn modelId="{5BBBD0A9-97DA-480E-AD44-1947C76CE5E6}" srcId="{CADE50C9-6A62-45AC-AF42-A90DC46A3209}" destId="{5F712884-449D-4DB5-9953-28B7C76B95EA}" srcOrd="0" destOrd="0" parTransId="{959B81DB-0329-4043-A334-D05EB5160B66}" sibTransId="{EB5FE175-6B6D-4195-A86F-6DFA96778160}"/>
+    <dgm:cxn modelId="{5BDE1DA6-E08E-43FF-BCA1-46EC3454F22A}" type="presOf" srcId="{5F712884-449D-4DB5-9953-28B7C76B95EA}" destId="{EF3A946E-96B3-4628-91EB-8B0A2A37DDB1}" srcOrd="0" destOrd="0" presId="urn:microsoft.com/office/officeart/2005/8/layout/process3"/>
     <dgm:cxn modelId="{9197A1EF-40BA-4A00-90BC-61CBC94FE8A7}" type="presOf" srcId="{3C06DC45-D510-48CC-B9DC-C19564791119}" destId="{9AFA4903-C1AC-4872-B8FC-33B461DA35FC}" srcOrd="0" destOrd="0" presId="urn:microsoft.com/office/officeart/2005/8/layout/process3"/>
     <dgm:cxn modelId="{63D5015B-3865-4A4B-AEB1-FBEF0DE71B9A}" srcId="{CADE50C9-6A62-45AC-AF42-A90DC46A3209}" destId="{DC2DF88C-35A0-4E30-A3E4-E002DC34F521}" srcOrd="2" destOrd="0" parTransId="{9BB88C43-2261-4EC7-A70D-463964685938}" sibTransId="{4DFC88DE-E0F0-4976-9B83-58EADA7CE300}"/>
-    <dgm:cxn modelId="{654B2758-BB63-4A67-9FA8-BFB78F357825}" type="presOf" srcId="{DC2DF88C-35A0-4E30-A3E4-E002DC34F521}" destId="{D297B747-A2CF-41E4-A59D-391BC474F135}" srcOrd="0" destOrd="0" presId="urn:microsoft.com/office/officeart/2005/8/layout/process3"/>
-    <dgm:cxn modelId="{C0883AEA-830B-4AD2-96BF-9E39D8362AB2}" type="presOf" srcId="{DC2DF88C-35A0-4E30-A3E4-E002DC34F521}" destId="{ABF185BD-956E-4777-8763-980278E426BB}" srcOrd="1" destOrd="0" presId="urn:microsoft.com/office/officeart/2005/8/layout/process3"/>
-    <dgm:cxn modelId="{B2733D3B-E352-4F5C-889A-1B9ECD5F8F60}" type="presOf" srcId="{EB5FE175-6B6D-4195-A86F-6DFA96778160}" destId="{B4B2D37A-6F50-4E0F-B305-9EB4D512D773}" srcOrd="0" destOrd="0" presId="urn:microsoft.com/office/officeart/2005/8/layout/process3"/>
-    <dgm:cxn modelId="{5BDE1DA6-E08E-43FF-BCA1-46EC3454F22A}" type="presOf" srcId="{5F712884-449D-4DB5-9953-28B7C76B95EA}" destId="{EF3A946E-96B3-4628-91EB-8B0A2A37DDB1}" srcOrd="0" destOrd="0" presId="urn:microsoft.com/office/officeart/2005/8/layout/process3"/>
-    <dgm:cxn modelId="{7C7C1ACA-D121-4A09-BFF4-2A57A30D871A}" type="presOf" srcId="{D7467A3A-2B78-4CDD-91C9-D96452997227}" destId="{84DC82A2-8D59-472B-BE22-46F053C16CD5}" srcOrd="0" destOrd="0" presId="urn:microsoft.com/office/officeart/2005/8/layout/process3"/>
-    <dgm:cxn modelId="{D998B319-C072-4BF0-B5CB-2075DB30B691}" srcId="{DC2DF88C-35A0-4E30-A3E4-E002DC34F521}" destId="{DF9FD532-8B13-446E-B6A3-59BDF574BCA8}" srcOrd="0" destOrd="0" parTransId="{3A79FA23-5F3F-4F7D-B4AC-A9C282166E18}" sibTransId="{31B32A6E-6E91-4EAA-96F6-92A0035B120A}"/>
-    <dgm:cxn modelId="{AABA8D8C-E800-4FDC-8C5F-A5D82041D563}" type="presOf" srcId="{CF1FE966-0BB0-47ED-84B3-EC7AB055925F}" destId="{032BAEB6-0FB1-4780-AF60-2EFB8C965C77}" srcOrd="0" destOrd="0" presId="urn:microsoft.com/office/officeart/2005/8/layout/process3"/>
-    <dgm:cxn modelId="{D95BF8C4-EEA0-4AAE-8693-AFAC7500B286}" srcId="{CADE50C9-6A62-45AC-AF42-A90DC46A3209}" destId="{981C2CD8-7E8A-4682-8B5A-A510268B34AC}" srcOrd="1" destOrd="0" parTransId="{1185AE54-EDEE-4D55-93F6-F7D354ED7C11}" sibTransId="{D7467A3A-2B78-4CDD-91C9-D96452997227}"/>
-    <dgm:cxn modelId="{5BBBD0A9-97DA-480E-AD44-1947C76CE5E6}" srcId="{CADE50C9-6A62-45AC-AF42-A90DC46A3209}" destId="{5F712884-449D-4DB5-9953-28B7C76B95EA}" srcOrd="0" destOrd="0" parTransId="{959B81DB-0329-4043-A334-D05EB5160B66}" sibTransId="{EB5FE175-6B6D-4195-A86F-6DFA96778160}"/>
-    <dgm:cxn modelId="{2A4D48E1-6639-4AC8-ABBF-C8A0D045AFB7}" srcId="{F5961DD5-682B-4D21-A827-30C64679BB5F}" destId="{72DB7378-4256-4528-8672-DEEF82828E57}" srcOrd="0" destOrd="0" parTransId="{97CEFC59-E261-4652-BC13-D71B45B5EC50}" sibTransId="{D0054105-F7A3-4CAE-89E2-0979360A932C}"/>
-    <dgm:cxn modelId="{7A81218D-5146-40F9-9731-5BD21503537E}" srcId="{981C2CD8-7E8A-4682-8B5A-A510268B34AC}" destId="{CF1FE966-0BB0-47ED-84B3-EC7AB055925F}" srcOrd="0" destOrd="0" parTransId="{FB956851-3BB2-4FF1-A9D6-4692FA0EFDCA}" sibTransId="{831C3CE2-0F23-433C-85CA-9D194AAC5E20}"/>
-    <dgm:cxn modelId="{6C7842C7-2928-4666-A7BA-454C6506C36C}" type="presOf" srcId="{4DFC88DE-E0F0-4976-9B83-58EADA7CE300}" destId="{7E8F3DD0-4BD8-4C40-B882-1E8B5E423D90}" srcOrd="1" destOrd="0" presId="urn:microsoft.com/office/officeart/2005/8/layout/process3"/>
-    <dgm:cxn modelId="{55246683-0A80-455D-B6B5-2B2736293CF2}" srcId="{5F712884-449D-4DB5-9953-28B7C76B95EA}" destId="{3C06DC45-D510-48CC-B9DC-C19564791119}" srcOrd="0" destOrd="0" parTransId="{65F5C7C6-EB25-442A-AB0B-B47F97609474}" sibTransId="{D1AB7263-DC38-4830-9C45-C1403EA8E20B}"/>
-    <dgm:cxn modelId="{461E3B8D-CDD4-4E38-A9CC-325E95F35F5C}" type="presOf" srcId="{72DB7378-4256-4528-8672-DEEF82828E57}" destId="{893E387F-15C0-4F86-BCD4-13F52E420B46}" srcOrd="0" destOrd="0" presId="urn:microsoft.com/office/officeart/2005/8/layout/process3"/>
-    <dgm:cxn modelId="{7A63044C-EE1D-4724-9059-4496B4425527}" type="presOf" srcId="{F5961DD5-682B-4D21-A827-30C64679BB5F}" destId="{4858D85A-2D02-42C7-A50A-A4E78D4F073F}" srcOrd="0" destOrd="0" presId="urn:microsoft.com/office/officeart/2005/8/layout/process3"/>
+    <dgm:cxn modelId="{73708078-FDBA-43F4-96AB-FB14C4C2602F}" srcId="{CADE50C9-6A62-45AC-AF42-A90DC46A3209}" destId="{F5961DD5-682B-4D21-A827-30C64679BB5F}" srcOrd="3" destOrd="0" parTransId="{75D73089-01C8-4BC0-90ED-CA9D1B8E3ADF}" sibTransId="{CA7ED3B0-10D1-4E2F-8BA0-8D58C22A94D0}"/>
     <dgm:cxn modelId="{BB6865B8-A688-4FC4-AFAA-E66324174F02}" type="presOf" srcId="{5F712884-449D-4DB5-9953-28B7C76B95EA}" destId="{E252839F-D941-4E3B-BA68-AC653DAEAE4C}" srcOrd="1" destOrd="0" presId="urn:microsoft.com/office/officeart/2005/8/layout/process3"/>
-    <dgm:cxn modelId="{73708078-FDBA-43F4-96AB-FB14C4C2602F}" srcId="{CADE50C9-6A62-45AC-AF42-A90DC46A3209}" destId="{F5961DD5-682B-4D21-A827-30C64679BB5F}" srcOrd="3" destOrd="0" parTransId="{75D73089-01C8-4BC0-90ED-CA9D1B8E3ADF}" sibTransId="{CA7ED3B0-10D1-4E2F-8BA0-8D58C22A94D0}"/>
-    <dgm:cxn modelId="{37CFE086-8264-4424-B1D0-18A97A56AF66}" type="presOf" srcId="{4DFC88DE-E0F0-4976-9B83-58EADA7CE300}" destId="{14AD0DAF-92D3-400A-A4E0-170D0AF84100}" srcOrd="0" destOrd="0" presId="urn:microsoft.com/office/officeart/2005/8/layout/process3"/>
-    <dgm:cxn modelId="{A5C9FCE5-8766-426B-B5BE-B83931DD52CA}" type="presOf" srcId="{D7467A3A-2B78-4CDD-91C9-D96452997227}" destId="{E38B4FCE-9678-4085-AB99-40595BD6EB1C}" srcOrd="1" destOrd="0" presId="urn:microsoft.com/office/officeart/2005/8/layout/process3"/>
-    <dgm:cxn modelId="{3F4BEE9E-8D26-4AD2-ADA0-D76B4E28C08E}" type="presOf" srcId="{981C2CD8-7E8A-4682-8B5A-A510268B34AC}" destId="{C084451C-3DBC-48CF-A871-B521FE90830A}" srcOrd="0" destOrd="0" presId="urn:microsoft.com/office/officeart/2005/8/layout/process3"/>
-    <dgm:cxn modelId="{47BAA679-3D6E-4A1A-91AA-9E404EE6A4CB}" type="presOf" srcId="{F5961DD5-682B-4D21-A827-30C64679BB5F}" destId="{D685B160-AC57-41A0-95FE-636A4391B913}" srcOrd="1" destOrd="0" presId="urn:microsoft.com/office/officeart/2005/8/layout/process3"/>
     <dgm:cxn modelId="{AF250757-46ED-49A3-A2B4-276D1B47F666}" type="presOf" srcId="{CADE50C9-6A62-45AC-AF42-A90DC46A3209}" destId="{FDB6D5C0-0ED5-4B9D-9E48-126ED2C433C3}" srcOrd="0" destOrd="0" presId="urn:microsoft.com/office/officeart/2005/8/layout/process3"/>
-    <dgm:cxn modelId="{762AB07F-C728-41D8-9B57-DB011D1EC3F0}" type="presOf" srcId="{DF9FD532-8B13-446E-B6A3-59BDF574BCA8}" destId="{1526152F-906E-4121-A143-DD130A011105}" srcOrd="0" destOrd="0" presId="urn:microsoft.com/office/officeart/2005/8/layout/process3"/>
     <dgm:cxn modelId="{2B1E6CD2-9E99-4BF4-91F4-6569897959CC}" type="presParOf" srcId="{FDB6D5C0-0ED5-4B9D-9E48-126ED2C433C3}" destId="{CFDB6B04-AAD5-42A2-8A40-C0EC4077F01E}" srcOrd="0" destOrd="0" presId="urn:microsoft.com/office/officeart/2005/8/layout/process3"/>
     <dgm:cxn modelId="{1E36B744-698A-4110-8366-45A5C14FAB2F}" type="presParOf" srcId="{CFDB6B04-AAD5-42A2-8A40-C0EC4077F01E}" destId="{EF3A946E-96B3-4628-91EB-8B0A2A37DDB1}" srcOrd="0" destOrd="0" presId="urn:microsoft.com/office/officeart/2005/8/layout/process3"/>
     <dgm:cxn modelId="{A8E72DFA-2E76-423D-B051-4B4AE1F43988}" type="presParOf" srcId="{CFDB6B04-AAD5-42A2-8A40-C0EC4077F01E}" destId="{E252839F-D941-4E3B-BA68-AC653DAEAE4C}" srcOrd="1" destOrd="0" presId="urn:microsoft.com/office/officeart/2005/8/layout/process3"/>
@@ -11523,7 +11524,7 @@
           <a:p>
             <a:fld id="{34475077-A074-4E8C-B45E-964494945228}" type="datetimeFigureOut">
               <a:rPr lang="en-US"/>
-              <a:t>5/15/2017</a:t>
+              <a:t>5/21/2017</a:t>
             </a:fld>
             <a:endParaRPr/>
           </a:p>
@@ -11688,7 +11689,7 @@
           <a:p>
             <a:fld id="{6A2B48A4-4B96-49F4-8C25-4C9D06114B2C}" type="datetimeFigureOut">
               <a:rPr lang="en-US"/>
-              <a:t>5/15/2017</a:t>
+              <a:t>5/21/2017</a:t>
             </a:fld>
             <a:endParaRPr/>
           </a:p>
@@ -12144,7 +12145,7 @@
     </p:spTree>
     <p:extLst>
       <p:ext uri="{BB962C8B-B14F-4D97-AF65-F5344CB8AC3E}">
-        <p14:creationId xmlns:p14="http://schemas.microsoft.com/office/powerpoint/2010/main" val="1788840736"/>
+        <p14:creationId xmlns:p14="http://schemas.microsoft.com/office/powerpoint/2010/main" val="3997717277"/>
       </p:ext>
     </p:extLst>
   </p:cSld>
@@ -12198,20 +12199,34 @@
           <a:bodyPr/>
           <a:lstStyle/>
           <a:p>
+            <a:pPr marL="0" marR="0" indent="0" algn="l" defTabSz="914400" rtl="0" eaLnBrk="1" fontAlgn="auto" latinLnBrk="0" hangingPunct="1">
+              <a:lnSpc>
+                <a:spcPct val="100000"/>
+              </a:lnSpc>
+              <a:spcBef>
+                <a:spcPts val="0"/>
+              </a:spcBef>
+              <a:spcAft>
+                <a:spcPts val="0"/>
+              </a:spcAft>
+              <a:buClrTx/>
+              <a:buSzTx/>
+              <a:buFontTx/>
+              <a:buNone/>
+              <a:tabLst/>
+              <a:defRPr/>
+            </a:pPr>
             <a:r>
               <a:rPr lang="en-US" dirty="0"/>
-              <a:t>List all of the steps used in completing</a:t>
+              <a:t>Summarize your research in</a:t>
             </a:r>
             <a:r>
               <a:rPr lang="en-US" baseline="0" dirty="0"/>
-              <a:t> your experiment.</a:t>
-            </a:r>
-          </a:p>
-          <a:p>
-            <a:r>
-              <a:rPr lang="en-US" baseline="0" dirty="0"/>
-              <a:t>Remember to number your steps.</a:t>
-            </a:r>
+              <a:t> three to five points.</a:t>
+            </a:r>
+            <a:endParaRPr lang="en-US" dirty="0"/>
+          </a:p>
+          <a:p>
             <a:endParaRPr lang="en-US" dirty="0"/>
           </a:p>
         </p:txBody>
@@ -12242,7 +12257,7 @@
     </p:spTree>
     <p:extLst>
       <p:ext uri="{BB962C8B-B14F-4D97-AF65-F5344CB8AC3E}">
-        <p14:creationId xmlns:p14="http://schemas.microsoft.com/office/powerpoint/2010/main" val="4167736229"/>
+        <p14:creationId xmlns:p14="http://schemas.microsoft.com/office/powerpoint/2010/main" val="2638547696"/>
       </p:ext>
     </p:extLst>
   </p:cSld>
@@ -12342,7 +12357,7 @@
           <a:p>
             <a:fld id="{5D81F1E7-4EFD-4BFF-B438-FCD52FD36B17}" type="slidenum">
               <a:rPr lang="en-US" smtClean="0"/>
-              <a:t>15</a:t>
+              <a:t>14</a:t>
             </a:fld>
             <a:endParaRPr lang="en-US"/>
           </a:p>
@@ -12405,30 +12420,19 @@
           <a:bodyPr/>
           <a:lstStyle/>
           <a:p>
-            <a:pPr marL="0" marR="0" indent="0" algn="l" defTabSz="914400" rtl="0" eaLnBrk="1" fontAlgn="auto" latinLnBrk="0" hangingPunct="1">
-              <a:lnSpc>
-                <a:spcPct val="100000"/>
-              </a:lnSpc>
-              <a:spcBef>
-                <a:spcPts val="0"/>
-              </a:spcBef>
-              <a:spcAft>
-                <a:spcPts val="0"/>
-              </a:spcAft>
-              <a:buClrTx/>
-              <a:buSzTx/>
-              <a:buFontTx/>
-              <a:buNone/>
-              <a:tabLst/>
-              <a:defRPr/>
-            </a:pPr>
             <a:r>
               <a:rPr lang="en-US" dirty="0"/>
-              <a:t>Establish hypothesis</a:t>
+              <a:t>List all of the steps used in completing</a:t>
             </a:r>
             <a:r>
               <a:rPr lang="en-US" baseline="0" dirty="0"/>
-              <a:t> before you begin the experiment. This should be your best educated guess based on your research.</a:t>
+              <a:t> your experiment.</a:t>
+            </a:r>
+          </a:p>
+          <a:p>
+            <a:r>
+              <a:rPr lang="en-US" baseline="0" dirty="0"/>
+              <a:t>Remember to number your steps.</a:t>
             </a:r>
             <a:endParaRPr lang="en-US" dirty="0"/>
           </a:p>
@@ -12451,7 +12455,7 @@
           <a:p>
             <a:fld id="{5D81F1E7-4EFD-4BFF-B438-FCD52FD36B17}" type="slidenum">
               <a:rPr lang="en-US" smtClean="0"/>
-              <a:t>16</a:t>
+              <a:t>15</a:t>
             </a:fld>
             <a:endParaRPr lang="en-US"/>
           </a:p>
@@ -12460,7 +12464,7 @@
     </p:spTree>
     <p:extLst>
       <p:ext uri="{BB962C8B-B14F-4D97-AF65-F5344CB8AC3E}">
-        <p14:creationId xmlns:p14="http://schemas.microsoft.com/office/powerpoint/2010/main" val="473636834"/>
+        <p14:creationId xmlns:p14="http://schemas.microsoft.com/office/powerpoint/2010/main" val="4167736229"/>
       </p:ext>
     </p:extLst>
   </p:cSld>
@@ -12533,15 +12537,12 @@
             </a:pPr>
             <a:r>
               <a:rPr lang="en-US" dirty="0"/>
-              <a:t>Summarize your research in</a:t>
+              <a:t>Establish hypothesis</a:t>
             </a:r>
             <a:r>
               <a:rPr lang="en-US" baseline="0" dirty="0"/>
-              <a:t> three to five points.</a:t>
-            </a:r>
-            <a:endParaRPr lang="en-US" dirty="0"/>
-          </a:p>
-          <a:p>
+              <a:t> before you begin the experiment. This should be your best educated guess based on your research.</a:t>
+            </a:r>
             <a:endParaRPr lang="en-US" dirty="0"/>
           </a:p>
         </p:txBody>
@@ -12572,7 +12573,7 @@
     </p:spTree>
     <p:extLst>
       <p:ext uri="{BB962C8B-B14F-4D97-AF65-F5344CB8AC3E}">
-        <p14:creationId xmlns:p14="http://schemas.microsoft.com/office/powerpoint/2010/main" val="1481410060"/>
+        <p14:creationId xmlns:p14="http://schemas.microsoft.com/office/powerpoint/2010/main" val="473636834"/>
       </p:ext>
     </p:extLst>
   </p:cSld>
@@ -12684,7 +12685,7 @@
     </p:spTree>
     <p:extLst>
       <p:ext uri="{BB962C8B-B14F-4D97-AF65-F5344CB8AC3E}">
-        <p14:creationId xmlns:p14="http://schemas.microsoft.com/office/powerpoint/2010/main" val="2529031800"/>
+        <p14:creationId xmlns:p14="http://schemas.microsoft.com/office/powerpoint/2010/main" val="1481410060"/>
       </p:ext>
     </p:extLst>
   </p:cSld>
@@ -12738,20 +12739,34 @@
           <a:bodyPr/>
           <a:lstStyle/>
           <a:p>
+            <a:pPr marL="0" marR="0" indent="0" algn="l" defTabSz="914400" rtl="0" eaLnBrk="1" fontAlgn="auto" latinLnBrk="0" hangingPunct="1">
+              <a:lnSpc>
+                <a:spcPct val="100000"/>
+              </a:lnSpc>
+              <a:spcBef>
+                <a:spcPts val="0"/>
+              </a:spcBef>
+              <a:spcAft>
+                <a:spcPts val="0"/>
+              </a:spcAft>
+              <a:buClrTx/>
+              <a:buSzTx/>
+              <a:buFontTx/>
+              <a:buNone/>
+              <a:tabLst/>
+              <a:defRPr/>
+            </a:pPr>
             <a:r>
               <a:rPr lang="en-US" dirty="0"/>
-              <a:t>List all of the steps used in completing</a:t>
+              <a:t>Summarize your research in</a:t>
             </a:r>
             <a:r>
               <a:rPr lang="en-US" baseline="0" dirty="0"/>
-              <a:t> your experiment.</a:t>
-            </a:r>
-          </a:p>
-          <a:p>
-            <a:r>
-              <a:rPr lang="en-US" baseline="0" dirty="0"/>
-              <a:t>Remember to number your steps.</a:t>
-            </a:r>
+              <a:t> three to five points.</a:t>
+            </a:r>
+            <a:endParaRPr lang="en-US" dirty="0"/>
+          </a:p>
+          <a:p>
             <a:endParaRPr lang="en-US" dirty="0"/>
           </a:p>
         </p:txBody>
@@ -12773,7 +12788,105 @@
           <a:p>
             <a:fld id="{5D81F1E7-4EFD-4BFF-B438-FCD52FD36B17}" type="slidenum">
               <a:rPr lang="en-US" smtClean="0"/>
-              <a:t>21</a:t>
+              <a:t>19</a:t>
+            </a:fld>
+            <a:endParaRPr lang="en-US"/>
+          </a:p>
+        </p:txBody>
+      </p:sp>
+    </p:spTree>
+    <p:extLst>
+      <p:ext uri="{BB962C8B-B14F-4D97-AF65-F5344CB8AC3E}">
+        <p14:creationId xmlns:p14="http://schemas.microsoft.com/office/powerpoint/2010/main" val="2529031800"/>
+      </p:ext>
+    </p:extLst>
+  </p:cSld>
+  <p:clrMapOvr>
+    <a:masterClrMapping/>
+  </p:clrMapOvr>
+</p:notes>
+</file>
+
+<file path=ppt/notesSlides/notesSlide17.xml><?xml version="1.0" encoding="utf-8"?>
+<p:notes xmlns:a="http://schemas.openxmlformats.org/drawingml/2006/main" xmlns:r="http://schemas.openxmlformats.org/officeDocument/2006/relationships" xmlns:p="http://schemas.openxmlformats.org/presentationml/2006/main">
+  <p:cSld>
+    <p:spTree>
+      <p:nvGrpSpPr>
+        <p:cNvPr id="1" name=""/>
+        <p:cNvGrpSpPr/>
+        <p:nvPr/>
+      </p:nvGrpSpPr>
+      <p:grpSpPr>
+        <a:xfrm>
+          <a:off x="0" y="0"/>
+          <a:ext cx="0" cy="0"/>
+          <a:chOff x="0" y="0"/>
+          <a:chExt cx="0" cy="0"/>
+        </a:xfrm>
+      </p:grpSpPr>
+      <p:sp>
+        <p:nvSpPr>
+          <p:cNvPr id="2" name="Slide Image Placeholder 1"/>
+          <p:cNvSpPr>
+            <a:spLocks noGrp="1" noRot="1" noChangeAspect="1"/>
+          </p:cNvSpPr>
+          <p:nvPr>
+            <p:ph type="sldImg"/>
+          </p:nvPr>
+        </p:nvSpPr>
+        <p:spPr/>
+      </p:sp>
+      <p:sp>
+        <p:nvSpPr>
+          <p:cNvPr id="3" name="Notes Placeholder 2"/>
+          <p:cNvSpPr>
+            <a:spLocks noGrp="1"/>
+          </p:cNvSpPr>
+          <p:nvPr>
+            <p:ph type="body" idx="1"/>
+          </p:nvPr>
+        </p:nvSpPr>
+        <p:spPr/>
+        <p:txBody>
+          <a:bodyPr/>
+          <a:lstStyle/>
+          <a:p>
+            <a:r>
+              <a:rPr lang="en-US" dirty="0"/>
+              <a:t>List all of the steps used in completing</a:t>
+            </a:r>
+            <a:r>
+              <a:rPr lang="en-US" baseline="0" dirty="0"/>
+              <a:t> your experiment.</a:t>
+            </a:r>
+          </a:p>
+          <a:p>
+            <a:r>
+              <a:rPr lang="en-US" baseline="0" dirty="0"/>
+              <a:t>Remember to number your steps.</a:t>
+            </a:r>
+            <a:endParaRPr lang="en-US" dirty="0"/>
+          </a:p>
+        </p:txBody>
+      </p:sp>
+      <p:sp>
+        <p:nvSpPr>
+          <p:cNvPr id="4" name="Slide Number Placeholder 3"/>
+          <p:cNvSpPr>
+            <a:spLocks noGrp="1"/>
+          </p:cNvSpPr>
+          <p:nvPr>
+            <p:ph type="sldNum" sz="quarter" idx="10"/>
+          </p:nvPr>
+        </p:nvSpPr>
+        <p:spPr/>
+        <p:txBody>
+          <a:bodyPr/>
+          <a:lstStyle/>
+          <a:p>
+            <a:fld id="{5D81F1E7-4EFD-4BFF-B438-FCD52FD36B17}" type="slidenum">
+              <a:rPr lang="en-US" smtClean="0"/>
+              <a:t>22</a:t>
             </a:fld>
             <a:endParaRPr lang="en-US"/>
           </a:p>
@@ -12894,7 +13007,7 @@
     </p:spTree>
     <p:extLst>
       <p:ext uri="{BB962C8B-B14F-4D97-AF65-F5344CB8AC3E}">
-        <p14:creationId xmlns:p14="http://schemas.microsoft.com/office/powerpoint/2010/main" val="3855036933"/>
+        <p14:creationId xmlns:p14="http://schemas.microsoft.com/office/powerpoint/2010/main" val="600712631"/>
       </p:ext>
     </p:extLst>
   </p:cSld>
@@ -13006,7 +13119,7 @@
     </p:spTree>
     <p:extLst>
       <p:ext uri="{BB962C8B-B14F-4D97-AF65-F5344CB8AC3E}">
-        <p14:creationId xmlns:p14="http://schemas.microsoft.com/office/powerpoint/2010/main" val="3381700637"/>
+        <p14:creationId xmlns:p14="http://schemas.microsoft.com/office/powerpoint/2010/main" val="3855036933"/>
       </p:ext>
     </p:extLst>
   </p:cSld>
@@ -13118,7 +13231,7 @@
     </p:spTree>
     <p:extLst>
       <p:ext uri="{BB962C8B-B14F-4D97-AF65-F5344CB8AC3E}">
-        <p14:creationId xmlns:p14="http://schemas.microsoft.com/office/powerpoint/2010/main" val="600712631"/>
+        <p14:creationId xmlns:p14="http://schemas.microsoft.com/office/powerpoint/2010/main" val="3381700637"/>
       </p:ext>
     </p:extLst>
   </p:cSld>
@@ -13678,7 +13791,7 @@
     </p:spTree>
     <p:extLst>
       <p:ext uri="{BB962C8B-B14F-4D97-AF65-F5344CB8AC3E}">
-        <p14:creationId xmlns:p14="http://schemas.microsoft.com/office/powerpoint/2010/main" val="2649397894"/>
+        <p14:creationId xmlns:p14="http://schemas.microsoft.com/office/powerpoint/2010/main" val="1788840736"/>
       </p:ext>
     </p:extLst>
   </p:cSld>
@@ -14099,7 +14212,7 @@
           <a:p>
             <a:fld id="{0402902D-A5F5-4D7D-AAA7-32469BA0BC4D}" type="datetimeFigureOut">
               <a:rPr lang="en-US"/>
-              <a:t>5/15/2017</a:t>
+              <a:t>5/21/2017</a:t>
             </a:fld>
             <a:endParaRPr/>
           </a:p>
@@ -14370,7 +14483,7 @@
           <a:p>
             <a:fld id="{0402902D-A5F5-4D7D-AAA7-32469BA0BC4D}" type="datetimeFigureOut">
               <a:rPr lang="en-US"/>
-              <a:t>5/15/2017</a:t>
+              <a:t>5/21/2017</a:t>
             </a:fld>
             <a:endParaRPr/>
           </a:p>
@@ -14530,7 +14643,7 @@
           <a:p>
             <a:fld id="{5214513F-8358-40C8-8827-E3DCE5F02ECA}" type="datetimeFigureOut">
               <a:rPr lang="en-US" smtClean="0"/>
-              <a:t>5/15/2017</a:t>
+              <a:t>5/21/2017</a:t>
             </a:fld>
             <a:endParaRPr lang="en-US"/>
           </a:p>
@@ -14698,7 +14811,7 @@
           <a:p>
             <a:fld id="{5214513F-8358-40C8-8827-E3DCE5F02ECA}" type="datetimeFigureOut">
               <a:rPr lang="en-US" smtClean="0"/>
-              <a:t>5/15/2017</a:t>
+              <a:t>5/21/2017</a:t>
             </a:fld>
             <a:endParaRPr lang="en-US"/>
           </a:p>
@@ -14943,7 +15056,7 @@
           <a:p>
             <a:fld id="{5214513F-8358-40C8-8827-E3DCE5F02ECA}" type="datetimeFigureOut">
               <a:rPr lang="en-US" smtClean="0"/>
-              <a:t>5/15/2017</a:t>
+              <a:t>5/21/2017</a:t>
             </a:fld>
             <a:endParaRPr lang="en-US"/>
           </a:p>
@@ -15172,7 +15285,7 @@
           <a:p>
             <a:fld id="{5214513F-8358-40C8-8827-E3DCE5F02ECA}" type="datetimeFigureOut">
               <a:rPr lang="en-US" smtClean="0"/>
-              <a:t>5/15/2017</a:t>
+              <a:t>5/21/2017</a:t>
             </a:fld>
             <a:endParaRPr lang="en-US"/>
           </a:p>
@@ -15536,7 +15649,7 @@
           <a:p>
             <a:fld id="{5214513F-8358-40C8-8827-E3DCE5F02ECA}" type="datetimeFigureOut">
               <a:rPr lang="en-US" smtClean="0"/>
-              <a:t>5/15/2017</a:t>
+              <a:t>5/21/2017</a:t>
             </a:fld>
             <a:endParaRPr lang="en-US"/>
           </a:p>
@@ -15653,7 +15766,7 @@
           <a:p>
             <a:fld id="{5214513F-8358-40C8-8827-E3DCE5F02ECA}" type="datetimeFigureOut">
               <a:rPr lang="en-US" smtClean="0"/>
-              <a:t>5/15/2017</a:t>
+              <a:t>5/21/2017</a:t>
             </a:fld>
             <a:endParaRPr lang="en-US"/>
           </a:p>
@@ -15748,7 +15861,7 @@
           <a:p>
             <a:fld id="{5214513F-8358-40C8-8827-E3DCE5F02ECA}" type="datetimeFigureOut">
               <a:rPr lang="en-US" smtClean="0"/>
-              <a:t>5/15/2017</a:t>
+              <a:t>5/21/2017</a:t>
             </a:fld>
             <a:endParaRPr lang="en-US"/>
           </a:p>
@@ -16023,7 +16136,7 @@
           <a:p>
             <a:fld id="{5214513F-8358-40C8-8827-E3DCE5F02ECA}" type="datetimeFigureOut">
               <a:rPr lang="en-US" smtClean="0"/>
-              <a:t>5/15/2017</a:t>
+              <a:t>5/21/2017</a:t>
             </a:fld>
             <a:endParaRPr lang="en-US"/>
           </a:p>
@@ -16235,7 +16348,7 @@
           <a:p>
             <a:fld id="{0402902D-A5F5-4D7D-AAA7-32469BA0BC4D}" type="datetimeFigureOut">
               <a:rPr lang="en-US"/>
-              <a:t>5/15/2017</a:t>
+              <a:t>5/21/2017</a:t>
             </a:fld>
             <a:endParaRPr/>
           </a:p>
@@ -16457,7 +16570,7 @@
           <a:p>
             <a:fld id="{5214513F-8358-40C8-8827-E3DCE5F02ECA}" type="datetimeFigureOut">
               <a:rPr lang="en-US" smtClean="0"/>
-              <a:t>5/15/2017</a:t>
+              <a:t>5/21/2017</a:t>
             </a:fld>
             <a:endParaRPr lang="en-US"/>
           </a:p>
@@ -16625,7 +16738,7 @@
           <a:p>
             <a:fld id="{5214513F-8358-40C8-8827-E3DCE5F02ECA}" type="datetimeFigureOut">
               <a:rPr lang="en-US" smtClean="0"/>
-              <a:t>5/15/2017</a:t>
+              <a:t>5/21/2017</a:t>
             </a:fld>
             <a:endParaRPr lang="en-US"/>
           </a:p>
@@ -16803,7 +16916,7 @@
           <a:p>
             <a:fld id="{5214513F-8358-40C8-8827-E3DCE5F02ECA}" type="datetimeFigureOut">
               <a:rPr lang="en-US" smtClean="0"/>
-              <a:t>5/15/2017</a:t>
+              <a:t>5/21/2017</a:t>
             </a:fld>
             <a:endParaRPr lang="en-US"/>
           </a:p>
@@ -17420,7 +17533,7 @@
           <a:p>
             <a:fld id="{0402902D-A5F5-4D7D-AAA7-32469BA0BC4D}" type="datetimeFigureOut">
               <a:rPr lang="en-US"/>
-              <a:t>5/15/2017</a:t>
+              <a:t>5/21/2017</a:t>
             </a:fld>
             <a:endParaRPr/>
           </a:p>
@@ -17868,7 +17981,7 @@
           <a:p>
             <a:fld id="{0402902D-A5F5-4D7D-AAA7-32469BA0BC4D}" type="datetimeFigureOut">
               <a:rPr lang="en-US"/>
-              <a:t>5/15/2017</a:t>
+              <a:t>5/21/2017</a:t>
             </a:fld>
             <a:endParaRPr/>
           </a:p>
@@ -17998,7 +18111,7 @@
           <a:p>
             <a:fld id="{0402902D-A5F5-4D7D-AAA7-32469BA0BC4D}" type="datetimeFigureOut">
               <a:rPr lang="en-US"/>
-              <a:t>5/15/2017</a:t>
+              <a:t>5/21/2017</a:t>
             </a:fld>
             <a:endParaRPr/>
           </a:p>
@@ -18105,7 +18218,7 @@
           <a:p>
             <a:fld id="{0402902D-A5F5-4D7D-AAA7-32469BA0BC4D}" type="datetimeFigureOut">
               <a:rPr lang="en-US"/>
-              <a:t>5/15/2017</a:t>
+              <a:t>5/21/2017</a:t>
             </a:fld>
             <a:endParaRPr dirty="0"/>
           </a:p>
@@ -19077,7 +19190,7 @@
             <a:fld id="{0402902D-A5F5-4D7D-AAA7-32469BA0BC4D}" type="datetimeFigureOut">
               <a:rPr lang="en-US"/>
               <a:pPr/>
-              <a:t>5/15/2017</a:t>
+              <a:t>5/21/2017</a:t>
             </a:fld>
             <a:endParaRPr dirty="0"/>
           </a:p>
@@ -19583,7 +19696,7 @@
           <a:p>
             <a:fld id="{5214513F-8358-40C8-8827-E3DCE5F02ECA}" type="datetimeFigureOut">
               <a:rPr lang="en-US" smtClean="0"/>
-              <a:t>5/15/2017</a:t>
+              <a:t>5/21/2017</a:t>
             </a:fld>
             <a:endParaRPr lang="en-US"/>
           </a:p>
@@ -20536,44 +20649,100 @@
           <a:p>
             <a:r>
               <a:rPr lang="en-US" dirty="0"/>
-              <a:t>Exploring Final Score (G3)</a:t>
+              <a:t>Variable Significance by Correlation</a:t>
+            </a:r>
+          </a:p>
+        </p:txBody>
+      </p:sp>
+      <p:sp>
+        <p:nvSpPr>
+          <p:cNvPr id="3" name="Content Placeholder 2"/>
+          <p:cNvSpPr>
+            <a:spLocks noGrp="1"/>
+          </p:cNvSpPr>
+          <p:nvPr>
+            <p:ph idx="1"/>
+          </p:nvPr>
+        </p:nvSpPr>
+        <p:spPr>
+          <a:xfrm>
+            <a:off x="1066800" y="1714500"/>
+            <a:ext cx="4599482" cy="4457700"/>
+          </a:xfrm>
+        </p:spPr>
+        <p:txBody>
+          <a:bodyPr/>
+          <a:lstStyle/>
+          <a:p>
+            <a:r>
+              <a:rPr lang="en-GB" dirty="0"/>
+              <a:t>Used functions developed by Stephen Turner. </a:t>
+            </a:r>
+          </a:p>
+          <a:p>
+            <a:r>
+              <a:rPr lang="en-US" b="1" dirty="0" err="1"/>
+              <a:t>cor.prob</a:t>
+            </a:r>
+            <a:r>
+              <a:rPr lang="en-US" dirty="0"/>
+              <a:t> will create a correlation matrix along with </a:t>
+            </a:r>
+            <a:r>
+              <a:rPr lang="en-US" i="1" dirty="0"/>
+              <a:t>p</a:t>
+            </a:r>
+            <a:r>
+              <a:rPr lang="en-US" dirty="0"/>
+              <a:t>-values and </a:t>
+            </a:r>
+            <a:r>
+              <a:rPr lang="en-US" b="1" dirty="0" err="1"/>
+              <a:t>flattenSquareMatrix</a:t>
+            </a:r>
+            <a:r>
+              <a:rPr lang="en-US" dirty="0"/>
+              <a:t> flattened all the combinations from the square matrix into a data frame of 4 columns made up of row names, column names, the correlation value and the </a:t>
+            </a:r>
+            <a:r>
+              <a:rPr lang="en-US" i="1" dirty="0"/>
+              <a:t>p</a:t>
+            </a:r>
+            <a:r>
+              <a:rPr lang="en-US" dirty="0"/>
+              <a:t>-value</a:t>
             </a:r>
           </a:p>
         </p:txBody>
       </p:sp>
       <p:pic>
         <p:nvPicPr>
-          <p:cNvPr id="4" name="Content Placeholder 3"/>
+          <p:cNvPr id="5" name="Picture 4"/>
           <p:cNvPicPr>
-            <a:picLocks noGrp="1" noChangeAspect="1"/>
+            <a:picLocks noChangeAspect="1"/>
           </p:cNvPicPr>
-          <p:nvPr>
-            <p:ph idx="1"/>
-          </p:nvPr>
+          <p:nvPr/>
         </p:nvPicPr>
         <p:blipFill>
-          <a:blip r:embed="rId3">
-            <a:extLst>
-              <a:ext uri="{28A0092B-C50C-407E-A947-70E740481C1C}">
-                <a14:useLocalDpi xmlns:a14="http://schemas.microsoft.com/office/drawing/2010/main" val="0"/>
-              </a:ext>
-            </a:extLst>
-          </a:blip>
+          <a:blip r:embed="rId3"/>
           <a:stretch>
             <a:fillRect/>
           </a:stretch>
         </p:blipFill>
         <p:spPr>
           <a:xfrm>
-            <a:off x="6597550" y="1772557"/>
-            <a:ext cx="5121927" cy="4457700"/>
+            <a:off x="6220918" y="1875564"/>
+            <a:ext cx="5358749" cy="2871007"/>
           </a:xfrm>
+          <a:prstGeom prst="rect">
+            <a:avLst/>
+          </a:prstGeom>
         </p:spPr>
       </p:pic>
     </p:spTree>
     <p:extLst>
       <p:ext uri="{BB962C8B-B14F-4D97-AF65-F5344CB8AC3E}">
-        <p14:creationId xmlns:p14="http://schemas.microsoft.com/office/powerpoint/2010/main" val="3406491272"/>
+        <p14:creationId xmlns:p14="http://schemas.microsoft.com/office/powerpoint/2010/main" val="1733286609"/>
       </p:ext>
     </p:extLst>
   </p:cSld>
@@ -20629,7 +20798,7 @@
           <a:p>
             <a:r>
               <a:rPr lang="en-US" dirty="0"/>
-              <a:t>Variable Significance by Correlation</a:t>
+              <a:t>Model choice considerations</a:t>
             </a:r>
           </a:p>
         </p:txBody>
@@ -20722,7 +20891,7 @@
     </p:spTree>
     <p:extLst>
       <p:ext uri="{BB962C8B-B14F-4D97-AF65-F5344CB8AC3E}">
-        <p14:creationId xmlns:p14="http://schemas.microsoft.com/office/powerpoint/2010/main" val="1733286609"/>
+        <p14:creationId xmlns:p14="http://schemas.microsoft.com/office/powerpoint/2010/main" val="3625415626"/>
       </p:ext>
     </p:extLst>
   </p:cSld>
@@ -20745,6 +20914,245 @@
 </file>
 
 <file path=ppt/slides/slide13.xml><?xml version="1.0" encoding="utf-8"?>
+<p:sld xmlns:a="http://schemas.openxmlformats.org/drawingml/2006/main" xmlns:r="http://schemas.openxmlformats.org/officeDocument/2006/relationships" xmlns:p="http://schemas.openxmlformats.org/presentationml/2006/main">
+  <p:cSld>
+    <p:spTree>
+      <p:nvGrpSpPr>
+        <p:cNvPr id="1" name=""/>
+        <p:cNvGrpSpPr/>
+        <p:nvPr/>
+      </p:nvGrpSpPr>
+      <p:grpSpPr>
+        <a:xfrm>
+          <a:off x="0" y="0"/>
+          <a:ext cx="0" cy="0"/>
+          <a:chOff x="0" y="0"/>
+          <a:chExt cx="0" cy="0"/>
+        </a:xfrm>
+      </p:grpSpPr>
+      <p:sp>
+        <p:nvSpPr>
+          <p:cNvPr id="2" name="Title 1"/>
+          <p:cNvSpPr>
+            <a:spLocks noGrp="1"/>
+          </p:cNvSpPr>
+          <p:nvPr>
+            <p:ph type="title"/>
+          </p:nvPr>
+        </p:nvSpPr>
+        <p:spPr/>
+        <p:txBody>
+          <a:bodyPr/>
+          <a:lstStyle/>
+          <a:p>
+            <a:r>
+              <a:rPr lang="en-US" dirty="0"/>
+              <a:t>Model Accuracy</a:t>
+            </a:r>
+          </a:p>
+        </p:txBody>
+      </p:sp>
+      <p:sp>
+        <p:nvSpPr>
+          <p:cNvPr id="3" name="Content Placeholder 2"/>
+          <p:cNvSpPr>
+            <a:spLocks noGrp="1"/>
+          </p:cNvSpPr>
+          <p:nvPr>
+            <p:ph idx="1"/>
+          </p:nvPr>
+        </p:nvSpPr>
+        <p:spPr>
+          <a:xfrm>
+            <a:off x="1066800" y="1714500"/>
+            <a:ext cx="4599482" cy="4457700"/>
+          </a:xfrm>
+        </p:spPr>
+        <p:txBody>
+          <a:bodyPr/>
+          <a:lstStyle/>
+          <a:p>
+            <a:r>
+              <a:rPr lang="en-GB" dirty="0"/>
+              <a:t>Used functions developed by Stephen Turner. </a:t>
+            </a:r>
+          </a:p>
+          <a:p>
+            <a:r>
+              <a:rPr lang="en-US" b="1" dirty="0" err="1"/>
+              <a:t>cor.prob</a:t>
+            </a:r>
+            <a:r>
+              <a:rPr lang="en-US" dirty="0"/>
+              <a:t> will create a correlation matrix along with </a:t>
+            </a:r>
+            <a:r>
+              <a:rPr lang="en-US" i="1" dirty="0"/>
+              <a:t>p</a:t>
+            </a:r>
+            <a:r>
+              <a:rPr lang="en-US" dirty="0"/>
+              <a:t>-values and </a:t>
+            </a:r>
+            <a:r>
+              <a:rPr lang="en-US" b="1" dirty="0" err="1"/>
+              <a:t>flattenSquareMatrix</a:t>
+            </a:r>
+            <a:r>
+              <a:rPr lang="en-US" dirty="0"/>
+              <a:t> flattened all the combinations from the square matrix into a data frame of 4 columns made up of row names, column names, the correlation value and the </a:t>
+            </a:r>
+            <a:r>
+              <a:rPr lang="en-US" i="1" dirty="0"/>
+              <a:t>p</a:t>
+            </a:r>
+            <a:r>
+              <a:rPr lang="en-US" dirty="0"/>
+              <a:t>-value</a:t>
+            </a:r>
+          </a:p>
+        </p:txBody>
+      </p:sp>
+      <p:pic>
+        <p:nvPicPr>
+          <p:cNvPr id="5" name="Picture 4"/>
+          <p:cNvPicPr>
+            <a:picLocks noChangeAspect="1"/>
+          </p:cNvPicPr>
+          <p:nvPr/>
+        </p:nvPicPr>
+        <p:blipFill>
+          <a:blip r:embed="rId3"/>
+          <a:stretch>
+            <a:fillRect/>
+          </a:stretch>
+        </p:blipFill>
+        <p:spPr>
+          <a:xfrm>
+            <a:off x="6220918" y="1875564"/>
+            <a:ext cx="5358749" cy="2871007"/>
+          </a:xfrm>
+          <a:prstGeom prst="rect">
+            <a:avLst/>
+          </a:prstGeom>
+        </p:spPr>
+      </p:pic>
+    </p:spTree>
+    <p:extLst>
+      <p:ext uri="{BB962C8B-B14F-4D97-AF65-F5344CB8AC3E}">
+        <p14:creationId xmlns:p14="http://schemas.microsoft.com/office/powerpoint/2010/main" val="216667103"/>
+      </p:ext>
+    </p:extLst>
+  </p:cSld>
+  <p:clrMapOvr>
+    <a:masterClrMapping/>
+  </p:clrMapOvr>
+  <mc:AlternateContent xmlns:mc="http://schemas.openxmlformats.org/markup-compatibility/2006" xmlns:p14="http://schemas.microsoft.com/office/powerpoint/2010/main">
+    <mc:Choice Requires="p14">
+      <p:transition spd="med" p14:dur="700">
+        <p:fade/>
+      </p:transition>
+    </mc:Choice>
+    <mc:Fallback xmlns="">
+      <p:transition spd="med">
+        <p:fade/>
+      </p:transition>
+    </mc:Fallback>
+  </mc:AlternateContent>
+</p:sld>
+</file>
+
+<file path=ppt/slides/slide14.xml><?xml version="1.0" encoding="utf-8"?>
+<p:sld xmlns:a="http://schemas.openxmlformats.org/drawingml/2006/main" xmlns:r="http://schemas.openxmlformats.org/officeDocument/2006/relationships" xmlns:p="http://schemas.openxmlformats.org/presentationml/2006/main">
+  <p:cSld>
+    <p:spTree>
+      <p:nvGrpSpPr>
+        <p:cNvPr id="1" name=""/>
+        <p:cNvGrpSpPr/>
+        <p:nvPr/>
+      </p:nvGrpSpPr>
+      <p:grpSpPr>
+        <a:xfrm>
+          <a:off x="0" y="0"/>
+          <a:ext cx="0" cy="0"/>
+          <a:chOff x="0" y="0"/>
+          <a:chExt cx="0" cy="0"/>
+        </a:xfrm>
+      </p:grpSpPr>
+      <p:sp>
+        <p:nvSpPr>
+          <p:cNvPr id="2" name="Title 1"/>
+          <p:cNvSpPr>
+            <a:spLocks noGrp="1"/>
+          </p:cNvSpPr>
+          <p:nvPr>
+            <p:ph type="title"/>
+          </p:nvPr>
+        </p:nvSpPr>
+        <p:spPr/>
+        <p:txBody>
+          <a:bodyPr/>
+          <a:lstStyle/>
+          <a:p>
+            <a:r>
+              <a:rPr lang="en-US" dirty="0"/>
+              <a:t>Add your answer / solution here</a:t>
+            </a:r>
+          </a:p>
+        </p:txBody>
+      </p:sp>
+      <p:sp>
+        <p:nvSpPr>
+          <p:cNvPr id="3" name="Text Placeholder 2"/>
+          <p:cNvSpPr>
+            <a:spLocks noGrp="1"/>
+          </p:cNvSpPr>
+          <p:nvPr>
+            <p:ph type="body" idx="1"/>
+          </p:nvPr>
+        </p:nvSpPr>
+        <p:spPr/>
+        <p:txBody>
+          <a:bodyPr/>
+          <a:lstStyle/>
+          <a:p>
+            <a:r>
+              <a:rPr lang="en-US" dirty="0">
+                <a:solidFill>
+                  <a:schemeClr val="tx1"/>
+                </a:solidFill>
+              </a:rPr>
+              <a:t>Hypothesis</a:t>
+            </a:r>
+          </a:p>
+        </p:txBody>
+      </p:sp>
+    </p:spTree>
+    <p:extLst>
+      <p:ext uri="{BB962C8B-B14F-4D97-AF65-F5344CB8AC3E}">
+        <p14:creationId xmlns:p14="http://schemas.microsoft.com/office/powerpoint/2010/main" val="823036105"/>
+      </p:ext>
+    </p:extLst>
+  </p:cSld>
+  <p:clrMapOvr>
+    <a:masterClrMapping/>
+  </p:clrMapOvr>
+  <mc:AlternateContent xmlns:mc="http://schemas.openxmlformats.org/markup-compatibility/2006">
+    <mc:Choice xmlns:p14="http://schemas.microsoft.com/office/powerpoint/2010/main" Requires="p14">
+      <p:transition spd="med" p14:dur="700">
+        <p:fade/>
+      </p:transition>
+    </mc:Choice>
+    <mc:Fallback>
+      <p:transition spd="med">
+        <p:fade/>
+      </p:transition>
+    </mc:Fallback>
+  </mc:AlternateContent>
+</p:sld>
+</file>
+
+<file path=ppt/slides/slide15.xml><?xml version="1.0" encoding="utf-8"?>
 <p:sld xmlns:a="http://schemas.openxmlformats.org/drawingml/2006/main" xmlns:r="http://schemas.openxmlformats.org/officeDocument/2006/relationships" xmlns:p="http://schemas.openxmlformats.org/presentationml/2006/main" show="0">
   <p:cSld>
     <p:spTree>
@@ -20834,7 +21242,7 @@
 </p:sld>
 </file>
 
-<file path=ppt/slides/slide14.xml><?xml version="1.0" encoding="utf-8"?>
+<file path=ppt/slides/slide16.xml><?xml version="1.0" encoding="utf-8"?>
 <p:sld xmlns:a="http://schemas.openxmlformats.org/drawingml/2006/main" xmlns:r="http://schemas.openxmlformats.org/officeDocument/2006/relationships" xmlns:p="http://schemas.openxmlformats.org/presentationml/2006/main" show="0">
   <p:cSld>
     <p:spTree>
@@ -20923,186 +21331,6 @@
 </p:sld>
 </file>
 
-<file path=ppt/slides/slide15.xml><?xml version="1.0" encoding="utf-8"?>
-<p:sld xmlns:a="http://schemas.openxmlformats.org/drawingml/2006/main" xmlns:r="http://schemas.openxmlformats.org/officeDocument/2006/relationships" xmlns:p="http://schemas.openxmlformats.org/presentationml/2006/main" show="0">
-  <p:cSld>
-    <p:spTree>
-      <p:nvGrpSpPr>
-        <p:cNvPr id="1" name=""/>
-        <p:cNvGrpSpPr/>
-        <p:nvPr/>
-      </p:nvGrpSpPr>
-      <p:grpSpPr>
-        <a:xfrm>
-          <a:off x="0" y="0"/>
-          <a:ext cx="0" cy="0"/>
-          <a:chOff x="0" y="0"/>
-          <a:chExt cx="0" cy="0"/>
-        </a:xfrm>
-      </p:grpSpPr>
-      <p:sp>
-        <p:nvSpPr>
-          <p:cNvPr id="2" name="Title 1"/>
-          <p:cNvSpPr>
-            <a:spLocks noGrp="1"/>
-          </p:cNvSpPr>
-          <p:nvPr>
-            <p:ph type="title"/>
-          </p:nvPr>
-        </p:nvSpPr>
-        <p:spPr/>
-        <p:txBody>
-          <a:bodyPr/>
-          <a:lstStyle/>
-          <a:p>
-            <a:r>
-              <a:rPr lang="en-US" dirty="0"/>
-              <a:t>Add your answer / solution here</a:t>
-            </a:r>
-          </a:p>
-        </p:txBody>
-      </p:sp>
-      <p:sp>
-        <p:nvSpPr>
-          <p:cNvPr id="3" name="Text Placeholder 2"/>
-          <p:cNvSpPr>
-            <a:spLocks noGrp="1"/>
-          </p:cNvSpPr>
-          <p:nvPr>
-            <p:ph type="body" idx="1"/>
-          </p:nvPr>
-        </p:nvSpPr>
-        <p:spPr/>
-        <p:txBody>
-          <a:bodyPr/>
-          <a:lstStyle/>
-          <a:p>
-            <a:r>
-              <a:rPr lang="en-US" dirty="0">
-                <a:solidFill>
-                  <a:schemeClr val="tx1"/>
-                </a:solidFill>
-              </a:rPr>
-              <a:t>Hypothesis</a:t>
-            </a:r>
-          </a:p>
-        </p:txBody>
-      </p:sp>
-    </p:spTree>
-    <p:extLst>
-      <p:ext uri="{BB962C8B-B14F-4D97-AF65-F5344CB8AC3E}">
-        <p14:creationId xmlns:p14="http://schemas.microsoft.com/office/powerpoint/2010/main" val="823036105"/>
-      </p:ext>
-    </p:extLst>
-  </p:cSld>
-  <p:clrMapOvr>
-    <a:masterClrMapping/>
-  </p:clrMapOvr>
-  <mc:AlternateContent xmlns:mc="http://schemas.openxmlformats.org/markup-compatibility/2006" xmlns:p14="http://schemas.microsoft.com/office/powerpoint/2010/main">
-    <mc:Choice Requires="p14">
-      <p:transition spd="med" p14:dur="700">
-        <p:fade/>
-      </p:transition>
-    </mc:Choice>
-    <mc:Fallback xmlns="">
-      <p:transition spd="med">
-        <p:fade/>
-      </p:transition>
-    </mc:Fallback>
-  </mc:AlternateContent>
-</p:sld>
-</file>
-
-<file path=ppt/slides/slide16.xml><?xml version="1.0" encoding="utf-8"?>
-<p:sld xmlns:a="http://schemas.openxmlformats.org/drawingml/2006/main" xmlns:r="http://schemas.openxmlformats.org/officeDocument/2006/relationships" xmlns:p="http://schemas.openxmlformats.org/presentationml/2006/main">
-  <p:cSld>
-    <p:spTree>
-      <p:nvGrpSpPr>
-        <p:cNvPr id="1" name=""/>
-        <p:cNvGrpSpPr/>
-        <p:nvPr/>
-      </p:nvGrpSpPr>
-      <p:grpSpPr>
-        <a:xfrm>
-          <a:off x="0" y="0"/>
-          <a:ext cx="0" cy="0"/>
-          <a:chOff x="0" y="0"/>
-          <a:chExt cx="0" cy="0"/>
-        </a:xfrm>
-      </p:grpSpPr>
-      <p:sp>
-        <p:nvSpPr>
-          <p:cNvPr id="2" name="Title 1"/>
-          <p:cNvSpPr>
-            <a:spLocks noGrp="1"/>
-          </p:cNvSpPr>
-          <p:nvPr>
-            <p:ph type="title"/>
-          </p:nvPr>
-        </p:nvSpPr>
-        <p:spPr/>
-        <p:txBody>
-          <a:bodyPr/>
-          <a:lstStyle/>
-          <a:p>
-            <a:r>
-              <a:rPr lang="en-US" dirty="0"/>
-              <a:t>Analysis</a:t>
-            </a:r>
-          </a:p>
-        </p:txBody>
-      </p:sp>
-      <p:sp>
-        <p:nvSpPr>
-          <p:cNvPr id="3" name="Text Placeholder 2"/>
-          <p:cNvSpPr>
-            <a:spLocks noGrp="1"/>
-          </p:cNvSpPr>
-          <p:nvPr>
-            <p:ph type="body" idx="1"/>
-          </p:nvPr>
-        </p:nvSpPr>
-        <p:spPr/>
-        <p:txBody>
-          <a:bodyPr/>
-          <a:lstStyle/>
-          <a:p>
-            <a:r>
-              <a:rPr lang="en-US" dirty="0">
-                <a:solidFill>
-                  <a:schemeClr val="tx1"/>
-                </a:solidFill>
-              </a:rPr>
-              <a:t>Hypothesis</a:t>
-            </a:r>
-          </a:p>
-        </p:txBody>
-      </p:sp>
-    </p:spTree>
-    <p:extLst>
-      <p:ext uri="{BB962C8B-B14F-4D97-AF65-F5344CB8AC3E}">
-        <p14:creationId xmlns:p14="http://schemas.microsoft.com/office/powerpoint/2010/main" val="232024693"/>
-      </p:ext>
-    </p:extLst>
-  </p:cSld>
-  <p:clrMapOvr>
-    <a:masterClrMapping/>
-  </p:clrMapOvr>
-  <mc:AlternateContent xmlns:mc="http://schemas.openxmlformats.org/markup-compatibility/2006" xmlns:p14="http://schemas.microsoft.com/office/powerpoint/2010/main">
-    <mc:Choice Requires="p14">
-      <p:transition spd="med" p14:dur="700">
-        <p:fade/>
-      </p:transition>
-    </mc:Choice>
-    <mc:Fallback xmlns="">
-      <p:transition spd="med">
-        <p:fade/>
-      </p:transition>
-    </mc:Fallback>
-  </mc:AlternateContent>
-</p:sld>
-</file>
-
 <file path=ppt/slides/slide17.xml><?xml version="1.0" encoding="utf-8"?>
 <p:sld xmlns:a="http://schemas.openxmlformats.org/drawingml/2006/main" xmlns:r="http://schemas.openxmlformats.org/officeDocument/2006/relationships" xmlns:p="http://schemas.openxmlformats.org/presentationml/2006/main">
   <p:cSld>
@@ -21144,12 +21372,12 @@
       </p:sp>
       <p:sp>
         <p:nvSpPr>
-          <p:cNvPr id="3" name="Content Placeholder 2"/>
+          <p:cNvPr id="3" name="Text Placeholder 2"/>
           <p:cNvSpPr>
             <a:spLocks noGrp="1"/>
           </p:cNvSpPr>
           <p:nvPr>
-            <p:ph idx="1"/>
+            <p:ph type="body" idx="1"/>
           </p:nvPr>
         </p:nvSpPr>
         <p:spPr/>
@@ -21158,29 +21386,20 @@
           <a:lstStyle/>
           <a:p>
             <a:r>
-              <a:rPr lang="en-US"/>
-              <a:t>First research point</a:t>
-            </a:r>
-          </a:p>
-          <a:p>
-            <a:r>
-              <a:rPr lang="en-US"/>
-              <a:t>Second research point</a:t>
-            </a:r>
-          </a:p>
-          <a:p>
-            <a:r>
-              <a:rPr lang="en-US"/>
-              <a:t>Third research point</a:t>
-            </a:r>
-            <a:endParaRPr lang="en-US" dirty="0"/>
+              <a:rPr lang="en-US" dirty="0">
+                <a:solidFill>
+                  <a:schemeClr val="tx1"/>
+                </a:solidFill>
+              </a:rPr>
+              <a:t>Hypothesis</a:t>
+            </a:r>
           </a:p>
         </p:txBody>
       </p:sp>
     </p:spTree>
     <p:extLst>
       <p:ext uri="{BB962C8B-B14F-4D97-AF65-F5344CB8AC3E}">
-        <p14:creationId xmlns:p14="http://schemas.microsoft.com/office/powerpoint/2010/main" val="1918831607"/>
+        <p14:creationId xmlns:p14="http://schemas.microsoft.com/office/powerpoint/2010/main" val="232024693"/>
       </p:ext>
     </p:extLst>
   </p:cSld>
@@ -21236,7 +21455,7 @@
           <a:p>
             <a:r>
               <a:rPr lang="en-US" dirty="0"/>
-              <a:t>Feature Importance</a:t>
+              <a:t>Analysis</a:t>
             </a:r>
           </a:p>
         </p:txBody>
@@ -21279,7 +21498,7 @@
     </p:spTree>
     <p:extLst>
       <p:ext uri="{BB962C8B-B14F-4D97-AF65-F5344CB8AC3E}">
-        <p14:creationId xmlns:p14="http://schemas.microsoft.com/office/powerpoint/2010/main" val="3778178739"/>
+        <p14:creationId xmlns:p14="http://schemas.microsoft.com/office/powerpoint/2010/main" val="1918831607"/>
       </p:ext>
     </p:extLst>
   </p:cSld>
@@ -21335,7 +21554,7 @@
           <a:p>
             <a:r>
               <a:rPr lang="en-US" dirty="0"/>
-              <a:t>Conclusion</a:t>
+              <a:t>Feature Importance</a:t>
             </a:r>
           </a:p>
         </p:txBody>
@@ -21356,22 +21575,29 @@
           <a:lstStyle/>
           <a:p>
             <a:r>
-              <a:rPr lang="en-US" dirty="0"/>
-              <a:t>Brief summary of what you discovered based on results</a:t>
-            </a:r>
-          </a:p>
-          <a:p>
-            <a:r>
-              <a:rPr lang="en-US" dirty="0"/>
-              <a:t>Indicate and explain whether or not the data supports your hypothesis</a:t>
-            </a:r>
+              <a:rPr lang="en-US"/>
+              <a:t>First research point</a:t>
+            </a:r>
+          </a:p>
+          <a:p>
+            <a:r>
+              <a:rPr lang="en-US"/>
+              <a:t>Second research point</a:t>
+            </a:r>
+          </a:p>
+          <a:p>
+            <a:r>
+              <a:rPr lang="en-US"/>
+              <a:t>Third research point</a:t>
+            </a:r>
+            <a:endParaRPr lang="en-US" dirty="0"/>
           </a:p>
         </p:txBody>
       </p:sp>
     </p:spTree>
     <p:extLst>
       <p:ext uri="{BB962C8B-B14F-4D97-AF65-F5344CB8AC3E}">
-        <p14:creationId xmlns:p14="http://schemas.microsoft.com/office/powerpoint/2010/main" val="2396544352"/>
+        <p14:creationId xmlns:p14="http://schemas.microsoft.com/office/powerpoint/2010/main" val="3778178739"/>
       </p:ext>
     </p:extLst>
   </p:cSld>
@@ -21530,6 +21756,98 @@
 </file>
 
 <file path=ppt/slides/slide20.xml><?xml version="1.0" encoding="utf-8"?>
+<p:sld xmlns:a="http://schemas.openxmlformats.org/drawingml/2006/main" xmlns:r="http://schemas.openxmlformats.org/officeDocument/2006/relationships" xmlns:p="http://schemas.openxmlformats.org/presentationml/2006/main">
+  <p:cSld>
+    <p:spTree>
+      <p:nvGrpSpPr>
+        <p:cNvPr id="1" name=""/>
+        <p:cNvGrpSpPr/>
+        <p:nvPr/>
+      </p:nvGrpSpPr>
+      <p:grpSpPr>
+        <a:xfrm>
+          <a:off x="0" y="0"/>
+          <a:ext cx="0" cy="0"/>
+          <a:chOff x="0" y="0"/>
+          <a:chExt cx="0" cy="0"/>
+        </a:xfrm>
+      </p:grpSpPr>
+      <p:sp>
+        <p:nvSpPr>
+          <p:cNvPr id="2" name="Title 1"/>
+          <p:cNvSpPr>
+            <a:spLocks noGrp="1"/>
+          </p:cNvSpPr>
+          <p:nvPr>
+            <p:ph type="title"/>
+          </p:nvPr>
+        </p:nvSpPr>
+        <p:spPr/>
+        <p:txBody>
+          <a:bodyPr/>
+          <a:lstStyle/>
+          <a:p>
+            <a:r>
+              <a:rPr lang="en-US" dirty="0"/>
+              <a:t>Conclusion</a:t>
+            </a:r>
+          </a:p>
+        </p:txBody>
+      </p:sp>
+      <p:sp>
+        <p:nvSpPr>
+          <p:cNvPr id="3" name="Content Placeholder 2"/>
+          <p:cNvSpPr>
+            <a:spLocks noGrp="1"/>
+          </p:cNvSpPr>
+          <p:nvPr>
+            <p:ph idx="1"/>
+          </p:nvPr>
+        </p:nvSpPr>
+        <p:spPr/>
+        <p:txBody>
+          <a:bodyPr/>
+          <a:lstStyle/>
+          <a:p>
+            <a:r>
+              <a:rPr lang="en-US" dirty="0"/>
+              <a:t>Brief summary of what you discovered based on results</a:t>
+            </a:r>
+          </a:p>
+          <a:p>
+            <a:r>
+              <a:rPr lang="en-US" dirty="0"/>
+              <a:t>Indicate and explain whether or not the data supports your hypothesis</a:t>
+            </a:r>
+          </a:p>
+        </p:txBody>
+      </p:sp>
+    </p:spTree>
+    <p:extLst>
+      <p:ext uri="{BB962C8B-B14F-4D97-AF65-F5344CB8AC3E}">
+        <p14:creationId xmlns:p14="http://schemas.microsoft.com/office/powerpoint/2010/main" val="2396544352"/>
+      </p:ext>
+    </p:extLst>
+  </p:cSld>
+  <p:clrMapOvr>
+    <a:masterClrMapping/>
+  </p:clrMapOvr>
+  <mc:AlternateContent xmlns:mc="http://schemas.openxmlformats.org/markup-compatibility/2006" xmlns:p14="http://schemas.microsoft.com/office/powerpoint/2010/main">
+    <mc:Choice Requires="p14">
+      <p:transition spd="med" p14:dur="700">
+        <p:fade/>
+      </p:transition>
+    </mc:Choice>
+    <mc:Fallback xmlns="">
+      <p:transition spd="med">
+        <p:fade/>
+      </p:transition>
+    </mc:Fallback>
+  </mc:AlternateContent>
+</p:sld>
+</file>
+
+<file path=ppt/slides/slide21.xml><?xml version="1.0" encoding="utf-8"?>
 <p:sld xmlns:a="http://schemas.openxmlformats.org/drawingml/2006/main" xmlns:r="http://schemas.openxmlformats.org/officeDocument/2006/relationships" xmlns:p="http://schemas.openxmlformats.org/presentationml/2006/main" show="0">
   <p:cSld>
     <p:spTree>
@@ -21924,7 +22242,7 @@
 </p:sld>
 </file>
 
-<file path=ppt/slides/slide21.xml><?xml version="1.0" encoding="utf-8"?>
+<file path=ppt/slides/slide22.xml><?xml version="1.0" encoding="utf-8"?>
 <p:sld xmlns:a="http://schemas.openxmlformats.org/drawingml/2006/main" xmlns:r="http://schemas.openxmlformats.org/officeDocument/2006/relationships" xmlns:p="http://schemas.openxmlformats.org/presentationml/2006/main" show="0">
   <p:cSld>
     <p:spTree>
@@ -22009,7 +22327,7 @@
 </p:sld>
 </file>
 
-<file path=ppt/slides/slide22.xml><?xml version="1.0" encoding="utf-8"?>
+<file path=ppt/slides/slide23.xml><?xml version="1.0" encoding="utf-8"?>
 <p:sld xmlns:a="http://schemas.openxmlformats.org/drawingml/2006/main" xmlns:r="http://schemas.openxmlformats.org/officeDocument/2006/relationships" xmlns:p="http://schemas.openxmlformats.org/presentationml/2006/main">
   <p:cSld>
     <p:spTree>
@@ -22122,7 +22440,7 @@
 </p:sld>
 </file>
 
-<file path=ppt/slides/slide23.xml><?xml version="1.0" encoding="utf-8"?>
+<file path=ppt/slides/slide24.xml><?xml version="1.0" encoding="utf-8"?>
 <p:sld xmlns:a="http://schemas.openxmlformats.org/drawingml/2006/main" xmlns:r="http://schemas.openxmlformats.org/officeDocument/2006/relationships" xmlns:p="http://schemas.openxmlformats.org/presentationml/2006/main">
   <p:cSld>
     <p:spTree>
@@ -22266,7 +22584,9 @@
         </p:nvSpPr>
         <p:spPr/>
         <p:txBody>
-          <a:bodyPr/>
+          <a:bodyPr>
+            <a:normAutofit lnSpcReduction="10000"/>
+          </a:bodyPr>
           <a:lstStyle/>
           <a:p>
             <a:r>
@@ -22299,6 +22619,26 @@
               <a:rPr lang="en-GB" dirty="0"/>
               <a:t>Both Datasets were merged and we ended up with 959 Observations and 33 variables.</a:t>
             </a:r>
+          </a:p>
+          <a:p>
+            <a:r>
+              <a:rPr lang="en-US" b="1" dirty="0"/>
+              <a:t>17%</a:t>
+            </a:r>
+            <a:r>
+              <a:rPr lang="en-US" dirty="0"/>
+              <a:t> of our data contains students that failed. This is an important step because if the proportion was smaller than 15%, it would be considered a </a:t>
+            </a:r>
+            <a:r>
+              <a:rPr lang="en-US" b="1" dirty="0"/>
+              <a:t>rare event</a:t>
+            </a:r>
+            <a:r>
+              <a:rPr lang="en-US" dirty="0"/>
+              <a:t> and would be more challenging to model.</a:t>
+            </a:r>
+          </a:p>
+          <a:p>
             <a:endParaRPr lang="en-US" dirty="0"/>
           </a:p>
         </p:txBody>
@@ -22362,6 +22702,113 @@
           <a:p>
             <a:r>
               <a:rPr lang="en-US" dirty="0"/>
+              <a:t>Issues with Data</a:t>
+            </a:r>
+          </a:p>
+        </p:txBody>
+      </p:sp>
+      <p:sp>
+        <p:nvSpPr>
+          <p:cNvPr id="3" name="Content Placeholder 2"/>
+          <p:cNvSpPr>
+            <a:spLocks noGrp="1"/>
+          </p:cNvSpPr>
+          <p:nvPr>
+            <p:ph idx="1"/>
+          </p:nvPr>
+        </p:nvSpPr>
+        <p:spPr/>
+        <p:txBody>
+          <a:bodyPr/>
+          <a:lstStyle/>
+          <a:p>
+            <a:r>
+              <a:rPr lang="en-GB" dirty="0"/>
+              <a:t>Created a passing grade column (0,1) to depict if the student had passed or failed. </a:t>
+            </a:r>
+          </a:p>
+          <a:p>
+            <a:r>
+              <a:rPr lang="en-US" b="1" dirty="0"/>
+              <a:t>17%</a:t>
+            </a:r>
+            <a:r>
+              <a:rPr lang="en-US" dirty="0"/>
+              <a:t> of our data contains students that failed. This is an important step because if the proportion was smaller than 15%, it would be considered a </a:t>
+            </a:r>
+            <a:r>
+              <a:rPr lang="en-US" b="1" dirty="0"/>
+              <a:t>rare event</a:t>
+            </a:r>
+            <a:r>
+              <a:rPr lang="en-US" dirty="0"/>
+              <a:t> and would be more challenging to model.</a:t>
+            </a:r>
+          </a:p>
+          <a:p>
+            <a:endParaRPr lang="en-US" dirty="0"/>
+          </a:p>
+        </p:txBody>
+      </p:sp>
+    </p:spTree>
+    <p:extLst>
+      <p:ext uri="{BB962C8B-B14F-4D97-AF65-F5344CB8AC3E}">
+        <p14:creationId xmlns:p14="http://schemas.microsoft.com/office/powerpoint/2010/main" val="3223397334"/>
+      </p:ext>
+    </p:extLst>
+  </p:cSld>
+  <p:clrMapOvr>
+    <a:masterClrMapping/>
+  </p:clrMapOvr>
+  <mc:AlternateContent xmlns:mc="http://schemas.openxmlformats.org/markup-compatibility/2006" xmlns:p14="http://schemas.microsoft.com/office/powerpoint/2010/main">
+    <mc:Choice Requires="p14">
+      <p:transition spd="med" p14:dur="700">
+        <p:fade/>
+      </p:transition>
+    </mc:Choice>
+    <mc:Fallback xmlns="">
+      <p:transition spd="med">
+        <p:fade/>
+      </p:transition>
+    </mc:Fallback>
+  </mc:AlternateContent>
+</p:sld>
+</file>
+
+<file path=ppt/slides/slide5.xml><?xml version="1.0" encoding="utf-8"?>
+<p:sld xmlns:a="http://schemas.openxmlformats.org/drawingml/2006/main" xmlns:r="http://schemas.openxmlformats.org/officeDocument/2006/relationships" xmlns:p="http://schemas.openxmlformats.org/presentationml/2006/main">
+  <p:cSld>
+    <p:spTree>
+      <p:nvGrpSpPr>
+        <p:cNvPr id="1" name=""/>
+        <p:cNvGrpSpPr/>
+        <p:nvPr/>
+      </p:nvGrpSpPr>
+      <p:grpSpPr>
+        <a:xfrm>
+          <a:off x="0" y="0"/>
+          <a:ext cx="0" cy="0"/>
+          <a:chOff x="0" y="0"/>
+          <a:chExt cx="0" cy="0"/>
+        </a:xfrm>
+      </p:grpSpPr>
+      <p:sp>
+        <p:nvSpPr>
+          <p:cNvPr id="2" name="Title 1"/>
+          <p:cNvSpPr>
+            <a:spLocks noGrp="1"/>
+          </p:cNvSpPr>
+          <p:nvPr>
+            <p:ph type="title"/>
+          </p:nvPr>
+        </p:nvSpPr>
+        <p:spPr/>
+        <p:txBody>
+          <a:bodyPr/>
+          <a:lstStyle/>
+          <a:p>
+            <a:r>
+              <a:rPr lang="en-US" dirty="0"/>
               <a:t>Target Variable</a:t>
             </a:r>
           </a:p>
@@ -22427,7 +22874,7 @@
 </p:sld>
 </file>
 
-<file path=ppt/slides/slide5.xml><?xml version="1.0" encoding="utf-8"?>
+<file path=ppt/slides/slide6.xml><?xml version="1.0" encoding="utf-8"?>
 <p:sld xmlns:a="http://schemas.openxmlformats.org/drawingml/2006/main" xmlns:r="http://schemas.openxmlformats.org/officeDocument/2006/relationships" xmlns:p="http://schemas.openxmlformats.org/presentationml/2006/main">
   <p:cSld>
     <p:spTree>
@@ -22517,121 +22964,6 @@
 </p:sld>
 </file>
 
-<file path=ppt/slides/slide6.xml><?xml version="1.0" encoding="utf-8"?>
-<p:sld xmlns:a="http://schemas.openxmlformats.org/drawingml/2006/main" xmlns:r="http://schemas.openxmlformats.org/officeDocument/2006/relationships" xmlns:p="http://schemas.openxmlformats.org/presentationml/2006/main">
-  <p:cSld>
-    <p:spTree>
-      <p:nvGrpSpPr>
-        <p:cNvPr id="1" name=""/>
-        <p:cNvGrpSpPr/>
-        <p:nvPr/>
-      </p:nvGrpSpPr>
-      <p:grpSpPr>
-        <a:xfrm>
-          <a:off x="0" y="0"/>
-          <a:ext cx="0" cy="0"/>
-          <a:chOff x="0" y="0"/>
-          <a:chExt cx="0" cy="0"/>
-        </a:xfrm>
-      </p:grpSpPr>
-      <p:sp>
-        <p:nvSpPr>
-          <p:cNvPr id="2" name="Title 1"/>
-          <p:cNvSpPr>
-            <a:spLocks noGrp="1"/>
-          </p:cNvSpPr>
-          <p:nvPr>
-            <p:ph type="title"/>
-          </p:nvPr>
-        </p:nvSpPr>
-        <p:spPr/>
-        <p:txBody>
-          <a:bodyPr/>
-          <a:lstStyle/>
-          <a:p>
-            <a:r>
-              <a:rPr lang="en-US" dirty="0"/>
-              <a:t>Issues with Data</a:t>
-            </a:r>
-          </a:p>
-        </p:txBody>
-      </p:sp>
-      <p:sp>
-        <p:nvSpPr>
-          <p:cNvPr id="3" name="Content Placeholder 2"/>
-          <p:cNvSpPr>
-            <a:spLocks noGrp="1"/>
-          </p:cNvSpPr>
-          <p:nvPr>
-            <p:ph idx="1"/>
-          </p:nvPr>
-        </p:nvSpPr>
-        <p:spPr/>
-        <p:txBody>
-          <a:bodyPr/>
-          <a:lstStyle/>
-          <a:p>
-            <a:r>
-              <a:rPr lang="en-GB" dirty="0"/>
-              <a:t>Created a passing grade column (0,1) to depict if the student had passed or failed. </a:t>
-            </a:r>
-          </a:p>
-          <a:p>
-            <a:r>
-              <a:rPr lang="en-US" b="1" dirty="0"/>
-              <a:t>17%</a:t>
-            </a:r>
-            <a:r>
-              <a:rPr lang="en-US" dirty="0"/>
-              <a:t> of our data contains students </a:t>
-            </a:r>
-            <a:r>
-              <a:rPr lang="en-US"/>
-              <a:t>that failed. </a:t>
-            </a:r>
-            <a:r>
-              <a:rPr lang="en-US" dirty="0"/>
-              <a:t>This is an important step because if the proportion was smaller than 15%, it would be considered a </a:t>
-            </a:r>
-            <a:r>
-              <a:rPr lang="en-US" b="1" dirty="0"/>
-              <a:t>rare event</a:t>
-            </a:r>
-            <a:r>
-              <a:rPr lang="en-US" dirty="0"/>
-              <a:t> and would be more challenging to model.</a:t>
-            </a:r>
-          </a:p>
-          <a:p>
-            <a:endParaRPr lang="en-US" dirty="0"/>
-          </a:p>
-        </p:txBody>
-      </p:sp>
-    </p:spTree>
-    <p:extLst>
-      <p:ext uri="{BB962C8B-B14F-4D97-AF65-F5344CB8AC3E}">
-        <p14:creationId xmlns:p14="http://schemas.microsoft.com/office/powerpoint/2010/main" val="3223397334"/>
-      </p:ext>
-    </p:extLst>
-  </p:cSld>
-  <p:clrMapOvr>
-    <a:masterClrMapping/>
-  </p:clrMapOvr>
-  <mc:AlternateContent xmlns:mc="http://schemas.openxmlformats.org/markup-compatibility/2006" xmlns:p14="http://schemas.microsoft.com/office/powerpoint/2010/main">
-    <mc:Choice Requires="p14">
-      <p:transition spd="med" p14:dur="700">
-        <p:fade/>
-      </p:transition>
-    </mc:Choice>
-    <mc:Fallback xmlns="">
-      <p:transition spd="med">
-        <p:fade/>
-      </p:transition>
-    </mc:Fallback>
-  </mc:AlternateContent>
-</p:sld>
-</file>
-
 <file path=ppt/slides/slide7.xml><?xml version="1.0" encoding="utf-8"?>
 <p:sld xmlns:a="http://schemas.openxmlformats.org/drawingml/2006/main" xmlns:r="http://schemas.openxmlformats.org/officeDocument/2006/relationships" xmlns:p="http://schemas.openxmlformats.org/presentationml/2006/main">
   <p:cSld>
@@ -22694,28 +23026,13 @@
           <a:p>
             <a:r>
               <a:rPr lang="en-GB" dirty="0"/>
-              <a:t>Created a passing grade column (0,1) to depict if the student had passed or failed.</a:t>
-            </a:r>
-            <a:endParaRPr lang="en-US" dirty="0"/>
-          </a:p>
-          <a:p>
-            <a:r>
-              <a:rPr lang="en-GB" dirty="0"/>
               <a:t>Used ggplot2 and plot (stats) to examine central tendency and distribution of continuous variables (G3).</a:t>
             </a:r>
           </a:p>
           <a:p>
             <a:r>
               <a:rPr lang="en-US" dirty="0"/>
-              <a:t>Each category was converted into a separate binary variable with a value of either 1 or 0. This </a:t>
-            </a:r>
-            <a:r>
-              <a:rPr lang="en-US" dirty="0" err="1"/>
-              <a:t>increnotenotrased</a:t>
-            </a:r>
-            <a:r>
-              <a:rPr lang="en-US" dirty="0"/>
-              <a:t> the number of variables from 33 to 42.</a:t>
+              <a:t>Each category was converted into a separate binary variable with a value of either 1 or 0. This increased the number of variables from 33 to 42.</a:t>
             </a:r>
           </a:p>
         </p:txBody>

--- a/Student Alcohol Consumption Data Science Project.pptx
+++ b/Student Alcohol Consumption Data Science Project.pptx
@@ -6,36 +6,39 @@
     <p:sldMasterId id="2147483660" r:id="rId2"/>
   </p:sldMasterIdLst>
   <p:notesMasterIdLst>
-    <p:notesMasterId r:id="rId27"/>
+    <p:notesMasterId r:id="rId30"/>
   </p:notesMasterIdLst>
   <p:handoutMasterIdLst>
-    <p:handoutMasterId r:id="rId28"/>
+    <p:handoutMasterId r:id="rId31"/>
   </p:handoutMasterIdLst>
   <p:sldIdLst>
     <p:sldId id="267" r:id="rId3"/>
     <p:sldId id="257" r:id="rId4"/>
     <p:sldId id="258" r:id="rId5"/>
-    <p:sldId id="279" r:id="rId6"/>
+    <p:sldId id="268" r:id="rId6"/>
     <p:sldId id="259" r:id="rId7"/>
-    <p:sldId id="268" r:id="rId8"/>
-    <p:sldId id="270" r:id="rId9"/>
+    <p:sldId id="270" r:id="rId8"/>
+    <p:sldId id="285" r:id="rId9"/>
     <p:sldId id="271" r:id="rId10"/>
     <p:sldId id="278" r:id="rId11"/>
     <p:sldId id="280" r:id="rId12"/>
     <p:sldId id="281" r:id="rId13"/>
-    <p:sldId id="282" r:id="rId14"/>
+    <p:sldId id="261" r:id="rId14"/>
     <p:sldId id="283" r:id="rId15"/>
-    <p:sldId id="261" r:id="rId16"/>
-    <p:sldId id="263" r:id="rId17"/>
-    <p:sldId id="260" r:id="rId18"/>
-    <p:sldId id="273" r:id="rId19"/>
-    <p:sldId id="274" r:id="rId20"/>
-    <p:sldId id="275" r:id="rId21"/>
-    <p:sldId id="265" r:id="rId22"/>
-    <p:sldId id="262" r:id="rId23"/>
-    <p:sldId id="272" r:id="rId24"/>
-    <p:sldId id="264" r:id="rId25"/>
-    <p:sldId id="266" r:id="rId26"/>
+    <p:sldId id="284" r:id="rId16"/>
+    <p:sldId id="282" r:id="rId17"/>
+    <p:sldId id="287" r:id="rId18"/>
+    <p:sldId id="286" r:id="rId19"/>
+    <p:sldId id="263" r:id="rId20"/>
+    <p:sldId id="260" r:id="rId21"/>
+    <p:sldId id="273" r:id="rId22"/>
+    <p:sldId id="274" r:id="rId23"/>
+    <p:sldId id="275" r:id="rId24"/>
+    <p:sldId id="265" r:id="rId25"/>
+    <p:sldId id="262" r:id="rId26"/>
+    <p:sldId id="272" r:id="rId27"/>
+    <p:sldId id="264" r:id="rId28"/>
+    <p:sldId id="266" r:id="rId29"/>
   </p:sldIdLst>
   <p:sldSz cx="12192000" cy="6858000"/>
   <p:notesSz cx="6858000" cy="9144000"/>
@@ -3890,33 +3893,33 @@
     </dgm:pt>
   </dgm:ptLst>
   <dgm:cxnLst>
+    <dgm:cxn modelId="{3F4BEE9E-8D26-4AD2-ADA0-D76B4E28C08E}" type="presOf" srcId="{981C2CD8-7E8A-4682-8B5A-A510268B34AC}" destId="{C084451C-3DBC-48CF-A871-B521FE90830A}" srcOrd="0" destOrd="0" presId="urn:microsoft.com/office/officeart/2005/8/layout/process3"/>
+    <dgm:cxn modelId="{F188FC37-C998-4CDB-85A2-EBB389808248}" type="presOf" srcId="{981C2CD8-7E8A-4682-8B5A-A510268B34AC}" destId="{B29D4F23-83F6-4C7C-9B29-72BF90EFE2CC}" srcOrd="1" destOrd="0" presId="urn:microsoft.com/office/officeart/2005/8/layout/process3"/>
+    <dgm:cxn modelId="{C0883AEA-830B-4AD2-96BF-9E39D8362AB2}" type="presOf" srcId="{DC2DF88C-35A0-4E30-A3E4-E002DC34F521}" destId="{ABF185BD-956E-4777-8763-980278E426BB}" srcOrd="1" destOrd="0" presId="urn:microsoft.com/office/officeart/2005/8/layout/process3"/>
+    <dgm:cxn modelId="{B2733D3B-E352-4F5C-889A-1B9ECD5F8F60}" type="presOf" srcId="{EB5FE175-6B6D-4195-A86F-6DFA96778160}" destId="{B4B2D37A-6F50-4E0F-B305-9EB4D512D773}" srcOrd="0" destOrd="0" presId="urn:microsoft.com/office/officeart/2005/8/layout/process3"/>
+    <dgm:cxn modelId="{D95BF8C4-EEA0-4AAE-8693-AFAC7500B286}" srcId="{CADE50C9-6A62-45AC-AF42-A90DC46A3209}" destId="{981C2CD8-7E8A-4682-8B5A-A510268B34AC}" srcOrd="1" destOrd="0" parTransId="{1185AE54-EDEE-4D55-93F6-F7D354ED7C11}" sibTransId="{D7467A3A-2B78-4CDD-91C9-D96452997227}"/>
+    <dgm:cxn modelId="{6C7842C7-2928-4666-A7BA-454C6506C36C}" type="presOf" srcId="{4DFC88DE-E0F0-4976-9B83-58EADA7CE300}" destId="{7E8F3DD0-4BD8-4C40-B882-1E8B5E423D90}" srcOrd="1" destOrd="0" presId="urn:microsoft.com/office/officeart/2005/8/layout/process3"/>
+    <dgm:cxn modelId="{7A81218D-5146-40F9-9731-5BD21503537E}" srcId="{981C2CD8-7E8A-4682-8B5A-A510268B34AC}" destId="{CF1FE966-0BB0-47ED-84B3-EC7AB055925F}" srcOrd="0" destOrd="0" parTransId="{FB956851-3BB2-4FF1-A9D6-4692FA0EFDCA}" sibTransId="{831C3CE2-0F23-433C-85CA-9D194AAC5E20}"/>
+    <dgm:cxn modelId="{47BAA679-3D6E-4A1A-91AA-9E404EE6A4CB}" type="presOf" srcId="{F5961DD5-682B-4D21-A827-30C64679BB5F}" destId="{D685B160-AC57-41A0-95FE-636A4391B913}" srcOrd="1" destOrd="0" presId="urn:microsoft.com/office/officeart/2005/8/layout/process3"/>
+    <dgm:cxn modelId="{AABA8D8C-E800-4FDC-8C5F-A5D82041D563}" type="presOf" srcId="{CF1FE966-0BB0-47ED-84B3-EC7AB055925F}" destId="{032BAEB6-0FB1-4780-AF60-2EFB8C965C77}" srcOrd="0" destOrd="0" presId="urn:microsoft.com/office/officeart/2005/8/layout/process3"/>
+    <dgm:cxn modelId="{A5C9FCE5-8766-426B-B5BE-B83931DD52CA}" type="presOf" srcId="{D7467A3A-2B78-4CDD-91C9-D96452997227}" destId="{E38B4FCE-9678-4085-AB99-40595BD6EB1C}" srcOrd="1" destOrd="0" presId="urn:microsoft.com/office/officeart/2005/8/layout/process3"/>
+    <dgm:cxn modelId="{7C7C1ACA-D121-4A09-BFF4-2A57A30D871A}" type="presOf" srcId="{D7467A3A-2B78-4CDD-91C9-D96452997227}" destId="{84DC82A2-8D59-472B-BE22-46F053C16CD5}" srcOrd="0" destOrd="0" presId="urn:microsoft.com/office/officeart/2005/8/layout/process3"/>
+    <dgm:cxn modelId="{461E3B8D-CDD4-4E38-A9CC-325E95F35F5C}" type="presOf" srcId="{72DB7378-4256-4528-8672-DEEF82828E57}" destId="{893E387F-15C0-4F86-BCD4-13F52E420B46}" srcOrd="0" destOrd="0" presId="urn:microsoft.com/office/officeart/2005/8/layout/process3"/>
     <dgm:cxn modelId="{93006ACD-B004-4B1F-B0D0-6C85222A28DE}" type="presOf" srcId="{EB5FE175-6B6D-4195-A86F-6DFA96778160}" destId="{ADE18D45-E3E4-4C40-8D6C-3AC62ACE8299}" srcOrd="1" destOrd="0" presId="urn:microsoft.com/office/officeart/2005/8/layout/process3"/>
-    <dgm:cxn modelId="{F188FC37-C998-4CDB-85A2-EBB389808248}" type="presOf" srcId="{981C2CD8-7E8A-4682-8B5A-A510268B34AC}" destId="{B29D4F23-83F6-4C7C-9B29-72BF90EFE2CC}" srcOrd="1" destOrd="0" presId="urn:microsoft.com/office/officeart/2005/8/layout/process3"/>
+    <dgm:cxn modelId="{37CFE086-8264-4424-B1D0-18A97A56AF66}" type="presOf" srcId="{4DFC88DE-E0F0-4976-9B83-58EADA7CE300}" destId="{14AD0DAF-92D3-400A-A4E0-170D0AF84100}" srcOrd="0" destOrd="0" presId="urn:microsoft.com/office/officeart/2005/8/layout/process3"/>
+    <dgm:cxn modelId="{7A63044C-EE1D-4724-9059-4496B4425527}" type="presOf" srcId="{F5961DD5-682B-4D21-A827-30C64679BB5F}" destId="{4858D85A-2D02-42C7-A50A-A4E78D4F073F}" srcOrd="0" destOrd="0" presId="urn:microsoft.com/office/officeart/2005/8/layout/process3"/>
+    <dgm:cxn modelId="{2A4D48E1-6639-4AC8-ABBF-C8A0D045AFB7}" srcId="{F5961DD5-682B-4D21-A827-30C64679BB5F}" destId="{72DB7378-4256-4528-8672-DEEF82828E57}" srcOrd="0" destOrd="0" parTransId="{97CEFC59-E261-4652-BC13-D71B45B5EC50}" sibTransId="{D0054105-F7A3-4CAE-89E2-0979360A932C}"/>
+    <dgm:cxn modelId="{D998B319-C072-4BF0-B5CB-2075DB30B691}" srcId="{DC2DF88C-35A0-4E30-A3E4-E002DC34F521}" destId="{DF9FD532-8B13-446E-B6A3-59BDF574BCA8}" srcOrd="0" destOrd="0" parTransId="{3A79FA23-5F3F-4F7D-B4AC-A9C282166E18}" sibTransId="{31B32A6E-6E91-4EAA-96F6-92A0035B120A}"/>
+    <dgm:cxn modelId="{654B2758-BB63-4A67-9FA8-BFB78F357825}" type="presOf" srcId="{DC2DF88C-35A0-4E30-A3E4-E002DC34F521}" destId="{D297B747-A2CF-41E4-A59D-391BC474F135}" srcOrd="0" destOrd="0" presId="urn:microsoft.com/office/officeart/2005/8/layout/process3"/>
+    <dgm:cxn modelId="{762AB07F-C728-41D8-9B57-DB011D1EC3F0}" type="presOf" srcId="{DF9FD532-8B13-446E-B6A3-59BDF574BCA8}" destId="{1526152F-906E-4121-A143-DD130A011105}" srcOrd="0" destOrd="0" presId="urn:microsoft.com/office/officeart/2005/8/layout/process3"/>
+    <dgm:cxn modelId="{55246683-0A80-455D-B6B5-2B2736293CF2}" srcId="{5F712884-449D-4DB5-9953-28B7C76B95EA}" destId="{3C06DC45-D510-48CC-B9DC-C19564791119}" srcOrd="0" destOrd="0" parTransId="{65F5C7C6-EB25-442A-AB0B-B47F97609474}" sibTransId="{D1AB7263-DC38-4830-9C45-C1403EA8E20B}"/>
+    <dgm:cxn modelId="{5BBBD0A9-97DA-480E-AD44-1947C76CE5E6}" srcId="{CADE50C9-6A62-45AC-AF42-A90DC46A3209}" destId="{5F712884-449D-4DB5-9953-28B7C76B95EA}" srcOrd="0" destOrd="0" parTransId="{959B81DB-0329-4043-A334-D05EB5160B66}" sibTransId="{EB5FE175-6B6D-4195-A86F-6DFA96778160}"/>
+    <dgm:cxn modelId="{5BDE1DA6-E08E-43FF-BCA1-46EC3454F22A}" type="presOf" srcId="{5F712884-449D-4DB5-9953-28B7C76B95EA}" destId="{EF3A946E-96B3-4628-91EB-8B0A2A37DDB1}" srcOrd="0" destOrd="0" presId="urn:microsoft.com/office/officeart/2005/8/layout/process3"/>
     <dgm:cxn modelId="{9197A1EF-40BA-4A00-90BC-61CBC94FE8A7}" type="presOf" srcId="{3C06DC45-D510-48CC-B9DC-C19564791119}" destId="{9AFA4903-C1AC-4872-B8FC-33B461DA35FC}" srcOrd="0" destOrd="0" presId="urn:microsoft.com/office/officeart/2005/8/layout/process3"/>
     <dgm:cxn modelId="{63D5015B-3865-4A4B-AEB1-FBEF0DE71B9A}" srcId="{CADE50C9-6A62-45AC-AF42-A90DC46A3209}" destId="{DC2DF88C-35A0-4E30-A3E4-E002DC34F521}" srcOrd="2" destOrd="0" parTransId="{9BB88C43-2261-4EC7-A70D-463964685938}" sibTransId="{4DFC88DE-E0F0-4976-9B83-58EADA7CE300}"/>
-    <dgm:cxn modelId="{654B2758-BB63-4A67-9FA8-BFB78F357825}" type="presOf" srcId="{DC2DF88C-35A0-4E30-A3E4-E002DC34F521}" destId="{D297B747-A2CF-41E4-A59D-391BC474F135}" srcOrd="0" destOrd="0" presId="urn:microsoft.com/office/officeart/2005/8/layout/process3"/>
-    <dgm:cxn modelId="{C0883AEA-830B-4AD2-96BF-9E39D8362AB2}" type="presOf" srcId="{DC2DF88C-35A0-4E30-A3E4-E002DC34F521}" destId="{ABF185BD-956E-4777-8763-980278E426BB}" srcOrd="1" destOrd="0" presId="urn:microsoft.com/office/officeart/2005/8/layout/process3"/>
-    <dgm:cxn modelId="{B2733D3B-E352-4F5C-889A-1B9ECD5F8F60}" type="presOf" srcId="{EB5FE175-6B6D-4195-A86F-6DFA96778160}" destId="{B4B2D37A-6F50-4E0F-B305-9EB4D512D773}" srcOrd="0" destOrd="0" presId="urn:microsoft.com/office/officeart/2005/8/layout/process3"/>
-    <dgm:cxn modelId="{5BDE1DA6-E08E-43FF-BCA1-46EC3454F22A}" type="presOf" srcId="{5F712884-449D-4DB5-9953-28B7C76B95EA}" destId="{EF3A946E-96B3-4628-91EB-8B0A2A37DDB1}" srcOrd="0" destOrd="0" presId="urn:microsoft.com/office/officeart/2005/8/layout/process3"/>
-    <dgm:cxn modelId="{7C7C1ACA-D121-4A09-BFF4-2A57A30D871A}" type="presOf" srcId="{D7467A3A-2B78-4CDD-91C9-D96452997227}" destId="{84DC82A2-8D59-472B-BE22-46F053C16CD5}" srcOrd="0" destOrd="0" presId="urn:microsoft.com/office/officeart/2005/8/layout/process3"/>
-    <dgm:cxn modelId="{D998B319-C072-4BF0-B5CB-2075DB30B691}" srcId="{DC2DF88C-35A0-4E30-A3E4-E002DC34F521}" destId="{DF9FD532-8B13-446E-B6A3-59BDF574BCA8}" srcOrd="0" destOrd="0" parTransId="{3A79FA23-5F3F-4F7D-B4AC-A9C282166E18}" sibTransId="{31B32A6E-6E91-4EAA-96F6-92A0035B120A}"/>
-    <dgm:cxn modelId="{AABA8D8C-E800-4FDC-8C5F-A5D82041D563}" type="presOf" srcId="{CF1FE966-0BB0-47ED-84B3-EC7AB055925F}" destId="{032BAEB6-0FB1-4780-AF60-2EFB8C965C77}" srcOrd="0" destOrd="0" presId="urn:microsoft.com/office/officeart/2005/8/layout/process3"/>
-    <dgm:cxn modelId="{D95BF8C4-EEA0-4AAE-8693-AFAC7500B286}" srcId="{CADE50C9-6A62-45AC-AF42-A90DC46A3209}" destId="{981C2CD8-7E8A-4682-8B5A-A510268B34AC}" srcOrd="1" destOrd="0" parTransId="{1185AE54-EDEE-4D55-93F6-F7D354ED7C11}" sibTransId="{D7467A3A-2B78-4CDD-91C9-D96452997227}"/>
-    <dgm:cxn modelId="{5BBBD0A9-97DA-480E-AD44-1947C76CE5E6}" srcId="{CADE50C9-6A62-45AC-AF42-A90DC46A3209}" destId="{5F712884-449D-4DB5-9953-28B7C76B95EA}" srcOrd="0" destOrd="0" parTransId="{959B81DB-0329-4043-A334-D05EB5160B66}" sibTransId="{EB5FE175-6B6D-4195-A86F-6DFA96778160}"/>
-    <dgm:cxn modelId="{2A4D48E1-6639-4AC8-ABBF-C8A0D045AFB7}" srcId="{F5961DD5-682B-4D21-A827-30C64679BB5F}" destId="{72DB7378-4256-4528-8672-DEEF82828E57}" srcOrd="0" destOrd="0" parTransId="{97CEFC59-E261-4652-BC13-D71B45B5EC50}" sibTransId="{D0054105-F7A3-4CAE-89E2-0979360A932C}"/>
-    <dgm:cxn modelId="{7A81218D-5146-40F9-9731-5BD21503537E}" srcId="{981C2CD8-7E8A-4682-8B5A-A510268B34AC}" destId="{CF1FE966-0BB0-47ED-84B3-EC7AB055925F}" srcOrd="0" destOrd="0" parTransId="{FB956851-3BB2-4FF1-A9D6-4692FA0EFDCA}" sibTransId="{831C3CE2-0F23-433C-85CA-9D194AAC5E20}"/>
-    <dgm:cxn modelId="{6C7842C7-2928-4666-A7BA-454C6506C36C}" type="presOf" srcId="{4DFC88DE-E0F0-4976-9B83-58EADA7CE300}" destId="{7E8F3DD0-4BD8-4C40-B882-1E8B5E423D90}" srcOrd="1" destOrd="0" presId="urn:microsoft.com/office/officeart/2005/8/layout/process3"/>
-    <dgm:cxn modelId="{55246683-0A80-455D-B6B5-2B2736293CF2}" srcId="{5F712884-449D-4DB5-9953-28B7C76B95EA}" destId="{3C06DC45-D510-48CC-B9DC-C19564791119}" srcOrd="0" destOrd="0" parTransId="{65F5C7C6-EB25-442A-AB0B-B47F97609474}" sibTransId="{D1AB7263-DC38-4830-9C45-C1403EA8E20B}"/>
-    <dgm:cxn modelId="{461E3B8D-CDD4-4E38-A9CC-325E95F35F5C}" type="presOf" srcId="{72DB7378-4256-4528-8672-DEEF82828E57}" destId="{893E387F-15C0-4F86-BCD4-13F52E420B46}" srcOrd="0" destOrd="0" presId="urn:microsoft.com/office/officeart/2005/8/layout/process3"/>
-    <dgm:cxn modelId="{7A63044C-EE1D-4724-9059-4496B4425527}" type="presOf" srcId="{F5961DD5-682B-4D21-A827-30C64679BB5F}" destId="{4858D85A-2D02-42C7-A50A-A4E78D4F073F}" srcOrd="0" destOrd="0" presId="urn:microsoft.com/office/officeart/2005/8/layout/process3"/>
+    <dgm:cxn modelId="{73708078-FDBA-43F4-96AB-FB14C4C2602F}" srcId="{CADE50C9-6A62-45AC-AF42-A90DC46A3209}" destId="{F5961DD5-682B-4D21-A827-30C64679BB5F}" srcOrd="3" destOrd="0" parTransId="{75D73089-01C8-4BC0-90ED-CA9D1B8E3ADF}" sibTransId="{CA7ED3B0-10D1-4E2F-8BA0-8D58C22A94D0}"/>
     <dgm:cxn modelId="{BB6865B8-A688-4FC4-AFAA-E66324174F02}" type="presOf" srcId="{5F712884-449D-4DB5-9953-28B7C76B95EA}" destId="{E252839F-D941-4E3B-BA68-AC653DAEAE4C}" srcOrd="1" destOrd="0" presId="urn:microsoft.com/office/officeart/2005/8/layout/process3"/>
-    <dgm:cxn modelId="{73708078-FDBA-43F4-96AB-FB14C4C2602F}" srcId="{CADE50C9-6A62-45AC-AF42-A90DC46A3209}" destId="{F5961DD5-682B-4D21-A827-30C64679BB5F}" srcOrd="3" destOrd="0" parTransId="{75D73089-01C8-4BC0-90ED-CA9D1B8E3ADF}" sibTransId="{CA7ED3B0-10D1-4E2F-8BA0-8D58C22A94D0}"/>
-    <dgm:cxn modelId="{37CFE086-8264-4424-B1D0-18A97A56AF66}" type="presOf" srcId="{4DFC88DE-E0F0-4976-9B83-58EADA7CE300}" destId="{14AD0DAF-92D3-400A-A4E0-170D0AF84100}" srcOrd="0" destOrd="0" presId="urn:microsoft.com/office/officeart/2005/8/layout/process3"/>
-    <dgm:cxn modelId="{A5C9FCE5-8766-426B-B5BE-B83931DD52CA}" type="presOf" srcId="{D7467A3A-2B78-4CDD-91C9-D96452997227}" destId="{E38B4FCE-9678-4085-AB99-40595BD6EB1C}" srcOrd="1" destOrd="0" presId="urn:microsoft.com/office/officeart/2005/8/layout/process3"/>
-    <dgm:cxn modelId="{3F4BEE9E-8D26-4AD2-ADA0-D76B4E28C08E}" type="presOf" srcId="{981C2CD8-7E8A-4682-8B5A-A510268B34AC}" destId="{C084451C-3DBC-48CF-A871-B521FE90830A}" srcOrd="0" destOrd="0" presId="urn:microsoft.com/office/officeart/2005/8/layout/process3"/>
-    <dgm:cxn modelId="{47BAA679-3D6E-4A1A-91AA-9E404EE6A4CB}" type="presOf" srcId="{F5961DD5-682B-4D21-A827-30C64679BB5F}" destId="{D685B160-AC57-41A0-95FE-636A4391B913}" srcOrd="1" destOrd="0" presId="urn:microsoft.com/office/officeart/2005/8/layout/process3"/>
     <dgm:cxn modelId="{AF250757-46ED-49A3-A2B4-276D1B47F666}" type="presOf" srcId="{CADE50C9-6A62-45AC-AF42-A90DC46A3209}" destId="{FDB6D5C0-0ED5-4B9D-9E48-126ED2C433C3}" srcOrd="0" destOrd="0" presId="urn:microsoft.com/office/officeart/2005/8/layout/process3"/>
-    <dgm:cxn modelId="{762AB07F-C728-41D8-9B57-DB011D1EC3F0}" type="presOf" srcId="{DF9FD532-8B13-446E-B6A3-59BDF574BCA8}" destId="{1526152F-906E-4121-A143-DD130A011105}" srcOrd="0" destOrd="0" presId="urn:microsoft.com/office/officeart/2005/8/layout/process3"/>
     <dgm:cxn modelId="{2B1E6CD2-9E99-4BF4-91F4-6569897959CC}" type="presParOf" srcId="{FDB6D5C0-0ED5-4B9D-9E48-126ED2C433C3}" destId="{CFDB6B04-AAD5-42A2-8A40-C0EC4077F01E}" srcOrd="0" destOrd="0" presId="urn:microsoft.com/office/officeart/2005/8/layout/process3"/>
     <dgm:cxn modelId="{1E36B744-698A-4110-8366-45A5C14FAB2F}" type="presParOf" srcId="{CFDB6B04-AAD5-42A2-8A40-C0EC4077F01E}" destId="{EF3A946E-96B3-4628-91EB-8B0A2A37DDB1}" srcOrd="0" destOrd="0" presId="urn:microsoft.com/office/officeart/2005/8/layout/process3"/>
     <dgm:cxn modelId="{A8E72DFA-2E76-423D-B051-4B4AE1F43988}" type="presParOf" srcId="{CFDB6B04-AAD5-42A2-8A40-C0EC4077F01E}" destId="{E252839F-D941-4E3B-BA68-AC653DAEAE4C}" srcOrd="1" destOrd="0" presId="urn:microsoft.com/office/officeart/2005/8/layout/process3"/>
@@ -4817,33 +4820,33 @@
     </dgm:pt>
   </dgm:ptLst>
   <dgm:cxnLst>
-    <dgm:cxn modelId="{3F4BEE9E-8D26-4AD2-ADA0-D76B4E28C08E}" type="presOf" srcId="{981C2CD8-7E8A-4682-8B5A-A510268B34AC}" destId="{C084451C-3DBC-48CF-A871-B521FE90830A}" srcOrd="0" destOrd="0" presId="urn:microsoft.com/office/officeart/2005/8/layout/process3"/>
+    <dgm:cxn modelId="{93006ACD-B004-4B1F-B0D0-6C85222A28DE}" type="presOf" srcId="{EB5FE175-6B6D-4195-A86F-6DFA96778160}" destId="{ADE18D45-E3E4-4C40-8D6C-3AC62ACE8299}" srcOrd="1" destOrd="0" presId="urn:microsoft.com/office/officeart/2005/8/layout/process3"/>
     <dgm:cxn modelId="{F188FC37-C998-4CDB-85A2-EBB389808248}" type="presOf" srcId="{981C2CD8-7E8A-4682-8B5A-A510268B34AC}" destId="{B29D4F23-83F6-4C7C-9B29-72BF90EFE2CC}" srcOrd="1" destOrd="0" presId="urn:microsoft.com/office/officeart/2005/8/layout/process3"/>
+    <dgm:cxn modelId="{9197A1EF-40BA-4A00-90BC-61CBC94FE8A7}" type="presOf" srcId="{3C06DC45-D510-48CC-B9DC-C19564791119}" destId="{9AFA4903-C1AC-4872-B8FC-33B461DA35FC}" srcOrd="0" destOrd="0" presId="urn:microsoft.com/office/officeart/2005/8/layout/process3"/>
+    <dgm:cxn modelId="{63D5015B-3865-4A4B-AEB1-FBEF0DE71B9A}" srcId="{CADE50C9-6A62-45AC-AF42-A90DC46A3209}" destId="{DC2DF88C-35A0-4E30-A3E4-E002DC34F521}" srcOrd="2" destOrd="0" parTransId="{9BB88C43-2261-4EC7-A70D-463964685938}" sibTransId="{4DFC88DE-E0F0-4976-9B83-58EADA7CE300}"/>
+    <dgm:cxn modelId="{654B2758-BB63-4A67-9FA8-BFB78F357825}" type="presOf" srcId="{DC2DF88C-35A0-4E30-A3E4-E002DC34F521}" destId="{D297B747-A2CF-41E4-A59D-391BC474F135}" srcOrd="0" destOrd="0" presId="urn:microsoft.com/office/officeart/2005/8/layout/process3"/>
     <dgm:cxn modelId="{C0883AEA-830B-4AD2-96BF-9E39D8362AB2}" type="presOf" srcId="{DC2DF88C-35A0-4E30-A3E4-E002DC34F521}" destId="{ABF185BD-956E-4777-8763-980278E426BB}" srcOrd="1" destOrd="0" presId="urn:microsoft.com/office/officeart/2005/8/layout/process3"/>
     <dgm:cxn modelId="{B2733D3B-E352-4F5C-889A-1B9ECD5F8F60}" type="presOf" srcId="{EB5FE175-6B6D-4195-A86F-6DFA96778160}" destId="{B4B2D37A-6F50-4E0F-B305-9EB4D512D773}" srcOrd="0" destOrd="0" presId="urn:microsoft.com/office/officeart/2005/8/layout/process3"/>
+    <dgm:cxn modelId="{5BDE1DA6-E08E-43FF-BCA1-46EC3454F22A}" type="presOf" srcId="{5F712884-449D-4DB5-9953-28B7C76B95EA}" destId="{EF3A946E-96B3-4628-91EB-8B0A2A37DDB1}" srcOrd="0" destOrd="0" presId="urn:microsoft.com/office/officeart/2005/8/layout/process3"/>
+    <dgm:cxn modelId="{7C7C1ACA-D121-4A09-BFF4-2A57A30D871A}" type="presOf" srcId="{D7467A3A-2B78-4CDD-91C9-D96452997227}" destId="{84DC82A2-8D59-472B-BE22-46F053C16CD5}" srcOrd="0" destOrd="0" presId="urn:microsoft.com/office/officeart/2005/8/layout/process3"/>
+    <dgm:cxn modelId="{D998B319-C072-4BF0-B5CB-2075DB30B691}" srcId="{DC2DF88C-35A0-4E30-A3E4-E002DC34F521}" destId="{DF9FD532-8B13-446E-B6A3-59BDF574BCA8}" srcOrd="0" destOrd="0" parTransId="{3A79FA23-5F3F-4F7D-B4AC-A9C282166E18}" sibTransId="{31B32A6E-6E91-4EAA-96F6-92A0035B120A}"/>
+    <dgm:cxn modelId="{AABA8D8C-E800-4FDC-8C5F-A5D82041D563}" type="presOf" srcId="{CF1FE966-0BB0-47ED-84B3-EC7AB055925F}" destId="{032BAEB6-0FB1-4780-AF60-2EFB8C965C77}" srcOrd="0" destOrd="0" presId="urn:microsoft.com/office/officeart/2005/8/layout/process3"/>
     <dgm:cxn modelId="{D95BF8C4-EEA0-4AAE-8693-AFAC7500B286}" srcId="{CADE50C9-6A62-45AC-AF42-A90DC46A3209}" destId="{981C2CD8-7E8A-4682-8B5A-A510268B34AC}" srcOrd="1" destOrd="0" parTransId="{1185AE54-EDEE-4D55-93F6-F7D354ED7C11}" sibTransId="{D7467A3A-2B78-4CDD-91C9-D96452997227}"/>
+    <dgm:cxn modelId="{5BBBD0A9-97DA-480E-AD44-1947C76CE5E6}" srcId="{CADE50C9-6A62-45AC-AF42-A90DC46A3209}" destId="{5F712884-449D-4DB5-9953-28B7C76B95EA}" srcOrd="0" destOrd="0" parTransId="{959B81DB-0329-4043-A334-D05EB5160B66}" sibTransId="{EB5FE175-6B6D-4195-A86F-6DFA96778160}"/>
+    <dgm:cxn modelId="{2A4D48E1-6639-4AC8-ABBF-C8A0D045AFB7}" srcId="{F5961DD5-682B-4D21-A827-30C64679BB5F}" destId="{72DB7378-4256-4528-8672-DEEF82828E57}" srcOrd="0" destOrd="0" parTransId="{97CEFC59-E261-4652-BC13-D71B45B5EC50}" sibTransId="{D0054105-F7A3-4CAE-89E2-0979360A932C}"/>
+    <dgm:cxn modelId="{7A81218D-5146-40F9-9731-5BD21503537E}" srcId="{981C2CD8-7E8A-4682-8B5A-A510268B34AC}" destId="{CF1FE966-0BB0-47ED-84B3-EC7AB055925F}" srcOrd="0" destOrd="0" parTransId="{FB956851-3BB2-4FF1-A9D6-4692FA0EFDCA}" sibTransId="{831C3CE2-0F23-433C-85CA-9D194AAC5E20}"/>
     <dgm:cxn modelId="{6C7842C7-2928-4666-A7BA-454C6506C36C}" type="presOf" srcId="{4DFC88DE-E0F0-4976-9B83-58EADA7CE300}" destId="{7E8F3DD0-4BD8-4C40-B882-1E8B5E423D90}" srcOrd="1" destOrd="0" presId="urn:microsoft.com/office/officeart/2005/8/layout/process3"/>
-    <dgm:cxn modelId="{7A81218D-5146-40F9-9731-5BD21503537E}" srcId="{981C2CD8-7E8A-4682-8B5A-A510268B34AC}" destId="{CF1FE966-0BB0-47ED-84B3-EC7AB055925F}" srcOrd="0" destOrd="0" parTransId="{FB956851-3BB2-4FF1-A9D6-4692FA0EFDCA}" sibTransId="{831C3CE2-0F23-433C-85CA-9D194AAC5E20}"/>
+    <dgm:cxn modelId="{55246683-0A80-455D-B6B5-2B2736293CF2}" srcId="{5F712884-449D-4DB5-9953-28B7C76B95EA}" destId="{3C06DC45-D510-48CC-B9DC-C19564791119}" srcOrd="0" destOrd="0" parTransId="{65F5C7C6-EB25-442A-AB0B-B47F97609474}" sibTransId="{D1AB7263-DC38-4830-9C45-C1403EA8E20B}"/>
+    <dgm:cxn modelId="{461E3B8D-CDD4-4E38-A9CC-325E95F35F5C}" type="presOf" srcId="{72DB7378-4256-4528-8672-DEEF82828E57}" destId="{893E387F-15C0-4F86-BCD4-13F52E420B46}" srcOrd="0" destOrd="0" presId="urn:microsoft.com/office/officeart/2005/8/layout/process3"/>
+    <dgm:cxn modelId="{7A63044C-EE1D-4724-9059-4496B4425527}" type="presOf" srcId="{F5961DD5-682B-4D21-A827-30C64679BB5F}" destId="{4858D85A-2D02-42C7-A50A-A4E78D4F073F}" srcOrd="0" destOrd="0" presId="urn:microsoft.com/office/officeart/2005/8/layout/process3"/>
+    <dgm:cxn modelId="{BB6865B8-A688-4FC4-AFAA-E66324174F02}" type="presOf" srcId="{5F712884-449D-4DB5-9953-28B7C76B95EA}" destId="{E252839F-D941-4E3B-BA68-AC653DAEAE4C}" srcOrd="1" destOrd="0" presId="urn:microsoft.com/office/officeart/2005/8/layout/process3"/>
+    <dgm:cxn modelId="{73708078-FDBA-43F4-96AB-FB14C4C2602F}" srcId="{CADE50C9-6A62-45AC-AF42-A90DC46A3209}" destId="{F5961DD5-682B-4D21-A827-30C64679BB5F}" srcOrd="3" destOrd="0" parTransId="{75D73089-01C8-4BC0-90ED-CA9D1B8E3ADF}" sibTransId="{CA7ED3B0-10D1-4E2F-8BA0-8D58C22A94D0}"/>
+    <dgm:cxn modelId="{37CFE086-8264-4424-B1D0-18A97A56AF66}" type="presOf" srcId="{4DFC88DE-E0F0-4976-9B83-58EADA7CE300}" destId="{14AD0DAF-92D3-400A-A4E0-170D0AF84100}" srcOrd="0" destOrd="0" presId="urn:microsoft.com/office/officeart/2005/8/layout/process3"/>
+    <dgm:cxn modelId="{A5C9FCE5-8766-426B-B5BE-B83931DD52CA}" type="presOf" srcId="{D7467A3A-2B78-4CDD-91C9-D96452997227}" destId="{E38B4FCE-9678-4085-AB99-40595BD6EB1C}" srcOrd="1" destOrd="0" presId="urn:microsoft.com/office/officeart/2005/8/layout/process3"/>
+    <dgm:cxn modelId="{3F4BEE9E-8D26-4AD2-ADA0-D76B4E28C08E}" type="presOf" srcId="{981C2CD8-7E8A-4682-8B5A-A510268B34AC}" destId="{C084451C-3DBC-48CF-A871-B521FE90830A}" srcOrd="0" destOrd="0" presId="urn:microsoft.com/office/officeart/2005/8/layout/process3"/>
     <dgm:cxn modelId="{47BAA679-3D6E-4A1A-91AA-9E404EE6A4CB}" type="presOf" srcId="{F5961DD5-682B-4D21-A827-30C64679BB5F}" destId="{D685B160-AC57-41A0-95FE-636A4391B913}" srcOrd="1" destOrd="0" presId="urn:microsoft.com/office/officeart/2005/8/layout/process3"/>
-    <dgm:cxn modelId="{AABA8D8C-E800-4FDC-8C5F-A5D82041D563}" type="presOf" srcId="{CF1FE966-0BB0-47ED-84B3-EC7AB055925F}" destId="{032BAEB6-0FB1-4780-AF60-2EFB8C965C77}" srcOrd="0" destOrd="0" presId="urn:microsoft.com/office/officeart/2005/8/layout/process3"/>
-    <dgm:cxn modelId="{A5C9FCE5-8766-426B-B5BE-B83931DD52CA}" type="presOf" srcId="{D7467A3A-2B78-4CDD-91C9-D96452997227}" destId="{E38B4FCE-9678-4085-AB99-40595BD6EB1C}" srcOrd="1" destOrd="0" presId="urn:microsoft.com/office/officeart/2005/8/layout/process3"/>
-    <dgm:cxn modelId="{7C7C1ACA-D121-4A09-BFF4-2A57A30D871A}" type="presOf" srcId="{D7467A3A-2B78-4CDD-91C9-D96452997227}" destId="{84DC82A2-8D59-472B-BE22-46F053C16CD5}" srcOrd="0" destOrd="0" presId="urn:microsoft.com/office/officeart/2005/8/layout/process3"/>
-    <dgm:cxn modelId="{461E3B8D-CDD4-4E38-A9CC-325E95F35F5C}" type="presOf" srcId="{72DB7378-4256-4528-8672-DEEF82828E57}" destId="{893E387F-15C0-4F86-BCD4-13F52E420B46}" srcOrd="0" destOrd="0" presId="urn:microsoft.com/office/officeart/2005/8/layout/process3"/>
-    <dgm:cxn modelId="{93006ACD-B004-4B1F-B0D0-6C85222A28DE}" type="presOf" srcId="{EB5FE175-6B6D-4195-A86F-6DFA96778160}" destId="{ADE18D45-E3E4-4C40-8D6C-3AC62ACE8299}" srcOrd="1" destOrd="0" presId="urn:microsoft.com/office/officeart/2005/8/layout/process3"/>
-    <dgm:cxn modelId="{37CFE086-8264-4424-B1D0-18A97A56AF66}" type="presOf" srcId="{4DFC88DE-E0F0-4976-9B83-58EADA7CE300}" destId="{14AD0DAF-92D3-400A-A4E0-170D0AF84100}" srcOrd="0" destOrd="0" presId="urn:microsoft.com/office/officeart/2005/8/layout/process3"/>
-    <dgm:cxn modelId="{7A63044C-EE1D-4724-9059-4496B4425527}" type="presOf" srcId="{F5961DD5-682B-4D21-A827-30C64679BB5F}" destId="{4858D85A-2D02-42C7-A50A-A4E78D4F073F}" srcOrd="0" destOrd="0" presId="urn:microsoft.com/office/officeart/2005/8/layout/process3"/>
-    <dgm:cxn modelId="{2A4D48E1-6639-4AC8-ABBF-C8A0D045AFB7}" srcId="{F5961DD5-682B-4D21-A827-30C64679BB5F}" destId="{72DB7378-4256-4528-8672-DEEF82828E57}" srcOrd="0" destOrd="0" parTransId="{97CEFC59-E261-4652-BC13-D71B45B5EC50}" sibTransId="{D0054105-F7A3-4CAE-89E2-0979360A932C}"/>
-    <dgm:cxn modelId="{D998B319-C072-4BF0-B5CB-2075DB30B691}" srcId="{DC2DF88C-35A0-4E30-A3E4-E002DC34F521}" destId="{DF9FD532-8B13-446E-B6A3-59BDF574BCA8}" srcOrd="0" destOrd="0" parTransId="{3A79FA23-5F3F-4F7D-B4AC-A9C282166E18}" sibTransId="{31B32A6E-6E91-4EAA-96F6-92A0035B120A}"/>
-    <dgm:cxn modelId="{654B2758-BB63-4A67-9FA8-BFB78F357825}" type="presOf" srcId="{DC2DF88C-35A0-4E30-A3E4-E002DC34F521}" destId="{D297B747-A2CF-41E4-A59D-391BC474F135}" srcOrd="0" destOrd="0" presId="urn:microsoft.com/office/officeart/2005/8/layout/process3"/>
+    <dgm:cxn modelId="{AF250757-46ED-49A3-A2B4-276D1B47F666}" type="presOf" srcId="{CADE50C9-6A62-45AC-AF42-A90DC46A3209}" destId="{FDB6D5C0-0ED5-4B9D-9E48-126ED2C433C3}" srcOrd="0" destOrd="0" presId="urn:microsoft.com/office/officeart/2005/8/layout/process3"/>
     <dgm:cxn modelId="{762AB07F-C728-41D8-9B57-DB011D1EC3F0}" type="presOf" srcId="{DF9FD532-8B13-446E-B6A3-59BDF574BCA8}" destId="{1526152F-906E-4121-A143-DD130A011105}" srcOrd="0" destOrd="0" presId="urn:microsoft.com/office/officeart/2005/8/layout/process3"/>
-    <dgm:cxn modelId="{55246683-0A80-455D-B6B5-2B2736293CF2}" srcId="{5F712884-449D-4DB5-9953-28B7C76B95EA}" destId="{3C06DC45-D510-48CC-B9DC-C19564791119}" srcOrd="0" destOrd="0" parTransId="{65F5C7C6-EB25-442A-AB0B-B47F97609474}" sibTransId="{D1AB7263-DC38-4830-9C45-C1403EA8E20B}"/>
-    <dgm:cxn modelId="{5BBBD0A9-97DA-480E-AD44-1947C76CE5E6}" srcId="{CADE50C9-6A62-45AC-AF42-A90DC46A3209}" destId="{5F712884-449D-4DB5-9953-28B7C76B95EA}" srcOrd="0" destOrd="0" parTransId="{959B81DB-0329-4043-A334-D05EB5160B66}" sibTransId="{EB5FE175-6B6D-4195-A86F-6DFA96778160}"/>
-    <dgm:cxn modelId="{5BDE1DA6-E08E-43FF-BCA1-46EC3454F22A}" type="presOf" srcId="{5F712884-449D-4DB5-9953-28B7C76B95EA}" destId="{EF3A946E-96B3-4628-91EB-8B0A2A37DDB1}" srcOrd="0" destOrd="0" presId="urn:microsoft.com/office/officeart/2005/8/layout/process3"/>
-    <dgm:cxn modelId="{9197A1EF-40BA-4A00-90BC-61CBC94FE8A7}" type="presOf" srcId="{3C06DC45-D510-48CC-B9DC-C19564791119}" destId="{9AFA4903-C1AC-4872-B8FC-33B461DA35FC}" srcOrd="0" destOrd="0" presId="urn:microsoft.com/office/officeart/2005/8/layout/process3"/>
-    <dgm:cxn modelId="{63D5015B-3865-4A4B-AEB1-FBEF0DE71B9A}" srcId="{CADE50C9-6A62-45AC-AF42-A90DC46A3209}" destId="{DC2DF88C-35A0-4E30-A3E4-E002DC34F521}" srcOrd="2" destOrd="0" parTransId="{9BB88C43-2261-4EC7-A70D-463964685938}" sibTransId="{4DFC88DE-E0F0-4976-9B83-58EADA7CE300}"/>
-    <dgm:cxn modelId="{73708078-FDBA-43F4-96AB-FB14C4C2602F}" srcId="{CADE50C9-6A62-45AC-AF42-A90DC46A3209}" destId="{F5961DD5-682B-4D21-A827-30C64679BB5F}" srcOrd="3" destOrd="0" parTransId="{75D73089-01C8-4BC0-90ED-CA9D1B8E3ADF}" sibTransId="{CA7ED3B0-10D1-4E2F-8BA0-8D58C22A94D0}"/>
-    <dgm:cxn modelId="{BB6865B8-A688-4FC4-AFAA-E66324174F02}" type="presOf" srcId="{5F712884-449D-4DB5-9953-28B7C76B95EA}" destId="{E252839F-D941-4E3B-BA68-AC653DAEAE4C}" srcOrd="1" destOrd="0" presId="urn:microsoft.com/office/officeart/2005/8/layout/process3"/>
-    <dgm:cxn modelId="{AF250757-46ED-49A3-A2B4-276D1B47F666}" type="presOf" srcId="{CADE50C9-6A62-45AC-AF42-A90DC46A3209}" destId="{FDB6D5C0-0ED5-4B9D-9E48-126ED2C433C3}" srcOrd="0" destOrd="0" presId="urn:microsoft.com/office/officeart/2005/8/layout/process3"/>
     <dgm:cxn modelId="{2B1E6CD2-9E99-4BF4-91F4-6569897959CC}" type="presParOf" srcId="{FDB6D5C0-0ED5-4B9D-9E48-126ED2C433C3}" destId="{CFDB6B04-AAD5-42A2-8A40-C0EC4077F01E}" srcOrd="0" destOrd="0" presId="urn:microsoft.com/office/officeart/2005/8/layout/process3"/>
     <dgm:cxn modelId="{1E36B744-698A-4110-8366-45A5C14FAB2F}" type="presParOf" srcId="{CFDB6B04-AAD5-42A2-8A40-C0EC4077F01E}" destId="{EF3A946E-96B3-4628-91EB-8B0A2A37DDB1}" srcOrd="0" destOrd="0" presId="urn:microsoft.com/office/officeart/2005/8/layout/process3"/>
     <dgm:cxn modelId="{A8E72DFA-2E76-423D-B051-4B4AE1F43988}" type="presParOf" srcId="{CFDB6B04-AAD5-42A2-8A40-C0EC4077F01E}" destId="{E252839F-D941-4E3B-BA68-AC653DAEAE4C}" srcOrd="1" destOrd="0" presId="urn:microsoft.com/office/officeart/2005/8/layout/process3"/>
@@ -11524,7 +11527,7 @@
           <a:p>
             <a:fld id="{34475077-A074-4E8C-B45E-964494945228}" type="datetimeFigureOut">
               <a:rPr lang="en-US"/>
-              <a:t>5/21/2017</a:t>
+              <a:t>5/22/2017</a:t>
             </a:fld>
             <a:endParaRPr/>
           </a:p>
@@ -11689,7 +11692,7 @@
           <a:p>
             <a:fld id="{6A2B48A4-4B96-49F4-8C25-4C9D06114B2C}" type="datetimeFigureOut">
               <a:rPr lang="en-US"/>
-              <a:t>5/21/2017</a:t>
+              <a:t>5/22/2017</a:t>
             </a:fld>
             <a:endParaRPr/>
           </a:p>
@@ -12106,15 +12109,12 @@
             </a:pPr>
             <a:r>
               <a:rPr lang="en-US" dirty="0"/>
-              <a:t>Summarize your research in</a:t>
+              <a:t>Establish hypothesis</a:t>
             </a:r>
             <a:r>
               <a:rPr lang="en-US" baseline="0" dirty="0"/>
-              <a:t> three to five points.</a:t>
-            </a:r>
-            <a:endParaRPr lang="en-US" dirty="0"/>
-          </a:p>
-          <a:p>
+              <a:t> before you begin the experiment. This should be your best educated guess based on your research.</a:t>
+            </a:r>
             <a:endParaRPr lang="en-US" dirty="0"/>
           </a:p>
         </p:txBody>
@@ -12145,7 +12145,7 @@
     </p:spTree>
     <p:extLst>
       <p:ext uri="{BB962C8B-B14F-4D97-AF65-F5344CB8AC3E}">
-        <p14:creationId xmlns:p14="http://schemas.microsoft.com/office/powerpoint/2010/main" val="3997717277"/>
+        <p14:creationId xmlns:p14="http://schemas.microsoft.com/office/powerpoint/2010/main" val="1862177854"/>
       </p:ext>
     </p:extLst>
   </p:cSld>
@@ -12218,15 +12218,12 @@
             </a:pPr>
             <a:r>
               <a:rPr lang="en-US" dirty="0"/>
-              <a:t>Summarize your research in</a:t>
+              <a:t>Establish hypothesis</a:t>
             </a:r>
             <a:r>
               <a:rPr lang="en-US" baseline="0" dirty="0"/>
-              <a:t> three to five points.</a:t>
-            </a:r>
-            <a:endParaRPr lang="en-US" dirty="0"/>
-          </a:p>
-          <a:p>
+              <a:t> before you begin the experiment. This should be your best educated guess based on your research.</a:t>
+            </a:r>
             <a:endParaRPr lang="en-US" dirty="0"/>
           </a:p>
         </p:txBody>
@@ -12257,7 +12254,7 @@
     </p:spTree>
     <p:extLst>
       <p:ext uri="{BB962C8B-B14F-4D97-AF65-F5344CB8AC3E}">
-        <p14:creationId xmlns:p14="http://schemas.microsoft.com/office/powerpoint/2010/main" val="2638547696"/>
+        <p14:creationId xmlns:p14="http://schemas.microsoft.com/office/powerpoint/2010/main" val="2616487880"/>
       </p:ext>
     </p:extLst>
   </p:cSld>
@@ -12366,7 +12363,7 @@
     </p:spTree>
     <p:extLst>
       <p:ext uri="{BB962C8B-B14F-4D97-AF65-F5344CB8AC3E}">
-        <p14:creationId xmlns:p14="http://schemas.microsoft.com/office/powerpoint/2010/main" val="1862177854"/>
+        <p14:creationId xmlns:p14="http://schemas.microsoft.com/office/powerpoint/2010/main" val="3010085033"/>
       </p:ext>
     </p:extLst>
   </p:cSld>
@@ -12420,20 +12417,34 @@
           <a:bodyPr/>
           <a:lstStyle/>
           <a:p>
+            <a:pPr marL="0" marR="0" indent="0" algn="l" defTabSz="914400" rtl="0" eaLnBrk="1" fontAlgn="auto" latinLnBrk="0" hangingPunct="1">
+              <a:lnSpc>
+                <a:spcPct val="100000"/>
+              </a:lnSpc>
+              <a:spcBef>
+                <a:spcPts val="0"/>
+              </a:spcBef>
+              <a:spcAft>
+                <a:spcPts val="0"/>
+              </a:spcAft>
+              <a:buClrTx/>
+              <a:buSzTx/>
+              <a:buFontTx/>
+              <a:buNone/>
+              <a:tabLst/>
+              <a:defRPr/>
+            </a:pPr>
             <a:r>
               <a:rPr lang="en-US" dirty="0"/>
-              <a:t>List all of the steps used in completing</a:t>
+              <a:t>Summarize your research in</a:t>
             </a:r>
             <a:r>
               <a:rPr lang="en-US" baseline="0" dirty="0"/>
-              <a:t> your experiment.</a:t>
-            </a:r>
-          </a:p>
-          <a:p>
-            <a:r>
-              <a:rPr lang="en-US" baseline="0" dirty="0"/>
-              <a:t>Remember to number your steps.</a:t>
-            </a:r>
+              <a:t> three to five points.</a:t>
+            </a:r>
+            <a:endParaRPr lang="en-US" dirty="0"/>
+          </a:p>
+          <a:p>
             <a:endParaRPr lang="en-US" dirty="0"/>
           </a:p>
         </p:txBody>
@@ -12464,7 +12475,7 @@
     </p:spTree>
     <p:extLst>
       <p:ext uri="{BB962C8B-B14F-4D97-AF65-F5344CB8AC3E}">
-        <p14:creationId xmlns:p14="http://schemas.microsoft.com/office/powerpoint/2010/main" val="4167736229"/>
+        <p14:creationId xmlns:p14="http://schemas.microsoft.com/office/powerpoint/2010/main" val="3997717277"/>
       </p:ext>
     </p:extLst>
   </p:cSld>
@@ -12537,12 +12548,15 @@
             </a:pPr>
             <a:r>
               <a:rPr lang="en-US" dirty="0"/>
-              <a:t>Establish hypothesis</a:t>
+              <a:t>Summarize your research in</a:t>
             </a:r>
             <a:r>
               <a:rPr lang="en-US" baseline="0" dirty="0"/>
-              <a:t> before you begin the experiment. This should be your best educated guess based on your research.</a:t>
-            </a:r>
+              <a:t> three to five points.</a:t>
+            </a:r>
+            <a:endParaRPr lang="en-US" dirty="0"/>
+          </a:p>
+          <a:p>
             <a:endParaRPr lang="en-US" dirty="0"/>
           </a:p>
         </p:txBody>
@@ -12564,7 +12578,7 @@
           <a:p>
             <a:fld id="{5D81F1E7-4EFD-4BFF-B438-FCD52FD36B17}" type="slidenum">
               <a:rPr lang="en-US" smtClean="0"/>
-              <a:t>17</a:t>
+              <a:t>16</a:t>
             </a:fld>
             <a:endParaRPr lang="en-US"/>
           </a:p>
@@ -12573,7 +12587,7 @@
     </p:spTree>
     <p:extLst>
       <p:ext uri="{BB962C8B-B14F-4D97-AF65-F5344CB8AC3E}">
-        <p14:creationId xmlns:p14="http://schemas.microsoft.com/office/powerpoint/2010/main" val="473636834"/>
+        <p14:creationId xmlns:p14="http://schemas.microsoft.com/office/powerpoint/2010/main" val="582950495"/>
       </p:ext>
     </p:extLst>
   </p:cSld>
@@ -12676,7 +12690,7 @@
           <a:p>
             <a:fld id="{5D81F1E7-4EFD-4BFF-B438-FCD52FD36B17}" type="slidenum">
               <a:rPr lang="en-US" smtClean="0"/>
-              <a:t>18</a:t>
+              <a:t>17</a:t>
             </a:fld>
             <a:endParaRPr lang="en-US"/>
           </a:p>
@@ -12685,7 +12699,7 @@
     </p:spTree>
     <p:extLst>
       <p:ext uri="{BB962C8B-B14F-4D97-AF65-F5344CB8AC3E}">
-        <p14:creationId xmlns:p14="http://schemas.microsoft.com/office/powerpoint/2010/main" val="1481410060"/>
+        <p14:creationId xmlns:p14="http://schemas.microsoft.com/office/powerpoint/2010/main" val="724975937"/>
       </p:ext>
     </p:extLst>
   </p:cSld>
@@ -12739,34 +12753,20 @@
           <a:bodyPr/>
           <a:lstStyle/>
           <a:p>
-            <a:pPr marL="0" marR="0" indent="0" algn="l" defTabSz="914400" rtl="0" eaLnBrk="1" fontAlgn="auto" latinLnBrk="0" hangingPunct="1">
-              <a:lnSpc>
-                <a:spcPct val="100000"/>
-              </a:lnSpc>
-              <a:spcBef>
-                <a:spcPts val="0"/>
-              </a:spcBef>
-              <a:spcAft>
-                <a:spcPts val="0"/>
-              </a:spcAft>
-              <a:buClrTx/>
-              <a:buSzTx/>
-              <a:buFontTx/>
-              <a:buNone/>
-              <a:tabLst/>
-              <a:defRPr/>
-            </a:pPr>
             <a:r>
               <a:rPr lang="en-US" dirty="0"/>
-              <a:t>Summarize your research in</a:t>
+              <a:t>List all of the steps used in completing</a:t>
             </a:r>
             <a:r>
               <a:rPr lang="en-US" baseline="0" dirty="0"/>
-              <a:t> three to five points.</a:t>
-            </a:r>
-            <a:endParaRPr lang="en-US" dirty="0"/>
-          </a:p>
-          <a:p>
+              <a:t> your experiment.</a:t>
+            </a:r>
+          </a:p>
+          <a:p>
+            <a:r>
+              <a:rPr lang="en-US" baseline="0" dirty="0"/>
+              <a:t>Remember to number your steps.</a:t>
+            </a:r>
             <a:endParaRPr lang="en-US" dirty="0"/>
           </a:p>
         </p:txBody>
@@ -12788,7 +12788,7 @@
           <a:p>
             <a:fld id="{5D81F1E7-4EFD-4BFF-B438-FCD52FD36B17}" type="slidenum">
               <a:rPr lang="en-US" smtClean="0"/>
-              <a:t>19</a:t>
+              <a:t>18</a:t>
             </a:fld>
             <a:endParaRPr lang="en-US"/>
           </a:p>
@@ -12797,7 +12797,7 @@
     </p:spTree>
     <p:extLst>
       <p:ext uri="{BB962C8B-B14F-4D97-AF65-F5344CB8AC3E}">
-        <p14:creationId xmlns:p14="http://schemas.microsoft.com/office/powerpoint/2010/main" val="2529031800"/>
+        <p14:creationId xmlns:p14="http://schemas.microsoft.com/office/powerpoint/2010/main" val="4167736229"/>
       </p:ext>
     </p:extLst>
   </p:cSld>
@@ -12851,19 +12851,30 @@
           <a:bodyPr/>
           <a:lstStyle/>
           <a:p>
+            <a:pPr marL="0" marR="0" indent="0" algn="l" defTabSz="914400" rtl="0" eaLnBrk="1" fontAlgn="auto" latinLnBrk="0" hangingPunct="1">
+              <a:lnSpc>
+                <a:spcPct val="100000"/>
+              </a:lnSpc>
+              <a:spcBef>
+                <a:spcPts val="0"/>
+              </a:spcBef>
+              <a:spcAft>
+                <a:spcPts val="0"/>
+              </a:spcAft>
+              <a:buClrTx/>
+              <a:buSzTx/>
+              <a:buFontTx/>
+              <a:buNone/>
+              <a:tabLst/>
+              <a:defRPr/>
+            </a:pPr>
             <a:r>
               <a:rPr lang="en-US" dirty="0"/>
-              <a:t>List all of the steps used in completing</a:t>
+              <a:t>Establish hypothesis</a:t>
             </a:r>
             <a:r>
               <a:rPr lang="en-US" baseline="0" dirty="0"/>
-              <a:t> your experiment.</a:t>
-            </a:r>
-          </a:p>
-          <a:p>
-            <a:r>
-              <a:rPr lang="en-US" baseline="0" dirty="0"/>
-              <a:t>Remember to number your steps.</a:t>
+              <a:t> before you begin the experiment. This should be your best educated guess based on your research.</a:t>
             </a:r>
             <a:endParaRPr lang="en-US" dirty="0"/>
           </a:p>
@@ -12886,7 +12897,7 @@
           <a:p>
             <a:fld id="{5D81F1E7-4EFD-4BFF-B438-FCD52FD36B17}" type="slidenum">
               <a:rPr lang="en-US" smtClean="0"/>
-              <a:t>22</a:t>
+              <a:t>20</a:t>
             </a:fld>
             <a:endParaRPr lang="en-US"/>
           </a:p>
@@ -12895,7 +12906,231 @@
     </p:spTree>
     <p:extLst>
       <p:ext uri="{BB962C8B-B14F-4D97-AF65-F5344CB8AC3E}">
-        <p14:creationId xmlns:p14="http://schemas.microsoft.com/office/powerpoint/2010/main" val="2666161826"/>
+        <p14:creationId xmlns:p14="http://schemas.microsoft.com/office/powerpoint/2010/main" val="473636834"/>
+      </p:ext>
+    </p:extLst>
+  </p:cSld>
+  <p:clrMapOvr>
+    <a:masterClrMapping/>
+  </p:clrMapOvr>
+</p:notes>
+</file>
+
+<file path=ppt/notesSlides/notesSlide18.xml><?xml version="1.0" encoding="utf-8"?>
+<p:notes xmlns:a="http://schemas.openxmlformats.org/drawingml/2006/main" xmlns:r="http://schemas.openxmlformats.org/officeDocument/2006/relationships" xmlns:p="http://schemas.openxmlformats.org/presentationml/2006/main">
+  <p:cSld>
+    <p:spTree>
+      <p:nvGrpSpPr>
+        <p:cNvPr id="1" name=""/>
+        <p:cNvGrpSpPr/>
+        <p:nvPr/>
+      </p:nvGrpSpPr>
+      <p:grpSpPr>
+        <a:xfrm>
+          <a:off x="0" y="0"/>
+          <a:ext cx="0" cy="0"/>
+          <a:chOff x="0" y="0"/>
+          <a:chExt cx="0" cy="0"/>
+        </a:xfrm>
+      </p:grpSpPr>
+      <p:sp>
+        <p:nvSpPr>
+          <p:cNvPr id="2" name="Slide Image Placeholder 1"/>
+          <p:cNvSpPr>
+            <a:spLocks noGrp="1" noRot="1" noChangeAspect="1"/>
+          </p:cNvSpPr>
+          <p:nvPr>
+            <p:ph type="sldImg"/>
+          </p:nvPr>
+        </p:nvSpPr>
+        <p:spPr/>
+      </p:sp>
+      <p:sp>
+        <p:nvSpPr>
+          <p:cNvPr id="3" name="Notes Placeholder 2"/>
+          <p:cNvSpPr>
+            <a:spLocks noGrp="1"/>
+          </p:cNvSpPr>
+          <p:nvPr>
+            <p:ph type="body" idx="1"/>
+          </p:nvPr>
+        </p:nvSpPr>
+        <p:spPr/>
+        <p:txBody>
+          <a:bodyPr/>
+          <a:lstStyle/>
+          <a:p>
+            <a:pPr marL="0" marR="0" indent="0" algn="l" defTabSz="914400" rtl="0" eaLnBrk="1" fontAlgn="auto" latinLnBrk="0" hangingPunct="1">
+              <a:lnSpc>
+                <a:spcPct val="100000"/>
+              </a:lnSpc>
+              <a:spcBef>
+                <a:spcPts val="0"/>
+              </a:spcBef>
+              <a:spcAft>
+                <a:spcPts val="0"/>
+              </a:spcAft>
+              <a:buClrTx/>
+              <a:buSzTx/>
+              <a:buFontTx/>
+              <a:buNone/>
+              <a:tabLst/>
+              <a:defRPr/>
+            </a:pPr>
+            <a:r>
+              <a:rPr lang="en-US" dirty="0"/>
+              <a:t>Summarize your research in</a:t>
+            </a:r>
+            <a:r>
+              <a:rPr lang="en-US" baseline="0" dirty="0"/>
+              <a:t> three to five points.</a:t>
+            </a:r>
+            <a:endParaRPr lang="en-US" dirty="0"/>
+          </a:p>
+          <a:p>
+            <a:endParaRPr lang="en-US" dirty="0"/>
+          </a:p>
+        </p:txBody>
+      </p:sp>
+      <p:sp>
+        <p:nvSpPr>
+          <p:cNvPr id="4" name="Slide Number Placeholder 3"/>
+          <p:cNvSpPr>
+            <a:spLocks noGrp="1"/>
+          </p:cNvSpPr>
+          <p:nvPr>
+            <p:ph type="sldNum" sz="quarter" idx="10"/>
+          </p:nvPr>
+        </p:nvSpPr>
+        <p:spPr/>
+        <p:txBody>
+          <a:bodyPr/>
+          <a:lstStyle/>
+          <a:p>
+            <a:fld id="{5D81F1E7-4EFD-4BFF-B438-FCD52FD36B17}" type="slidenum">
+              <a:rPr lang="en-US" smtClean="0"/>
+              <a:t>21</a:t>
+            </a:fld>
+            <a:endParaRPr lang="en-US"/>
+          </a:p>
+        </p:txBody>
+      </p:sp>
+    </p:spTree>
+    <p:extLst>
+      <p:ext uri="{BB962C8B-B14F-4D97-AF65-F5344CB8AC3E}">
+        <p14:creationId xmlns:p14="http://schemas.microsoft.com/office/powerpoint/2010/main" val="1481410060"/>
+      </p:ext>
+    </p:extLst>
+  </p:cSld>
+  <p:clrMapOvr>
+    <a:masterClrMapping/>
+  </p:clrMapOvr>
+</p:notes>
+</file>
+
+<file path=ppt/notesSlides/notesSlide19.xml><?xml version="1.0" encoding="utf-8"?>
+<p:notes xmlns:a="http://schemas.openxmlformats.org/drawingml/2006/main" xmlns:r="http://schemas.openxmlformats.org/officeDocument/2006/relationships" xmlns:p="http://schemas.openxmlformats.org/presentationml/2006/main">
+  <p:cSld>
+    <p:spTree>
+      <p:nvGrpSpPr>
+        <p:cNvPr id="1" name=""/>
+        <p:cNvGrpSpPr/>
+        <p:nvPr/>
+      </p:nvGrpSpPr>
+      <p:grpSpPr>
+        <a:xfrm>
+          <a:off x="0" y="0"/>
+          <a:ext cx="0" cy="0"/>
+          <a:chOff x="0" y="0"/>
+          <a:chExt cx="0" cy="0"/>
+        </a:xfrm>
+      </p:grpSpPr>
+      <p:sp>
+        <p:nvSpPr>
+          <p:cNvPr id="2" name="Slide Image Placeholder 1"/>
+          <p:cNvSpPr>
+            <a:spLocks noGrp="1" noRot="1" noChangeAspect="1"/>
+          </p:cNvSpPr>
+          <p:nvPr>
+            <p:ph type="sldImg"/>
+          </p:nvPr>
+        </p:nvSpPr>
+        <p:spPr/>
+      </p:sp>
+      <p:sp>
+        <p:nvSpPr>
+          <p:cNvPr id="3" name="Notes Placeholder 2"/>
+          <p:cNvSpPr>
+            <a:spLocks noGrp="1"/>
+          </p:cNvSpPr>
+          <p:nvPr>
+            <p:ph type="body" idx="1"/>
+          </p:nvPr>
+        </p:nvSpPr>
+        <p:spPr/>
+        <p:txBody>
+          <a:bodyPr/>
+          <a:lstStyle/>
+          <a:p>
+            <a:pPr marL="0" marR="0" indent="0" algn="l" defTabSz="914400" rtl="0" eaLnBrk="1" fontAlgn="auto" latinLnBrk="0" hangingPunct="1">
+              <a:lnSpc>
+                <a:spcPct val="100000"/>
+              </a:lnSpc>
+              <a:spcBef>
+                <a:spcPts val="0"/>
+              </a:spcBef>
+              <a:spcAft>
+                <a:spcPts val="0"/>
+              </a:spcAft>
+              <a:buClrTx/>
+              <a:buSzTx/>
+              <a:buFontTx/>
+              <a:buNone/>
+              <a:tabLst/>
+              <a:defRPr/>
+            </a:pPr>
+            <a:r>
+              <a:rPr lang="en-US" dirty="0"/>
+              <a:t>Summarize your research in</a:t>
+            </a:r>
+            <a:r>
+              <a:rPr lang="en-US" baseline="0" dirty="0"/>
+              <a:t> three to five points.</a:t>
+            </a:r>
+            <a:endParaRPr lang="en-US" dirty="0"/>
+          </a:p>
+          <a:p>
+            <a:endParaRPr lang="en-US" dirty="0"/>
+          </a:p>
+        </p:txBody>
+      </p:sp>
+      <p:sp>
+        <p:nvSpPr>
+          <p:cNvPr id="4" name="Slide Number Placeholder 3"/>
+          <p:cNvSpPr>
+            <a:spLocks noGrp="1"/>
+          </p:cNvSpPr>
+          <p:nvPr>
+            <p:ph type="sldNum" sz="quarter" idx="10"/>
+          </p:nvPr>
+        </p:nvSpPr>
+        <p:spPr/>
+        <p:txBody>
+          <a:bodyPr/>
+          <a:lstStyle/>
+          <a:p>
+            <a:fld id="{5D81F1E7-4EFD-4BFF-B438-FCD52FD36B17}" type="slidenum">
+              <a:rPr lang="en-US" smtClean="0"/>
+              <a:t>22</a:t>
+            </a:fld>
+            <a:endParaRPr lang="en-US"/>
+          </a:p>
+        </p:txBody>
+      </p:sp>
+    </p:spTree>
+    <p:extLst>
+      <p:ext uri="{BB962C8B-B14F-4D97-AF65-F5344CB8AC3E}">
+        <p14:creationId xmlns:p14="http://schemas.microsoft.com/office/powerpoint/2010/main" val="2529031800"/>
       </p:ext>
     </p:extLst>
   </p:cSld>
@@ -13007,7 +13242,105 @@
     </p:spTree>
     <p:extLst>
       <p:ext uri="{BB962C8B-B14F-4D97-AF65-F5344CB8AC3E}">
-        <p14:creationId xmlns:p14="http://schemas.microsoft.com/office/powerpoint/2010/main" val="600712631"/>
+        <p14:creationId xmlns:p14="http://schemas.microsoft.com/office/powerpoint/2010/main" val="3381700637"/>
+      </p:ext>
+    </p:extLst>
+  </p:cSld>
+  <p:clrMapOvr>
+    <a:masterClrMapping/>
+  </p:clrMapOvr>
+</p:notes>
+</file>
+
+<file path=ppt/notesSlides/notesSlide20.xml><?xml version="1.0" encoding="utf-8"?>
+<p:notes xmlns:a="http://schemas.openxmlformats.org/drawingml/2006/main" xmlns:r="http://schemas.openxmlformats.org/officeDocument/2006/relationships" xmlns:p="http://schemas.openxmlformats.org/presentationml/2006/main">
+  <p:cSld>
+    <p:spTree>
+      <p:nvGrpSpPr>
+        <p:cNvPr id="1" name=""/>
+        <p:cNvGrpSpPr/>
+        <p:nvPr/>
+      </p:nvGrpSpPr>
+      <p:grpSpPr>
+        <a:xfrm>
+          <a:off x="0" y="0"/>
+          <a:ext cx="0" cy="0"/>
+          <a:chOff x="0" y="0"/>
+          <a:chExt cx="0" cy="0"/>
+        </a:xfrm>
+      </p:grpSpPr>
+      <p:sp>
+        <p:nvSpPr>
+          <p:cNvPr id="2" name="Slide Image Placeholder 1"/>
+          <p:cNvSpPr>
+            <a:spLocks noGrp="1" noRot="1" noChangeAspect="1"/>
+          </p:cNvSpPr>
+          <p:nvPr>
+            <p:ph type="sldImg"/>
+          </p:nvPr>
+        </p:nvSpPr>
+        <p:spPr/>
+      </p:sp>
+      <p:sp>
+        <p:nvSpPr>
+          <p:cNvPr id="3" name="Notes Placeholder 2"/>
+          <p:cNvSpPr>
+            <a:spLocks noGrp="1"/>
+          </p:cNvSpPr>
+          <p:nvPr>
+            <p:ph type="body" idx="1"/>
+          </p:nvPr>
+        </p:nvSpPr>
+        <p:spPr/>
+        <p:txBody>
+          <a:bodyPr/>
+          <a:lstStyle/>
+          <a:p>
+            <a:r>
+              <a:rPr lang="en-US" dirty="0"/>
+              <a:t>List all of the steps used in completing</a:t>
+            </a:r>
+            <a:r>
+              <a:rPr lang="en-US" baseline="0" dirty="0"/>
+              <a:t> your experiment.</a:t>
+            </a:r>
+          </a:p>
+          <a:p>
+            <a:r>
+              <a:rPr lang="en-US" baseline="0" dirty="0"/>
+              <a:t>Remember to number your steps.</a:t>
+            </a:r>
+            <a:endParaRPr lang="en-US" dirty="0"/>
+          </a:p>
+        </p:txBody>
+      </p:sp>
+      <p:sp>
+        <p:nvSpPr>
+          <p:cNvPr id="4" name="Slide Number Placeholder 3"/>
+          <p:cNvSpPr>
+            <a:spLocks noGrp="1"/>
+          </p:cNvSpPr>
+          <p:nvPr>
+            <p:ph type="sldNum" sz="quarter" idx="10"/>
+          </p:nvPr>
+        </p:nvSpPr>
+        <p:spPr/>
+        <p:txBody>
+          <a:bodyPr/>
+          <a:lstStyle/>
+          <a:p>
+            <a:fld id="{5D81F1E7-4EFD-4BFF-B438-FCD52FD36B17}" type="slidenum">
+              <a:rPr lang="en-US" smtClean="0"/>
+              <a:t>25</a:t>
+            </a:fld>
+            <a:endParaRPr lang="en-US"/>
+          </a:p>
+        </p:txBody>
+      </p:sp>
+    </p:spTree>
+    <p:extLst>
+      <p:ext uri="{BB962C8B-B14F-4D97-AF65-F5344CB8AC3E}">
+        <p14:creationId xmlns:p14="http://schemas.microsoft.com/office/powerpoint/2010/main" val="2666161826"/>
       </p:ext>
     </p:extLst>
   </p:cSld>
@@ -13231,7 +13564,7 @@
     </p:spTree>
     <p:extLst>
       <p:ext uri="{BB962C8B-B14F-4D97-AF65-F5344CB8AC3E}">
-        <p14:creationId xmlns:p14="http://schemas.microsoft.com/office/powerpoint/2010/main" val="3381700637"/>
+        <p14:creationId xmlns:p14="http://schemas.microsoft.com/office/powerpoint/2010/main" val="2472037089"/>
       </p:ext>
     </p:extLst>
   </p:cSld>
@@ -13343,7 +13676,7 @@
     </p:spTree>
     <p:extLst>
       <p:ext uri="{BB962C8B-B14F-4D97-AF65-F5344CB8AC3E}">
-        <p14:creationId xmlns:p14="http://schemas.microsoft.com/office/powerpoint/2010/main" val="2472037089"/>
+        <p14:creationId xmlns:p14="http://schemas.microsoft.com/office/powerpoint/2010/main" val="3835923808"/>
       </p:ext>
     </p:extLst>
   </p:cSld>
@@ -14212,7 +14545,7 @@
           <a:p>
             <a:fld id="{0402902D-A5F5-4D7D-AAA7-32469BA0BC4D}" type="datetimeFigureOut">
               <a:rPr lang="en-US"/>
-              <a:t>5/21/2017</a:t>
+              <a:t>5/22/2017</a:t>
             </a:fld>
             <a:endParaRPr/>
           </a:p>
@@ -14483,7 +14816,7 @@
           <a:p>
             <a:fld id="{0402902D-A5F5-4D7D-AAA7-32469BA0BC4D}" type="datetimeFigureOut">
               <a:rPr lang="en-US"/>
-              <a:t>5/21/2017</a:t>
+              <a:t>5/22/2017</a:t>
             </a:fld>
             <a:endParaRPr/>
           </a:p>
@@ -14643,7 +14976,7 @@
           <a:p>
             <a:fld id="{5214513F-8358-40C8-8827-E3DCE5F02ECA}" type="datetimeFigureOut">
               <a:rPr lang="en-US" smtClean="0"/>
-              <a:t>5/21/2017</a:t>
+              <a:t>5/22/2017</a:t>
             </a:fld>
             <a:endParaRPr lang="en-US"/>
           </a:p>
@@ -14811,7 +15144,7 @@
           <a:p>
             <a:fld id="{5214513F-8358-40C8-8827-E3DCE5F02ECA}" type="datetimeFigureOut">
               <a:rPr lang="en-US" smtClean="0"/>
-              <a:t>5/21/2017</a:t>
+              <a:t>5/22/2017</a:t>
             </a:fld>
             <a:endParaRPr lang="en-US"/>
           </a:p>
@@ -15056,7 +15389,7 @@
           <a:p>
             <a:fld id="{5214513F-8358-40C8-8827-E3DCE5F02ECA}" type="datetimeFigureOut">
               <a:rPr lang="en-US" smtClean="0"/>
-              <a:t>5/21/2017</a:t>
+              <a:t>5/22/2017</a:t>
             </a:fld>
             <a:endParaRPr lang="en-US"/>
           </a:p>
@@ -15285,7 +15618,7 @@
           <a:p>
             <a:fld id="{5214513F-8358-40C8-8827-E3DCE5F02ECA}" type="datetimeFigureOut">
               <a:rPr lang="en-US" smtClean="0"/>
-              <a:t>5/21/2017</a:t>
+              <a:t>5/22/2017</a:t>
             </a:fld>
             <a:endParaRPr lang="en-US"/>
           </a:p>
@@ -15649,7 +15982,7 @@
           <a:p>
             <a:fld id="{5214513F-8358-40C8-8827-E3DCE5F02ECA}" type="datetimeFigureOut">
               <a:rPr lang="en-US" smtClean="0"/>
-              <a:t>5/21/2017</a:t>
+              <a:t>5/22/2017</a:t>
             </a:fld>
             <a:endParaRPr lang="en-US"/>
           </a:p>
@@ -15766,7 +16099,7 @@
           <a:p>
             <a:fld id="{5214513F-8358-40C8-8827-E3DCE5F02ECA}" type="datetimeFigureOut">
               <a:rPr lang="en-US" smtClean="0"/>
-              <a:t>5/21/2017</a:t>
+              <a:t>5/22/2017</a:t>
             </a:fld>
             <a:endParaRPr lang="en-US"/>
           </a:p>
@@ -15861,7 +16194,7 @@
           <a:p>
             <a:fld id="{5214513F-8358-40C8-8827-E3DCE5F02ECA}" type="datetimeFigureOut">
               <a:rPr lang="en-US" smtClean="0"/>
-              <a:t>5/21/2017</a:t>
+              <a:t>5/22/2017</a:t>
             </a:fld>
             <a:endParaRPr lang="en-US"/>
           </a:p>
@@ -16136,7 +16469,7 @@
           <a:p>
             <a:fld id="{5214513F-8358-40C8-8827-E3DCE5F02ECA}" type="datetimeFigureOut">
               <a:rPr lang="en-US" smtClean="0"/>
-              <a:t>5/21/2017</a:t>
+              <a:t>5/22/2017</a:t>
             </a:fld>
             <a:endParaRPr lang="en-US"/>
           </a:p>
@@ -16348,7 +16681,7 @@
           <a:p>
             <a:fld id="{0402902D-A5F5-4D7D-AAA7-32469BA0BC4D}" type="datetimeFigureOut">
               <a:rPr lang="en-US"/>
-              <a:t>5/21/2017</a:t>
+              <a:t>5/22/2017</a:t>
             </a:fld>
             <a:endParaRPr/>
           </a:p>
@@ -16570,7 +16903,7 @@
           <a:p>
             <a:fld id="{5214513F-8358-40C8-8827-E3DCE5F02ECA}" type="datetimeFigureOut">
               <a:rPr lang="en-US" smtClean="0"/>
-              <a:t>5/21/2017</a:t>
+              <a:t>5/22/2017</a:t>
             </a:fld>
             <a:endParaRPr lang="en-US"/>
           </a:p>
@@ -16738,7 +17071,7 @@
           <a:p>
             <a:fld id="{5214513F-8358-40C8-8827-E3DCE5F02ECA}" type="datetimeFigureOut">
               <a:rPr lang="en-US" smtClean="0"/>
-              <a:t>5/21/2017</a:t>
+              <a:t>5/22/2017</a:t>
             </a:fld>
             <a:endParaRPr lang="en-US"/>
           </a:p>
@@ -16916,7 +17249,7 @@
           <a:p>
             <a:fld id="{5214513F-8358-40C8-8827-E3DCE5F02ECA}" type="datetimeFigureOut">
               <a:rPr lang="en-US" smtClean="0"/>
-              <a:t>5/21/2017</a:t>
+              <a:t>5/22/2017</a:t>
             </a:fld>
             <a:endParaRPr lang="en-US"/>
           </a:p>
@@ -17533,7 +17866,7 @@
           <a:p>
             <a:fld id="{0402902D-A5F5-4D7D-AAA7-32469BA0BC4D}" type="datetimeFigureOut">
               <a:rPr lang="en-US"/>
-              <a:t>5/21/2017</a:t>
+              <a:t>5/22/2017</a:t>
             </a:fld>
             <a:endParaRPr/>
           </a:p>
@@ -17981,7 +18314,7 @@
           <a:p>
             <a:fld id="{0402902D-A5F5-4D7D-AAA7-32469BA0BC4D}" type="datetimeFigureOut">
               <a:rPr lang="en-US"/>
-              <a:t>5/21/2017</a:t>
+              <a:t>5/22/2017</a:t>
             </a:fld>
             <a:endParaRPr/>
           </a:p>
@@ -18111,7 +18444,7 @@
           <a:p>
             <a:fld id="{0402902D-A5F5-4D7D-AAA7-32469BA0BC4D}" type="datetimeFigureOut">
               <a:rPr lang="en-US"/>
-              <a:t>5/21/2017</a:t>
+              <a:t>5/22/2017</a:t>
             </a:fld>
             <a:endParaRPr/>
           </a:p>
@@ -18218,7 +18551,7 @@
           <a:p>
             <a:fld id="{0402902D-A5F5-4D7D-AAA7-32469BA0BC4D}" type="datetimeFigureOut">
               <a:rPr lang="en-US"/>
-              <a:t>5/21/2017</a:t>
+              <a:t>5/22/2017</a:t>
             </a:fld>
             <a:endParaRPr dirty="0"/>
           </a:p>
@@ -19190,7 +19523,7 @@
             <a:fld id="{0402902D-A5F5-4D7D-AAA7-32469BA0BC4D}" type="datetimeFigureOut">
               <a:rPr lang="en-US"/>
               <a:pPr/>
-              <a:t>5/21/2017</a:t>
+              <a:t>5/22/2017</a:t>
             </a:fld>
             <a:endParaRPr dirty="0"/>
           </a:p>
@@ -19696,7 +20029,7 @@
           <a:p>
             <a:fld id="{5214513F-8358-40C8-8827-E3DCE5F02ECA}" type="datetimeFigureOut">
               <a:rPr lang="en-US" smtClean="0"/>
-              <a:t>5/21/2017</a:t>
+              <a:t>5/22/2017</a:t>
             </a:fld>
             <a:endParaRPr lang="en-US"/>
           </a:p>
@@ -20791,32 +21124,10 @@
             <p:ph type="title"/>
           </p:nvPr>
         </p:nvSpPr>
-        <p:spPr/>
-        <p:txBody>
-          <a:bodyPr/>
-          <a:lstStyle/>
-          <a:p>
-            <a:r>
-              <a:rPr lang="en-US" dirty="0"/>
-              <a:t>Model choice considerations</a:t>
-            </a:r>
-          </a:p>
-        </p:txBody>
-      </p:sp>
-      <p:sp>
-        <p:nvSpPr>
-          <p:cNvPr id="3" name="Content Placeholder 2"/>
-          <p:cNvSpPr>
-            <a:spLocks noGrp="1"/>
-          </p:cNvSpPr>
-          <p:nvPr>
-            <p:ph idx="1"/>
-          </p:nvPr>
-        </p:nvSpPr>
         <p:spPr>
           <a:xfrm>
-            <a:off x="1066800" y="1714500"/>
-            <a:ext cx="4599482" cy="4457700"/>
+            <a:off x="609600" y="262328"/>
+            <a:ext cx="5776210" cy="5176767"/>
           </a:xfrm>
         </p:spPr>
         <p:txBody>
@@ -20824,64 +21135,67 @@
           <a:lstStyle/>
           <a:p>
             <a:r>
-              <a:rPr lang="en-GB" dirty="0"/>
-              <a:t>Used functions developed by Stephen Turner. </a:t>
-            </a:r>
-          </a:p>
-          <a:p>
-            <a:r>
-              <a:rPr lang="en-US" b="1" dirty="0" err="1"/>
-              <a:t>cor.prob</a:t>
-            </a:r>
-            <a:r>
               <a:rPr lang="en-US" dirty="0"/>
-              <a:t> will create a correlation matrix along with </a:t>
-            </a:r>
-            <a:r>
-              <a:rPr lang="en-US" i="1" dirty="0"/>
-              <a:t>p</a:t>
-            </a:r>
-            <a:r>
-              <a:rPr lang="en-US" dirty="0"/>
-              <a:t>-values and </a:t>
-            </a:r>
-            <a:r>
-              <a:rPr lang="en-US" b="1" dirty="0" err="1"/>
-              <a:t>flattenSquareMatrix</a:t>
-            </a:r>
-            <a:r>
-              <a:rPr lang="en-US" dirty="0"/>
-              <a:t> flattened all the combinations from the square matrix into a data frame of 4 columns made up of row names, column names, the correlation value and the </a:t>
-            </a:r>
-            <a:r>
-              <a:rPr lang="en-US" i="1" dirty="0"/>
-              <a:t>p</a:t>
-            </a:r>
-            <a:r>
-              <a:rPr lang="en-US" dirty="0"/>
-              <a:t>-value</a:t>
-            </a:r>
+              <a:t>Add your answer / solution here</a:t>
+            </a:r>
+          </a:p>
+        </p:txBody>
+      </p:sp>
+      <p:sp>
+        <p:nvSpPr>
+          <p:cNvPr id="3" name="Text Placeholder 2"/>
+          <p:cNvSpPr>
+            <a:spLocks noGrp="1"/>
+          </p:cNvSpPr>
+          <p:nvPr>
+            <p:ph type="body" idx="1"/>
+          </p:nvPr>
+        </p:nvSpPr>
+        <p:spPr/>
+        <p:txBody>
+          <a:bodyPr/>
+          <a:lstStyle/>
+          <a:p>
+            <a:r>
+              <a:rPr lang="en-US" dirty="0">
+                <a:solidFill>
+                  <a:schemeClr val="tx1"/>
+                </a:solidFill>
+              </a:rPr>
+              <a:t>Pass Rate lowest for older Students</a:t>
+            </a:r>
+            <a:endParaRPr lang="en-US" dirty="0">
+              <a:solidFill>
+                <a:schemeClr val="tx1"/>
+              </a:solidFill>
+            </a:endParaRPr>
           </a:p>
         </p:txBody>
       </p:sp>
       <p:pic>
         <p:nvPicPr>
-          <p:cNvPr id="5" name="Picture 4"/>
+          <p:cNvPr id="4" name="Picture 3"/>
           <p:cNvPicPr>
             <a:picLocks noChangeAspect="1"/>
           </p:cNvPicPr>
           <p:nvPr/>
         </p:nvPicPr>
         <p:blipFill>
-          <a:blip r:embed="rId3"/>
+          <a:blip r:embed="rId3">
+            <a:extLst>
+              <a:ext uri="{28A0092B-C50C-407E-A947-70E740481C1C}">
+                <a14:useLocalDpi xmlns:a14="http://schemas.microsoft.com/office/drawing/2010/main" val="0"/>
+              </a:ext>
+            </a:extLst>
+          </a:blip>
           <a:stretch>
             <a:fillRect/>
           </a:stretch>
         </p:blipFill>
         <p:spPr>
           <a:xfrm>
-            <a:off x="6220918" y="1875564"/>
-            <a:ext cx="5358749" cy="2871007"/>
+            <a:off x="6692931" y="262328"/>
+            <a:ext cx="5216967" cy="4682092"/>
           </a:xfrm>
           <a:prstGeom prst="rect">
             <a:avLst/>
@@ -20891,7 +21205,7 @@
     </p:spTree>
     <p:extLst>
       <p:ext uri="{BB962C8B-B14F-4D97-AF65-F5344CB8AC3E}">
-        <p14:creationId xmlns:p14="http://schemas.microsoft.com/office/powerpoint/2010/main" val="3625415626"/>
+        <p14:creationId xmlns:p14="http://schemas.microsoft.com/office/powerpoint/2010/main" val="823036105"/>
       </p:ext>
     </p:extLst>
   </p:cSld>
@@ -20940,32 +21254,10 @@
             <p:ph type="title"/>
           </p:nvPr>
         </p:nvSpPr>
-        <p:spPr/>
-        <p:txBody>
-          <a:bodyPr/>
-          <a:lstStyle/>
-          <a:p>
-            <a:r>
-              <a:rPr lang="en-US" dirty="0"/>
-              <a:t>Model Accuracy</a:t>
-            </a:r>
-          </a:p>
-        </p:txBody>
-      </p:sp>
-      <p:sp>
-        <p:nvSpPr>
-          <p:cNvPr id="3" name="Content Placeholder 2"/>
-          <p:cNvSpPr>
-            <a:spLocks noGrp="1"/>
-          </p:cNvSpPr>
-          <p:nvPr>
-            <p:ph idx="1"/>
-          </p:nvPr>
-        </p:nvSpPr>
         <p:spPr>
           <a:xfrm>
-            <a:off x="1066800" y="1714500"/>
-            <a:ext cx="4599482" cy="4457700"/>
+            <a:off x="609600" y="262328"/>
+            <a:ext cx="5101652" cy="5176767"/>
           </a:xfrm>
         </p:spPr>
         <p:txBody>
@@ -20973,43 +21265,40 @@
           <a:lstStyle/>
           <a:p>
             <a:r>
-              <a:rPr lang="en-GB" dirty="0"/>
-              <a:t>Used functions developed by Stephen Turner. </a:t>
-            </a:r>
-          </a:p>
-          <a:p>
-            <a:r>
-              <a:rPr lang="en-US" b="1" dirty="0" err="1"/>
-              <a:t>cor.prob</a:t>
-            </a:r>
-            <a:r>
               <a:rPr lang="en-US" dirty="0"/>
-              <a:t> will create a correlation matrix along with </a:t>
-            </a:r>
-            <a:r>
-              <a:rPr lang="en-US" i="1" dirty="0"/>
-              <a:t>p</a:t>
-            </a:r>
-            <a:r>
-              <a:rPr lang="en-US" dirty="0"/>
-              <a:t>-values and </a:t>
-            </a:r>
-            <a:r>
-              <a:rPr lang="en-US" b="1" dirty="0" err="1"/>
-              <a:t>flattenSquareMatrix</a:t>
-            </a:r>
-            <a:r>
-              <a:rPr lang="en-US" dirty="0"/>
-              <a:t> flattened all the combinations from the square matrix into a data frame of 4 columns made up of row names, column names, the correlation value and the </a:t>
-            </a:r>
-            <a:r>
-              <a:rPr lang="en-US" i="1" dirty="0"/>
-              <a:t>p</a:t>
-            </a:r>
-            <a:r>
-              <a:rPr lang="en-US" dirty="0"/>
-              <a:t>-value</a:t>
-            </a:r>
+              <a:t>Add your answer / solution here</a:t>
+            </a:r>
+          </a:p>
+        </p:txBody>
+      </p:sp>
+      <p:sp>
+        <p:nvSpPr>
+          <p:cNvPr id="3" name="Text Placeholder 2"/>
+          <p:cNvSpPr>
+            <a:spLocks noGrp="1"/>
+          </p:cNvSpPr>
+          <p:nvPr>
+            <p:ph type="body" idx="1"/>
+          </p:nvPr>
+        </p:nvSpPr>
+        <p:spPr/>
+        <p:txBody>
+          <a:bodyPr/>
+          <a:lstStyle/>
+          <a:p>
+            <a:r>
+              <a:rPr lang="en-US" dirty="0">
+                <a:solidFill>
+                  <a:schemeClr val="tx1"/>
+                </a:solidFill>
+              </a:rPr>
+              <a:t>Increased Daily alcohol consumption reduces Pass rate</a:t>
+            </a:r>
+            <a:endParaRPr lang="en-US" dirty="0">
+              <a:solidFill>
+                <a:schemeClr val="tx1"/>
+              </a:solidFill>
+            </a:endParaRPr>
           </a:p>
         </p:txBody>
       </p:sp>
@@ -21022,15 +21311,21 @@
           <p:nvPr/>
         </p:nvPicPr>
         <p:blipFill>
-          <a:blip r:embed="rId3"/>
+          <a:blip r:embed="rId3">
+            <a:extLst>
+              <a:ext uri="{28A0092B-C50C-407E-A947-70E740481C1C}">
+                <a14:useLocalDpi xmlns:a14="http://schemas.microsoft.com/office/drawing/2010/main" val="0"/>
+              </a:ext>
+            </a:extLst>
+          </a:blip>
           <a:stretch>
             <a:fillRect/>
           </a:stretch>
         </p:blipFill>
         <p:spPr>
           <a:xfrm>
-            <a:off x="6220918" y="1875564"/>
-            <a:ext cx="5358749" cy="2871007"/>
+            <a:off x="6037569" y="142407"/>
+            <a:ext cx="6089685" cy="5465334"/>
           </a:xfrm>
           <a:prstGeom prst="rect">
             <a:avLst/>
@@ -21040,7 +21335,7 @@
     </p:spTree>
     <p:extLst>
       <p:ext uri="{BB962C8B-B14F-4D97-AF65-F5344CB8AC3E}">
-        <p14:creationId xmlns:p14="http://schemas.microsoft.com/office/powerpoint/2010/main" val="216667103"/>
+        <p14:creationId xmlns:p14="http://schemas.microsoft.com/office/powerpoint/2010/main" val="1708420907"/>
       </p:ext>
     </p:extLst>
   </p:cSld>
@@ -21089,7 +21384,12 @@
             <p:ph type="title"/>
           </p:nvPr>
         </p:nvSpPr>
-        <p:spPr/>
+        <p:spPr>
+          <a:xfrm>
+            <a:off x="609600" y="262328"/>
+            <a:ext cx="5101652" cy="5176767"/>
+          </a:xfrm>
+        </p:spPr>
         <p:txBody>
           <a:bodyPr/>
           <a:lstStyle/>
@@ -21122,28 +21422,63 @@
                   <a:schemeClr val="tx1"/>
                 </a:solidFill>
               </a:rPr>
-              <a:t>Hypothesis</a:t>
-            </a:r>
+              <a:t>Increased travel time reduces Pass Rate</a:t>
+            </a:r>
+            <a:endParaRPr lang="en-US" dirty="0">
+              <a:solidFill>
+                <a:schemeClr val="tx1"/>
+              </a:solidFill>
+            </a:endParaRPr>
           </a:p>
         </p:txBody>
       </p:sp>
+      <p:pic>
+        <p:nvPicPr>
+          <p:cNvPr id="4" name="Picture 3"/>
+          <p:cNvPicPr>
+            <a:picLocks noChangeAspect="1"/>
+          </p:cNvPicPr>
+          <p:nvPr/>
+        </p:nvPicPr>
+        <p:blipFill>
+          <a:blip r:embed="rId3">
+            <a:extLst>
+              <a:ext uri="{28A0092B-C50C-407E-A947-70E740481C1C}">
+                <a14:useLocalDpi xmlns:a14="http://schemas.microsoft.com/office/drawing/2010/main" val="0"/>
+              </a:ext>
+            </a:extLst>
+          </a:blip>
+          <a:stretch>
+            <a:fillRect/>
+          </a:stretch>
+        </p:blipFill>
+        <p:spPr>
+          <a:xfrm>
+            <a:off x="5955866" y="134911"/>
+            <a:ext cx="6118924" cy="5491575"/>
+          </a:xfrm>
+          <a:prstGeom prst="rect">
+            <a:avLst/>
+          </a:prstGeom>
+        </p:spPr>
+      </p:pic>
     </p:spTree>
     <p:extLst>
       <p:ext uri="{BB962C8B-B14F-4D97-AF65-F5344CB8AC3E}">
-        <p14:creationId xmlns:p14="http://schemas.microsoft.com/office/powerpoint/2010/main" val="823036105"/>
+        <p14:creationId xmlns:p14="http://schemas.microsoft.com/office/powerpoint/2010/main" val="3726230382"/>
       </p:ext>
     </p:extLst>
   </p:cSld>
   <p:clrMapOvr>
     <a:masterClrMapping/>
   </p:clrMapOvr>
-  <mc:AlternateContent xmlns:mc="http://schemas.openxmlformats.org/markup-compatibility/2006">
-    <mc:Choice xmlns:p14="http://schemas.microsoft.com/office/powerpoint/2010/main" Requires="p14">
+  <mc:AlternateContent xmlns:mc="http://schemas.openxmlformats.org/markup-compatibility/2006" xmlns:p14="http://schemas.microsoft.com/office/powerpoint/2010/main">
+    <mc:Choice Requires="p14">
       <p:transition spd="med" p14:dur="700">
         <p:fade/>
       </p:transition>
     </mc:Choice>
-    <mc:Fallback>
+    <mc:Fallback xmlns="">
       <p:transition spd="med">
         <p:fade/>
       </p:transition>
@@ -21153,6 +21488,653 @@
 </file>
 
 <file path=ppt/slides/slide15.xml><?xml version="1.0" encoding="utf-8"?>
+<p:sld xmlns:a="http://schemas.openxmlformats.org/drawingml/2006/main" xmlns:r="http://schemas.openxmlformats.org/officeDocument/2006/relationships" xmlns:p="http://schemas.openxmlformats.org/presentationml/2006/main">
+  <p:cSld>
+    <p:spTree>
+      <p:nvGrpSpPr>
+        <p:cNvPr id="1" name=""/>
+        <p:cNvGrpSpPr/>
+        <p:nvPr/>
+      </p:nvGrpSpPr>
+      <p:grpSpPr>
+        <a:xfrm>
+          <a:off x="0" y="0"/>
+          <a:ext cx="0" cy="0"/>
+          <a:chOff x="0" y="0"/>
+          <a:chExt cx="0" cy="0"/>
+        </a:xfrm>
+      </p:grpSpPr>
+      <p:sp>
+        <p:nvSpPr>
+          <p:cNvPr id="2" name="Title 1"/>
+          <p:cNvSpPr>
+            <a:spLocks noGrp="1"/>
+          </p:cNvSpPr>
+          <p:nvPr>
+            <p:ph type="title"/>
+          </p:nvPr>
+        </p:nvSpPr>
+        <p:spPr/>
+        <p:txBody>
+          <a:bodyPr/>
+          <a:lstStyle/>
+          <a:p>
+            <a:r>
+              <a:rPr lang="en-US" dirty="0"/>
+              <a:t>Model choice considerations</a:t>
+            </a:r>
+          </a:p>
+        </p:txBody>
+      </p:sp>
+      <p:sp>
+        <p:nvSpPr>
+          <p:cNvPr id="3" name="Content Placeholder 2"/>
+          <p:cNvSpPr>
+            <a:spLocks noGrp="1"/>
+          </p:cNvSpPr>
+          <p:nvPr>
+            <p:ph idx="1"/>
+          </p:nvPr>
+        </p:nvSpPr>
+        <p:spPr>
+          <a:xfrm>
+            <a:off x="1066800" y="1714500"/>
+            <a:ext cx="9643672" cy="1905625"/>
+          </a:xfrm>
+        </p:spPr>
+        <p:txBody>
+          <a:bodyPr>
+            <a:normAutofit/>
+          </a:bodyPr>
+          <a:lstStyle/>
+          <a:p>
+            <a:pPr marL="0" indent="0">
+              <a:buNone/>
+            </a:pPr>
+            <a:r>
+              <a:rPr lang="en-US" dirty="0"/>
+              <a:t>Given that the data is all numeric, I would generally expect decision tree and rule-based methods to do well.</a:t>
+            </a:r>
+          </a:p>
+          <a:p>
+            <a:pPr marL="0" indent="0">
+              <a:buNone/>
+            </a:pPr>
+            <a:r>
+              <a:rPr lang="en-US" dirty="0"/>
+              <a:t> I would expect regression and instance-based methods to not do so well.</a:t>
+            </a:r>
+          </a:p>
+          <a:p>
+            <a:pPr marL="0" indent="0">
+              <a:buNone/>
+            </a:pPr>
+            <a:endParaRPr lang="en-US" dirty="0"/>
+          </a:p>
+        </p:txBody>
+      </p:sp>
+      <p:sp>
+        <p:nvSpPr>
+          <p:cNvPr id="4" name="TextBox 3"/>
+          <p:cNvSpPr txBox="1"/>
+          <p:nvPr/>
+        </p:nvSpPr>
+        <p:spPr>
+          <a:xfrm>
+            <a:off x="1416570" y="5074170"/>
+            <a:ext cx="184731" cy="369332"/>
+          </a:xfrm>
+          <a:prstGeom prst="rect">
+            <a:avLst/>
+          </a:prstGeom>
+          <a:noFill/>
+        </p:spPr>
+        <p:txBody>
+          <a:bodyPr wrap="none" rtlCol="0">
+            <a:spAutoFit/>
+          </a:bodyPr>
+          <a:lstStyle/>
+          <a:p>
+            <a:endParaRPr lang="en-US" dirty="0"/>
+          </a:p>
+        </p:txBody>
+      </p:sp>
+      <p:sp>
+        <p:nvSpPr>
+          <p:cNvPr id="6" name="TextBox 5"/>
+          <p:cNvSpPr txBox="1"/>
+          <p:nvPr/>
+        </p:nvSpPr>
+        <p:spPr>
+          <a:xfrm>
+            <a:off x="1236689" y="3920008"/>
+            <a:ext cx="8004747" cy="2308324"/>
+          </a:xfrm>
+          <a:prstGeom prst="rect">
+            <a:avLst/>
+          </a:prstGeom>
+          <a:noFill/>
+        </p:spPr>
+        <p:txBody>
+          <a:bodyPr wrap="square" rtlCol="0">
+            <a:spAutoFit/>
+          </a:bodyPr>
+          <a:lstStyle/>
+          <a:p>
+            <a:r>
+              <a:rPr lang="en-US" dirty="0" err="1"/>
+              <a:t>trainControl</a:t>
+            </a:r>
+            <a:r>
+              <a:rPr lang="en-US" dirty="0"/>
+              <a:t> &lt;- </a:t>
+            </a:r>
+            <a:r>
+              <a:rPr lang="en-US" dirty="0" err="1"/>
+              <a:t>trainControl</a:t>
+            </a:r>
+            <a:r>
+              <a:rPr lang="en-US" dirty="0"/>
+              <a:t>(method="</a:t>
+            </a:r>
+            <a:r>
+              <a:rPr lang="en-US" dirty="0" err="1"/>
+              <a:t>repeatedcv</a:t>
+            </a:r>
+            <a:r>
+              <a:rPr lang="en-US" dirty="0"/>
+              <a:t>", number=10, repeats=3) </a:t>
+            </a:r>
+          </a:p>
+          <a:p>
+            <a:r>
+              <a:rPr lang="en-US" dirty="0"/>
+              <a:t>metric &lt;- "Accuracy"</a:t>
+            </a:r>
+          </a:p>
+          <a:p>
+            <a:endParaRPr lang="en-US" dirty="0"/>
+          </a:p>
+          <a:p>
+            <a:r>
+              <a:rPr lang="en-US" dirty="0"/>
+              <a:t># GLM</a:t>
+            </a:r>
+            <a:br>
+              <a:rPr lang="en-US" dirty="0"/>
+            </a:br>
+            <a:r>
+              <a:rPr lang="en-US" dirty="0" err="1"/>
+              <a:t>set.seed</a:t>
+            </a:r>
+            <a:r>
+              <a:rPr lang="en-US" dirty="0"/>
+              <a:t>(7)</a:t>
+            </a:r>
+            <a:br>
+              <a:rPr lang="en-US" dirty="0"/>
+            </a:br>
+            <a:r>
+              <a:rPr lang="en-US" dirty="0" err="1"/>
+              <a:t>fit.glm</a:t>
+            </a:r>
+            <a:r>
+              <a:rPr lang="en-US" dirty="0"/>
+              <a:t> &lt;- train(pass~., data=</a:t>
+            </a:r>
+            <a:r>
+              <a:rPr lang="en-US" dirty="0" err="1"/>
+              <a:t>trainDF</a:t>
+            </a:r>
+            <a:r>
+              <a:rPr lang="en-US" dirty="0"/>
+              <a:t>, method="</a:t>
+            </a:r>
+            <a:r>
+              <a:rPr lang="en-US" dirty="0" err="1"/>
+              <a:t>glm</a:t>
+            </a:r>
+            <a:r>
+              <a:rPr lang="en-US" dirty="0"/>
+              <a:t>", metric=metric, </a:t>
+            </a:r>
+            <a:r>
+              <a:rPr lang="en-US" dirty="0" err="1"/>
+              <a:t>preProc</a:t>
+            </a:r>
+            <a:r>
+              <a:rPr lang="en-US" dirty="0"/>
+              <a:t>=c("center", "scale"), </a:t>
+            </a:r>
+            <a:r>
+              <a:rPr lang="en-US" dirty="0" err="1"/>
+              <a:t>trControl</a:t>
+            </a:r>
+            <a:r>
+              <a:rPr lang="en-US" dirty="0"/>
+              <a:t>=</a:t>
+            </a:r>
+            <a:r>
+              <a:rPr lang="en-US" dirty="0" err="1"/>
+              <a:t>trainControl</a:t>
+            </a:r>
+            <a:r>
+              <a:rPr lang="en-US" dirty="0"/>
+              <a:t>)</a:t>
+            </a:r>
+          </a:p>
+          <a:p>
+            <a:endParaRPr lang="en-US" dirty="0"/>
+          </a:p>
+        </p:txBody>
+      </p:sp>
+    </p:spTree>
+    <p:extLst>
+      <p:ext uri="{BB962C8B-B14F-4D97-AF65-F5344CB8AC3E}">
+        <p14:creationId xmlns:p14="http://schemas.microsoft.com/office/powerpoint/2010/main" val="3625415626"/>
+      </p:ext>
+    </p:extLst>
+  </p:cSld>
+  <p:clrMapOvr>
+    <a:masterClrMapping/>
+  </p:clrMapOvr>
+  <mc:AlternateContent xmlns:mc="http://schemas.openxmlformats.org/markup-compatibility/2006" xmlns:p14="http://schemas.microsoft.com/office/powerpoint/2010/main">
+    <mc:Choice Requires="p14">
+      <p:transition spd="med" p14:dur="700">
+        <p:fade/>
+      </p:transition>
+    </mc:Choice>
+    <mc:Fallback xmlns="">
+      <p:transition spd="med">
+        <p:fade/>
+      </p:transition>
+    </mc:Fallback>
+  </mc:AlternateContent>
+</p:sld>
+</file>
+
+<file path=ppt/slides/slide16.xml><?xml version="1.0" encoding="utf-8"?>
+<p:sld xmlns:a="http://schemas.openxmlformats.org/drawingml/2006/main" xmlns:r="http://schemas.openxmlformats.org/officeDocument/2006/relationships" xmlns:p="http://schemas.openxmlformats.org/presentationml/2006/main">
+  <p:cSld>
+    <p:spTree>
+      <p:nvGrpSpPr>
+        <p:cNvPr id="1" name=""/>
+        <p:cNvGrpSpPr/>
+        <p:nvPr/>
+      </p:nvGrpSpPr>
+      <p:grpSpPr>
+        <a:xfrm>
+          <a:off x="0" y="0"/>
+          <a:ext cx="0" cy="0"/>
+          <a:chOff x="0" y="0"/>
+          <a:chExt cx="0" cy="0"/>
+        </a:xfrm>
+      </p:grpSpPr>
+      <p:sp>
+        <p:nvSpPr>
+          <p:cNvPr id="2" name="Title 1"/>
+          <p:cNvSpPr>
+            <a:spLocks noGrp="1"/>
+          </p:cNvSpPr>
+          <p:nvPr>
+            <p:ph type="title"/>
+          </p:nvPr>
+        </p:nvSpPr>
+        <p:spPr/>
+        <p:txBody>
+          <a:bodyPr/>
+          <a:lstStyle/>
+          <a:p>
+            <a:r>
+              <a:rPr lang="en-US" dirty="0"/>
+              <a:t>Algorithm results</a:t>
+            </a:r>
+          </a:p>
+        </p:txBody>
+      </p:sp>
+      <p:sp>
+        <p:nvSpPr>
+          <p:cNvPr id="4" name="TextBox 3"/>
+          <p:cNvSpPr txBox="1"/>
+          <p:nvPr/>
+        </p:nvSpPr>
+        <p:spPr>
+          <a:xfrm>
+            <a:off x="1416570" y="5074170"/>
+            <a:ext cx="184731" cy="369332"/>
+          </a:xfrm>
+          <a:prstGeom prst="rect">
+            <a:avLst/>
+          </a:prstGeom>
+          <a:noFill/>
+        </p:spPr>
+        <p:txBody>
+          <a:bodyPr wrap="none" rtlCol="0">
+            <a:spAutoFit/>
+          </a:bodyPr>
+          <a:lstStyle/>
+          <a:p>
+            <a:endParaRPr lang="en-US" dirty="0"/>
+          </a:p>
+        </p:txBody>
+      </p:sp>
+      <p:pic>
+        <p:nvPicPr>
+          <p:cNvPr id="9" name="Picture 8"/>
+          <p:cNvPicPr>
+            <a:picLocks noChangeAspect="1"/>
+          </p:cNvPicPr>
+          <p:nvPr/>
+        </p:nvPicPr>
+        <p:blipFill>
+          <a:blip r:embed="rId3"/>
+          <a:stretch>
+            <a:fillRect/>
+          </a:stretch>
+        </p:blipFill>
+        <p:spPr>
+          <a:xfrm>
+            <a:off x="5344255" y="1626433"/>
+            <a:ext cx="6490480" cy="4265716"/>
+          </a:xfrm>
+          <a:prstGeom prst="rect">
+            <a:avLst/>
+          </a:prstGeom>
+        </p:spPr>
+      </p:pic>
+      <p:sp>
+        <p:nvSpPr>
+          <p:cNvPr id="3" name="TextBox 2"/>
+          <p:cNvSpPr txBox="1"/>
+          <p:nvPr/>
+        </p:nvSpPr>
+        <p:spPr>
+          <a:xfrm>
+            <a:off x="299803" y="1551482"/>
+            <a:ext cx="4542020" cy="1477328"/>
+          </a:xfrm>
+          <a:prstGeom prst="rect">
+            <a:avLst/>
+          </a:prstGeom>
+          <a:noFill/>
+        </p:spPr>
+        <p:txBody>
+          <a:bodyPr wrap="square" rtlCol="0">
+            <a:spAutoFit/>
+          </a:bodyPr>
+          <a:lstStyle/>
+          <a:p>
+            <a:r>
+              <a:rPr lang="en-GB" dirty="0"/>
+              <a:t>Tested GLM, GBM, RF, GLMNET, KNN models without tuning and the metric was Accuracy.</a:t>
+            </a:r>
+          </a:p>
+          <a:p>
+            <a:endParaRPr lang="en-GB" dirty="0"/>
+          </a:p>
+          <a:p>
+            <a:r>
+              <a:rPr lang="en-GB" dirty="0"/>
+              <a:t>Accuracy of GLMNET was the highest.</a:t>
+            </a:r>
+            <a:endParaRPr lang="en-US" dirty="0"/>
+          </a:p>
+        </p:txBody>
+      </p:sp>
+    </p:spTree>
+    <p:extLst>
+      <p:ext uri="{BB962C8B-B14F-4D97-AF65-F5344CB8AC3E}">
+        <p14:creationId xmlns:p14="http://schemas.microsoft.com/office/powerpoint/2010/main" val="3874982156"/>
+      </p:ext>
+    </p:extLst>
+  </p:cSld>
+  <p:clrMapOvr>
+    <a:masterClrMapping/>
+  </p:clrMapOvr>
+  <mc:AlternateContent xmlns:mc="http://schemas.openxmlformats.org/markup-compatibility/2006" xmlns:p14="http://schemas.microsoft.com/office/powerpoint/2010/main">
+    <mc:Choice Requires="p14">
+      <p:transition spd="med" p14:dur="700">
+        <p:fade/>
+      </p:transition>
+    </mc:Choice>
+    <mc:Fallback xmlns="">
+      <p:transition spd="med">
+        <p:fade/>
+      </p:transition>
+    </mc:Fallback>
+  </mc:AlternateContent>
+</p:sld>
+</file>
+
+<file path=ppt/slides/slide17.xml><?xml version="1.0" encoding="utf-8"?>
+<p:sld xmlns:a="http://schemas.openxmlformats.org/drawingml/2006/main" xmlns:r="http://schemas.openxmlformats.org/officeDocument/2006/relationships" xmlns:p="http://schemas.openxmlformats.org/presentationml/2006/main">
+  <p:cSld>
+    <p:spTree>
+      <p:nvGrpSpPr>
+        <p:cNvPr id="1" name=""/>
+        <p:cNvGrpSpPr/>
+        <p:nvPr/>
+      </p:nvGrpSpPr>
+      <p:grpSpPr>
+        <a:xfrm>
+          <a:off x="0" y="0"/>
+          <a:ext cx="0" cy="0"/>
+          <a:chOff x="0" y="0"/>
+          <a:chExt cx="0" cy="0"/>
+        </a:xfrm>
+      </p:grpSpPr>
+      <p:sp>
+        <p:nvSpPr>
+          <p:cNvPr id="2" name="Title 1"/>
+          <p:cNvSpPr>
+            <a:spLocks noGrp="1"/>
+          </p:cNvSpPr>
+          <p:nvPr>
+            <p:ph type="title"/>
+          </p:nvPr>
+        </p:nvSpPr>
+        <p:spPr/>
+        <p:txBody>
+          <a:bodyPr/>
+          <a:lstStyle/>
+          <a:p>
+            <a:r>
+              <a:rPr lang="en-GB" dirty="0"/>
+              <a:t>GLMNET Variable Importance (descending)</a:t>
+            </a:r>
+            <a:endParaRPr lang="en-US" dirty="0"/>
+          </a:p>
+        </p:txBody>
+      </p:sp>
+      <p:sp>
+        <p:nvSpPr>
+          <p:cNvPr id="4" name="TextBox 3"/>
+          <p:cNvSpPr txBox="1"/>
+          <p:nvPr/>
+        </p:nvSpPr>
+        <p:spPr>
+          <a:xfrm>
+            <a:off x="1416570" y="5074170"/>
+            <a:ext cx="184731" cy="369332"/>
+          </a:xfrm>
+          <a:prstGeom prst="rect">
+            <a:avLst/>
+          </a:prstGeom>
+          <a:noFill/>
+        </p:spPr>
+        <p:txBody>
+          <a:bodyPr wrap="none" rtlCol="0">
+            <a:spAutoFit/>
+          </a:bodyPr>
+          <a:lstStyle/>
+          <a:p>
+            <a:endParaRPr lang="en-US" dirty="0"/>
+          </a:p>
+        </p:txBody>
+      </p:sp>
+      <p:pic>
+        <p:nvPicPr>
+          <p:cNvPr id="8" name="Picture 7"/>
+          <p:cNvPicPr>
+            <a:picLocks noChangeAspect="1"/>
+          </p:cNvPicPr>
+          <p:nvPr/>
+        </p:nvPicPr>
+        <p:blipFill>
+          <a:blip r:embed="rId3">
+            <a:extLst>
+              <a:ext uri="{28A0092B-C50C-407E-A947-70E740481C1C}">
+                <a14:useLocalDpi xmlns:a14="http://schemas.microsoft.com/office/drawing/2010/main" val="0"/>
+              </a:ext>
+            </a:extLst>
+          </a:blip>
+          <a:stretch>
+            <a:fillRect/>
+          </a:stretch>
+        </p:blipFill>
+        <p:spPr>
+          <a:xfrm>
+            <a:off x="6344582" y="1491521"/>
+            <a:ext cx="5787457" cy="5194092"/>
+          </a:xfrm>
+          <a:prstGeom prst="rect">
+            <a:avLst/>
+          </a:prstGeom>
+        </p:spPr>
+      </p:pic>
+      <p:sp>
+        <p:nvSpPr>
+          <p:cNvPr id="10" name="TextBox 9"/>
+          <p:cNvSpPr txBox="1"/>
+          <p:nvPr/>
+        </p:nvSpPr>
+        <p:spPr>
+          <a:xfrm>
+            <a:off x="344774" y="1978702"/>
+            <a:ext cx="4804347" cy="3046988"/>
+          </a:xfrm>
+          <a:prstGeom prst="rect">
+            <a:avLst/>
+          </a:prstGeom>
+          <a:noFill/>
+        </p:spPr>
+        <p:txBody>
+          <a:bodyPr wrap="square" rtlCol="0">
+            <a:spAutoFit/>
+          </a:bodyPr>
+          <a:lstStyle/>
+          <a:p>
+            <a:pPr marL="285750" indent="-285750">
+              <a:buFont typeface="Arial" panose="020B0604020202020204" pitchFamily="34" charset="0"/>
+              <a:buChar char="•"/>
+            </a:pPr>
+            <a:r>
+              <a:rPr lang="en-GB" sz="2400" dirty="0"/>
+              <a:t>Failures</a:t>
+            </a:r>
+          </a:p>
+          <a:p>
+            <a:pPr marL="285750" indent="-285750">
+              <a:buFont typeface="Arial" panose="020B0604020202020204" pitchFamily="34" charset="0"/>
+              <a:buChar char="•"/>
+            </a:pPr>
+            <a:r>
+              <a:rPr lang="en-GB" sz="2400" dirty="0"/>
+              <a:t>Studytime30mins-1hour</a:t>
+            </a:r>
+          </a:p>
+          <a:p>
+            <a:pPr marL="285750" indent="-285750">
+              <a:buFont typeface="Arial" panose="020B0604020202020204" pitchFamily="34" charset="0"/>
+              <a:buChar char="•"/>
+            </a:pPr>
+            <a:r>
+              <a:rPr lang="en-GB" sz="2400" dirty="0"/>
+              <a:t>FamilySizeLE3</a:t>
+            </a:r>
+          </a:p>
+          <a:p>
+            <a:pPr marL="285750" indent="-285750">
+              <a:buFont typeface="Arial" panose="020B0604020202020204" pitchFamily="34" charset="0"/>
+              <a:buChar char="•"/>
+            </a:pPr>
+            <a:r>
+              <a:rPr lang="en-GB" sz="2400" dirty="0" err="1"/>
+              <a:t>HigherY</a:t>
+            </a:r>
+            <a:endParaRPr lang="en-GB" sz="2400" dirty="0"/>
+          </a:p>
+          <a:p>
+            <a:pPr marL="285750" indent="-285750">
+              <a:buFont typeface="Arial" panose="020B0604020202020204" pitchFamily="34" charset="0"/>
+              <a:buChar char="•"/>
+            </a:pPr>
+            <a:r>
+              <a:rPr lang="en-GB" sz="2400" dirty="0" err="1"/>
+              <a:t>Medu.Grade</a:t>
+            </a:r>
+            <a:endParaRPr lang="en-GB" sz="2400" dirty="0"/>
+          </a:p>
+          <a:p>
+            <a:pPr marL="285750" indent="-285750">
+              <a:buFont typeface="Arial" panose="020B0604020202020204" pitchFamily="34" charset="0"/>
+              <a:buChar char="•"/>
+            </a:pPr>
+            <a:r>
+              <a:rPr lang="en-GB" sz="2400" dirty="0" err="1"/>
+              <a:t>SchoolSup.Y</a:t>
+            </a:r>
+            <a:endParaRPr lang="en-GB" sz="2400" dirty="0"/>
+          </a:p>
+          <a:p>
+            <a:pPr marL="285750" indent="-285750">
+              <a:buFont typeface="Arial" panose="020B0604020202020204" pitchFamily="34" charset="0"/>
+              <a:buChar char="•"/>
+            </a:pPr>
+            <a:r>
+              <a:rPr lang="en-GB" sz="2400" dirty="0"/>
+              <a:t>Goout.xx4</a:t>
+            </a:r>
+          </a:p>
+          <a:p>
+            <a:pPr marL="285750" indent="-285750">
+              <a:buFont typeface="Arial" panose="020B0604020202020204" pitchFamily="34" charset="0"/>
+              <a:buChar char="•"/>
+            </a:pPr>
+            <a:r>
+              <a:rPr lang="en-GB" sz="2400" dirty="0" err="1"/>
+              <a:t>Fedu.NoGrade</a:t>
+            </a:r>
+            <a:endParaRPr lang="en-US" sz="2400" dirty="0"/>
+          </a:p>
+        </p:txBody>
+      </p:sp>
+    </p:spTree>
+    <p:extLst>
+      <p:ext uri="{BB962C8B-B14F-4D97-AF65-F5344CB8AC3E}">
+        <p14:creationId xmlns:p14="http://schemas.microsoft.com/office/powerpoint/2010/main" val="1626346955"/>
+      </p:ext>
+    </p:extLst>
+  </p:cSld>
+  <p:clrMapOvr>
+    <a:masterClrMapping/>
+  </p:clrMapOvr>
+  <mc:AlternateContent xmlns:mc="http://schemas.openxmlformats.org/markup-compatibility/2006" xmlns:p14="http://schemas.microsoft.com/office/powerpoint/2010/main">
+    <mc:Choice Requires="p14">
+      <p:transition spd="med" p14:dur="700">
+        <p:fade/>
+      </p:transition>
+    </mc:Choice>
+    <mc:Fallback xmlns="">
+      <p:transition spd="med">
+        <p:fade/>
+      </p:transition>
+    </mc:Fallback>
+  </mc:AlternateContent>
+</p:sld>
+</file>
+
+<file path=ppt/slides/slide18.xml><?xml version="1.0" encoding="utf-8"?>
 <p:sld xmlns:a="http://schemas.openxmlformats.org/drawingml/2006/main" xmlns:r="http://schemas.openxmlformats.org/officeDocument/2006/relationships" xmlns:p="http://schemas.openxmlformats.org/presentationml/2006/main" show="0">
   <p:cSld>
     <p:spTree>
@@ -21242,7 +22224,7 @@
 </p:sld>
 </file>
 
-<file path=ppt/slides/slide16.xml><?xml version="1.0" encoding="utf-8"?>
+<file path=ppt/slides/slide19.xml><?xml version="1.0" encoding="utf-8"?>
 <p:sld xmlns:a="http://schemas.openxmlformats.org/drawingml/2006/main" xmlns:r="http://schemas.openxmlformats.org/officeDocument/2006/relationships" xmlns:p="http://schemas.openxmlformats.org/presentationml/2006/main" show="0">
   <p:cSld>
     <p:spTree>
@@ -21310,294 +22292,6 @@
     <p:extLst>
       <p:ext uri="{BB962C8B-B14F-4D97-AF65-F5344CB8AC3E}">
         <p14:creationId xmlns:p14="http://schemas.microsoft.com/office/powerpoint/2010/main" val="588768708"/>
-      </p:ext>
-    </p:extLst>
-  </p:cSld>
-  <p:clrMapOvr>
-    <a:masterClrMapping/>
-  </p:clrMapOvr>
-  <mc:AlternateContent xmlns:mc="http://schemas.openxmlformats.org/markup-compatibility/2006" xmlns:p14="http://schemas.microsoft.com/office/powerpoint/2010/main">
-    <mc:Choice Requires="p14">
-      <p:transition spd="med" p14:dur="700">
-        <p:fade/>
-      </p:transition>
-    </mc:Choice>
-    <mc:Fallback xmlns="">
-      <p:transition spd="med">
-        <p:fade/>
-      </p:transition>
-    </mc:Fallback>
-  </mc:AlternateContent>
-</p:sld>
-</file>
-
-<file path=ppt/slides/slide17.xml><?xml version="1.0" encoding="utf-8"?>
-<p:sld xmlns:a="http://schemas.openxmlformats.org/drawingml/2006/main" xmlns:r="http://schemas.openxmlformats.org/officeDocument/2006/relationships" xmlns:p="http://schemas.openxmlformats.org/presentationml/2006/main">
-  <p:cSld>
-    <p:spTree>
-      <p:nvGrpSpPr>
-        <p:cNvPr id="1" name=""/>
-        <p:cNvGrpSpPr/>
-        <p:nvPr/>
-      </p:nvGrpSpPr>
-      <p:grpSpPr>
-        <a:xfrm>
-          <a:off x="0" y="0"/>
-          <a:ext cx="0" cy="0"/>
-          <a:chOff x="0" y="0"/>
-          <a:chExt cx="0" cy="0"/>
-        </a:xfrm>
-      </p:grpSpPr>
-      <p:sp>
-        <p:nvSpPr>
-          <p:cNvPr id="2" name="Title 1"/>
-          <p:cNvSpPr>
-            <a:spLocks noGrp="1"/>
-          </p:cNvSpPr>
-          <p:nvPr>
-            <p:ph type="title"/>
-          </p:nvPr>
-        </p:nvSpPr>
-        <p:spPr/>
-        <p:txBody>
-          <a:bodyPr/>
-          <a:lstStyle/>
-          <a:p>
-            <a:r>
-              <a:rPr lang="en-US" dirty="0"/>
-              <a:t>Analysis</a:t>
-            </a:r>
-          </a:p>
-        </p:txBody>
-      </p:sp>
-      <p:sp>
-        <p:nvSpPr>
-          <p:cNvPr id="3" name="Text Placeholder 2"/>
-          <p:cNvSpPr>
-            <a:spLocks noGrp="1"/>
-          </p:cNvSpPr>
-          <p:nvPr>
-            <p:ph type="body" idx="1"/>
-          </p:nvPr>
-        </p:nvSpPr>
-        <p:spPr/>
-        <p:txBody>
-          <a:bodyPr/>
-          <a:lstStyle/>
-          <a:p>
-            <a:r>
-              <a:rPr lang="en-US" dirty="0">
-                <a:solidFill>
-                  <a:schemeClr val="tx1"/>
-                </a:solidFill>
-              </a:rPr>
-              <a:t>Hypothesis</a:t>
-            </a:r>
-          </a:p>
-        </p:txBody>
-      </p:sp>
-    </p:spTree>
-    <p:extLst>
-      <p:ext uri="{BB962C8B-B14F-4D97-AF65-F5344CB8AC3E}">
-        <p14:creationId xmlns:p14="http://schemas.microsoft.com/office/powerpoint/2010/main" val="232024693"/>
-      </p:ext>
-    </p:extLst>
-  </p:cSld>
-  <p:clrMapOvr>
-    <a:masterClrMapping/>
-  </p:clrMapOvr>
-  <mc:AlternateContent xmlns:mc="http://schemas.openxmlformats.org/markup-compatibility/2006" xmlns:p14="http://schemas.microsoft.com/office/powerpoint/2010/main">
-    <mc:Choice Requires="p14">
-      <p:transition spd="med" p14:dur="700">
-        <p:fade/>
-      </p:transition>
-    </mc:Choice>
-    <mc:Fallback xmlns="">
-      <p:transition spd="med">
-        <p:fade/>
-      </p:transition>
-    </mc:Fallback>
-  </mc:AlternateContent>
-</p:sld>
-</file>
-
-<file path=ppt/slides/slide18.xml><?xml version="1.0" encoding="utf-8"?>
-<p:sld xmlns:a="http://schemas.openxmlformats.org/drawingml/2006/main" xmlns:r="http://schemas.openxmlformats.org/officeDocument/2006/relationships" xmlns:p="http://schemas.openxmlformats.org/presentationml/2006/main">
-  <p:cSld>
-    <p:spTree>
-      <p:nvGrpSpPr>
-        <p:cNvPr id="1" name=""/>
-        <p:cNvGrpSpPr/>
-        <p:nvPr/>
-      </p:nvGrpSpPr>
-      <p:grpSpPr>
-        <a:xfrm>
-          <a:off x="0" y="0"/>
-          <a:ext cx="0" cy="0"/>
-          <a:chOff x="0" y="0"/>
-          <a:chExt cx="0" cy="0"/>
-        </a:xfrm>
-      </p:grpSpPr>
-      <p:sp>
-        <p:nvSpPr>
-          <p:cNvPr id="2" name="Title 1"/>
-          <p:cNvSpPr>
-            <a:spLocks noGrp="1"/>
-          </p:cNvSpPr>
-          <p:nvPr>
-            <p:ph type="title"/>
-          </p:nvPr>
-        </p:nvSpPr>
-        <p:spPr/>
-        <p:txBody>
-          <a:bodyPr/>
-          <a:lstStyle/>
-          <a:p>
-            <a:r>
-              <a:rPr lang="en-US" dirty="0"/>
-              <a:t>Analysis</a:t>
-            </a:r>
-          </a:p>
-        </p:txBody>
-      </p:sp>
-      <p:sp>
-        <p:nvSpPr>
-          <p:cNvPr id="3" name="Content Placeholder 2"/>
-          <p:cNvSpPr>
-            <a:spLocks noGrp="1"/>
-          </p:cNvSpPr>
-          <p:nvPr>
-            <p:ph idx="1"/>
-          </p:nvPr>
-        </p:nvSpPr>
-        <p:spPr/>
-        <p:txBody>
-          <a:bodyPr/>
-          <a:lstStyle/>
-          <a:p>
-            <a:r>
-              <a:rPr lang="en-US"/>
-              <a:t>First research point</a:t>
-            </a:r>
-          </a:p>
-          <a:p>
-            <a:r>
-              <a:rPr lang="en-US"/>
-              <a:t>Second research point</a:t>
-            </a:r>
-          </a:p>
-          <a:p>
-            <a:r>
-              <a:rPr lang="en-US"/>
-              <a:t>Third research point</a:t>
-            </a:r>
-            <a:endParaRPr lang="en-US" dirty="0"/>
-          </a:p>
-        </p:txBody>
-      </p:sp>
-    </p:spTree>
-    <p:extLst>
-      <p:ext uri="{BB962C8B-B14F-4D97-AF65-F5344CB8AC3E}">
-        <p14:creationId xmlns:p14="http://schemas.microsoft.com/office/powerpoint/2010/main" val="1918831607"/>
-      </p:ext>
-    </p:extLst>
-  </p:cSld>
-  <p:clrMapOvr>
-    <a:masterClrMapping/>
-  </p:clrMapOvr>
-  <mc:AlternateContent xmlns:mc="http://schemas.openxmlformats.org/markup-compatibility/2006" xmlns:p14="http://schemas.microsoft.com/office/powerpoint/2010/main">
-    <mc:Choice Requires="p14">
-      <p:transition spd="med" p14:dur="700">
-        <p:fade/>
-      </p:transition>
-    </mc:Choice>
-    <mc:Fallback xmlns="">
-      <p:transition spd="med">
-        <p:fade/>
-      </p:transition>
-    </mc:Fallback>
-  </mc:AlternateContent>
-</p:sld>
-</file>
-
-<file path=ppt/slides/slide19.xml><?xml version="1.0" encoding="utf-8"?>
-<p:sld xmlns:a="http://schemas.openxmlformats.org/drawingml/2006/main" xmlns:r="http://schemas.openxmlformats.org/officeDocument/2006/relationships" xmlns:p="http://schemas.openxmlformats.org/presentationml/2006/main">
-  <p:cSld>
-    <p:spTree>
-      <p:nvGrpSpPr>
-        <p:cNvPr id="1" name=""/>
-        <p:cNvGrpSpPr/>
-        <p:nvPr/>
-      </p:nvGrpSpPr>
-      <p:grpSpPr>
-        <a:xfrm>
-          <a:off x="0" y="0"/>
-          <a:ext cx="0" cy="0"/>
-          <a:chOff x="0" y="0"/>
-          <a:chExt cx="0" cy="0"/>
-        </a:xfrm>
-      </p:grpSpPr>
-      <p:sp>
-        <p:nvSpPr>
-          <p:cNvPr id="2" name="Title 1"/>
-          <p:cNvSpPr>
-            <a:spLocks noGrp="1"/>
-          </p:cNvSpPr>
-          <p:nvPr>
-            <p:ph type="title"/>
-          </p:nvPr>
-        </p:nvSpPr>
-        <p:spPr/>
-        <p:txBody>
-          <a:bodyPr/>
-          <a:lstStyle/>
-          <a:p>
-            <a:r>
-              <a:rPr lang="en-US" dirty="0"/>
-              <a:t>Feature Importance</a:t>
-            </a:r>
-          </a:p>
-        </p:txBody>
-      </p:sp>
-      <p:sp>
-        <p:nvSpPr>
-          <p:cNvPr id="3" name="Content Placeholder 2"/>
-          <p:cNvSpPr>
-            <a:spLocks noGrp="1"/>
-          </p:cNvSpPr>
-          <p:nvPr>
-            <p:ph idx="1"/>
-          </p:nvPr>
-        </p:nvSpPr>
-        <p:spPr/>
-        <p:txBody>
-          <a:bodyPr/>
-          <a:lstStyle/>
-          <a:p>
-            <a:r>
-              <a:rPr lang="en-US"/>
-              <a:t>First research point</a:t>
-            </a:r>
-          </a:p>
-          <a:p>
-            <a:r>
-              <a:rPr lang="en-US"/>
-              <a:t>Second research point</a:t>
-            </a:r>
-          </a:p>
-          <a:p>
-            <a:r>
-              <a:rPr lang="en-US"/>
-              <a:t>Third research point</a:t>
-            </a:r>
-            <a:endParaRPr lang="en-US" dirty="0"/>
-          </a:p>
-        </p:txBody>
-      </p:sp>
-    </p:spTree>
-    <p:extLst>
-      <p:ext uri="{BB962C8B-B14F-4D97-AF65-F5344CB8AC3E}">
-        <p14:creationId xmlns:p14="http://schemas.microsoft.com/office/powerpoint/2010/main" val="3778178739"/>
       </p:ext>
     </p:extLst>
   </p:cSld>
@@ -21690,7 +22384,7 @@
             </a:br>
             <a:r>
               <a:rPr lang="en-US" sz="2800" dirty="0"/>
-              <a:t>We will also be looking at the importance/relevance of other variables in determining grades in this dataset.</a:t>
+              <a:t>We will also be looking at the importance/relevance of other variables in determining grades in this dataset based on the best performing model.</a:t>
             </a:r>
           </a:p>
         </p:txBody>
@@ -21789,6 +22483,294 @@
           <a:p>
             <a:r>
               <a:rPr lang="en-US" dirty="0"/>
+              <a:t>Analysis</a:t>
+            </a:r>
+          </a:p>
+        </p:txBody>
+      </p:sp>
+      <p:sp>
+        <p:nvSpPr>
+          <p:cNvPr id="3" name="Text Placeholder 2"/>
+          <p:cNvSpPr>
+            <a:spLocks noGrp="1"/>
+          </p:cNvSpPr>
+          <p:nvPr>
+            <p:ph type="body" idx="1"/>
+          </p:nvPr>
+        </p:nvSpPr>
+        <p:spPr/>
+        <p:txBody>
+          <a:bodyPr/>
+          <a:lstStyle/>
+          <a:p>
+            <a:r>
+              <a:rPr lang="en-US" dirty="0">
+                <a:solidFill>
+                  <a:schemeClr val="tx1"/>
+                </a:solidFill>
+              </a:rPr>
+              <a:t>Hypothesis</a:t>
+            </a:r>
+          </a:p>
+        </p:txBody>
+      </p:sp>
+    </p:spTree>
+    <p:extLst>
+      <p:ext uri="{BB962C8B-B14F-4D97-AF65-F5344CB8AC3E}">
+        <p14:creationId xmlns:p14="http://schemas.microsoft.com/office/powerpoint/2010/main" val="232024693"/>
+      </p:ext>
+    </p:extLst>
+  </p:cSld>
+  <p:clrMapOvr>
+    <a:masterClrMapping/>
+  </p:clrMapOvr>
+  <mc:AlternateContent xmlns:mc="http://schemas.openxmlformats.org/markup-compatibility/2006" xmlns:p14="http://schemas.microsoft.com/office/powerpoint/2010/main">
+    <mc:Choice Requires="p14">
+      <p:transition spd="med" p14:dur="700">
+        <p:fade/>
+      </p:transition>
+    </mc:Choice>
+    <mc:Fallback xmlns="">
+      <p:transition spd="med">
+        <p:fade/>
+      </p:transition>
+    </mc:Fallback>
+  </mc:AlternateContent>
+</p:sld>
+</file>
+
+<file path=ppt/slides/slide21.xml><?xml version="1.0" encoding="utf-8"?>
+<p:sld xmlns:a="http://schemas.openxmlformats.org/drawingml/2006/main" xmlns:r="http://schemas.openxmlformats.org/officeDocument/2006/relationships" xmlns:p="http://schemas.openxmlformats.org/presentationml/2006/main">
+  <p:cSld>
+    <p:spTree>
+      <p:nvGrpSpPr>
+        <p:cNvPr id="1" name=""/>
+        <p:cNvGrpSpPr/>
+        <p:nvPr/>
+      </p:nvGrpSpPr>
+      <p:grpSpPr>
+        <a:xfrm>
+          <a:off x="0" y="0"/>
+          <a:ext cx="0" cy="0"/>
+          <a:chOff x="0" y="0"/>
+          <a:chExt cx="0" cy="0"/>
+        </a:xfrm>
+      </p:grpSpPr>
+      <p:sp>
+        <p:nvSpPr>
+          <p:cNvPr id="2" name="Title 1"/>
+          <p:cNvSpPr>
+            <a:spLocks noGrp="1"/>
+          </p:cNvSpPr>
+          <p:nvPr>
+            <p:ph type="title"/>
+          </p:nvPr>
+        </p:nvSpPr>
+        <p:spPr/>
+        <p:txBody>
+          <a:bodyPr/>
+          <a:lstStyle/>
+          <a:p>
+            <a:r>
+              <a:rPr lang="en-US" dirty="0"/>
+              <a:t>Analysis</a:t>
+            </a:r>
+          </a:p>
+        </p:txBody>
+      </p:sp>
+      <p:sp>
+        <p:nvSpPr>
+          <p:cNvPr id="3" name="Content Placeholder 2"/>
+          <p:cNvSpPr>
+            <a:spLocks noGrp="1"/>
+          </p:cNvSpPr>
+          <p:nvPr>
+            <p:ph idx="1"/>
+          </p:nvPr>
+        </p:nvSpPr>
+        <p:spPr/>
+        <p:txBody>
+          <a:bodyPr/>
+          <a:lstStyle/>
+          <a:p>
+            <a:r>
+              <a:rPr lang="en-US"/>
+              <a:t>First research point</a:t>
+            </a:r>
+          </a:p>
+          <a:p>
+            <a:r>
+              <a:rPr lang="en-US"/>
+              <a:t>Second research point</a:t>
+            </a:r>
+          </a:p>
+          <a:p>
+            <a:r>
+              <a:rPr lang="en-US"/>
+              <a:t>Third research point</a:t>
+            </a:r>
+            <a:endParaRPr lang="en-US" dirty="0"/>
+          </a:p>
+        </p:txBody>
+      </p:sp>
+    </p:spTree>
+    <p:extLst>
+      <p:ext uri="{BB962C8B-B14F-4D97-AF65-F5344CB8AC3E}">
+        <p14:creationId xmlns:p14="http://schemas.microsoft.com/office/powerpoint/2010/main" val="1918831607"/>
+      </p:ext>
+    </p:extLst>
+  </p:cSld>
+  <p:clrMapOvr>
+    <a:masterClrMapping/>
+  </p:clrMapOvr>
+  <mc:AlternateContent xmlns:mc="http://schemas.openxmlformats.org/markup-compatibility/2006" xmlns:p14="http://schemas.microsoft.com/office/powerpoint/2010/main">
+    <mc:Choice Requires="p14">
+      <p:transition spd="med" p14:dur="700">
+        <p:fade/>
+      </p:transition>
+    </mc:Choice>
+    <mc:Fallback xmlns="">
+      <p:transition spd="med">
+        <p:fade/>
+      </p:transition>
+    </mc:Fallback>
+  </mc:AlternateContent>
+</p:sld>
+</file>
+
+<file path=ppt/slides/slide22.xml><?xml version="1.0" encoding="utf-8"?>
+<p:sld xmlns:a="http://schemas.openxmlformats.org/drawingml/2006/main" xmlns:r="http://schemas.openxmlformats.org/officeDocument/2006/relationships" xmlns:p="http://schemas.openxmlformats.org/presentationml/2006/main">
+  <p:cSld>
+    <p:spTree>
+      <p:nvGrpSpPr>
+        <p:cNvPr id="1" name=""/>
+        <p:cNvGrpSpPr/>
+        <p:nvPr/>
+      </p:nvGrpSpPr>
+      <p:grpSpPr>
+        <a:xfrm>
+          <a:off x="0" y="0"/>
+          <a:ext cx="0" cy="0"/>
+          <a:chOff x="0" y="0"/>
+          <a:chExt cx="0" cy="0"/>
+        </a:xfrm>
+      </p:grpSpPr>
+      <p:sp>
+        <p:nvSpPr>
+          <p:cNvPr id="2" name="Title 1"/>
+          <p:cNvSpPr>
+            <a:spLocks noGrp="1"/>
+          </p:cNvSpPr>
+          <p:nvPr>
+            <p:ph type="title"/>
+          </p:nvPr>
+        </p:nvSpPr>
+        <p:spPr/>
+        <p:txBody>
+          <a:bodyPr/>
+          <a:lstStyle/>
+          <a:p>
+            <a:r>
+              <a:rPr lang="en-US" dirty="0"/>
+              <a:t>Feature Importance</a:t>
+            </a:r>
+          </a:p>
+        </p:txBody>
+      </p:sp>
+      <p:sp>
+        <p:nvSpPr>
+          <p:cNvPr id="3" name="Content Placeholder 2"/>
+          <p:cNvSpPr>
+            <a:spLocks noGrp="1"/>
+          </p:cNvSpPr>
+          <p:nvPr>
+            <p:ph idx="1"/>
+          </p:nvPr>
+        </p:nvSpPr>
+        <p:spPr/>
+        <p:txBody>
+          <a:bodyPr/>
+          <a:lstStyle/>
+          <a:p>
+            <a:r>
+              <a:rPr lang="en-US"/>
+              <a:t>First research point</a:t>
+            </a:r>
+          </a:p>
+          <a:p>
+            <a:r>
+              <a:rPr lang="en-US"/>
+              <a:t>Second research point</a:t>
+            </a:r>
+          </a:p>
+          <a:p>
+            <a:r>
+              <a:rPr lang="en-US"/>
+              <a:t>Third research point</a:t>
+            </a:r>
+            <a:endParaRPr lang="en-US" dirty="0"/>
+          </a:p>
+        </p:txBody>
+      </p:sp>
+    </p:spTree>
+    <p:extLst>
+      <p:ext uri="{BB962C8B-B14F-4D97-AF65-F5344CB8AC3E}">
+        <p14:creationId xmlns:p14="http://schemas.microsoft.com/office/powerpoint/2010/main" val="3778178739"/>
+      </p:ext>
+    </p:extLst>
+  </p:cSld>
+  <p:clrMapOvr>
+    <a:masterClrMapping/>
+  </p:clrMapOvr>
+  <mc:AlternateContent xmlns:mc="http://schemas.openxmlformats.org/markup-compatibility/2006" xmlns:p14="http://schemas.microsoft.com/office/powerpoint/2010/main">
+    <mc:Choice Requires="p14">
+      <p:transition spd="med" p14:dur="700">
+        <p:fade/>
+      </p:transition>
+    </mc:Choice>
+    <mc:Fallback xmlns="">
+      <p:transition spd="med">
+        <p:fade/>
+      </p:transition>
+    </mc:Fallback>
+  </mc:AlternateContent>
+</p:sld>
+</file>
+
+<file path=ppt/slides/slide23.xml><?xml version="1.0" encoding="utf-8"?>
+<p:sld xmlns:a="http://schemas.openxmlformats.org/drawingml/2006/main" xmlns:r="http://schemas.openxmlformats.org/officeDocument/2006/relationships" xmlns:p="http://schemas.openxmlformats.org/presentationml/2006/main">
+  <p:cSld>
+    <p:spTree>
+      <p:nvGrpSpPr>
+        <p:cNvPr id="1" name=""/>
+        <p:cNvGrpSpPr/>
+        <p:nvPr/>
+      </p:nvGrpSpPr>
+      <p:grpSpPr>
+        <a:xfrm>
+          <a:off x="0" y="0"/>
+          <a:ext cx="0" cy="0"/>
+          <a:chOff x="0" y="0"/>
+          <a:chExt cx="0" cy="0"/>
+        </a:xfrm>
+      </p:grpSpPr>
+      <p:sp>
+        <p:nvSpPr>
+          <p:cNvPr id="2" name="Title 1"/>
+          <p:cNvSpPr>
+            <a:spLocks noGrp="1"/>
+          </p:cNvSpPr>
+          <p:nvPr>
+            <p:ph type="title"/>
+          </p:nvPr>
+        </p:nvSpPr>
+        <p:spPr/>
+        <p:txBody>
+          <a:bodyPr/>
+          <a:lstStyle/>
+          <a:p>
+            <a:r>
+              <a:rPr lang="en-US" dirty="0"/>
               <a:t>Conclusion</a:t>
             </a:r>
           </a:p>
@@ -21847,7 +22829,7 @@
 </p:sld>
 </file>
 
-<file path=ppt/slides/slide21.xml><?xml version="1.0" encoding="utf-8"?>
+<file path=ppt/slides/slide24.xml><?xml version="1.0" encoding="utf-8"?>
 <p:sld xmlns:a="http://schemas.openxmlformats.org/drawingml/2006/main" xmlns:r="http://schemas.openxmlformats.org/officeDocument/2006/relationships" xmlns:p="http://schemas.openxmlformats.org/presentationml/2006/main" show="0">
   <p:cSld>
     <p:spTree>
@@ -22242,7 +23224,7 @@
 </p:sld>
 </file>
 
-<file path=ppt/slides/slide22.xml><?xml version="1.0" encoding="utf-8"?>
+<file path=ppt/slides/slide25.xml><?xml version="1.0" encoding="utf-8"?>
 <p:sld xmlns:a="http://schemas.openxmlformats.org/drawingml/2006/main" xmlns:r="http://schemas.openxmlformats.org/officeDocument/2006/relationships" xmlns:p="http://schemas.openxmlformats.org/presentationml/2006/main" show="0">
   <p:cSld>
     <p:spTree>
@@ -22327,7 +23309,7 @@
 </p:sld>
 </file>
 
-<file path=ppt/slides/slide23.xml><?xml version="1.0" encoding="utf-8"?>
+<file path=ppt/slides/slide26.xml><?xml version="1.0" encoding="utf-8"?>
 <p:sld xmlns:a="http://schemas.openxmlformats.org/drawingml/2006/main" xmlns:r="http://schemas.openxmlformats.org/officeDocument/2006/relationships" xmlns:p="http://schemas.openxmlformats.org/presentationml/2006/main">
   <p:cSld>
     <p:spTree>
@@ -22440,7 +23422,7 @@
 </p:sld>
 </file>
 
-<file path=ppt/slides/slide24.xml><?xml version="1.0" encoding="utf-8"?>
+<file path=ppt/slides/slide27.xml><?xml version="1.0" encoding="utf-8"?>
 <p:sld xmlns:a="http://schemas.openxmlformats.org/drawingml/2006/main" xmlns:r="http://schemas.openxmlformats.org/officeDocument/2006/relationships" xmlns:p="http://schemas.openxmlformats.org/presentationml/2006/main">
   <p:cSld>
     <p:spTree>
@@ -22702,58 +23684,41 @@
           <a:p>
             <a:r>
               <a:rPr lang="en-US" dirty="0"/>
-              <a:t>Issues with Data</a:t>
+              <a:t>Example Data</a:t>
             </a:r>
           </a:p>
         </p:txBody>
       </p:sp>
-      <p:sp>
-        <p:nvSpPr>
-          <p:cNvPr id="3" name="Content Placeholder 2"/>
-          <p:cNvSpPr>
-            <a:spLocks noGrp="1"/>
-          </p:cNvSpPr>
+      <p:pic>
+        <p:nvPicPr>
+          <p:cNvPr id="4" name="Content Placeholder 3"/>
+          <p:cNvPicPr>
+            <a:picLocks noGrp="1" noChangeAspect="1"/>
+          </p:cNvPicPr>
           <p:nvPr>
             <p:ph idx="1"/>
           </p:nvPr>
-        </p:nvSpPr>
-        <p:spPr/>
-        <p:txBody>
-          <a:bodyPr/>
-          <a:lstStyle/>
-          <a:p>
-            <a:r>
-              <a:rPr lang="en-GB" dirty="0"/>
-              <a:t>Created a passing grade column (0,1) to depict if the student had passed or failed. </a:t>
-            </a:r>
-          </a:p>
-          <a:p>
-            <a:r>
-              <a:rPr lang="en-US" b="1" dirty="0"/>
-              <a:t>17%</a:t>
-            </a:r>
-            <a:r>
-              <a:rPr lang="en-US" dirty="0"/>
-              <a:t> of our data contains students that failed. This is an important step because if the proportion was smaller than 15%, it would be considered a </a:t>
-            </a:r>
-            <a:r>
-              <a:rPr lang="en-US" b="1" dirty="0"/>
-              <a:t>rare event</a:t>
-            </a:r>
-            <a:r>
-              <a:rPr lang="en-US" dirty="0"/>
-              <a:t> and would be more challenging to model.</a:t>
-            </a:r>
-          </a:p>
-          <a:p>
-            <a:endParaRPr lang="en-US" dirty="0"/>
-          </a:p>
-        </p:txBody>
-      </p:sp>
+        </p:nvPicPr>
+        <p:blipFill>
+          <a:blip r:embed="rId3"/>
+          <a:stretch>
+            <a:fillRect/>
+          </a:stretch>
+        </p:blipFill>
+        <p:spPr>
+          <a:xfrm>
+            <a:off x="6175514" y="1758043"/>
+            <a:ext cx="4949686" cy="4457700"/>
+          </a:xfrm>
+          <a:prstGeom prst="rect">
+            <a:avLst/>
+          </a:prstGeom>
+        </p:spPr>
+      </p:pic>
     </p:spTree>
     <p:extLst>
       <p:ext uri="{BB962C8B-B14F-4D97-AF65-F5344CB8AC3E}">
-        <p14:creationId xmlns:p14="http://schemas.microsoft.com/office/powerpoint/2010/main" val="3223397334"/>
+        <p14:creationId xmlns:p14="http://schemas.microsoft.com/office/powerpoint/2010/main" val="544878906"/>
       </p:ext>
     </p:extLst>
   </p:cSld>
@@ -22837,15 +23802,16 @@
           <a:p>
             <a:r>
               <a:rPr lang="en-GB" dirty="0"/>
-              <a:t>For this experiment, I‘ll be using the final Grade (G3) and will determine the impact of alcohol usage on Final Grade scores.</a:t>
-            </a:r>
-          </a:p>
-          <a:p>
+              <a:t>Created a P/F variable based on </a:t>
+            </a:r>
+            <a:r>
+              <a:rPr lang="en-GB" dirty="0" err="1"/>
+              <a:t>psssing</a:t>
+            </a:r>
             <a:r>
               <a:rPr lang="en-GB" dirty="0"/>
-              <a:t>I also created a pass/fail variable to use in variable importance.</a:t>
-            </a:r>
-            <a:endParaRPr lang="en-US" dirty="0"/>
+              <a:t> mark for Schools in Portugal ( Exams are scaled on 0-20 with a pass mark of 9.</a:t>
+            </a:r>
           </a:p>
         </p:txBody>
       </p:sp>
@@ -22908,41 +23874,49 @@
           <a:p>
             <a:r>
               <a:rPr lang="en-US" dirty="0"/>
-              <a:t>Example Data</a:t>
+              <a:t>Exploratory Data Analysis</a:t>
             </a:r>
           </a:p>
         </p:txBody>
       </p:sp>
-      <p:pic>
-        <p:nvPicPr>
-          <p:cNvPr id="4" name="Content Placeholder 3"/>
-          <p:cNvPicPr>
-            <a:picLocks noGrp="1" noChangeAspect="1"/>
-          </p:cNvPicPr>
+      <p:sp>
+        <p:nvSpPr>
+          <p:cNvPr id="3" name="Content Placeholder 2"/>
+          <p:cNvSpPr>
+            <a:spLocks noGrp="1"/>
+          </p:cNvSpPr>
           <p:nvPr>
             <p:ph idx="1"/>
           </p:nvPr>
-        </p:nvPicPr>
-        <p:blipFill>
-          <a:blip r:embed="rId3"/>
-          <a:stretch>
-            <a:fillRect/>
-          </a:stretch>
-        </p:blipFill>
-        <p:spPr>
-          <a:xfrm>
-            <a:off x="6175514" y="1758043"/>
-            <a:ext cx="4949686" cy="4457700"/>
-          </a:xfrm>
-          <a:prstGeom prst="rect">
-            <a:avLst/>
-          </a:prstGeom>
-        </p:spPr>
-      </p:pic>
+        </p:nvSpPr>
+        <p:spPr/>
+        <p:txBody>
+          <a:bodyPr/>
+          <a:lstStyle/>
+          <a:p>
+            <a:r>
+              <a:rPr lang="en-US" dirty="0"/>
+              <a:t>No missing values and data from both files had to be merged on common fields.</a:t>
+            </a:r>
+          </a:p>
+          <a:p>
+            <a:r>
+              <a:rPr lang="en-GB" dirty="0"/>
+              <a:t>Used ggplot2 and plot (stats) to examine central tendency and distribution of continuous variables (G3).</a:t>
+            </a:r>
+          </a:p>
+          <a:p>
+            <a:r>
+              <a:rPr lang="en-US" dirty="0"/>
+              <a:t>Each category was converted into a separate binary variable with a value of either 1 or 0. This increased the number of variables from 32 to 53.</a:t>
+            </a:r>
+          </a:p>
+        </p:txBody>
+      </p:sp>
     </p:spTree>
     <p:extLst>
       <p:ext uri="{BB962C8B-B14F-4D97-AF65-F5344CB8AC3E}">
-        <p14:creationId xmlns:p14="http://schemas.microsoft.com/office/powerpoint/2010/main" val="544878906"/>
+        <p14:creationId xmlns:p14="http://schemas.microsoft.com/office/powerpoint/2010/main" val="2368093945"/>
       </p:ext>
     </p:extLst>
   </p:cSld>
@@ -22998,49 +23972,120 @@
           <a:p>
             <a:r>
               <a:rPr lang="en-US" dirty="0"/>
-              <a:t>Exploratory Data Analysis</a:t>
+              <a:t>Testing correlation</a:t>
             </a:r>
           </a:p>
         </p:txBody>
       </p:sp>
-      <p:sp>
-        <p:nvSpPr>
-          <p:cNvPr id="3" name="Content Placeholder 2"/>
-          <p:cNvSpPr>
-            <a:spLocks noGrp="1"/>
-          </p:cNvSpPr>
+      <p:pic>
+        <p:nvPicPr>
+          <p:cNvPr id="4" name="Content Placeholder 3"/>
+          <p:cNvPicPr>
+            <a:picLocks noGrp="1" noChangeAspect="1"/>
+          </p:cNvPicPr>
           <p:nvPr>
             <p:ph idx="1"/>
           </p:nvPr>
+        </p:nvPicPr>
+        <p:blipFill>
+          <a:blip r:embed="rId3">
+            <a:extLst>
+              <a:ext uri="{28A0092B-C50C-407E-A947-70E740481C1C}">
+                <a14:useLocalDpi xmlns:a14="http://schemas.microsoft.com/office/drawing/2010/main" val="0"/>
+              </a:ext>
+            </a:extLst>
+          </a:blip>
+          <a:stretch>
+            <a:fillRect/>
+          </a:stretch>
+        </p:blipFill>
+        <p:spPr>
+          <a:xfrm>
+            <a:off x="6992812" y="1549609"/>
+            <a:ext cx="4966940" cy="4457700"/>
+          </a:xfrm>
+        </p:spPr>
+      </p:pic>
+      <p:sp>
+        <p:nvSpPr>
+          <p:cNvPr id="5" name="TextBox 4"/>
+          <p:cNvSpPr txBox="1"/>
+          <p:nvPr/>
         </p:nvSpPr>
-        <p:spPr/>
+        <p:spPr>
+          <a:xfrm>
+            <a:off x="479685" y="2330970"/>
+            <a:ext cx="6093502" cy="2031325"/>
+          </a:xfrm>
+          <a:prstGeom prst="rect">
+            <a:avLst/>
+          </a:prstGeom>
+          <a:noFill/>
+        </p:spPr>
         <p:txBody>
-          <a:bodyPr/>
+          <a:bodyPr wrap="square" rtlCol="0">
+            <a:spAutoFit/>
+          </a:bodyPr>
           <a:lstStyle/>
           <a:p>
             <a:r>
-              <a:rPr lang="en-US" dirty="0"/>
-              <a:t>No missing values and data from both files had to be merged on common fields.</a:t>
-            </a:r>
-          </a:p>
-          <a:p>
-            <a:r>
               <a:rPr lang="en-GB" dirty="0"/>
-              <a:t>Used ggplot2 and plot (stats) to examine central tendency and distribution of continuous variables (G3).</a:t>
-            </a:r>
-          </a:p>
-          <a:p>
-            <a:r>
-              <a:rPr lang="en-US" dirty="0"/>
-              <a:t>Each category was converted into a separate binary variable with a value of either 1 or 0. This increased the number of variables from 33 to 42.</a:t>
-            </a:r>
+              <a:t>Strong correlation between;</a:t>
+            </a:r>
+          </a:p>
+          <a:p>
+            <a:r>
+              <a:rPr lang="en-GB" dirty="0"/>
+              <a:t>1) G3/failures</a:t>
+            </a:r>
+          </a:p>
+          <a:p>
+            <a:r>
+              <a:rPr lang="en-GB" dirty="0"/>
+              <a:t>2) failures/pass</a:t>
+            </a:r>
+          </a:p>
+          <a:p>
+            <a:r>
+              <a:rPr lang="en-GB" dirty="0"/>
+              <a:t>3) </a:t>
+            </a:r>
+            <a:r>
+              <a:rPr lang="en-GB" dirty="0" err="1"/>
+              <a:t>Walc</a:t>
+            </a:r>
+            <a:r>
+              <a:rPr lang="en-GB" dirty="0"/>
+              <a:t>/</a:t>
+            </a:r>
+            <a:r>
+              <a:rPr lang="en-GB" dirty="0" err="1"/>
+              <a:t>Dalc</a:t>
+            </a:r>
+            <a:endParaRPr lang="en-GB" dirty="0"/>
+          </a:p>
+          <a:p>
+            <a:r>
+              <a:rPr lang="en-GB" dirty="0"/>
+              <a:t>4) age/failure</a:t>
+            </a:r>
+          </a:p>
+          <a:p>
+            <a:endParaRPr lang="en-GB" dirty="0"/>
+          </a:p>
+          <a:p>
+            <a:r>
+              <a:rPr lang="en-GB" dirty="0"/>
+              <a:t>This shows that failure is a candidate for removal. </a:t>
+            </a:r>
+            <a:endParaRPr lang="en-US" dirty="0"/>
           </a:p>
         </p:txBody>
       </p:sp>
     </p:spTree>
     <p:extLst>
       <p:ext uri="{BB962C8B-B14F-4D97-AF65-F5344CB8AC3E}">
-        <p14:creationId xmlns:p14="http://schemas.microsoft.com/office/powerpoint/2010/main" val="2368093945"/>
+        <p14:creationId xmlns:p14="http://schemas.microsoft.com/office/powerpoint/2010/main" val="2269964818"/>
       </p:ext>
     </p:extLst>
   </p:cSld>

--- a/Student Alcohol Consumption Data Science Project.pptx
+++ b/Student Alcohol Consumption Data Science Project.pptx
@@ -29,16 +29,16 @@
     <p:sldId id="282" r:id="rId17"/>
     <p:sldId id="287" r:id="rId18"/>
     <p:sldId id="286" r:id="rId19"/>
-    <p:sldId id="263" r:id="rId20"/>
-    <p:sldId id="260" r:id="rId21"/>
-    <p:sldId id="273" r:id="rId22"/>
-    <p:sldId id="274" r:id="rId23"/>
-    <p:sldId id="275" r:id="rId24"/>
-    <p:sldId id="265" r:id="rId25"/>
-    <p:sldId id="262" r:id="rId26"/>
-    <p:sldId id="272" r:id="rId27"/>
-    <p:sldId id="264" r:id="rId28"/>
-    <p:sldId id="266" r:id="rId29"/>
+    <p:sldId id="265" r:id="rId20"/>
+    <p:sldId id="266" r:id="rId21"/>
+    <p:sldId id="263" r:id="rId22"/>
+    <p:sldId id="260" r:id="rId23"/>
+    <p:sldId id="273" r:id="rId24"/>
+    <p:sldId id="274" r:id="rId25"/>
+    <p:sldId id="275" r:id="rId26"/>
+    <p:sldId id="262" r:id="rId27"/>
+    <p:sldId id="272" r:id="rId28"/>
+    <p:sldId id="264" r:id="rId29"/>
   </p:sldIdLst>
   <p:sldSz cx="12192000" cy="6858000"/>
   <p:notesSz cx="6858000" cy="9144000"/>
@@ -3893,33 +3893,33 @@
     </dgm:pt>
   </dgm:ptLst>
   <dgm:cxnLst>
-    <dgm:cxn modelId="{3F4BEE9E-8D26-4AD2-ADA0-D76B4E28C08E}" type="presOf" srcId="{981C2CD8-7E8A-4682-8B5A-A510268B34AC}" destId="{C084451C-3DBC-48CF-A871-B521FE90830A}" srcOrd="0" destOrd="0" presId="urn:microsoft.com/office/officeart/2005/8/layout/process3"/>
+    <dgm:cxn modelId="{93006ACD-B004-4B1F-B0D0-6C85222A28DE}" type="presOf" srcId="{EB5FE175-6B6D-4195-A86F-6DFA96778160}" destId="{ADE18D45-E3E4-4C40-8D6C-3AC62ACE8299}" srcOrd="1" destOrd="0" presId="urn:microsoft.com/office/officeart/2005/8/layout/process3"/>
     <dgm:cxn modelId="{F188FC37-C998-4CDB-85A2-EBB389808248}" type="presOf" srcId="{981C2CD8-7E8A-4682-8B5A-A510268B34AC}" destId="{B29D4F23-83F6-4C7C-9B29-72BF90EFE2CC}" srcOrd="1" destOrd="0" presId="urn:microsoft.com/office/officeart/2005/8/layout/process3"/>
+    <dgm:cxn modelId="{9197A1EF-40BA-4A00-90BC-61CBC94FE8A7}" type="presOf" srcId="{3C06DC45-D510-48CC-B9DC-C19564791119}" destId="{9AFA4903-C1AC-4872-B8FC-33B461DA35FC}" srcOrd="0" destOrd="0" presId="urn:microsoft.com/office/officeart/2005/8/layout/process3"/>
+    <dgm:cxn modelId="{63D5015B-3865-4A4B-AEB1-FBEF0DE71B9A}" srcId="{CADE50C9-6A62-45AC-AF42-A90DC46A3209}" destId="{DC2DF88C-35A0-4E30-A3E4-E002DC34F521}" srcOrd="2" destOrd="0" parTransId="{9BB88C43-2261-4EC7-A70D-463964685938}" sibTransId="{4DFC88DE-E0F0-4976-9B83-58EADA7CE300}"/>
+    <dgm:cxn modelId="{654B2758-BB63-4A67-9FA8-BFB78F357825}" type="presOf" srcId="{DC2DF88C-35A0-4E30-A3E4-E002DC34F521}" destId="{D297B747-A2CF-41E4-A59D-391BC474F135}" srcOrd="0" destOrd="0" presId="urn:microsoft.com/office/officeart/2005/8/layout/process3"/>
     <dgm:cxn modelId="{C0883AEA-830B-4AD2-96BF-9E39D8362AB2}" type="presOf" srcId="{DC2DF88C-35A0-4E30-A3E4-E002DC34F521}" destId="{ABF185BD-956E-4777-8763-980278E426BB}" srcOrd="1" destOrd="0" presId="urn:microsoft.com/office/officeart/2005/8/layout/process3"/>
     <dgm:cxn modelId="{B2733D3B-E352-4F5C-889A-1B9ECD5F8F60}" type="presOf" srcId="{EB5FE175-6B6D-4195-A86F-6DFA96778160}" destId="{B4B2D37A-6F50-4E0F-B305-9EB4D512D773}" srcOrd="0" destOrd="0" presId="urn:microsoft.com/office/officeart/2005/8/layout/process3"/>
+    <dgm:cxn modelId="{5BDE1DA6-E08E-43FF-BCA1-46EC3454F22A}" type="presOf" srcId="{5F712884-449D-4DB5-9953-28B7C76B95EA}" destId="{EF3A946E-96B3-4628-91EB-8B0A2A37DDB1}" srcOrd="0" destOrd="0" presId="urn:microsoft.com/office/officeart/2005/8/layout/process3"/>
+    <dgm:cxn modelId="{7C7C1ACA-D121-4A09-BFF4-2A57A30D871A}" type="presOf" srcId="{D7467A3A-2B78-4CDD-91C9-D96452997227}" destId="{84DC82A2-8D59-472B-BE22-46F053C16CD5}" srcOrd="0" destOrd="0" presId="urn:microsoft.com/office/officeart/2005/8/layout/process3"/>
+    <dgm:cxn modelId="{D998B319-C072-4BF0-B5CB-2075DB30B691}" srcId="{DC2DF88C-35A0-4E30-A3E4-E002DC34F521}" destId="{DF9FD532-8B13-446E-B6A3-59BDF574BCA8}" srcOrd="0" destOrd="0" parTransId="{3A79FA23-5F3F-4F7D-B4AC-A9C282166E18}" sibTransId="{31B32A6E-6E91-4EAA-96F6-92A0035B120A}"/>
+    <dgm:cxn modelId="{AABA8D8C-E800-4FDC-8C5F-A5D82041D563}" type="presOf" srcId="{CF1FE966-0BB0-47ED-84B3-EC7AB055925F}" destId="{032BAEB6-0FB1-4780-AF60-2EFB8C965C77}" srcOrd="0" destOrd="0" presId="urn:microsoft.com/office/officeart/2005/8/layout/process3"/>
     <dgm:cxn modelId="{D95BF8C4-EEA0-4AAE-8693-AFAC7500B286}" srcId="{CADE50C9-6A62-45AC-AF42-A90DC46A3209}" destId="{981C2CD8-7E8A-4682-8B5A-A510268B34AC}" srcOrd="1" destOrd="0" parTransId="{1185AE54-EDEE-4D55-93F6-F7D354ED7C11}" sibTransId="{D7467A3A-2B78-4CDD-91C9-D96452997227}"/>
+    <dgm:cxn modelId="{5BBBD0A9-97DA-480E-AD44-1947C76CE5E6}" srcId="{CADE50C9-6A62-45AC-AF42-A90DC46A3209}" destId="{5F712884-449D-4DB5-9953-28B7C76B95EA}" srcOrd="0" destOrd="0" parTransId="{959B81DB-0329-4043-A334-D05EB5160B66}" sibTransId="{EB5FE175-6B6D-4195-A86F-6DFA96778160}"/>
+    <dgm:cxn modelId="{2A4D48E1-6639-4AC8-ABBF-C8A0D045AFB7}" srcId="{F5961DD5-682B-4D21-A827-30C64679BB5F}" destId="{72DB7378-4256-4528-8672-DEEF82828E57}" srcOrd="0" destOrd="0" parTransId="{97CEFC59-E261-4652-BC13-D71B45B5EC50}" sibTransId="{D0054105-F7A3-4CAE-89E2-0979360A932C}"/>
+    <dgm:cxn modelId="{7A81218D-5146-40F9-9731-5BD21503537E}" srcId="{981C2CD8-7E8A-4682-8B5A-A510268B34AC}" destId="{CF1FE966-0BB0-47ED-84B3-EC7AB055925F}" srcOrd="0" destOrd="0" parTransId="{FB956851-3BB2-4FF1-A9D6-4692FA0EFDCA}" sibTransId="{831C3CE2-0F23-433C-85CA-9D194AAC5E20}"/>
     <dgm:cxn modelId="{6C7842C7-2928-4666-A7BA-454C6506C36C}" type="presOf" srcId="{4DFC88DE-E0F0-4976-9B83-58EADA7CE300}" destId="{7E8F3DD0-4BD8-4C40-B882-1E8B5E423D90}" srcOrd="1" destOrd="0" presId="urn:microsoft.com/office/officeart/2005/8/layout/process3"/>
-    <dgm:cxn modelId="{7A81218D-5146-40F9-9731-5BD21503537E}" srcId="{981C2CD8-7E8A-4682-8B5A-A510268B34AC}" destId="{CF1FE966-0BB0-47ED-84B3-EC7AB055925F}" srcOrd="0" destOrd="0" parTransId="{FB956851-3BB2-4FF1-A9D6-4692FA0EFDCA}" sibTransId="{831C3CE2-0F23-433C-85CA-9D194AAC5E20}"/>
+    <dgm:cxn modelId="{55246683-0A80-455D-B6B5-2B2736293CF2}" srcId="{5F712884-449D-4DB5-9953-28B7C76B95EA}" destId="{3C06DC45-D510-48CC-B9DC-C19564791119}" srcOrd="0" destOrd="0" parTransId="{65F5C7C6-EB25-442A-AB0B-B47F97609474}" sibTransId="{D1AB7263-DC38-4830-9C45-C1403EA8E20B}"/>
+    <dgm:cxn modelId="{461E3B8D-CDD4-4E38-A9CC-325E95F35F5C}" type="presOf" srcId="{72DB7378-4256-4528-8672-DEEF82828E57}" destId="{893E387F-15C0-4F86-BCD4-13F52E420B46}" srcOrd="0" destOrd="0" presId="urn:microsoft.com/office/officeart/2005/8/layout/process3"/>
+    <dgm:cxn modelId="{7A63044C-EE1D-4724-9059-4496B4425527}" type="presOf" srcId="{F5961DD5-682B-4D21-A827-30C64679BB5F}" destId="{4858D85A-2D02-42C7-A50A-A4E78D4F073F}" srcOrd="0" destOrd="0" presId="urn:microsoft.com/office/officeart/2005/8/layout/process3"/>
+    <dgm:cxn modelId="{BB6865B8-A688-4FC4-AFAA-E66324174F02}" type="presOf" srcId="{5F712884-449D-4DB5-9953-28B7C76B95EA}" destId="{E252839F-D941-4E3B-BA68-AC653DAEAE4C}" srcOrd="1" destOrd="0" presId="urn:microsoft.com/office/officeart/2005/8/layout/process3"/>
+    <dgm:cxn modelId="{73708078-FDBA-43F4-96AB-FB14C4C2602F}" srcId="{CADE50C9-6A62-45AC-AF42-A90DC46A3209}" destId="{F5961DD5-682B-4D21-A827-30C64679BB5F}" srcOrd="3" destOrd="0" parTransId="{75D73089-01C8-4BC0-90ED-CA9D1B8E3ADF}" sibTransId="{CA7ED3B0-10D1-4E2F-8BA0-8D58C22A94D0}"/>
+    <dgm:cxn modelId="{37CFE086-8264-4424-B1D0-18A97A56AF66}" type="presOf" srcId="{4DFC88DE-E0F0-4976-9B83-58EADA7CE300}" destId="{14AD0DAF-92D3-400A-A4E0-170D0AF84100}" srcOrd="0" destOrd="0" presId="urn:microsoft.com/office/officeart/2005/8/layout/process3"/>
+    <dgm:cxn modelId="{A5C9FCE5-8766-426B-B5BE-B83931DD52CA}" type="presOf" srcId="{D7467A3A-2B78-4CDD-91C9-D96452997227}" destId="{E38B4FCE-9678-4085-AB99-40595BD6EB1C}" srcOrd="1" destOrd="0" presId="urn:microsoft.com/office/officeart/2005/8/layout/process3"/>
+    <dgm:cxn modelId="{3F4BEE9E-8D26-4AD2-ADA0-D76B4E28C08E}" type="presOf" srcId="{981C2CD8-7E8A-4682-8B5A-A510268B34AC}" destId="{C084451C-3DBC-48CF-A871-B521FE90830A}" srcOrd="0" destOrd="0" presId="urn:microsoft.com/office/officeart/2005/8/layout/process3"/>
     <dgm:cxn modelId="{47BAA679-3D6E-4A1A-91AA-9E404EE6A4CB}" type="presOf" srcId="{F5961DD5-682B-4D21-A827-30C64679BB5F}" destId="{D685B160-AC57-41A0-95FE-636A4391B913}" srcOrd="1" destOrd="0" presId="urn:microsoft.com/office/officeart/2005/8/layout/process3"/>
-    <dgm:cxn modelId="{AABA8D8C-E800-4FDC-8C5F-A5D82041D563}" type="presOf" srcId="{CF1FE966-0BB0-47ED-84B3-EC7AB055925F}" destId="{032BAEB6-0FB1-4780-AF60-2EFB8C965C77}" srcOrd="0" destOrd="0" presId="urn:microsoft.com/office/officeart/2005/8/layout/process3"/>
-    <dgm:cxn modelId="{A5C9FCE5-8766-426B-B5BE-B83931DD52CA}" type="presOf" srcId="{D7467A3A-2B78-4CDD-91C9-D96452997227}" destId="{E38B4FCE-9678-4085-AB99-40595BD6EB1C}" srcOrd="1" destOrd="0" presId="urn:microsoft.com/office/officeart/2005/8/layout/process3"/>
-    <dgm:cxn modelId="{7C7C1ACA-D121-4A09-BFF4-2A57A30D871A}" type="presOf" srcId="{D7467A3A-2B78-4CDD-91C9-D96452997227}" destId="{84DC82A2-8D59-472B-BE22-46F053C16CD5}" srcOrd="0" destOrd="0" presId="urn:microsoft.com/office/officeart/2005/8/layout/process3"/>
-    <dgm:cxn modelId="{461E3B8D-CDD4-4E38-A9CC-325E95F35F5C}" type="presOf" srcId="{72DB7378-4256-4528-8672-DEEF82828E57}" destId="{893E387F-15C0-4F86-BCD4-13F52E420B46}" srcOrd="0" destOrd="0" presId="urn:microsoft.com/office/officeart/2005/8/layout/process3"/>
-    <dgm:cxn modelId="{93006ACD-B004-4B1F-B0D0-6C85222A28DE}" type="presOf" srcId="{EB5FE175-6B6D-4195-A86F-6DFA96778160}" destId="{ADE18D45-E3E4-4C40-8D6C-3AC62ACE8299}" srcOrd="1" destOrd="0" presId="urn:microsoft.com/office/officeart/2005/8/layout/process3"/>
-    <dgm:cxn modelId="{37CFE086-8264-4424-B1D0-18A97A56AF66}" type="presOf" srcId="{4DFC88DE-E0F0-4976-9B83-58EADA7CE300}" destId="{14AD0DAF-92D3-400A-A4E0-170D0AF84100}" srcOrd="0" destOrd="0" presId="urn:microsoft.com/office/officeart/2005/8/layout/process3"/>
-    <dgm:cxn modelId="{7A63044C-EE1D-4724-9059-4496B4425527}" type="presOf" srcId="{F5961DD5-682B-4D21-A827-30C64679BB5F}" destId="{4858D85A-2D02-42C7-A50A-A4E78D4F073F}" srcOrd="0" destOrd="0" presId="urn:microsoft.com/office/officeart/2005/8/layout/process3"/>
-    <dgm:cxn modelId="{2A4D48E1-6639-4AC8-ABBF-C8A0D045AFB7}" srcId="{F5961DD5-682B-4D21-A827-30C64679BB5F}" destId="{72DB7378-4256-4528-8672-DEEF82828E57}" srcOrd="0" destOrd="0" parTransId="{97CEFC59-E261-4652-BC13-D71B45B5EC50}" sibTransId="{D0054105-F7A3-4CAE-89E2-0979360A932C}"/>
-    <dgm:cxn modelId="{D998B319-C072-4BF0-B5CB-2075DB30B691}" srcId="{DC2DF88C-35A0-4E30-A3E4-E002DC34F521}" destId="{DF9FD532-8B13-446E-B6A3-59BDF574BCA8}" srcOrd="0" destOrd="0" parTransId="{3A79FA23-5F3F-4F7D-B4AC-A9C282166E18}" sibTransId="{31B32A6E-6E91-4EAA-96F6-92A0035B120A}"/>
-    <dgm:cxn modelId="{654B2758-BB63-4A67-9FA8-BFB78F357825}" type="presOf" srcId="{DC2DF88C-35A0-4E30-A3E4-E002DC34F521}" destId="{D297B747-A2CF-41E4-A59D-391BC474F135}" srcOrd="0" destOrd="0" presId="urn:microsoft.com/office/officeart/2005/8/layout/process3"/>
+    <dgm:cxn modelId="{AF250757-46ED-49A3-A2B4-276D1B47F666}" type="presOf" srcId="{CADE50C9-6A62-45AC-AF42-A90DC46A3209}" destId="{FDB6D5C0-0ED5-4B9D-9E48-126ED2C433C3}" srcOrd="0" destOrd="0" presId="urn:microsoft.com/office/officeart/2005/8/layout/process3"/>
     <dgm:cxn modelId="{762AB07F-C728-41D8-9B57-DB011D1EC3F0}" type="presOf" srcId="{DF9FD532-8B13-446E-B6A3-59BDF574BCA8}" destId="{1526152F-906E-4121-A143-DD130A011105}" srcOrd="0" destOrd="0" presId="urn:microsoft.com/office/officeart/2005/8/layout/process3"/>
-    <dgm:cxn modelId="{55246683-0A80-455D-B6B5-2B2736293CF2}" srcId="{5F712884-449D-4DB5-9953-28B7C76B95EA}" destId="{3C06DC45-D510-48CC-B9DC-C19564791119}" srcOrd="0" destOrd="0" parTransId="{65F5C7C6-EB25-442A-AB0B-B47F97609474}" sibTransId="{D1AB7263-DC38-4830-9C45-C1403EA8E20B}"/>
-    <dgm:cxn modelId="{5BBBD0A9-97DA-480E-AD44-1947C76CE5E6}" srcId="{CADE50C9-6A62-45AC-AF42-A90DC46A3209}" destId="{5F712884-449D-4DB5-9953-28B7C76B95EA}" srcOrd="0" destOrd="0" parTransId="{959B81DB-0329-4043-A334-D05EB5160B66}" sibTransId="{EB5FE175-6B6D-4195-A86F-6DFA96778160}"/>
-    <dgm:cxn modelId="{5BDE1DA6-E08E-43FF-BCA1-46EC3454F22A}" type="presOf" srcId="{5F712884-449D-4DB5-9953-28B7C76B95EA}" destId="{EF3A946E-96B3-4628-91EB-8B0A2A37DDB1}" srcOrd="0" destOrd="0" presId="urn:microsoft.com/office/officeart/2005/8/layout/process3"/>
-    <dgm:cxn modelId="{9197A1EF-40BA-4A00-90BC-61CBC94FE8A7}" type="presOf" srcId="{3C06DC45-D510-48CC-B9DC-C19564791119}" destId="{9AFA4903-C1AC-4872-B8FC-33B461DA35FC}" srcOrd="0" destOrd="0" presId="urn:microsoft.com/office/officeart/2005/8/layout/process3"/>
-    <dgm:cxn modelId="{63D5015B-3865-4A4B-AEB1-FBEF0DE71B9A}" srcId="{CADE50C9-6A62-45AC-AF42-A90DC46A3209}" destId="{DC2DF88C-35A0-4E30-A3E4-E002DC34F521}" srcOrd="2" destOrd="0" parTransId="{9BB88C43-2261-4EC7-A70D-463964685938}" sibTransId="{4DFC88DE-E0F0-4976-9B83-58EADA7CE300}"/>
-    <dgm:cxn modelId="{73708078-FDBA-43F4-96AB-FB14C4C2602F}" srcId="{CADE50C9-6A62-45AC-AF42-A90DC46A3209}" destId="{F5961DD5-682B-4D21-A827-30C64679BB5F}" srcOrd="3" destOrd="0" parTransId="{75D73089-01C8-4BC0-90ED-CA9D1B8E3ADF}" sibTransId="{CA7ED3B0-10D1-4E2F-8BA0-8D58C22A94D0}"/>
-    <dgm:cxn modelId="{BB6865B8-A688-4FC4-AFAA-E66324174F02}" type="presOf" srcId="{5F712884-449D-4DB5-9953-28B7C76B95EA}" destId="{E252839F-D941-4E3B-BA68-AC653DAEAE4C}" srcOrd="1" destOrd="0" presId="urn:microsoft.com/office/officeart/2005/8/layout/process3"/>
-    <dgm:cxn modelId="{AF250757-46ED-49A3-A2B4-276D1B47F666}" type="presOf" srcId="{CADE50C9-6A62-45AC-AF42-A90DC46A3209}" destId="{FDB6D5C0-0ED5-4B9D-9E48-126ED2C433C3}" srcOrd="0" destOrd="0" presId="urn:microsoft.com/office/officeart/2005/8/layout/process3"/>
     <dgm:cxn modelId="{2B1E6CD2-9E99-4BF4-91F4-6569897959CC}" type="presParOf" srcId="{FDB6D5C0-0ED5-4B9D-9E48-126ED2C433C3}" destId="{CFDB6B04-AAD5-42A2-8A40-C0EC4077F01E}" srcOrd="0" destOrd="0" presId="urn:microsoft.com/office/officeart/2005/8/layout/process3"/>
     <dgm:cxn modelId="{1E36B744-698A-4110-8366-45A5C14FAB2F}" type="presParOf" srcId="{CFDB6B04-AAD5-42A2-8A40-C0EC4077F01E}" destId="{EF3A946E-96B3-4628-91EB-8B0A2A37DDB1}" srcOrd="0" destOrd="0" presId="urn:microsoft.com/office/officeart/2005/8/layout/process3"/>
     <dgm:cxn modelId="{A8E72DFA-2E76-423D-B051-4B4AE1F43988}" type="presParOf" srcId="{CFDB6B04-AAD5-42A2-8A40-C0EC4077F01E}" destId="{E252839F-D941-4E3B-BA68-AC653DAEAE4C}" srcOrd="1" destOrd="0" presId="urn:microsoft.com/office/officeart/2005/8/layout/process3"/>
@@ -4820,33 +4820,33 @@
     </dgm:pt>
   </dgm:ptLst>
   <dgm:cxnLst>
+    <dgm:cxn modelId="{3F4BEE9E-8D26-4AD2-ADA0-D76B4E28C08E}" type="presOf" srcId="{981C2CD8-7E8A-4682-8B5A-A510268B34AC}" destId="{C084451C-3DBC-48CF-A871-B521FE90830A}" srcOrd="0" destOrd="0" presId="urn:microsoft.com/office/officeart/2005/8/layout/process3"/>
+    <dgm:cxn modelId="{F188FC37-C998-4CDB-85A2-EBB389808248}" type="presOf" srcId="{981C2CD8-7E8A-4682-8B5A-A510268B34AC}" destId="{B29D4F23-83F6-4C7C-9B29-72BF90EFE2CC}" srcOrd="1" destOrd="0" presId="urn:microsoft.com/office/officeart/2005/8/layout/process3"/>
+    <dgm:cxn modelId="{C0883AEA-830B-4AD2-96BF-9E39D8362AB2}" type="presOf" srcId="{DC2DF88C-35A0-4E30-A3E4-E002DC34F521}" destId="{ABF185BD-956E-4777-8763-980278E426BB}" srcOrd="1" destOrd="0" presId="urn:microsoft.com/office/officeart/2005/8/layout/process3"/>
+    <dgm:cxn modelId="{B2733D3B-E352-4F5C-889A-1B9ECD5F8F60}" type="presOf" srcId="{EB5FE175-6B6D-4195-A86F-6DFA96778160}" destId="{B4B2D37A-6F50-4E0F-B305-9EB4D512D773}" srcOrd="0" destOrd="0" presId="urn:microsoft.com/office/officeart/2005/8/layout/process3"/>
+    <dgm:cxn modelId="{D95BF8C4-EEA0-4AAE-8693-AFAC7500B286}" srcId="{CADE50C9-6A62-45AC-AF42-A90DC46A3209}" destId="{981C2CD8-7E8A-4682-8B5A-A510268B34AC}" srcOrd="1" destOrd="0" parTransId="{1185AE54-EDEE-4D55-93F6-F7D354ED7C11}" sibTransId="{D7467A3A-2B78-4CDD-91C9-D96452997227}"/>
+    <dgm:cxn modelId="{6C7842C7-2928-4666-A7BA-454C6506C36C}" type="presOf" srcId="{4DFC88DE-E0F0-4976-9B83-58EADA7CE300}" destId="{7E8F3DD0-4BD8-4C40-B882-1E8B5E423D90}" srcOrd="1" destOrd="0" presId="urn:microsoft.com/office/officeart/2005/8/layout/process3"/>
+    <dgm:cxn modelId="{7A81218D-5146-40F9-9731-5BD21503537E}" srcId="{981C2CD8-7E8A-4682-8B5A-A510268B34AC}" destId="{CF1FE966-0BB0-47ED-84B3-EC7AB055925F}" srcOrd="0" destOrd="0" parTransId="{FB956851-3BB2-4FF1-A9D6-4692FA0EFDCA}" sibTransId="{831C3CE2-0F23-433C-85CA-9D194AAC5E20}"/>
+    <dgm:cxn modelId="{47BAA679-3D6E-4A1A-91AA-9E404EE6A4CB}" type="presOf" srcId="{F5961DD5-682B-4D21-A827-30C64679BB5F}" destId="{D685B160-AC57-41A0-95FE-636A4391B913}" srcOrd="1" destOrd="0" presId="urn:microsoft.com/office/officeart/2005/8/layout/process3"/>
+    <dgm:cxn modelId="{AABA8D8C-E800-4FDC-8C5F-A5D82041D563}" type="presOf" srcId="{CF1FE966-0BB0-47ED-84B3-EC7AB055925F}" destId="{032BAEB6-0FB1-4780-AF60-2EFB8C965C77}" srcOrd="0" destOrd="0" presId="urn:microsoft.com/office/officeart/2005/8/layout/process3"/>
+    <dgm:cxn modelId="{A5C9FCE5-8766-426B-B5BE-B83931DD52CA}" type="presOf" srcId="{D7467A3A-2B78-4CDD-91C9-D96452997227}" destId="{E38B4FCE-9678-4085-AB99-40595BD6EB1C}" srcOrd="1" destOrd="0" presId="urn:microsoft.com/office/officeart/2005/8/layout/process3"/>
+    <dgm:cxn modelId="{7C7C1ACA-D121-4A09-BFF4-2A57A30D871A}" type="presOf" srcId="{D7467A3A-2B78-4CDD-91C9-D96452997227}" destId="{84DC82A2-8D59-472B-BE22-46F053C16CD5}" srcOrd="0" destOrd="0" presId="urn:microsoft.com/office/officeart/2005/8/layout/process3"/>
+    <dgm:cxn modelId="{461E3B8D-CDD4-4E38-A9CC-325E95F35F5C}" type="presOf" srcId="{72DB7378-4256-4528-8672-DEEF82828E57}" destId="{893E387F-15C0-4F86-BCD4-13F52E420B46}" srcOrd="0" destOrd="0" presId="urn:microsoft.com/office/officeart/2005/8/layout/process3"/>
     <dgm:cxn modelId="{93006ACD-B004-4B1F-B0D0-6C85222A28DE}" type="presOf" srcId="{EB5FE175-6B6D-4195-A86F-6DFA96778160}" destId="{ADE18D45-E3E4-4C40-8D6C-3AC62ACE8299}" srcOrd="1" destOrd="0" presId="urn:microsoft.com/office/officeart/2005/8/layout/process3"/>
-    <dgm:cxn modelId="{F188FC37-C998-4CDB-85A2-EBB389808248}" type="presOf" srcId="{981C2CD8-7E8A-4682-8B5A-A510268B34AC}" destId="{B29D4F23-83F6-4C7C-9B29-72BF90EFE2CC}" srcOrd="1" destOrd="0" presId="urn:microsoft.com/office/officeart/2005/8/layout/process3"/>
+    <dgm:cxn modelId="{37CFE086-8264-4424-B1D0-18A97A56AF66}" type="presOf" srcId="{4DFC88DE-E0F0-4976-9B83-58EADA7CE300}" destId="{14AD0DAF-92D3-400A-A4E0-170D0AF84100}" srcOrd="0" destOrd="0" presId="urn:microsoft.com/office/officeart/2005/8/layout/process3"/>
+    <dgm:cxn modelId="{7A63044C-EE1D-4724-9059-4496B4425527}" type="presOf" srcId="{F5961DD5-682B-4D21-A827-30C64679BB5F}" destId="{4858D85A-2D02-42C7-A50A-A4E78D4F073F}" srcOrd="0" destOrd="0" presId="urn:microsoft.com/office/officeart/2005/8/layout/process3"/>
+    <dgm:cxn modelId="{2A4D48E1-6639-4AC8-ABBF-C8A0D045AFB7}" srcId="{F5961DD5-682B-4D21-A827-30C64679BB5F}" destId="{72DB7378-4256-4528-8672-DEEF82828E57}" srcOrd="0" destOrd="0" parTransId="{97CEFC59-E261-4652-BC13-D71B45B5EC50}" sibTransId="{D0054105-F7A3-4CAE-89E2-0979360A932C}"/>
+    <dgm:cxn modelId="{D998B319-C072-4BF0-B5CB-2075DB30B691}" srcId="{DC2DF88C-35A0-4E30-A3E4-E002DC34F521}" destId="{DF9FD532-8B13-446E-B6A3-59BDF574BCA8}" srcOrd="0" destOrd="0" parTransId="{3A79FA23-5F3F-4F7D-B4AC-A9C282166E18}" sibTransId="{31B32A6E-6E91-4EAA-96F6-92A0035B120A}"/>
+    <dgm:cxn modelId="{654B2758-BB63-4A67-9FA8-BFB78F357825}" type="presOf" srcId="{DC2DF88C-35A0-4E30-A3E4-E002DC34F521}" destId="{D297B747-A2CF-41E4-A59D-391BC474F135}" srcOrd="0" destOrd="0" presId="urn:microsoft.com/office/officeart/2005/8/layout/process3"/>
+    <dgm:cxn modelId="{762AB07F-C728-41D8-9B57-DB011D1EC3F0}" type="presOf" srcId="{DF9FD532-8B13-446E-B6A3-59BDF574BCA8}" destId="{1526152F-906E-4121-A143-DD130A011105}" srcOrd="0" destOrd="0" presId="urn:microsoft.com/office/officeart/2005/8/layout/process3"/>
+    <dgm:cxn modelId="{55246683-0A80-455D-B6B5-2B2736293CF2}" srcId="{5F712884-449D-4DB5-9953-28B7C76B95EA}" destId="{3C06DC45-D510-48CC-B9DC-C19564791119}" srcOrd="0" destOrd="0" parTransId="{65F5C7C6-EB25-442A-AB0B-B47F97609474}" sibTransId="{D1AB7263-DC38-4830-9C45-C1403EA8E20B}"/>
+    <dgm:cxn modelId="{5BBBD0A9-97DA-480E-AD44-1947C76CE5E6}" srcId="{CADE50C9-6A62-45AC-AF42-A90DC46A3209}" destId="{5F712884-449D-4DB5-9953-28B7C76B95EA}" srcOrd="0" destOrd="0" parTransId="{959B81DB-0329-4043-A334-D05EB5160B66}" sibTransId="{EB5FE175-6B6D-4195-A86F-6DFA96778160}"/>
+    <dgm:cxn modelId="{5BDE1DA6-E08E-43FF-BCA1-46EC3454F22A}" type="presOf" srcId="{5F712884-449D-4DB5-9953-28B7C76B95EA}" destId="{EF3A946E-96B3-4628-91EB-8B0A2A37DDB1}" srcOrd="0" destOrd="0" presId="urn:microsoft.com/office/officeart/2005/8/layout/process3"/>
     <dgm:cxn modelId="{9197A1EF-40BA-4A00-90BC-61CBC94FE8A7}" type="presOf" srcId="{3C06DC45-D510-48CC-B9DC-C19564791119}" destId="{9AFA4903-C1AC-4872-B8FC-33B461DA35FC}" srcOrd="0" destOrd="0" presId="urn:microsoft.com/office/officeart/2005/8/layout/process3"/>
     <dgm:cxn modelId="{63D5015B-3865-4A4B-AEB1-FBEF0DE71B9A}" srcId="{CADE50C9-6A62-45AC-AF42-A90DC46A3209}" destId="{DC2DF88C-35A0-4E30-A3E4-E002DC34F521}" srcOrd="2" destOrd="0" parTransId="{9BB88C43-2261-4EC7-A70D-463964685938}" sibTransId="{4DFC88DE-E0F0-4976-9B83-58EADA7CE300}"/>
-    <dgm:cxn modelId="{654B2758-BB63-4A67-9FA8-BFB78F357825}" type="presOf" srcId="{DC2DF88C-35A0-4E30-A3E4-E002DC34F521}" destId="{D297B747-A2CF-41E4-A59D-391BC474F135}" srcOrd="0" destOrd="0" presId="urn:microsoft.com/office/officeart/2005/8/layout/process3"/>
-    <dgm:cxn modelId="{C0883AEA-830B-4AD2-96BF-9E39D8362AB2}" type="presOf" srcId="{DC2DF88C-35A0-4E30-A3E4-E002DC34F521}" destId="{ABF185BD-956E-4777-8763-980278E426BB}" srcOrd="1" destOrd="0" presId="urn:microsoft.com/office/officeart/2005/8/layout/process3"/>
-    <dgm:cxn modelId="{B2733D3B-E352-4F5C-889A-1B9ECD5F8F60}" type="presOf" srcId="{EB5FE175-6B6D-4195-A86F-6DFA96778160}" destId="{B4B2D37A-6F50-4E0F-B305-9EB4D512D773}" srcOrd="0" destOrd="0" presId="urn:microsoft.com/office/officeart/2005/8/layout/process3"/>
-    <dgm:cxn modelId="{5BDE1DA6-E08E-43FF-BCA1-46EC3454F22A}" type="presOf" srcId="{5F712884-449D-4DB5-9953-28B7C76B95EA}" destId="{EF3A946E-96B3-4628-91EB-8B0A2A37DDB1}" srcOrd="0" destOrd="0" presId="urn:microsoft.com/office/officeart/2005/8/layout/process3"/>
-    <dgm:cxn modelId="{7C7C1ACA-D121-4A09-BFF4-2A57A30D871A}" type="presOf" srcId="{D7467A3A-2B78-4CDD-91C9-D96452997227}" destId="{84DC82A2-8D59-472B-BE22-46F053C16CD5}" srcOrd="0" destOrd="0" presId="urn:microsoft.com/office/officeart/2005/8/layout/process3"/>
-    <dgm:cxn modelId="{D998B319-C072-4BF0-B5CB-2075DB30B691}" srcId="{DC2DF88C-35A0-4E30-A3E4-E002DC34F521}" destId="{DF9FD532-8B13-446E-B6A3-59BDF574BCA8}" srcOrd="0" destOrd="0" parTransId="{3A79FA23-5F3F-4F7D-B4AC-A9C282166E18}" sibTransId="{31B32A6E-6E91-4EAA-96F6-92A0035B120A}"/>
-    <dgm:cxn modelId="{AABA8D8C-E800-4FDC-8C5F-A5D82041D563}" type="presOf" srcId="{CF1FE966-0BB0-47ED-84B3-EC7AB055925F}" destId="{032BAEB6-0FB1-4780-AF60-2EFB8C965C77}" srcOrd="0" destOrd="0" presId="urn:microsoft.com/office/officeart/2005/8/layout/process3"/>
-    <dgm:cxn modelId="{D95BF8C4-EEA0-4AAE-8693-AFAC7500B286}" srcId="{CADE50C9-6A62-45AC-AF42-A90DC46A3209}" destId="{981C2CD8-7E8A-4682-8B5A-A510268B34AC}" srcOrd="1" destOrd="0" parTransId="{1185AE54-EDEE-4D55-93F6-F7D354ED7C11}" sibTransId="{D7467A3A-2B78-4CDD-91C9-D96452997227}"/>
-    <dgm:cxn modelId="{5BBBD0A9-97DA-480E-AD44-1947C76CE5E6}" srcId="{CADE50C9-6A62-45AC-AF42-A90DC46A3209}" destId="{5F712884-449D-4DB5-9953-28B7C76B95EA}" srcOrd="0" destOrd="0" parTransId="{959B81DB-0329-4043-A334-D05EB5160B66}" sibTransId="{EB5FE175-6B6D-4195-A86F-6DFA96778160}"/>
-    <dgm:cxn modelId="{2A4D48E1-6639-4AC8-ABBF-C8A0D045AFB7}" srcId="{F5961DD5-682B-4D21-A827-30C64679BB5F}" destId="{72DB7378-4256-4528-8672-DEEF82828E57}" srcOrd="0" destOrd="0" parTransId="{97CEFC59-E261-4652-BC13-D71B45B5EC50}" sibTransId="{D0054105-F7A3-4CAE-89E2-0979360A932C}"/>
-    <dgm:cxn modelId="{7A81218D-5146-40F9-9731-5BD21503537E}" srcId="{981C2CD8-7E8A-4682-8B5A-A510268B34AC}" destId="{CF1FE966-0BB0-47ED-84B3-EC7AB055925F}" srcOrd="0" destOrd="0" parTransId="{FB956851-3BB2-4FF1-A9D6-4692FA0EFDCA}" sibTransId="{831C3CE2-0F23-433C-85CA-9D194AAC5E20}"/>
-    <dgm:cxn modelId="{6C7842C7-2928-4666-A7BA-454C6506C36C}" type="presOf" srcId="{4DFC88DE-E0F0-4976-9B83-58EADA7CE300}" destId="{7E8F3DD0-4BD8-4C40-B882-1E8B5E423D90}" srcOrd="1" destOrd="0" presId="urn:microsoft.com/office/officeart/2005/8/layout/process3"/>
-    <dgm:cxn modelId="{55246683-0A80-455D-B6B5-2B2736293CF2}" srcId="{5F712884-449D-4DB5-9953-28B7C76B95EA}" destId="{3C06DC45-D510-48CC-B9DC-C19564791119}" srcOrd="0" destOrd="0" parTransId="{65F5C7C6-EB25-442A-AB0B-B47F97609474}" sibTransId="{D1AB7263-DC38-4830-9C45-C1403EA8E20B}"/>
-    <dgm:cxn modelId="{461E3B8D-CDD4-4E38-A9CC-325E95F35F5C}" type="presOf" srcId="{72DB7378-4256-4528-8672-DEEF82828E57}" destId="{893E387F-15C0-4F86-BCD4-13F52E420B46}" srcOrd="0" destOrd="0" presId="urn:microsoft.com/office/officeart/2005/8/layout/process3"/>
-    <dgm:cxn modelId="{7A63044C-EE1D-4724-9059-4496B4425527}" type="presOf" srcId="{F5961DD5-682B-4D21-A827-30C64679BB5F}" destId="{4858D85A-2D02-42C7-A50A-A4E78D4F073F}" srcOrd="0" destOrd="0" presId="urn:microsoft.com/office/officeart/2005/8/layout/process3"/>
+    <dgm:cxn modelId="{73708078-FDBA-43F4-96AB-FB14C4C2602F}" srcId="{CADE50C9-6A62-45AC-AF42-A90DC46A3209}" destId="{F5961DD5-682B-4D21-A827-30C64679BB5F}" srcOrd="3" destOrd="0" parTransId="{75D73089-01C8-4BC0-90ED-CA9D1B8E3ADF}" sibTransId="{CA7ED3B0-10D1-4E2F-8BA0-8D58C22A94D0}"/>
     <dgm:cxn modelId="{BB6865B8-A688-4FC4-AFAA-E66324174F02}" type="presOf" srcId="{5F712884-449D-4DB5-9953-28B7C76B95EA}" destId="{E252839F-D941-4E3B-BA68-AC653DAEAE4C}" srcOrd="1" destOrd="0" presId="urn:microsoft.com/office/officeart/2005/8/layout/process3"/>
-    <dgm:cxn modelId="{73708078-FDBA-43F4-96AB-FB14C4C2602F}" srcId="{CADE50C9-6A62-45AC-AF42-A90DC46A3209}" destId="{F5961DD5-682B-4D21-A827-30C64679BB5F}" srcOrd="3" destOrd="0" parTransId="{75D73089-01C8-4BC0-90ED-CA9D1B8E3ADF}" sibTransId="{CA7ED3B0-10D1-4E2F-8BA0-8D58C22A94D0}"/>
-    <dgm:cxn modelId="{37CFE086-8264-4424-B1D0-18A97A56AF66}" type="presOf" srcId="{4DFC88DE-E0F0-4976-9B83-58EADA7CE300}" destId="{14AD0DAF-92D3-400A-A4E0-170D0AF84100}" srcOrd="0" destOrd="0" presId="urn:microsoft.com/office/officeart/2005/8/layout/process3"/>
-    <dgm:cxn modelId="{A5C9FCE5-8766-426B-B5BE-B83931DD52CA}" type="presOf" srcId="{D7467A3A-2B78-4CDD-91C9-D96452997227}" destId="{E38B4FCE-9678-4085-AB99-40595BD6EB1C}" srcOrd="1" destOrd="0" presId="urn:microsoft.com/office/officeart/2005/8/layout/process3"/>
-    <dgm:cxn modelId="{3F4BEE9E-8D26-4AD2-ADA0-D76B4E28C08E}" type="presOf" srcId="{981C2CD8-7E8A-4682-8B5A-A510268B34AC}" destId="{C084451C-3DBC-48CF-A871-B521FE90830A}" srcOrd="0" destOrd="0" presId="urn:microsoft.com/office/officeart/2005/8/layout/process3"/>
-    <dgm:cxn modelId="{47BAA679-3D6E-4A1A-91AA-9E404EE6A4CB}" type="presOf" srcId="{F5961DD5-682B-4D21-A827-30C64679BB5F}" destId="{D685B160-AC57-41A0-95FE-636A4391B913}" srcOrd="1" destOrd="0" presId="urn:microsoft.com/office/officeart/2005/8/layout/process3"/>
     <dgm:cxn modelId="{AF250757-46ED-49A3-A2B4-276D1B47F666}" type="presOf" srcId="{CADE50C9-6A62-45AC-AF42-A90DC46A3209}" destId="{FDB6D5C0-0ED5-4B9D-9E48-126ED2C433C3}" srcOrd="0" destOrd="0" presId="urn:microsoft.com/office/officeart/2005/8/layout/process3"/>
-    <dgm:cxn modelId="{762AB07F-C728-41D8-9B57-DB011D1EC3F0}" type="presOf" srcId="{DF9FD532-8B13-446E-B6A3-59BDF574BCA8}" destId="{1526152F-906E-4121-A143-DD130A011105}" srcOrd="0" destOrd="0" presId="urn:microsoft.com/office/officeart/2005/8/layout/process3"/>
     <dgm:cxn modelId="{2B1E6CD2-9E99-4BF4-91F4-6569897959CC}" type="presParOf" srcId="{FDB6D5C0-0ED5-4B9D-9E48-126ED2C433C3}" destId="{CFDB6B04-AAD5-42A2-8A40-C0EC4077F01E}" srcOrd="0" destOrd="0" presId="urn:microsoft.com/office/officeart/2005/8/layout/process3"/>
     <dgm:cxn modelId="{1E36B744-698A-4110-8366-45A5C14FAB2F}" type="presParOf" srcId="{CFDB6B04-AAD5-42A2-8A40-C0EC4077F01E}" destId="{EF3A946E-96B3-4628-91EB-8B0A2A37DDB1}" srcOrd="0" destOrd="0" presId="urn:microsoft.com/office/officeart/2005/8/layout/process3"/>
     <dgm:cxn modelId="{A8E72DFA-2E76-423D-B051-4B4AE1F43988}" type="presParOf" srcId="{CFDB6B04-AAD5-42A2-8A40-C0EC4077F01E}" destId="{E252839F-D941-4E3B-BA68-AC653DAEAE4C}" srcOrd="1" destOrd="0" presId="urn:microsoft.com/office/officeart/2005/8/layout/process3"/>
@@ -11527,7 +11527,7 @@
           <a:p>
             <a:fld id="{34475077-A074-4E8C-B45E-964494945228}" type="datetimeFigureOut">
               <a:rPr lang="en-US"/>
-              <a:t>5/22/2017</a:t>
+              <a:t>5/29/2017</a:t>
             </a:fld>
             <a:endParaRPr/>
           </a:p>
@@ -11692,7 +11692,7 @@
           <a:p>
             <a:fld id="{6A2B48A4-4B96-49F4-8C25-4C9D06114B2C}" type="datetimeFigureOut">
               <a:rPr lang="en-US"/>
-              <a:t>5/22/2017</a:t>
+              <a:t>5/29/2017</a:t>
             </a:fld>
             <a:endParaRPr/>
           </a:p>
@@ -12788,7 +12788,7 @@
           <a:p>
             <a:fld id="{5D81F1E7-4EFD-4BFF-B438-FCD52FD36B17}" type="slidenum">
               <a:rPr lang="en-US" smtClean="0"/>
-              <a:t>18</a:t>
+              <a:t>20</a:t>
             </a:fld>
             <a:endParaRPr lang="en-US"/>
           </a:p>
@@ -12897,7 +12897,7 @@
           <a:p>
             <a:fld id="{5D81F1E7-4EFD-4BFF-B438-FCD52FD36B17}" type="slidenum">
               <a:rPr lang="en-US" smtClean="0"/>
-              <a:t>20</a:t>
+              <a:t>22</a:t>
             </a:fld>
             <a:endParaRPr lang="en-US"/>
           </a:p>
@@ -13009,7 +13009,7 @@
           <a:p>
             <a:fld id="{5D81F1E7-4EFD-4BFF-B438-FCD52FD36B17}" type="slidenum">
               <a:rPr lang="en-US" smtClean="0"/>
-              <a:t>21</a:t>
+              <a:t>23</a:t>
             </a:fld>
             <a:endParaRPr lang="en-US"/>
           </a:p>
@@ -13121,7 +13121,7 @@
           <a:p>
             <a:fld id="{5D81F1E7-4EFD-4BFF-B438-FCD52FD36B17}" type="slidenum">
               <a:rPr lang="en-US" smtClean="0"/>
-              <a:t>22</a:t>
+              <a:t>24</a:t>
             </a:fld>
             <a:endParaRPr lang="en-US"/>
           </a:p>
@@ -13331,7 +13331,7 @@
           <a:p>
             <a:fld id="{5D81F1E7-4EFD-4BFF-B438-FCD52FD36B17}" type="slidenum">
               <a:rPr lang="en-US" smtClean="0"/>
-              <a:t>25</a:t>
+              <a:t>26</a:t>
             </a:fld>
             <a:endParaRPr lang="en-US"/>
           </a:p>
@@ -14545,7 +14545,7 @@
           <a:p>
             <a:fld id="{0402902D-A5F5-4D7D-AAA7-32469BA0BC4D}" type="datetimeFigureOut">
               <a:rPr lang="en-US"/>
-              <a:t>5/22/2017</a:t>
+              <a:t>5/29/2017</a:t>
             </a:fld>
             <a:endParaRPr/>
           </a:p>
@@ -14816,7 +14816,7 @@
           <a:p>
             <a:fld id="{0402902D-A5F5-4D7D-AAA7-32469BA0BC4D}" type="datetimeFigureOut">
               <a:rPr lang="en-US"/>
-              <a:t>5/22/2017</a:t>
+              <a:t>5/29/2017</a:t>
             </a:fld>
             <a:endParaRPr/>
           </a:p>
@@ -14976,7 +14976,7 @@
           <a:p>
             <a:fld id="{5214513F-8358-40C8-8827-E3DCE5F02ECA}" type="datetimeFigureOut">
               <a:rPr lang="en-US" smtClean="0"/>
-              <a:t>5/22/2017</a:t>
+              <a:t>5/29/2017</a:t>
             </a:fld>
             <a:endParaRPr lang="en-US"/>
           </a:p>
@@ -15144,7 +15144,7 @@
           <a:p>
             <a:fld id="{5214513F-8358-40C8-8827-E3DCE5F02ECA}" type="datetimeFigureOut">
               <a:rPr lang="en-US" smtClean="0"/>
-              <a:t>5/22/2017</a:t>
+              <a:t>5/29/2017</a:t>
             </a:fld>
             <a:endParaRPr lang="en-US"/>
           </a:p>
@@ -15389,7 +15389,7 @@
           <a:p>
             <a:fld id="{5214513F-8358-40C8-8827-E3DCE5F02ECA}" type="datetimeFigureOut">
               <a:rPr lang="en-US" smtClean="0"/>
-              <a:t>5/22/2017</a:t>
+              <a:t>5/29/2017</a:t>
             </a:fld>
             <a:endParaRPr lang="en-US"/>
           </a:p>
@@ -15618,7 +15618,7 @@
           <a:p>
             <a:fld id="{5214513F-8358-40C8-8827-E3DCE5F02ECA}" type="datetimeFigureOut">
               <a:rPr lang="en-US" smtClean="0"/>
-              <a:t>5/22/2017</a:t>
+              <a:t>5/29/2017</a:t>
             </a:fld>
             <a:endParaRPr lang="en-US"/>
           </a:p>
@@ -15982,7 +15982,7 @@
           <a:p>
             <a:fld id="{5214513F-8358-40C8-8827-E3DCE5F02ECA}" type="datetimeFigureOut">
               <a:rPr lang="en-US" smtClean="0"/>
-              <a:t>5/22/2017</a:t>
+              <a:t>5/29/2017</a:t>
             </a:fld>
             <a:endParaRPr lang="en-US"/>
           </a:p>
@@ -16099,7 +16099,7 @@
           <a:p>
             <a:fld id="{5214513F-8358-40C8-8827-E3DCE5F02ECA}" type="datetimeFigureOut">
               <a:rPr lang="en-US" smtClean="0"/>
-              <a:t>5/22/2017</a:t>
+              <a:t>5/29/2017</a:t>
             </a:fld>
             <a:endParaRPr lang="en-US"/>
           </a:p>
@@ -16194,7 +16194,7 @@
           <a:p>
             <a:fld id="{5214513F-8358-40C8-8827-E3DCE5F02ECA}" type="datetimeFigureOut">
               <a:rPr lang="en-US" smtClean="0"/>
-              <a:t>5/22/2017</a:t>
+              <a:t>5/29/2017</a:t>
             </a:fld>
             <a:endParaRPr lang="en-US"/>
           </a:p>
@@ -16469,7 +16469,7 @@
           <a:p>
             <a:fld id="{5214513F-8358-40C8-8827-E3DCE5F02ECA}" type="datetimeFigureOut">
               <a:rPr lang="en-US" smtClean="0"/>
-              <a:t>5/22/2017</a:t>
+              <a:t>5/29/2017</a:t>
             </a:fld>
             <a:endParaRPr lang="en-US"/>
           </a:p>
@@ -16681,7 +16681,7 @@
           <a:p>
             <a:fld id="{0402902D-A5F5-4D7D-AAA7-32469BA0BC4D}" type="datetimeFigureOut">
               <a:rPr lang="en-US"/>
-              <a:t>5/22/2017</a:t>
+              <a:t>5/29/2017</a:t>
             </a:fld>
             <a:endParaRPr/>
           </a:p>
@@ -16903,7 +16903,7 @@
           <a:p>
             <a:fld id="{5214513F-8358-40C8-8827-E3DCE5F02ECA}" type="datetimeFigureOut">
               <a:rPr lang="en-US" smtClean="0"/>
-              <a:t>5/22/2017</a:t>
+              <a:t>5/29/2017</a:t>
             </a:fld>
             <a:endParaRPr lang="en-US"/>
           </a:p>
@@ -17071,7 +17071,7 @@
           <a:p>
             <a:fld id="{5214513F-8358-40C8-8827-E3DCE5F02ECA}" type="datetimeFigureOut">
               <a:rPr lang="en-US" smtClean="0"/>
-              <a:t>5/22/2017</a:t>
+              <a:t>5/29/2017</a:t>
             </a:fld>
             <a:endParaRPr lang="en-US"/>
           </a:p>
@@ -17249,7 +17249,7 @@
           <a:p>
             <a:fld id="{5214513F-8358-40C8-8827-E3DCE5F02ECA}" type="datetimeFigureOut">
               <a:rPr lang="en-US" smtClean="0"/>
-              <a:t>5/22/2017</a:t>
+              <a:t>5/29/2017</a:t>
             </a:fld>
             <a:endParaRPr lang="en-US"/>
           </a:p>
@@ -17866,7 +17866,7 @@
           <a:p>
             <a:fld id="{0402902D-A5F5-4D7D-AAA7-32469BA0BC4D}" type="datetimeFigureOut">
               <a:rPr lang="en-US"/>
-              <a:t>5/22/2017</a:t>
+              <a:t>5/29/2017</a:t>
             </a:fld>
             <a:endParaRPr/>
           </a:p>
@@ -18314,7 +18314,7 @@
           <a:p>
             <a:fld id="{0402902D-A5F5-4D7D-AAA7-32469BA0BC4D}" type="datetimeFigureOut">
               <a:rPr lang="en-US"/>
-              <a:t>5/22/2017</a:t>
+              <a:t>5/29/2017</a:t>
             </a:fld>
             <a:endParaRPr/>
           </a:p>
@@ -18444,7 +18444,7 @@
           <a:p>
             <a:fld id="{0402902D-A5F5-4D7D-AAA7-32469BA0BC4D}" type="datetimeFigureOut">
               <a:rPr lang="en-US"/>
-              <a:t>5/22/2017</a:t>
+              <a:t>5/29/2017</a:t>
             </a:fld>
             <a:endParaRPr/>
           </a:p>
@@ -18551,7 +18551,7 @@
           <a:p>
             <a:fld id="{0402902D-A5F5-4D7D-AAA7-32469BA0BC4D}" type="datetimeFigureOut">
               <a:rPr lang="en-US"/>
-              <a:t>5/22/2017</a:t>
+              <a:t>5/29/2017</a:t>
             </a:fld>
             <a:endParaRPr dirty="0"/>
           </a:p>
@@ -19523,7 +19523,7 @@
             <a:fld id="{0402902D-A5F5-4D7D-AAA7-32469BA0BC4D}" type="datetimeFigureOut">
               <a:rPr lang="en-US"/>
               <a:pPr/>
-              <a:t>5/22/2017</a:t>
+              <a:t>5/29/2017</a:t>
             </a:fld>
             <a:endParaRPr dirty="0"/>
           </a:p>
@@ -20029,7 +20029,7 @@
           <a:p>
             <a:fld id="{5214513F-8358-40C8-8827-E3DCE5F02ECA}" type="datetimeFigureOut">
               <a:rPr lang="en-US" smtClean="0"/>
-              <a:t>5/22/2017</a:t>
+              <a:t>5/29/2017</a:t>
             </a:fld>
             <a:endParaRPr lang="en-US"/>
           </a:p>
@@ -20889,7 +20889,7 @@
           <a:p>
             <a:r>
               <a:rPr lang="en-US" dirty="0"/>
-              <a:t>Alcohol Consumption and Final Grades</a:t>
+              <a:t>Weekly Alcohol Consumption and Final Grades</a:t>
             </a:r>
           </a:p>
         </p:txBody>
@@ -20923,6 +20923,44 @@
           </a:xfrm>
         </p:spPr>
       </p:pic>
+      <p:sp>
+        <p:nvSpPr>
+          <p:cNvPr id="3" name="TextBox 2"/>
+          <p:cNvSpPr txBox="1"/>
+          <p:nvPr/>
+        </p:nvSpPr>
+        <p:spPr>
+          <a:xfrm>
+            <a:off x="644577" y="2630774"/>
+            <a:ext cx="5448925" cy="1200329"/>
+          </a:xfrm>
+          <a:prstGeom prst="rect">
+            <a:avLst/>
+          </a:prstGeom>
+          <a:noFill/>
+        </p:spPr>
+        <p:txBody>
+          <a:bodyPr wrap="square" rtlCol="0">
+            <a:spAutoFit/>
+          </a:bodyPr>
+          <a:lstStyle/>
+          <a:p>
+            <a:r>
+              <a:rPr lang="en-GB" dirty="0"/>
+              <a:t>Median spread of grades are even across the alcohol consumption levels but fall slightly </a:t>
+            </a:r>
+            <a:r>
+              <a:rPr lang="en-GB" dirty="0" err="1"/>
+              <a:t>fror</a:t>
+            </a:r>
+            <a:r>
+              <a:rPr lang="en-GB" dirty="0"/>
+              <a:t> levels 4 and 5 while the spread of grades across students is smaller for alcohol levels 4 and 5.</a:t>
+            </a:r>
+            <a:endParaRPr lang="en-US" dirty="0"/>
+          </a:p>
+        </p:txBody>
+      </p:sp>
     </p:spTree>
     <p:extLst>
       <p:ext uri="{BB962C8B-B14F-4D97-AF65-F5344CB8AC3E}">
@@ -21050,7 +21088,7 @@
       </p:sp>
       <p:pic>
         <p:nvPicPr>
-          <p:cNvPr id="5" name="Picture 4"/>
+          <p:cNvPr id="4" name="Picture 3"/>
           <p:cNvPicPr>
             <a:picLocks noChangeAspect="1"/>
           </p:cNvPicPr>
@@ -21064,8 +21102,8 @@
         </p:blipFill>
         <p:spPr>
           <a:xfrm>
-            <a:off x="6220918" y="1875564"/>
-            <a:ext cx="5358749" cy="2871007"/>
+            <a:off x="6075079" y="1783829"/>
+            <a:ext cx="5994813" cy="1349661"/>
           </a:xfrm>
           <a:prstGeom prst="rect">
             <a:avLst/>
@@ -21131,12 +21169,14 @@
           </a:xfrm>
         </p:spPr>
         <p:txBody>
-          <a:bodyPr/>
+          <a:bodyPr>
+            <a:normAutofit/>
+          </a:bodyPr>
           <a:lstStyle/>
           <a:p>
             <a:r>
-              <a:rPr lang="en-US" dirty="0"/>
-              <a:t>Add your answer / solution here</a:t>
+              <a:rPr lang="en-US" sz="4000" dirty="0"/>
+              <a:t>As age increases, the pass rate lowers especially from age 17</a:t>
             </a:r>
           </a:p>
         </p:txBody>
@@ -21162,13 +21202,8 @@
                   <a:schemeClr val="tx1"/>
                 </a:solidFill>
               </a:rPr>
-              <a:t>Pass Rate lowest for older Students</a:t>
-            </a:r>
-            <a:endParaRPr lang="en-US" dirty="0">
-              <a:solidFill>
-                <a:schemeClr val="tx1"/>
-              </a:solidFill>
-            </a:endParaRPr>
+              <a:t>Does Age influence the Pass rate?</a:t>
+            </a:r>
           </a:p>
         </p:txBody>
       </p:sp>
@@ -21261,12 +21296,21 @@
           </a:xfrm>
         </p:spPr>
         <p:txBody>
-          <a:bodyPr/>
+          <a:bodyPr>
+            <a:normAutofit/>
+          </a:bodyPr>
           <a:lstStyle/>
           <a:p>
             <a:r>
-              <a:rPr lang="en-US" dirty="0"/>
-              <a:t>Add your answer / solution here</a:t>
+              <a:rPr lang="en-US" sz="4000" dirty="0"/>
+              <a:t>The pass rate fails from daily consumption levels 4. </a:t>
+            </a:r>
+            <a:br>
+              <a:rPr lang="en-US" sz="4000" dirty="0"/>
+            </a:br>
+            <a:r>
+              <a:rPr lang="en-US" sz="4000" dirty="0"/>
+              <a:t>Most alcohol drinkers are in Category 1 </a:t>
             </a:r>
           </a:p>
         </p:txBody>
@@ -21292,13 +21336,8 @@
                   <a:schemeClr val="tx1"/>
                 </a:solidFill>
               </a:rPr>
-              <a:t>Increased Daily alcohol consumption reduces Pass rate</a:t>
-            </a:r>
-            <a:endParaRPr lang="en-US" dirty="0">
-              <a:solidFill>
-                <a:schemeClr val="tx1"/>
-              </a:solidFill>
-            </a:endParaRPr>
+              <a:t>How does Daily consumption affect students passing rates?</a:t>
+            </a:r>
           </a:p>
         </p:txBody>
       </p:sp>
@@ -21391,12 +21430,14 @@
           </a:xfrm>
         </p:spPr>
         <p:txBody>
-          <a:bodyPr/>
+          <a:bodyPr>
+            <a:noAutofit/>
+          </a:bodyPr>
           <a:lstStyle/>
           <a:p>
             <a:r>
-              <a:rPr lang="en-US" dirty="0"/>
-              <a:t>Add your answer / solution here</a:t>
+              <a:rPr lang="en-US" sz="4000" dirty="0"/>
+              <a:t>Travel time has a clear impact on Pass rate which fall with longer journeys. This could mean the students are not getting enough study time.</a:t>
             </a:r>
           </a:p>
         </p:txBody>
@@ -21422,13 +21463,8 @@
                   <a:schemeClr val="tx1"/>
                 </a:solidFill>
               </a:rPr>
-              <a:t>Increased travel time reduces Pass Rate</a:t>
-            </a:r>
-            <a:endParaRPr lang="en-US" dirty="0">
-              <a:solidFill>
-                <a:schemeClr val="tx1"/>
-              </a:solidFill>
-            </a:endParaRPr>
+              <a:t>Does taking more time getting to school affect grades?</a:t>
+            </a:r>
           </a:p>
         </p:txBody>
       </p:sp>
@@ -21608,7 +21644,7 @@
         <p:spPr>
           <a:xfrm>
             <a:off x="1236689" y="3920008"/>
-            <a:ext cx="8004747" cy="2308324"/>
+            <a:ext cx="8004747" cy="2862322"/>
           </a:xfrm>
           <a:prstGeom prst="rect">
             <a:avLst/>
@@ -21643,14 +21679,41 @@
             </a:r>
             <a:r>
               <a:rPr lang="en-US" dirty="0"/>
-              <a:t>", number=10, repeats=3) </a:t>
-            </a:r>
-          </a:p>
-          <a:p>
+              <a:t>", number=10, repeats=3, </a:t>
+            </a:r>
+            <a:r>
+              <a:rPr lang="en-US" dirty="0" err="1"/>
+              <a:t>summaryFunction</a:t>
+            </a:r>
             <a:r>
               <a:rPr lang="en-US" dirty="0"/>
-              <a:t>metric &lt;- "Accuracy"</a:t>
-            </a:r>
+              <a:t>=</a:t>
+            </a:r>
+            <a:r>
+              <a:rPr lang="en-US" dirty="0" err="1"/>
+              <a:t>twoClassSummary</a:t>
+            </a:r>
+            <a:r>
+              <a:rPr lang="en-US" dirty="0"/>
+              <a:t>, </a:t>
+            </a:r>
+            <a:r>
+              <a:rPr lang="en-US" dirty="0" err="1"/>
+              <a:t>classProbs</a:t>
+            </a:r>
+            <a:r>
+              <a:rPr lang="en-US" dirty="0"/>
+              <a:t> = TRUE) </a:t>
+            </a:r>
+          </a:p>
+          <a:p>
+            <a:r>
+              <a:rPr lang="en-US" dirty="0"/>
+              <a:t>metric &lt;- "ROC"</a:t>
+            </a:r>
+          </a:p>
+          <a:p>
+            <a:endParaRPr lang="en-US" dirty="0"/>
           </a:p>
           <a:p>
             <a:endParaRPr lang="en-US" dirty="0"/>
@@ -21818,30 +21881,6 @@
           </a:p>
         </p:txBody>
       </p:sp>
-      <p:pic>
-        <p:nvPicPr>
-          <p:cNvPr id="9" name="Picture 8"/>
-          <p:cNvPicPr>
-            <a:picLocks noChangeAspect="1"/>
-          </p:cNvPicPr>
-          <p:nvPr/>
-        </p:nvPicPr>
-        <p:blipFill>
-          <a:blip r:embed="rId3"/>
-          <a:stretch>
-            <a:fillRect/>
-          </a:stretch>
-        </p:blipFill>
-        <p:spPr>
-          <a:xfrm>
-            <a:off x="5344255" y="1626433"/>
-            <a:ext cx="6490480" cy="4265716"/>
-          </a:xfrm>
-          <a:prstGeom prst="rect">
-            <a:avLst/>
-          </a:prstGeom>
-        </p:spPr>
-      </p:pic>
       <p:sp>
         <p:nvSpPr>
           <p:cNvPr id="3" name="TextBox 2"/>
@@ -21875,12 +21914,36 @@
           <a:p>
             <a:r>
               <a:rPr lang="en-GB" dirty="0"/>
-              <a:t>Accuracy of GLMNET was the highest.</a:t>
+              <a:t>GBM had the highest accuracy of 0.7399</a:t>
             </a:r>
             <a:endParaRPr lang="en-US" dirty="0"/>
           </a:p>
         </p:txBody>
       </p:sp>
+      <p:pic>
+        <p:nvPicPr>
+          <p:cNvPr id="5" name="Picture 4"/>
+          <p:cNvPicPr>
+            <a:picLocks noChangeAspect="1"/>
+          </p:cNvPicPr>
+          <p:nvPr/>
+        </p:nvPicPr>
+        <p:blipFill>
+          <a:blip r:embed="rId3"/>
+          <a:stretch>
+            <a:fillRect/>
+          </a:stretch>
+        </p:blipFill>
+        <p:spPr>
+          <a:xfrm>
+            <a:off x="4762186" y="1655023"/>
+            <a:ext cx="7373756" cy="3374973"/>
+          </a:xfrm>
+          <a:prstGeom prst="rect">
+            <a:avLst/>
+          </a:prstGeom>
+        </p:spPr>
+      </p:pic>
     </p:spTree>
     <p:extLst>
       <p:ext uri="{BB962C8B-B14F-4D97-AF65-F5344CB8AC3E}">
@@ -21940,7 +22003,7 @@
           <a:p>
             <a:r>
               <a:rPr lang="en-GB" dirty="0"/>
-              <a:t>GLMNET Variable Importance (descending)</a:t>
+              <a:t>GBM Variable Importance (descending)</a:t>
             </a:r>
             <a:endParaRPr lang="en-US" dirty="0"/>
           </a:p>
@@ -21972,36 +22035,6 @@
           </a:p>
         </p:txBody>
       </p:sp>
-      <p:pic>
-        <p:nvPicPr>
-          <p:cNvPr id="8" name="Picture 7"/>
-          <p:cNvPicPr>
-            <a:picLocks noChangeAspect="1"/>
-          </p:cNvPicPr>
-          <p:nvPr/>
-        </p:nvPicPr>
-        <p:blipFill>
-          <a:blip r:embed="rId3">
-            <a:extLst>
-              <a:ext uri="{28A0092B-C50C-407E-A947-70E740481C1C}">
-                <a14:useLocalDpi xmlns:a14="http://schemas.microsoft.com/office/drawing/2010/main" val="0"/>
-              </a:ext>
-            </a:extLst>
-          </a:blip>
-          <a:stretch>
-            <a:fillRect/>
-          </a:stretch>
-        </p:blipFill>
-        <p:spPr>
-          <a:xfrm>
-            <a:off x="6344582" y="1491521"/>
-            <a:ext cx="5787457" cy="5194092"/>
-          </a:xfrm>
-          <a:prstGeom prst="rect">
-            <a:avLst/>
-          </a:prstGeom>
-        </p:spPr>
-      </p:pic>
       <p:sp>
         <p:nvSpPr>
           <p:cNvPr id="10" name="TextBox 9"/>
@@ -22040,7 +22073,7 @@
             </a:pPr>
             <a:r>
               <a:rPr lang="en-GB" sz="2400" dirty="0"/>
-              <a:t>Studytime30mins-1hour</a:t>
+              <a:t>absences</a:t>
             </a:r>
           </a:p>
           <a:p>
@@ -22050,7 +22083,7 @@
             </a:pPr>
             <a:r>
               <a:rPr lang="en-GB" sz="2400" dirty="0"/>
-              <a:t>FamilySizeLE3</a:t>
+              <a:t>age</a:t>
             </a:r>
           </a:p>
           <a:p>
@@ -22070,10 +22103,9 @@
               <a:buChar char="•"/>
             </a:pPr>
             <a:r>
-              <a:rPr lang="en-GB" sz="2400" dirty="0" err="1"/>
-              <a:t>Medu.Grade</a:t>
-            </a:r>
-            <a:endParaRPr lang="en-GB" sz="2400" dirty="0"/>
+              <a:rPr lang="en-GB" sz="2400" dirty="0"/>
+              <a:t>Traveltime.under15mins</a:t>
+            </a:r>
           </a:p>
           <a:p>
             <a:pPr marL="285750" indent="-285750">
@@ -22082,7 +22114,7 @@
             </a:pPr>
             <a:r>
               <a:rPr lang="en-GB" sz="2400" dirty="0" err="1"/>
-              <a:t>SchoolSup.Y</a:t>
+              <a:t>freetime</a:t>
             </a:r>
             <a:endParaRPr lang="en-GB" sz="2400" dirty="0"/>
           </a:p>
@@ -22092,9 +22124,10 @@
               <a:buChar char="•"/>
             </a:pPr>
             <a:r>
-              <a:rPr lang="en-GB" sz="2400" dirty="0"/>
-              <a:t>Goout.xx4</a:t>
-            </a:r>
+              <a:rPr lang="en-GB" sz="2400" dirty="0" err="1"/>
+              <a:t>romantic.Y</a:t>
+            </a:r>
+            <a:endParaRPr lang="en-GB" sz="2400" dirty="0"/>
           </a:p>
           <a:p>
             <a:pPr marL="285750" indent="-285750">
@@ -22103,12 +22136,42 @@
             </a:pPr>
             <a:r>
               <a:rPr lang="en-GB" sz="2400" dirty="0" err="1"/>
-              <a:t>Fedu.NoGrade</a:t>
+              <a:t>schoolsup.Y</a:t>
             </a:r>
             <a:endParaRPr lang="en-US" sz="2400" dirty="0"/>
           </a:p>
         </p:txBody>
       </p:sp>
+      <p:pic>
+        <p:nvPicPr>
+          <p:cNvPr id="3" name="Picture 2"/>
+          <p:cNvPicPr>
+            <a:picLocks noChangeAspect="1"/>
+          </p:cNvPicPr>
+          <p:nvPr/>
+        </p:nvPicPr>
+        <p:blipFill>
+          <a:blip r:embed="rId3">
+            <a:extLst>
+              <a:ext uri="{28A0092B-C50C-407E-A947-70E740481C1C}">
+                <a14:useLocalDpi xmlns:a14="http://schemas.microsoft.com/office/drawing/2010/main" val="0"/>
+              </a:ext>
+            </a:extLst>
+          </a:blip>
+          <a:stretch>
+            <a:fillRect/>
+          </a:stretch>
+        </p:blipFill>
+        <p:spPr>
+          <a:xfrm>
+            <a:off x="5546977" y="1678899"/>
+            <a:ext cx="6196062" cy="4879298"/>
+          </a:xfrm>
+          <a:prstGeom prst="rect">
+            <a:avLst/>
+          </a:prstGeom>
+        </p:spPr>
+      </p:pic>
     </p:spTree>
     <p:extLst>
       <p:ext uri="{BB962C8B-B14F-4D97-AF65-F5344CB8AC3E}">
@@ -22135,7 +22198,7 @@
 </file>
 
 <file path=ppt/slides/slide18.xml><?xml version="1.0" encoding="utf-8"?>
-<p:sld xmlns:a="http://schemas.openxmlformats.org/drawingml/2006/main" xmlns:r="http://schemas.openxmlformats.org/officeDocument/2006/relationships" xmlns:p="http://schemas.openxmlformats.org/presentationml/2006/main" show="0">
+<p:sld xmlns:a="http://schemas.openxmlformats.org/drawingml/2006/main" xmlns:r="http://schemas.openxmlformats.org/officeDocument/2006/relationships" xmlns:p="http://schemas.openxmlformats.org/presentationml/2006/main">
   <p:cSld>
     <p:spTree>
       <p:nvGrpSpPr>
@@ -22167,42 +22230,88 @@
           <a:lstStyle/>
           <a:p>
             <a:r>
-              <a:rPr lang="en-GB" dirty="0"/>
-              <a:t>Dummy Variables</a:t>
-            </a:r>
-            <a:endParaRPr lang="en-US" dirty="0"/>
+              <a:rPr lang="en-US" dirty="0"/>
+              <a:t>Conclusion</a:t>
+            </a:r>
           </a:p>
         </p:txBody>
       </p:sp>
-      <p:graphicFrame>
-        <p:nvGraphicFramePr>
-          <p:cNvPr id="4" name="Content Placeholder 2" descr="Accent process showing 4 groups arranged from left to right with task descriptions under each group"/>
-          <p:cNvGraphicFramePr>
-            <a:graphicFrameLocks noGrp="1"/>
-          </p:cNvGraphicFramePr>
+      <p:sp>
+        <p:nvSpPr>
+          <p:cNvPr id="3" name="Content Placeholder 2"/>
+          <p:cNvSpPr>
+            <a:spLocks noGrp="1"/>
+          </p:cNvSpPr>
           <p:nvPr>
             <p:ph idx="1"/>
-            <p:extLst>
-              <p:ext uri="{D42A27DB-BD31-4B8C-83A1-F6EECF244321}">
-                <p14:modId xmlns:p14="http://schemas.microsoft.com/office/powerpoint/2010/main" val="2607036372"/>
-              </p:ext>
-            </p:extLst>
           </p:nvPr>
-        </p:nvGraphicFramePr>
-        <p:xfrm>
-          <a:off x="1066800" y="1714500"/>
-          <a:ext cx="10058400" cy="4457700"/>
-        </p:xfrm>
-        <a:graphic>
-          <a:graphicData uri="http://schemas.openxmlformats.org/drawingml/2006/diagram">
-            <dgm:relIds xmlns:dgm="http://schemas.openxmlformats.org/drawingml/2006/diagram" xmlns:r="http://schemas.openxmlformats.org/officeDocument/2006/relationships" r:dm="rId3" r:lo="rId4" r:qs="rId5" r:cs="rId6"/>
-          </a:graphicData>
-        </a:graphic>
-      </p:graphicFrame>
+        </p:nvSpPr>
+        <p:spPr/>
+        <p:txBody>
+          <a:bodyPr/>
+          <a:lstStyle/>
+          <a:p>
+            <a:r>
+              <a:rPr lang="en-US" dirty="0"/>
+              <a:t>Alcohol consumption (weekly or daily) are not variables of importance in predicting school grades.</a:t>
+            </a:r>
+          </a:p>
+          <a:p>
+            <a:r>
+              <a:rPr lang="en-US" dirty="0"/>
+              <a:t>The most important variables based on exploratory analysis are;</a:t>
+            </a:r>
+          </a:p>
+          <a:p>
+            <a:pPr marL="0" indent="0">
+              <a:buNone/>
+            </a:pPr>
+            <a:r>
+              <a:rPr lang="en-GB" dirty="0"/>
+              <a:t>failure</a:t>
+            </a:r>
+            <a:br>
+              <a:rPr lang="en-GB" dirty="0"/>
+            </a:br>
+            <a:r>
+              <a:rPr lang="en-GB" dirty="0"/>
+              <a:t>absences</a:t>
+            </a:r>
+            <a:br>
+              <a:rPr lang="en-GB" dirty="0"/>
+            </a:br>
+            <a:r>
+              <a:rPr lang="en-GB" dirty="0" err="1"/>
+              <a:t>higher.Y</a:t>
+            </a:r>
+            <a:br>
+              <a:rPr lang="en-GB" dirty="0"/>
+            </a:br>
+            <a:r>
+              <a:rPr lang="en-GB" dirty="0"/>
+              <a:t>age</a:t>
+            </a:r>
+          </a:p>
+          <a:p>
+            <a:r>
+              <a:rPr lang="en-GB" dirty="0"/>
+              <a:t>After sampling 5 different algorithms, GBM was the </a:t>
+            </a:r>
+            <a:r>
+              <a:rPr lang="en-GB"/>
+              <a:t>best performing model. </a:t>
+            </a:r>
+            <a:endParaRPr lang="en-US" dirty="0"/>
+          </a:p>
+          <a:p>
+            <a:endParaRPr lang="en-US" dirty="0"/>
+          </a:p>
+        </p:txBody>
+      </p:sp>
     </p:spTree>
     <p:extLst>
       <p:ext uri="{BB962C8B-B14F-4D97-AF65-F5344CB8AC3E}">
-        <p14:creationId xmlns:p14="http://schemas.microsoft.com/office/powerpoint/2010/main" val="3341394575"/>
+        <p14:creationId xmlns:p14="http://schemas.microsoft.com/office/powerpoint/2010/main" val="2396544352"/>
       </p:ext>
     </p:extLst>
   </p:cSld>
@@ -22225,7 +22334,7 @@
 </file>
 
 <file path=ppt/slides/slide19.xml><?xml version="1.0" encoding="utf-8"?>
-<p:sld xmlns:a="http://schemas.openxmlformats.org/drawingml/2006/main" xmlns:r="http://schemas.openxmlformats.org/officeDocument/2006/relationships" xmlns:p="http://schemas.openxmlformats.org/presentationml/2006/main" show="0">
+<p:sld xmlns:a="http://schemas.openxmlformats.org/drawingml/2006/main" xmlns:r="http://schemas.openxmlformats.org/officeDocument/2006/relationships" xmlns:p="http://schemas.openxmlformats.org/presentationml/2006/main">
   <p:cSld>
     <p:spTree>
       <p:nvGrpSpPr>
@@ -22257,41 +22366,45 @@
           <a:lstStyle/>
           <a:p>
             <a:r>
-              <a:rPr lang="en-US" dirty="0"/>
-              <a:t>Variables</a:t>
-            </a:r>
+              <a:rPr lang="en-US"/>
+              <a:t>Works Cited</a:t>
+            </a:r>
+            <a:endParaRPr lang="en-US" dirty="0"/>
           </a:p>
         </p:txBody>
       </p:sp>
-      <p:graphicFrame>
-        <p:nvGraphicFramePr>
-          <p:cNvPr id="4" name="Content Placeholder 2" descr="Horizontal bullet list showing 3 groups arranged adjacent to one another and bullet points are present under each group"/>
-          <p:cNvGraphicFramePr>
-            <a:graphicFrameLocks noGrp="1"/>
-          </p:cNvGraphicFramePr>
+      <p:sp>
+        <p:nvSpPr>
+          <p:cNvPr id="3" name="Content Placeholder 2"/>
+          <p:cNvSpPr>
+            <a:spLocks noGrp="1"/>
+          </p:cNvSpPr>
           <p:nvPr>
             <p:ph idx="1"/>
-            <p:extLst>
-              <p:ext uri="{D42A27DB-BD31-4B8C-83A1-F6EECF244321}">
-                <p14:modId xmlns:p14="http://schemas.microsoft.com/office/powerpoint/2010/main" val="1513669856"/>
-              </p:ext>
-            </p:extLst>
           </p:nvPr>
-        </p:nvGraphicFramePr>
-        <p:xfrm>
-          <a:off x="1066800" y="1714500"/>
-          <a:ext cx="10058400" cy="4457700"/>
-        </p:xfrm>
-        <a:graphic>
-          <a:graphicData uri="http://schemas.openxmlformats.org/drawingml/2006/diagram">
-            <dgm:relIds xmlns:dgm="http://schemas.openxmlformats.org/drawingml/2006/diagram" xmlns:r="http://schemas.openxmlformats.org/officeDocument/2006/relationships" r:dm="rId2" r:lo="rId3" r:qs="rId4" r:cs="rId5"/>
-          </a:graphicData>
-        </a:graphic>
-      </p:graphicFrame>
+        </p:nvSpPr>
+        <p:spPr/>
+        <p:txBody>
+          <a:bodyPr/>
+          <a:lstStyle/>
+          <a:p>
+            <a:r>
+              <a:rPr lang="en-US" dirty="0"/>
+              <a:t>Include print and electronic sources in alphabetical order</a:t>
+            </a:r>
+          </a:p>
+          <a:p>
+            <a:r>
+              <a:rPr lang="en-US" dirty="0"/>
+              <a:t>http://archive.ics.uci.edu/ml/datasets/student+performance</a:t>
+            </a:r>
+          </a:p>
+        </p:txBody>
+      </p:sp>
     </p:spTree>
     <p:extLst>
       <p:ext uri="{BB962C8B-B14F-4D97-AF65-F5344CB8AC3E}">
-        <p14:creationId xmlns:p14="http://schemas.microsoft.com/office/powerpoint/2010/main" val="588768708"/>
+        <p14:creationId xmlns:p14="http://schemas.microsoft.com/office/powerpoint/2010/main" val="1074044145"/>
       </p:ext>
     </p:extLst>
   </p:cSld>
@@ -22354,7 +22467,7 @@
           <a:p>
             <a:r>
               <a:rPr lang="en-US" sz="2800" dirty="0"/>
-              <a:t>This data approach student achievement in secondary education of two Portuguese schools.</a:t>
+              <a:t>This data shows student achievement in secondary education of two Portuguese schools.</a:t>
             </a:r>
             <a:br>
               <a:rPr lang="en-US" sz="2800" dirty="0"/>
@@ -22450,7 +22563,7 @@
 </file>
 
 <file path=ppt/slides/slide20.xml><?xml version="1.0" encoding="utf-8"?>
-<p:sld xmlns:a="http://schemas.openxmlformats.org/drawingml/2006/main" xmlns:r="http://schemas.openxmlformats.org/officeDocument/2006/relationships" xmlns:p="http://schemas.openxmlformats.org/presentationml/2006/main">
+<p:sld xmlns:a="http://schemas.openxmlformats.org/drawingml/2006/main" xmlns:r="http://schemas.openxmlformats.org/officeDocument/2006/relationships" xmlns:p="http://schemas.openxmlformats.org/presentationml/2006/main" show="0">
   <p:cSld>
     <p:spTree>
       <p:nvGrpSpPr>
@@ -22482,42 +22595,42 @@
           <a:lstStyle/>
           <a:p>
             <a:r>
-              <a:rPr lang="en-US" dirty="0"/>
-              <a:t>Analysis</a:t>
-            </a:r>
+              <a:rPr lang="en-GB" dirty="0"/>
+              <a:t>Dummy Variables</a:t>
+            </a:r>
+            <a:endParaRPr lang="en-US" dirty="0"/>
           </a:p>
         </p:txBody>
       </p:sp>
-      <p:sp>
-        <p:nvSpPr>
-          <p:cNvPr id="3" name="Text Placeholder 2"/>
-          <p:cNvSpPr>
-            <a:spLocks noGrp="1"/>
-          </p:cNvSpPr>
+      <p:graphicFrame>
+        <p:nvGraphicFramePr>
+          <p:cNvPr id="4" name="Content Placeholder 2" descr="Accent process showing 4 groups arranged from left to right with task descriptions under each group"/>
+          <p:cNvGraphicFramePr>
+            <a:graphicFrameLocks noGrp="1"/>
+          </p:cNvGraphicFramePr>
           <p:nvPr>
-            <p:ph type="body" idx="1"/>
+            <p:ph idx="1"/>
+            <p:extLst>
+              <p:ext uri="{D42A27DB-BD31-4B8C-83A1-F6EECF244321}">
+                <p14:modId xmlns:p14="http://schemas.microsoft.com/office/powerpoint/2010/main" val="2607036372"/>
+              </p:ext>
+            </p:extLst>
           </p:nvPr>
-        </p:nvSpPr>
-        <p:spPr/>
-        <p:txBody>
-          <a:bodyPr/>
-          <a:lstStyle/>
-          <a:p>
-            <a:r>
-              <a:rPr lang="en-US" dirty="0">
-                <a:solidFill>
-                  <a:schemeClr val="tx1"/>
-                </a:solidFill>
-              </a:rPr>
-              <a:t>Hypothesis</a:t>
-            </a:r>
-          </a:p>
-        </p:txBody>
-      </p:sp>
+        </p:nvGraphicFramePr>
+        <p:xfrm>
+          <a:off x="1066800" y="1714500"/>
+          <a:ext cx="10058400" cy="4457700"/>
+        </p:xfrm>
+        <a:graphic>
+          <a:graphicData uri="http://schemas.openxmlformats.org/drawingml/2006/diagram">
+            <dgm:relIds xmlns:dgm="http://schemas.openxmlformats.org/drawingml/2006/diagram" xmlns:r="http://schemas.openxmlformats.org/officeDocument/2006/relationships" r:dm="rId3" r:lo="rId4" r:qs="rId5" r:cs="rId6"/>
+          </a:graphicData>
+        </a:graphic>
+      </p:graphicFrame>
     </p:spTree>
     <p:extLst>
       <p:ext uri="{BB962C8B-B14F-4D97-AF65-F5344CB8AC3E}">
-        <p14:creationId xmlns:p14="http://schemas.microsoft.com/office/powerpoint/2010/main" val="232024693"/>
+        <p14:creationId xmlns:p14="http://schemas.microsoft.com/office/powerpoint/2010/main" val="3341394575"/>
       </p:ext>
     </p:extLst>
   </p:cSld>
@@ -22540,7 +22653,7 @@
 </file>
 
 <file path=ppt/slides/slide21.xml><?xml version="1.0" encoding="utf-8"?>
-<p:sld xmlns:a="http://schemas.openxmlformats.org/drawingml/2006/main" xmlns:r="http://schemas.openxmlformats.org/officeDocument/2006/relationships" xmlns:p="http://schemas.openxmlformats.org/presentationml/2006/main">
+<p:sld xmlns:a="http://schemas.openxmlformats.org/drawingml/2006/main" xmlns:r="http://schemas.openxmlformats.org/officeDocument/2006/relationships" xmlns:p="http://schemas.openxmlformats.org/presentationml/2006/main" show="0">
   <p:cSld>
     <p:spTree>
       <p:nvGrpSpPr>
@@ -22573,50 +22686,40 @@
           <a:p>
             <a:r>
               <a:rPr lang="en-US" dirty="0"/>
-              <a:t>Analysis</a:t>
+              <a:t>Variables</a:t>
             </a:r>
           </a:p>
         </p:txBody>
       </p:sp>
-      <p:sp>
-        <p:nvSpPr>
-          <p:cNvPr id="3" name="Content Placeholder 2"/>
-          <p:cNvSpPr>
-            <a:spLocks noGrp="1"/>
-          </p:cNvSpPr>
+      <p:graphicFrame>
+        <p:nvGraphicFramePr>
+          <p:cNvPr id="4" name="Content Placeholder 2" descr="Horizontal bullet list showing 3 groups arranged adjacent to one another and bullet points are present under each group"/>
+          <p:cNvGraphicFramePr>
+            <a:graphicFrameLocks noGrp="1"/>
+          </p:cNvGraphicFramePr>
           <p:nvPr>
             <p:ph idx="1"/>
+            <p:extLst>
+              <p:ext uri="{D42A27DB-BD31-4B8C-83A1-F6EECF244321}">
+                <p14:modId xmlns:p14="http://schemas.microsoft.com/office/powerpoint/2010/main" val="1513669856"/>
+              </p:ext>
+            </p:extLst>
           </p:nvPr>
-        </p:nvSpPr>
-        <p:spPr/>
-        <p:txBody>
-          <a:bodyPr/>
-          <a:lstStyle/>
-          <a:p>
-            <a:r>
-              <a:rPr lang="en-US"/>
-              <a:t>First research point</a:t>
-            </a:r>
-          </a:p>
-          <a:p>
-            <a:r>
-              <a:rPr lang="en-US"/>
-              <a:t>Second research point</a:t>
-            </a:r>
-          </a:p>
-          <a:p>
-            <a:r>
-              <a:rPr lang="en-US"/>
-              <a:t>Third research point</a:t>
-            </a:r>
-            <a:endParaRPr lang="en-US" dirty="0"/>
-          </a:p>
-        </p:txBody>
-      </p:sp>
+        </p:nvGraphicFramePr>
+        <p:xfrm>
+          <a:off x="1066800" y="1714500"/>
+          <a:ext cx="10058400" cy="4457700"/>
+        </p:xfrm>
+        <a:graphic>
+          <a:graphicData uri="http://schemas.openxmlformats.org/drawingml/2006/diagram">
+            <dgm:relIds xmlns:dgm="http://schemas.openxmlformats.org/drawingml/2006/diagram" xmlns:r="http://schemas.openxmlformats.org/officeDocument/2006/relationships" r:dm="rId2" r:lo="rId3" r:qs="rId4" r:cs="rId5"/>
+          </a:graphicData>
+        </a:graphic>
+      </p:graphicFrame>
     </p:spTree>
     <p:extLst>
       <p:ext uri="{BB962C8B-B14F-4D97-AF65-F5344CB8AC3E}">
-        <p14:creationId xmlns:p14="http://schemas.microsoft.com/office/powerpoint/2010/main" val="1918831607"/>
+        <p14:creationId xmlns:p14="http://schemas.microsoft.com/office/powerpoint/2010/main" val="588768708"/>
       </p:ext>
     </p:extLst>
   </p:cSld>
@@ -22672,19 +22775,19 @@
           <a:p>
             <a:r>
               <a:rPr lang="en-US" dirty="0"/>
-              <a:t>Feature Importance</a:t>
+              <a:t>Analysis</a:t>
             </a:r>
           </a:p>
         </p:txBody>
       </p:sp>
       <p:sp>
         <p:nvSpPr>
-          <p:cNvPr id="3" name="Content Placeholder 2"/>
+          <p:cNvPr id="3" name="Text Placeholder 2"/>
           <p:cNvSpPr>
             <a:spLocks noGrp="1"/>
           </p:cNvSpPr>
           <p:nvPr>
-            <p:ph idx="1"/>
+            <p:ph type="body" idx="1"/>
           </p:nvPr>
         </p:nvSpPr>
         <p:spPr/>
@@ -22693,29 +22796,20 @@
           <a:lstStyle/>
           <a:p>
             <a:r>
-              <a:rPr lang="en-US"/>
-              <a:t>First research point</a:t>
-            </a:r>
-          </a:p>
-          <a:p>
-            <a:r>
-              <a:rPr lang="en-US"/>
-              <a:t>Second research point</a:t>
-            </a:r>
-          </a:p>
-          <a:p>
-            <a:r>
-              <a:rPr lang="en-US"/>
-              <a:t>Third research point</a:t>
-            </a:r>
-            <a:endParaRPr lang="en-US" dirty="0"/>
+              <a:rPr lang="en-US" dirty="0">
+                <a:solidFill>
+                  <a:schemeClr val="tx1"/>
+                </a:solidFill>
+              </a:rPr>
+              <a:t>Hypothesis</a:t>
+            </a:r>
           </a:p>
         </p:txBody>
       </p:sp>
     </p:spTree>
     <p:extLst>
       <p:ext uri="{BB962C8B-B14F-4D97-AF65-F5344CB8AC3E}">
-        <p14:creationId xmlns:p14="http://schemas.microsoft.com/office/powerpoint/2010/main" val="3778178739"/>
+        <p14:creationId xmlns:p14="http://schemas.microsoft.com/office/powerpoint/2010/main" val="232024693"/>
       </p:ext>
     </p:extLst>
   </p:cSld>
@@ -22771,7 +22865,7 @@
           <a:p>
             <a:r>
               <a:rPr lang="en-US" dirty="0"/>
-              <a:t>Conclusion</a:t>
+              <a:t>Analysis</a:t>
             </a:r>
           </a:p>
         </p:txBody>
@@ -22792,22 +22886,29 @@
           <a:lstStyle/>
           <a:p>
             <a:r>
-              <a:rPr lang="en-US" dirty="0"/>
-              <a:t>Brief summary of what you discovered based on results</a:t>
-            </a:r>
-          </a:p>
-          <a:p>
-            <a:r>
-              <a:rPr lang="en-US" dirty="0"/>
-              <a:t>Indicate and explain whether or not the data supports your hypothesis</a:t>
-            </a:r>
+              <a:rPr lang="en-US"/>
+              <a:t>First research point</a:t>
+            </a:r>
+          </a:p>
+          <a:p>
+            <a:r>
+              <a:rPr lang="en-US"/>
+              <a:t>Second research point</a:t>
+            </a:r>
+          </a:p>
+          <a:p>
+            <a:r>
+              <a:rPr lang="en-US"/>
+              <a:t>Third research point</a:t>
+            </a:r>
+            <a:endParaRPr lang="en-US" dirty="0"/>
           </a:p>
         </p:txBody>
       </p:sp>
     </p:spTree>
     <p:extLst>
       <p:ext uri="{BB962C8B-B14F-4D97-AF65-F5344CB8AC3E}">
-        <p14:creationId xmlns:p14="http://schemas.microsoft.com/office/powerpoint/2010/main" val="2396544352"/>
+        <p14:creationId xmlns:p14="http://schemas.microsoft.com/office/powerpoint/2010/main" val="1918831607"/>
       </p:ext>
     </p:extLst>
   </p:cSld>
@@ -22830,6 +22931,105 @@
 </file>
 
 <file path=ppt/slides/slide24.xml><?xml version="1.0" encoding="utf-8"?>
+<p:sld xmlns:a="http://schemas.openxmlformats.org/drawingml/2006/main" xmlns:r="http://schemas.openxmlformats.org/officeDocument/2006/relationships" xmlns:p="http://schemas.openxmlformats.org/presentationml/2006/main">
+  <p:cSld>
+    <p:spTree>
+      <p:nvGrpSpPr>
+        <p:cNvPr id="1" name=""/>
+        <p:cNvGrpSpPr/>
+        <p:nvPr/>
+      </p:nvGrpSpPr>
+      <p:grpSpPr>
+        <a:xfrm>
+          <a:off x="0" y="0"/>
+          <a:ext cx="0" cy="0"/>
+          <a:chOff x="0" y="0"/>
+          <a:chExt cx="0" cy="0"/>
+        </a:xfrm>
+      </p:grpSpPr>
+      <p:sp>
+        <p:nvSpPr>
+          <p:cNvPr id="2" name="Title 1"/>
+          <p:cNvSpPr>
+            <a:spLocks noGrp="1"/>
+          </p:cNvSpPr>
+          <p:nvPr>
+            <p:ph type="title"/>
+          </p:nvPr>
+        </p:nvSpPr>
+        <p:spPr/>
+        <p:txBody>
+          <a:bodyPr/>
+          <a:lstStyle/>
+          <a:p>
+            <a:r>
+              <a:rPr lang="en-US" dirty="0"/>
+              <a:t>Feature Importance</a:t>
+            </a:r>
+          </a:p>
+        </p:txBody>
+      </p:sp>
+      <p:sp>
+        <p:nvSpPr>
+          <p:cNvPr id="3" name="Content Placeholder 2"/>
+          <p:cNvSpPr>
+            <a:spLocks noGrp="1"/>
+          </p:cNvSpPr>
+          <p:nvPr>
+            <p:ph idx="1"/>
+          </p:nvPr>
+        </p:nvSpPr>
+        <p:spPr/>
+        <p:txBody>
+          <a:bodyPr/>
+          <a:lstStyle/>
+          <a:p>
+            <a:r>
+              <a:rPr lang="en-US"/>
+              <a:t>First research point</a:t>
+            </a:r>
+          </a:p>
+          <a:p>
+            <a:r>
+              <a:rPr lang="en-US"/>
+              <a:t>Second research point</a:t>
+            </a:r>
+          </a:p>
+          <a:p>
+            <a:r>
+              <a:rPr lang="en-US"/>
+              <a:t>Third research point</a:t>
+            </a:r>
+            <a:endParaRPr lang="en-US" dirty="0"/>
+          </a:p>
+        </p:txBody>
+      </p:sp>
+    </p:spTree>
+    <p:extLst>
+      <p:ext uri="{BB962C8B-B14F-4D97-AF65-F5344CB8AC3E}">
+        <p14:creationId xmlns:p14="http://schemas.microsoft.com/office/powerpoint/2010/main" val="3778178739"/>
+      </p:ext>
+    </p:extLst>
+  </p:cSld>
+  <p:clrMapOvr>
+    <a:masterClrMapping/>
+  </p:clrMapOvr>
+  <mc:AlternateContent xmlns:mc="http://schemas.openxmlformats.org/markup-compatibility/2006" xmlns:p14="http://schemas.microsoft.com/office/powerpoint/2010/main">
+    <mc:Choice Requires="p14">
+      <p:transition spd="med" p14:dur="700">
+        <p:fade/>
+      </p:transition>
+    </mc:Choice>
+    <mc:Fallback xmlns="">
+      <p:transition spd="med">
+        <p:fade/>
+      </p:transition>
+    </mc:Fallback>
+  </mc:AlternateContent>
+</p:sld>
+</file>
+
+<file path=ppt/slides/slide25.xml><?xml version="1.0" encoding="utf-8"?>
 <p:sld xmlns:a="http://schemas.openxmlformats.org/drawingml/2006/main" xmlns:r="http://schemas.openxmlformats.org/officeDocument/2006/relationships" xmlns:p="http://schemas.openxmlformats.org/presentationml/2006/main" show="0">
   <p:cSld>
     <p:spTree>
@@ -23224,7 +23424,7 @@
 </p:sld>
 </file>
 
-<file path=ppt/slides/slide25.xml><?xml version="1.0" encoding="utf-8"?>
+<file path=ppt/slides/slide26.xml><?xml version="1.0" encoding="utf-8"?>
 <p:sld xmlns:a="http://schemas.openxmlformats.org/drawingml/2006/main" xmlns:r="http://schemas.openxmlformats.org/officeDocument/2006/relationships" xmlns:p="http://schemas.openxmlformats.org/presentationml/2006/main" show="0">
   <p:cSld>
     <p:spTree>
@@ -23288,119 +23488,6 @@
     <p:extLst>
       <p:ext uri="{BB962C8B-B14F-4D97-AF65-F5344CB8AC3E}">
         <p14:creationId xmlns:p14="http://schemas.microsoft.com/office/powerpoint/2010/main" val="1569005203"/>
-      </p:ext>
-    </p:extLst>
-  </p:cSld>
-  <p:clrMapOvr>
-    <a:masterClrMapping/>
-  </p:clrMapOvr>
-  <mc:AlternateContent xmlns:mc="http://schemas.openxmlformats.org/markup-compatibility/2006" xmlns:p14="http://schemas.microsoft.com/office/powerpoint/2010/main">
-    <mc:Choice Requires="p14">
-      <p:transition spd="med" p14:dur="700">
-        <p:fade/>
-      </p:transition>
-    </mc:Choice>
-    <mc:Fallback xmlns="">
-      <p:transition spd="med">
-        <p:fade/>
-      </p:transition>
-    </mc:Fallback>
-  </mc:AlternateContent>
-</p:sld>
-</file>
-
-<file path=ppt/slides/slide26.xml><?xml version="1.0" encoding="utf-8"?>
-<p:sld xmlns:a="http://schemas.openxmlformats.org/drawingml/2006/main" xmlns:r="http://schemas.openxmlformats.org/officeDocument/2006/relationships" xmlns:p="http://schemas.openxmlformats.org/presentationml/2006/main">
-  <p:cSld>
-    <p:spTree>
-      <p:nvGrpSpPr>
-        <p:cNvPr id="1" name=""/>
-        <p:cNvGrpSpPr/>
-        <p:nvPr/>
-      </p:nvGrpSpPr>
-      <p:grpSpPr>
-        <a:xfrm>
-          <a:off x="0" y="0"/>
-          <a:ext cx="0" cy="0"/>
-          <a:chOff x="0" y="0"/>
-          <a:chExt cx="0" cy="0"/>
-        </a:xfrm>
-      </p:grpSpPr>
-      <p:sp>
-        <p:nvSpPr>
-          <p:cNvPr id="2" name="Title 1"/>
-          <p:cNvSpPr>
-            <a:spLocks noGrp="1"/>
-          </p:cNvSpPr>
-          <p:nvPr>
-            <p:ph type="title"/>
-          </p:nvPr>
-        </p:nvSpPr>
-        <p:spPr/>
-        <p:txBody>
-          <a:bodyPr/>
-          <a:lstStyle/>
-          <a:p>
-            <a:r>
-              <a:rPr lang="en-US"/>
-              <a:t>Data/Observations</a:t>
-            </a:r>
-            <a:endParaRPr lang="en-US" dirty="0"/>
-          </a:p>
-        </p:txBody>
-      </p:sp>
-      <p:sp>
-        <p:nvSpPr>
-          <p:cNvPr id="3" name="Text Placeholder 2"/>
-          <p:cNvSpPr>
-            <a:spLocks noGrp="1"/>
-          </p:cNvSpPr>
-          <p:nvPr>
-            <p:ph type="body" sz="half" idx="2"/>
-          </p:nvPr>
-        </p:nvSpPr>
-        <p:spPr/>
-        <p:txBody>
-          <a:bodyPr/>
-          <a:lstStyle/>
-          <a:p>
-            <a:r>
-              <a:rPr lang="en-US"/>
-              <a:t>Include Observation based on the data from your experiments</a:t>
-            </a:r>
-            <a:endParaRPr lang="en-US" dirty="0"/>
-          </a:p>
-        </p:txBody>
-      </p:sp>
-      <p:graphicFrame>
-        <p:nvGraphicFramePr>
-          <p:cNvPr id="6" name="Content Placeholder 3" descr="Clustered column chart showing the values of 3 series for 4 categories"/>
-          <p:cNvGraphicFramePr>
-            <a:graphicFrameLocks noGrp="1"/>
-          </p:cNvGraphicFramePr>
-          <p:nvPr>
-            <p:ph idx="1"/>
-            <p:extLst>
-              <p:ext uri="{D42A27DB-BD31-4B8C-83A1-F6EECF244321}">
-                <p14:modId xmlns:p14="http://schemas.microsoft.com/office/powerpoint/2010/main" val="1094775993"/>
-              </p:ext>
-            </p:extLst>
-          </p:nvPr>
-        </p:nvGraphicFramePr>
-        <p:xfrm>
-          <a:off x="4699000" y="465138"/>
-          <a:ext cx="7048500" cy="5935662"/>
-        </p:xfrm>
-        <a:graphic>
-          <a:graphicData uri="http://schemas.openxmlformats.org/drawingml/2006/chart">
-            <c:chart xmlns:c="http://schemas.openxmlformats.org/drawingml/2006/chart" xmlns:r="http://schemas.openxmlformats.org/officeDocument/2006/relationships" r:id="rId2"/>
-          </a:graphicData>
-        </a:graphic>
-      </p:graphicFrame>
-    </p:spTree>
-    <p:extLst>
-      <p:ext uri="{BB962C8B-B14F-4D97-AF65-F5344CB8AC3E}">
-        <p14:creationId xmlns:p14="http://schemas.microsoft.com/office/powerpoint/2010/main" val="2605552468"/>
       </p:ext>
     </p:extLst>
   </p:cSld>
@@ -23456,7 +23543,7 @@
           <a:p>
             <a:r>
               <a:rPr lang="en-US"/>
-              <a:t>Works Cited</a:t>
+              <a:t>Data/Observations</a:t>
             </a:r>
             <a:endParaRPr lang="en-US" dirty="0"/>
           </a:p>
@@ -23464,12 +23551,12 @@
       </p:sp>
       <p:sp>
         <p:nvSpPr>
-          <p:cNvPr id="3" name="Content Placeholder 2"/>
+          <p:cNvPr id="3" name="Text Placeholder 2"/>
           <p:cNvSpPr>
             <a:spLocks noGrp="1"/>
           </p:cNvSpPr>
           <p:nvPr>
-            <p:ph idx="1"/>
+            <p:ph type="body" sz="half" idx="2"/>
           </p:nvPr>
         </p:nvSpPr>
         <p:spPr/>
@@ -23478,22 +23565,42 @@
           <a:lstStyle/>
           <a:p>
             <a:r>
-              <a:rPr lang="en-US" dirty="0"/>
-              <a:t>Include print and electronic sources in alphabetical order</a:t>
-            </a:r>
-          </a:p>
-          <a:p>
-            <a:r>
-              <a:rPr lang="en-US" dirty="0"/>
-              <a:t>http://archive.ics.uci.edu/ml/datasets/student+performance</a:t>
-            </a:r>
+              <a:rPr lang="en-US"/>
+              <a:t>Include Observation based on the data from your experiments</a:t>
+            </a:r>
+            <a:endParaRPr lang="en-US" dirty="0"/>
           </a:p>
         </p:txBody>
       </p:sp>
+      <p:graphicFrame>
+        <p:nvGraphicFramePr>
+          <p:cNvPr id="6" name="Content Placeholder 3" descr="Clustered column chart showing the values of 3 series for 4 categories"/>
+          <p:cNvGraphicFramePr>
+            <a:graphicFrameLocks noGrp="1"/>
+          </p:cNvGraphicFramePr>
+          <p:nvPr>
+            <p:ph idx="1"/>
+            <p:extLst>
+              <p:ext uri="{D42A27DB-BD31-4B8C-83A1-F6EECF244321}">
+                <p14:modId xmlns:p14="http://schemas.microsoft.com/office/powerpoint/2010/main" val="1094775993"/>
+              </p:ext>
+            </p:extLst>
+          </p:nvPr>
+        </p:nvGraphicFramePr>
+        <p:xfrm>
+          <a:off x="4699000" y="465138"/>
+          <a:ext cx="7048500" cy="5935662"/>
+        </p:xfrm>
+        <a:graphic>
+          <a:graphicData uri="http://schemas.openxmlformats.org/drawingml/2006/chart">
+            <c:chart xmlns:c="http://schemas.openxmlformats.org/drawingml/2006/chart" xmlns:r="http://schemas.openxmlformats.org/officeDocument/2006/relationships" r:id="rId2"/>
+          </a:graphicData>
+        </a:graphic>
+      </p:graphicFrame>
     </p:spTree>
     <p:extLst>
       <p:ext uri="{BB962C8B-B14F-4D97-AF65-F5344CB8AC3E}">
-        <p14:creationId xmlns:p14="http://schemas.microsoft.com/office/powerpoint/2010/main" val="1074044145"/>
+        <p14:creationId xmlns:p14="http://schemas.microsoft.com/office/powerpoint/2010/main" val="2605552468"/>
       </p:ext>
     </p:extLst>
   </p:cSld>
@@ -23802,15 +23909,7 @@
           <a:p>
             <a:r>
               <a:rPr lang="en-GB" dirty="0"/>
-              <a:t>Created a P/F variable based on </a:t>
-            </a:r>
-            <a:r>
-              <a:rPr lang="en-GB" dirty="0" err="1"/>
-              <a:t>psssing</a:t>
-            </a:r>
-            <a:r>
-              <a:rPr lang="en-GB" dirty="0"/>
-              <a:t> mark for Schools in Portugal ( Exams are scaled on 0-20 with a pass mark of 9.</a:t>
+              <a:t>Created a P/F variable based on passing mark for Schools in Portugal ( Exams are scaled on 0-20 with a pass mark of 9.</a:t>
             </a:r>
           </a:p>
         </p:txBody>
@@ -23908,7 +24007,7 @@
           <a:p>
             <a:r>
               <a:rPr lang="en-US" dirty="0"/>
-              <a:t>Each category was converted into a separate binary variable with a value of either 1 or 0. This increased the number of variables from 32 to 53.</a:t>
+              <a:t>Each factor was converted into a separate binary variable with a value of either 1 or 0. This increased the number of variables from 32 to 53.</a:t>
             </a:r>
           </a:p>
         </p:txBody>

--- a/Student Alcohol Consumption Data Science Project.pptx
+++ b/Student Alcohol Consumption Data Science Project.pptx
@@ -16423,7 +16423,7 @@
         <p:spPr/>
         <p:txBody>
           <a:bodyPr>
-            <a:normAutofit fontScale="70000" lnSpcReduction="20000"/>
+            <a:normAutofit fontScale="62500" lnSpcReduction="20000"/>
           </a:bodyPr>
           <a:lstStyle/>
           <a:p>
@@ -16471,23 +16471,25 @@
           <a:p>
             <a:r>
               <a:rPr lang="en-GB" sz="3800" dirty="0"/>
-              <a:t>After sampling 5 different algorithms, GBM was the best performing model with a ROC </a:t>
+              <a:t>After sampling 5 different algorithms, GBM was the best performing model with a ROC of 0.7399 and an Area under Curve (AUC) of 0.686</a:t>
+            </a:r>
+          </a:p>
+          <a:p>
+            <a:r>
+              <a:rPr lang="en-GB" sz="3800" dirty="0"/>
+              <a:t>Model could be improved by </a:t>
+            </a:r>
+            <a:r>
+              <a:rPr lang="en-GB" sz="3800" dirty="0" err="1"/>
+              <a:t>Ensembling</a:t>
+            </a:r>
+            <a:r>
+              <a:rPr lang="en-GB" sz="3800" dirty="0"/>
+              <a:t> or removing variables form model that don’t contribute to </a:t>
             </a:r>
             <a:r>
               <a:rPr lang="en-GB" sz="3800"/>
-              <a:t>of 0.7399 </a:t>
-            </a:r>
-            <a:r>
-              <a:rPr lang="en-GB" sz="3800" dirty="0"/>
-              <a:t>and an Area under </a:t>
-            </a:r>
-            <a:r>
-              <a:rPr lang="en-GB" sz="3800"/>
-              <a:t>Curve (AUC) of </a:t>
-            </a:r>
-            <a:r>
-              <a:rPr lang="en-GB" sz="3800" dirty="0"/>
-              <a:t>0.686</a:t>
+              <a:t>it (PCA).</a:t>
             </a:r>
             <a:endParaRPr lang="en-US" sz="3800" dirty="0"/>
           </a:p>

--- a/Student Alcohol Consumption Data Science Project.pptx
+++ b/Student Alcohol Consumption Data Science Project.pptx
@@ -6,10 +6,10 @@
     <p:sldMasterId id="2147483660" r:id="rId2"/>
   </p:sldMasterIdLst>
   <p:notesMasterIdLst>
-    <p:notesMasterId r:id="rId30"/>
+    <p:notesMasterId r:id="rId25"/>
   </p:notesMasterIdLst>
   <p:handoutMasterIdLst>
-    <p:handoutMasterId r:id="rId31"/>
+    <p:handoutMasterId r:id="rId26"/>
   </p:handoutMasterIdLst>
   <p:sldIdLst>
     <p:sldId id="267" r:id="rId3"/>
@@ -18,27 +18,22 @@
     <p:sldId id="258" r:id="rId6"/>
     <p:sldId id="289" r:id="rId7"/>
     <p:sldId id="290" r:id="rId8"/>
-    <p:sldId id="268" r:id="rId9"/>
-    <p:sldId id="259" r:id="rId10"/>
-    <p:sldId id="270" r:id="rId11"/>
-    <p:sldId id="285" r:id="rId12"/>
-    <p:sldId id="271" r:id="rId13"/>
-    <p:sldId id="278" r:id="rId14"/>
-    <p:sldId id="280" r:id="rId15"/>
-    <p:sldId id="281" r:id="rId16"/>
-    <p:sldId id="261" r:id="rId17"/>
-    <p:sldId id="283" r:id="rId18"/>
-    <p:sldId id="284" r:id="rId19"/>
-    <p:sldId id="282" r:id="rId20"/>
-    <p:sldId id="287" r:id="rId21"/>
-    <p:sldId id="286" r:id="rId22"/>
+    <p:sldId id="259" r:id="rId9"/>
+    <p:sldId id="270" r:id="rId10"/>
+    <p:sldId id="285" r:id="rId11"/>
+    <p:sldId id="271" r:id="rId12"/>
+    <p:sldId id="278" r:id="rId13"/>
+    <p:sldId id="280" r:id="rId14"/>
+    <p:sldId id="281" r:id="rId15"/>
+    <p:sldId id="261" r:id="rId16"/>
+    <p:sldId id="283" r:id="rId17"/>
+    <p:sldId id="284" r:id="rId18"/>
+    <p:sldId id="282" r:id="rId19"/>
+    <p:sldId id="287" r:id="rId20"/>
+    <p:sldId id="286" r:id="rId21"/>
+    <p:sldId id="292" r:id="rId22"/>
     <p:sldId id="265" r:id="rId23"/>
     <p:sldId id="266" r:id="rId24"/>
-    <p:sldId id="273" r:id="rId25"/>
-    <p:sldId id="274" r:id="rId26"/>
-    <p:sldId id="275" r:id="rId27"/>
-    <p:sldId id="272" r:id="rId28"/>
-    <p:sldId id="264" r:id="rId29"/>
   </p:sldIdLst>
   <p:sldSz cx="12192000" cy="6858000"/>
   <p:notesSz cx="6858000" cy="9144000"/>
@@ -159,4643 +154,6 @@
 </p:presentation>
 </file>
 
-<file path=ppt/charts/chart1.xml><?xml version="1.0" encoding="utf-8"?>
-<c:chartSpace xmlns:c="http://schemas.openxmlformats.org/drawingml/2006/chart" xmlns:a="http://schemas.openxmlformats.org/drawingml/2006/main" xmlns:r="http://schemas.openxmlformats.org/officeDocument/2006/relationships" xmlns:c16r2="http://schemas.microsoft.com/office/drawing/2015/06/chart">
-  <c:date1904 val="0"/>
-  <c:lang val="en-US"/>
-  <c:roundedCorners val="0"/>
-  <mc:AlternateContent xmlns:mc="http://schemas.openxmlformats.org/markup-compatibility/2006">
-    <mc:Choice xmlns:c14="http://schemas.microsoft.com/office/drawing/2007/8/2/chart" Requires="c14">
-      <c14:style val="102"/>
-    </mc:Choice>
-    <mc:Fallback>
-      <c:style val="2"/>
-    </mc:Fallback>
-  </mc:AlternateContent>
-  <c:chart>
-    <c:autoTitleDeleted val="1"/>
-    <c:plotArea>
-      <c:layout/>
-      <c:barChart>
-        <c:barDir val="col"/>
-        <c:grouping val="clustered"/>
-        <c:varyColors val="0"/>
-        <c:ser>
-          <c:idx val="0"/>
-          <c:order val="0"/>
-          <c:tx>
-            <c:strRef>
-              <c:f>Sheet1!$B$1</c:f>
-              <c:strCache>
-                <c:ptCount val="1"/>
-                <c:pt idx="0">
-                  <c:v>Series 1</c:v>
-                </c:pt>
-              </c:strCache>
-            </c:strRef>
-          </c:tx>
-          <c:spPr>
-            <a:solidFill>
-              <a:schemeClr val="accent1">
-                <a:alpha val="70000"/>
-              </a:schemeClr>
-            </a:solidFill>
-            <a:ln>
-              <a:noFill/>
-            </a:ln>
-            <a:effectLst/>
-          </c:spPr>
-          <c:invertIfNegative val="0"/>
-          <c:cat>
-            <c:strRef>
-              <c:f>Sheet1!$A$2:$A$5</c:f>
-              <c:strCache>
-                <c:ptCount val="4"/>
-                <c:pt idx="0">
-                  <c:v>Category 1</c:v>
-                </c:pt>
-                <c:pt idx="1">
-                  <c:v>Category 2</c:v>
-                </c:pt>
-                <c:pt idx="2">
-                  <c:v>Category 3</c:v>
-                </c:pt>
-                <c:pt idx="3">
-                  <c:v>Category 4</c:v>
-                </c:pt>
-              </c:strCache>
-            </c:strRef>
-          </c:cat>
-          <c:val>
-            <c:numRef>
-              <c:f>Sheet1!$B$2:$B$5</c:f>
-              <c:numCache>
-                <c:formatCode>General</c:formatCode>
-                <c:ptCount val="4"/>
-                <c:pt idx="0">
-                  <c:v>4.3</c:v>
-                </c:pt>
-                <c:pt idx="1">
-                  <c:v>2.5</c:v>
-                </c:pt>
-                <c:pt idx="2">
-                  <c:v>3.5</c:v>
-                </c:pt>
-                <c:pt idx="3">
-                  <c:v>4.5</c:v>
-                </c:pt>
-              </c:numCache>
-            </c:numRef>
-          </c:val>
-          <c:extLst>
-            <c:ext xmlns:c16="http://schemas.microsoft.com/office/drawing/2014/chart" uri="{C3380CC4-5D6E-409C-BE32-E72D297353CC}">
-              <c16:uniqueId val="{00000000-9A68-4F35-B2E9-F60DB200EE2F}"/>
-            </c:ext>
-          </c:extLst>
-        </c:ser>
-        <c:ser>
-          <c:idx val="1"/>
-          <c:order val="1"/>
-          <c:tx>
-            <c:strRef>
-              <c:f>Sheet1!$C$1</c:f>
-              <c:strCache>
-                <c:ptCount val="1"/>
-                <c:pt idx="0">
-                  <c:v>Series 2</c:v>
-                </c:pt>
-              </c:strCache>
-            </c:strRef>
-          </c:tx>
-          <c:spPr>
-            <a:solidFill>
-              <a:schemeClr val="accent2">
-                <a:alpha val="70000"/>
-              </a:schemeClr>
-            </a:solidFill>
-            <a:ln>
-              <a:noFill/>
-            </a:ln>
-            <a:effectLst/>
-          </c:spPr>
-          <c:invertIfNegative val="0"/>
-          <c:cat>
-            <c:strRef>
-              <c:f>Sheet1!$A$2:$A$5</c:f>
-              <c:strCache>
-                <c:ptCount val="4"/>
-                <c:pt idx="0">
-                  <c:v>Category 1</c:v>
-                </c:pt>
-                <c:pt idx="1">
-                  <c:v>Category 2</c:v>
-                </c:pt>
-                <c:pt idx="2">
-                  <c:v>Category 3</c:v>
-                </c:pt>
-                <c:pt idx="3">
-                  <c:v>Category 4</c:v>
-                </c:pt>
-              </c:strCache>
-            </c:strRef>
-          </c:cat>
-          <c:val>
-            <c:numRef>
-              <c:f>Sheet1!$C$2:$C$5</c:f>
-              <c:numCache>
-                <c:formatCode>General</c:formatCode>
-                <c:ptCount val="4"/>
-                <c:pt idx="0">
-                  <c:v>2.4</c:v>
-                </c:pt>
-                <c:pt idx="1">
-                  <c:v>4.4000000000000004</c:v>
-                </c:pt>
-                <c:pt idx="2">
-                  <c:v>1.8</c:v>
-                </c:pt>
-                <c:pt idx="3">
-                  <c:v>2.8</c:v>
-                </c:pt>
-              </c:numCache>
-            </c:numRef>
-          </c:val>
-          <c:extLst>
-            <c:ext xmlns:c16="http://schemas.microsoft.com/office/drawing/2014/chart" uri="{C3380CC4-5D6E-409C-BE32-E72D297353CC}">
-              <c16:uniqueId val="{00000001-9A68-4F35-B2E9-F60DB200EE2F}"/>
-            </c:ext>
-          </c:extLst>
-        </c:ser>
-        <c:ser>
-          <c:idx val="2"/>
-          <c:order val="2"/>
-          <c:tx>
-            <c:strRef>
-              <c:f>Sheet1!$D$1</c:f>
-              <c:strCache>
-                <c:ptCount val="1"/>
-                <c:pt idx="0">
-                  <c:v>Series 3</c:v>
-                </c:pt>
-              </c:strCache>
-            </c:strRef>
-          </c:tx>
-          <c:spPr>
-            <a:solidFill>
-              <a:schemeClr val="accent3">
-                <a:alpha val="70000"/>
-              </a:schemeClr>
-            </a:solidFill>
-            <a:ln>
-              <a:noFill/>
-            </a:ln>
-            <a:effectLst/>
-          </c:spPr>
-          <c:invertIfNegative val="0"/>
-          <c:cat>
-            <c:strRef>
-              <c:f>Sheet1!$A$2:$A$5</c:f>
-              <c:strCache>
-                <c:ptCount val="4"/>
-                <c:pt idx="0">
-                  <c:v>Category 1</c:v>
-                </c:pt>
-                <c:pt idx="1">
-                  <c:v>Category 2</c:v>
-                </c:pt>
-                <c:pt idx="2">
-                  <c:v>Category 3</c:v>
-                </c:pt>
-                <c:pt idx="3">
-                  <c:v>Category 4</c:v>
-                </c:pt>
-              </c:strCache>
-            </c:strRef>
-          </c:cat>
-          <c:val>
-            <c:numRef>
-              <c:f>Sheet1!$D$2:$D$5</c:f>
-              <c:numCache>
-                <c:formatCode>General</c:formatCode>
-                <c:ptCount val="4"/>
-                <c:pt idx="0">
-                  <c:v>2</c:v>
-                </c:pt>
-                <c:pt idx="1">
-                  <c:v>2</c:v>
-                </c:pt>
-                <c:pt idx="2">
-                  <c:v>3</c:v>
-                </c:pt>
-                <c:pt idx="3">
-                  <c:v>5</c:v>
-                </c:pt>
-              </c:numCache>
-            </c:numRef>
-          </c:val>
-          <c:extLst>
-            <c:ext xmlns:c16="http://schemas.microsoft.com/office/drawing/2014/chart" uri="{C3380CC4-5D6E-409C-BE32-E72D297353CC}">
-              <c16:uniqueId val="{00000002-9A68-4F35-B2E9-F60DB200EE2F}"/>
-            </c:ext>
-          </c:extLst>
-        </c:ser>
-        <c:dLbls>
-          <c:showLegendKey val="0"/>
-          <c:showVal val="0"/>
-          <c:showCatName val="0"/>
-          <c:showSerName val="0"/>
-          <c:showPercent val="0"/>
-          <c:showBubbleSize val="0"/>
-        </c:dLbls>
-        <c:gapWidth val="80"/>
-        <c:overlap val="25"/>
-        <c:axId val="623407088"/>
-        <c:axId val="384343064"/>
-      </c:barChart>
-      <c:catAx>
-        <c:axId val="623407088"/>
-        <c:scaling>
-          <c:orientation val="minMax"/>
-        </c:scaling>
-        <c:delete val="0"/>
-        <c:axPos val="b"/>
-        <c:numFmt formatCode="General" sourceLinked="1"/>
-        <c:majorTickMark val="none"/>
-        <c:minorTickMark val="none"/>
-        <c:tickLblPos val="nextTo"/>
-        <c:spPr>
-          <a:noFill/>
-          <a:ln w="15875" cap="flat" cmpd="sng" algn="ctr">
-            <a:solidFill>
-              <a:schemeClr val="tx1">
-                <a:lumMod val="25000"/>
-                <a:lumOff val="75000"/>
-              </a:schemeClr>
-            </a:solidFill>
-            <a:round/>
-          </a:ln>
-          <a:effectLst/>
-        </c:spPr>
-        <c:txPr>
-          <a:bodyPr rot="-60000000" spcFirstLastPara="1" vertOverflow="ellipsis" vert="horz" wrap="square" anchor="ctr" anchorCtr="1"/>
-          <a:lstStyle/>
-          <a:p>
-            <a:pPr>
-              <a:defRPr sz="1197" b="0" i="0" u="none" strike="noStrike" kern="1200" cap="none" spc="20" normalizeH="0" baseline="0">
-                <a:solidFill>
-                  <a:schemeClr val="tx1">
-                    <a:lumMod val="65000"/>
-                    <a:lumOff val="35000"/>
-                  </a:schemeClr>
-                </a:solidFill>
-                <a:latin typeface="+mn-lt"/>
-                <a:ea typeface="+mn-ea"/>
-                <a:cs typeface="+mn-cs"/>
-              </a:defRPr>
-            </a:pPr>
-            <a:endParaRPr lang="en-US"/>
-          </a:p>
-        </c:txPr>
-        <c:crossAx val="384343064"/>
-        <c:crosses val="autoZero"/>
-        <c:auto val="1"/>
-        <c:lblAlgn val="ctr"/>
-        <c:lblOffset val="100"/>
-        <c:noMultiLvlLbl val="0"/>
-      </c:catAx>
-      <c:valAx>
-        <c:axId val="384343064"/>
-        <c:scaling>
-          <c:orientation val="minMax"/>
-        </c:scaling>
-        <c:delete val="0"/>
-        <c:axPos val="l"/>
-        <c:majorGridlines>
-          <c:spPr>
-            <a:ln w="9525" cap="flat" cmpd="sng" algn="ctr">
-              <a:solidFill>
-                <a:schemeClr val="tx1">
-                  <a:lumMod val="5000"/>
-                  <a:lumOff val="95000"/>
-                </a:schemeClr>
-              </a:solidFill>
-              <a:round/>
-            </a:ln>
-            <a:effectLst/>
-          </c:spPr>
-        </c:majorGridlines>
-        <c:numFmt formatCode="General" sourceLinked="1"/>
-        <c:majorTickMark val="none"/>
-        <c:minorTickMark val="none"/>
-        <c:tickLblPos val="nextTo"/>
-        <c:spPr>
-          <a:noFill/>
-          <a:ln>
-            <a:noFill/>
-          </a:ln>
-          <a:effectLst/>
-        </c:spPr>
-        <c:txPr>
-          <a:bodyPr rot="-60000000" spcFirstLastPara="1" vertOverflow="ellipsis" vert="horz" wrap="square" anchor="ctr" anchorCtr="1"/>
-          <a:lstStyle/>
-          <a:p>
-            <a:pPr>
-              <a:defRPr sz="1197" b="0" i="0" u="none" strike="noStrike" kern="1200" spc="20" baseline="0">
-                <a:solidFill>
-                  <a:schemeClr val="tx1">
-                    <a:lumMod val="65000"/>
-                    <a:lumOff val="35000"/>
-                  </a:schemeClr>
-                </a:solidFill>
-                <a:latin typeface="+mn-lt"/>
-                <a:ea typeface="+mn-ea"/>
-                <a:cs typeface="+mn-cs"/>
-              </a:defRPr>
-            </a:pPr>
-            <a:endParaRPr lang="en-US"/>
-          </a:p>
-        </c:txPr>
-        <c:crossAx val="623407088"/>
-        <c:crosses val="autoZero"/>
-        <c:crossBetween val="between"/>
-      </c:valAx>
-      <c:spPr>
-        <a:noFill/>
-        <a:ln>
-          <a:noFill/>
-        </a:ln>
-        <a:effectLst/>
-      </c:spPr>
-    </c:plotArea>
-    <c:legend>
-      <c:legendPos val="b"/>
-      <c:overlay val="0"/>
-      <c:spPr>
-        <a:noFill/>
-        <a:ln>
-          <a:noFill/>
-        </a:ln>
-        <a:effectLst/>
-      </c:spPr>
-      <c:txPr>
-        <a:bodyPr rot="0" spcFirstLastPara="1" vertOverflow="ellipsis" vert="horz" wrap="square" anchor="ctr" anchorCtr="1"/>
-        <a:lstStyle/>
-        <a:p>
-          <a:pPr>
-            <a:defRPr sz="1197" b="0" i="0" u="none" strike="noStrike" kern="1200" baseline="0">
-              <a:solidFill>
-                <a:schemeClr val="tx1">
-                  <a:lumMod val="65000"/>
-                  <a:lumOff val="35000"/>
-                </a:schemeClr>
-              </a:solidFill>
-              <a:latin typeface="+mn-lt"/>
-              <a:ea typeface="+mn-ea"/>
-              <a:cs typeface="+mn-cs"/>
-            </a:defRPr>
-          </a:pPr>
-          <a:endParaRPr lang="en-US"/>
-        </a:p>
-      </c:txPr>
-    </c:legend>
-    <c:plotVisOnly val="1"/>
-    <c:dispBlanksAs val="gap"/>
-    <c:showDLblsOverMax val="0"/>
-  </c:chart>
-  <c:spPr>
-    <a:noFill/>
-    <a:ln>
-      <a:noFill/>
-    </a:ln>
-    <a:effectLst/>
-  </c:spPr>
-  <c:txPr>
-    <a:bodyPr/>
-    <a:lstStyle/>
-    <a:p>
-      <a:pPr>
-        <a:defRPr/>
-      </a:pPr>
-      <a:endParaRPr lang="en-US"/>
-    </a:p>
-  </c:txPr>
-  <c:externalData r:id="rId3">
-    <c:autoUpdate val="0"/>
-  </c:externalData>
-</c:chartSpace>
-</file>
-
-<file path=ppt/charts/colors1.xml><?xml version="1.0" encoding="utf-8"?>
-<cs:colorStyle xmlns:cs="http://schemas.microsoft.com/office/drawing/2012/chartStyle" xmlns:a="http://schemas.openxmlformats.org/drawingml/2006/main" meth="cycle" id="10">
-  <a:schemeClr val="accent1"/>
-  <a:schemeClr val="accent2"/>
-  <a:schemeClr val="accent3"/>
-  <a:schemeClr val="accent4"/>
-  <a:schemeClr val="accent5"/>
-  <a:schemeClr val="accent6"/>
-  <cs:variation/>
-  <cs:variation>
-    <a:lumMod val="60000"/>
-  </cs:variation>
-  <cs:variation>
-    <a:lumMod val="80000"/>
-    <a:lumOff val="20000"/>
-  </cs:variation>
-  <cs:variation>
-    <a:lumMod val="80000"/>
-  </cs:variation>
-  <cs:variation>
-    <a:lumMod val="60000"/>
-    <a:lumOff val="40000"/>
-  </cs:variation>
-  <cs:variation>
-    <a:lumMod val="50000"/>
-  </cs:variation>
-  <cs:variation>
-    <a:lumMod val="70000"/>
-    <a:lumOff val="30000"/>
-  </cs:variation>
-  <cs:variation>
-    <a:lumMod val="70000"/>
-  </cs:variation>
-  <cs:variation>
-    <a:lumMod val="50000"/>
-    <a:lumOff val="50000"/>
-  </cs:variation>
-</cs:colorStyle>
-</file>
-
-<file path=ppt/charts/style1.xml><?xml version="1.0" encoding="utf-8"?>
-<cs:chartStyle xmlns:cs="http://schemas.microsoft.com/office/drawing/2012/chartStyle" xmlns:a="http://schemas.openxmlformats.org/drawingml/2006/main" id="215">
-  <cs:axisTitle>
-    <cs:lnRef idx="0"/>
-    <cs:fillRef idx="0"/>
-    <cs:effectRef idx="0"/>
-    <cs:fontRef idx="minor">
-      <a:schemeClr val="tx1">
-        <a:lumMod val="65000"/>
-        <a:lumOff val="35000"/>
-      </a:schemeClr>
-    </cs:fontRef>
-    <cs:defRPr sz="1197" kern="1200" cap="all"/>
-  </cs:axisTitle>
-  <cs:categoryAxis>
-    <cs:lnRef idx="0"/>
-    <cs:fillRef idx="0"/>
-    <cs:effectRef idx="0"/>
-    <cs:fontRef idx="minor">
-      <a:schemeClr val="tx1">
-        <a:lumMod val="65000"/>
-        <a:lumOff val="35000"/>
-      </a:schemeClr>
-    </cs:fontRef>
-    <cs:spPr>
-      <a:ln w="15875" cap="flat" cmpd="sng" algn="ctr">
-        <a:solidFill>
-          <a:schemeClr val="tx1">
-            <a:lumMod val="25000"/>
-            <a:lumOff val="75000"/>
-          </a:schemeClr>
-        </a:solidFill>
-        <a:round/>
-      </a:ln>
-    </cs:spPr>
-    <cs:defRPr sz="1197" kern="1200" cap="none" spc="20" normalizeH="0" baseline="0"/>
-  </cs:categoryAxis>
-  <cs:chartArea mods="allowNoFillOverride allowNoLineOverride">
-    <cs:lnRef idx="0"/>
-    <cs:fillRef idx="0"/>
-    <cs:effectRef idx="0"/>
-    <cs:fontRef idx="minor">
-      <a:schemeClr val="dk1"/>
-    </cs:fontRef>
-    <cs:spPr>
-      <a:solidFill>
-        <a:schemeClr val="lt1"/>
-      </a:solidFill>
-      <a:ln w="9525" cap="flat" cmpd="sng" algn="ctr">
-        <a:solidFill>
-          <a:schemeClr val="tx1">
-            <a:lumMod val="15000"/>
-            <a:lumOff val="85000"/>
-          </a:schemeClr>
-        </a:solidFill>
-        <a:round/>
-      </a:ln>
-    </cs:spPr>
-    <cs:defRPr sz="1197" kern="1200"/>
-  </cs:chartArea>
-  <cs:dataLabel>
-    <cs:lnRef idx="0"/>
-    <cs:fillRef idx="0"/>
-    <cs:effectRef idx="0"/>
-    <cs:fontRef idx="minor">
-      <a:schemeClr val="tx1">
-        <a:lumMod val="75000"/>
-        <a:lumOff val="25000"/>
-      </a:schemeClr>
-    </cs:fontRef>
-    <cs:defRPr sz="1197" kern="1200"/>
-  </cs:dataLabel>
-  <cs:dataLabelCallout>
-    <cs:lnRef idx="0"/>
-    <cs:fillRef idx="0"/>
-    <cs:effectRef idx="0"/>
-    <cs:fontRef idx="minor">
-      <a:schemeClr val="bg1"/>
-    </cs:fontRef>
-    <cs:spPr>
-      <a:solidFill>
-        <a:schemeClr val="tx1">
-          <a:lumMod val="50000"/>
-          <a:lumOff val="50000"/>
-        </a:schemeClr>
-      </a:solidFill>
-    </cs:spPr>
-    <cs:defRPr sz="1197" kern="1200"/>
-  </cs:dataLabelCallout>
-  <cs:dataPoint>
-    <cs:lnRef idx="0"/>
-    <cs:fillRef idx="0">
-      <cs:styleClr val="auto"/>
-    </cs:fillRef>
-    <cs:effectRef idx="0"/>
-    <cs:fontRef idx="minor">
-      <a:schemeClr val="dk1"/>
-    </cs:fontRef>
-    <cs:spPr>
-      <a:solidFill>
-        <a:schemeClr val="phClr">
-          <a:alpha val="70000"/>
-        </a:schemeClr>
-      </a:solidFill>
-    </cs:spPr>
-  </cs:dataPoint>
-  <cs:dataPoint3D>
-    <cs:lnRef idx="0"/>
-    <cs:fillRef idx="0">
-      <cs:styleClr val="auto"/>
-    </cs:fillRef>
-    <cs:effectRef idx="0"/>
-    <cs:fontRef idx="minor">
-      <a:schemeClr val="dk1"/>
-    </cs:fontRef>
-    <cs:spPr>
-      <a:solidFill>
-        <a:schemeClr val="phClr">
-          <a:alpha val="70000"/>
-        </a:schemeClr>
-      </a:solidFill>
-    </cs:spPr>
-  </cs:dataPoint3D>
-  <cs:dataPointLine>
-    <cs:lnRef idx="0">
-      <cs:styleClr val="auto"/>
-    </cs:lnRef>
-    <cs:fillRef idx="0"/>
-    <cs:effectRef idx="0"/>
-    <cs:fontRef idx="minor">
-      <a:schemeClr val="dk1"/>
-    </cs:fontRef>
-    <cs:spPr>
-      <a:ln w="28575" cap="rnd">
-        <a:solidFill>
-          <a:schemeClr val="phClr">
-            <a:alpha val="70000"/>
-          </a:schemeClr>
-        </a:solidFill>
-        <a:round/>
-      </a:ln>
-    </cs:spPr>
-  </cs:dataPointLine>
-  <cs:dataPointMarker>
-    <cs:lnRef idx="0"/>
-    <cs:fillRef idx="0">
-      <cs:styleClr val="auto"/>
-    </cs:fillRef>
-    <cs:effectRef idx="0"/>
-    <cs:fontRef idx="minor">
-      <a:schemeClr val="dk1"/>
-    </cs:fontRef>
-    <cs:spPr>
-      <a:solidFill>
-        <a:schemeClr val="phClr">
-          <a:alpha val="70000"/>
-        </a:schemeClr>
-      </a:solidFill>
-    </cs:spPr>
-  </cs:dataPointMarker>
-  <cs:dataPointMarkerLayout symbol="circle" size="6"/>
-  <cs:dataPointWireframe>
-    <cs:lnRef idx="0">
-      <cs:styleClr val="auto"/>
-    </cs:lnRef>
-    <cs:fillRef idx="0"/>
-    <cs:effectRef idx="0"/>
-    <cs:fontRef idx="minor">
-      <a:schemeClr val="dk1"/>
-    </cs:fontRef>
-    <cs:spPr>
-      <a:ln w="9525" cap="rnd">
-        <a:solidFill>
-          <a:schemeClr val="phClr"/>
-        </a:solidFill>
-        <a:round/>
-      </a:ln>
-    </cs:spPr>
-  </cs:dataPointWireframe>
-  <cs:dataTable>
-    <cs:lnRef idx="0"/>
-    <cs:fillRef idx="0"/>
-    <cs:effectRef idx="0"/>
-    <cs:fontRef idx="minor">
-      <a:schemeClr val="tx1">
-        <a:lumMod val="65000"/>
-        <a:lumOff val="35000"/>
-      </a:schemeClr>
-    </cs:fontRef>
-    <cs:spPr>
-      <a:ln w="9525">
-        <a:solidFill>
-          <a:schemeClr val="tx1">
-            <a:lumMod val="15000"/>
-            <a:lumOff val="85000"/>
-          </a:schemeClr>
-        </a:solidFill>
-      </a:ln>
-    </cs:spPr>
-    <cs:defRPr sz="1197" kern="1200"/>
-  </cs:dataTable>
-  <cs:downBar>
-    <cs:lnRef idx="0"/>
-    <cs:fillRef idx="0"/>
-    <cs:effectRef idx="0"/>
-    <cs:fontRef idx="minor">
-      <a:schemeClr val="dk1"/>
-    </cs:fontRef>
-    <cs:spPr>
-      <a:solidFill>
-        <a:schemeClr val="dk1">
-          <a:lumMod val="75000"/>
-          <a:lumOff val="25000"/>
-        </a:schemeClr>
-      </a:solidFill>
-      <a:ln w="9525">
-        <a:solidFill>
-          <a:schemeClr val="tx1">
-            <a:lumMod val="65000"/>
-            <a:lumOff val="35000"/>
-          </a:schemeClr>
-        </a:solidFill>
-      </a:ln>
-    </cs:spPr>
-  </cs:downBar>
-  <cs:dropLine>
-    <cs:lnRef idx="0"/>
-    <cs:fillRef idx="0"/>
-    <cs:effectRef idx="0"/>
-    <cs:fontRef idx="minor">
-      <a:schemeClr val="dk1"/>
-    </cs:fontRef>
-    <cs:spPr>
-      <a:ln w="9525">
-        <a:solidFill>
-          <a:schemeClr val="tx1">
-            <a:lumMod val="35000"/>
-            <a:lumOff val="65000"/>
-          </a:schemeClr>
-        </a:solidFill>
-        <a:round/>
-      </a:ln>
-    </cs:spPr>
-  </cs:dropLine>
-  <cs:errorBar>
-    <cs:lnRef idx="0"/>
-    <cs:fillRef idx="0"/>
-    <cs:effectRef idx="0"/>
-    <cs:fontRef idx="minor">
-      <a:schemeClr val="dk1"/>
-    </cs:fontRef>
-    <cs:spPr>
-      <a:ln w="9525">
-        <a:solidFill>
-          <a:schemeClr val="tx1">
-            <a:lumMod val="65000"/>
-            <a:lumOff val="35000"/>
-          </a:schemeClr>
-        </a:solidFill>
-        <a:round/>
-      </a:ln>
-    </cs:spPr>
-  </cs:errorBar>
-  <cs:floor>
-    <cs:lnRef idx="0"/>
-    <cs:fillRef idx="0"/>
-    <cs:effectRef idx="0"/>
-    <cs:fontRef idx="minor">
-      <a:schemeClr val="dk1"/>
-    </cs:fontRef>
-  </cs:floor>
-  <cs:gridlineMajor>
-    <cs:lnRef idx="0"/>
-    <cs:fillRef idx="0"/>
-    <cs:effectRef idx="0"/>
-    <cs:fontRef idx="minor">
-      <a:schemeClr val="dk1"/>
-    </cs:fontRef>
-    <cs:spPr>
-      <a:ln w="9525" cap="flat" cmpd="sng" algn="ctr">
-        <a:solidFill>
-          <a:schemeClr val="tx1">
-            <a:lumMod val="5000"/>
-            <a:lumOff val="95000"/>
-          </a:schemeClr>
-        </a:solidFill>
-        <a:round/>
-      </a:ln>
-    </cs:spPr>
-  </cs:gridlineMajor>
-  <cs:gridlineMinor>
-    <cs:lnRef idx="0"/>
-    <cs:fillRef idx="0"/>
-    <cs:effectRef idx="0"/>
-    <cs:fontRef idx="minor">
-      <a:schemeClr val="dk1"/>
-    </cs:fontRef>
-    <cs:spPr>
-      <a:ln>
-        <a:solidFill>
-          <a:schemeClr val="tx1">
-            <a:lumMod val="5000"/>
-            <a:lumOff val="95000"/>
-          </a:schemeClr>
-        </a:solidFill>
-      </a:ln>
-    </cs:spPr>
-  </cs:gridlineMinor>
-  <cs:hiLoLine>
-    <cs:lnRef idx="0"/>
-    <cs:fillRef idx="0"/>
-    <cs:effectRef idx="0"/>
-    <cs:fontRef idx="minor">
-      <a:schemeClr val="dk1"/>
-    </cs:fontRef>
-    <cs:spPr>
-      <a:ln w="9525">
-        <a:solidFill>
-          <a:schemeClr val="tx1">
-            <a:lumMod val="35000"/>
-            <a:lumOff val="65000"/>
-          </a:schemeClr>
-        </a:solidFill>
-        <a:round/>
-      </a:ln>
-    </cs:spPr>
-  </cs:hiLoLine>
-  <cs:leaderLine>
-    <cs:lnRef idx="0"/>
-    <cs:fillRef idx="0"/>
-    <cs:effectRef idx="0"/>
-    <cs:fontRef idx="minor">
-      <a:schemeClr val="dk1"/>
-    </cs:fontRef>
-    <cs:spPr>
-      <a:ln w="9525">
-        <a:solidFill>
-          <a:schemeClr val="tx1">
-            <a:lumMod val="35000"/>
-            <a:lumOff val="65000"/>
-          </a:schemeClr>
-        </a:solidFill>
-      </a:ln>
-    </cs:spPr>
-  </cs:leaderLine>
-  <cs:legend>
-    <cs:lnRef idx="0"/>
-    <cs:fillRef idx="0"/>
-    <cs:effectRef idx="0"/>
-    <cs:fontRef idx="minor">
-      <a:schemeClr val="tx1">
-        <a:lumMod val="65000"/>
-        <a:lumOff val="35000"/>
-      </a:schemeClr>
-    </cs:fontRef>
-    <cs:defRPr sz="1197" kern="1200" baseline="0"/>
-  </cs:legend>
-  <cs:plotArea mods="allowNoFillOverride allowNoLineOverride">
-    <cs:lnRef idx="0"/>
-    <cs:fillRef idx="0"/>
-    <cs:effectRef idx="0"/>
-    <cs:fontRef idx="minor">
-      <a:schemeClr val="dk1"/>
-    </cs:fontRef>
-  </cs:plotArea>
-  <cs:plotArea3D mods="allowNoFillOverride allowNoLineOverride">
-    <cs:lnRef idx="0"/>
-    <cs:fillRef idx="0"/>
-    <cs:effectRef idx="0"/>
-    <cs:fontRef idx="minor">
-      <a:schemeClr val="dk1"/>
-    </cs:fontRef>
-  </cs:plotArea3D>
-  <cs:seriesAxis>
-    <cs:lnRef idx="0"/>
-    <cs:fillRef idx="0"/>
-    <cs:effectRef idx="0"/>
-    <cs:fontRef idx="minor">
-      <a:schemeClr val="tx1">
-        <a:lumMod val="65000"/>
-        <a:lumOff val="35000"/>
-      </a:schemeClr>
-    </cs:fontRef>
-    <cs:defRPr sz="1197" kern="1200"/>
-  </cs:seriesAxis>
-  <cs:seriesLine>
-    <cs:lnRef idx="0"/>
-    <cs:fillRef idx="0"/>
-    <cs:effectRef idx="0"/>
-    <cs:fontRef idx="minor">
-      <a:schemeClr val="dk1"/>
-    </cs:fontRef>
-    <cs:spPr>
-      <a:ln w="9525">
-        <a:solidFill>
-          <a:schemeClr val="tx1">
-            <a:lumMod val="35000"/>
-            <a:lumOff val="65000"/>
-          </a:schemeClr>
-        </a:solidFill>
-        <a:round/>
-      </a:ln>
-    </cs:spPr>
-  </cs:seriesLine>
-  <cs:title>
-    <cs:lnRef idx="0"/>
-    <cs:fillRef idx="0"/>
-    <cs:effectRef idx="0"/>
-    <cs:fontRef idx="major">
-      <a:schemeClr val="tx1">
-        <a:lumMod val="65000"/>
-        <a:lumOff val="35000"/>
-      </a:schemeClr>
-    </cs:fontRef>
-    <cs:defRPr sz="2128" b="0" i="0" kern="1200" cap="none" spc="50" normalizeH="0" baseline="0"/>
-  </cs:title>
-  <cs:trendline>
-    <cs:lnRef idx="0">
-      <cs:styleClr val="auto"/>
-    </cs:lnRef>
-    <cs:fillRef idx="0"/>
-    <cs:effectRef idx="0"/>
-    <cs:fontRef idx="minor">
-      <a:schemeClr val="dk1"/>
-    </cs:fontRef>
-    <cs:spPr>
-      <a:ln w="15875" cap="rnd">
-        <a:solidFill>
-          <a:schemeClr val="phClr"/>
-        </a:solidFill>
-      </a:ln>
-    </cs:spPr>
-  </cs:trendline>
-  <cs:trendlineLabel>
-    <cs:lnRef idx="0"/>
-    <cs:fillRef idx="0"/>
-    <cs:effectRef idx="0"/>
-    <cs:fontRef idx="minor">
-      <a:schemeClr val="tx1">
-        <a:lumMod val="65000"/>
-        <a:lumOff val="35000"/>
-      </a:schemeClr>
-    </cs:fontRef>
-    <cs:defRPr sz="1197" kern="1200"/>
-  </cs:trendlineLabel>
-  <cs:upBar>
-    <cs:lnRef idx="0"/>
-    <cs:fillRef idx="0"/>
-    <cs:effectRef idx="0"/>
-    <cs:fontRef idx="minor">
-      <a:schemeClr val="dk1"/>
-    </cs:fontRef>
-    <cs:spPr>
-      <a:solidFill>
-        <a:schemeClr val="lt1"/>
-      </a:solidFill>
-      <a:ln w="9525">
-        <a:solidFill>
-          <a:schemeClr val="tx1">
-            <a:lumMod val="65000"/>
-            <a:lumOff val="35000"/>
-          </a:schemeClr>
-        </a:solidFill>
-      </a:ln>
-    </cs:spPr>
-  </cs:upBar>
-  <cs:valueAxis>
-    <cs:lnRef idx="0"/>
-    <cs:fillRef idx="0"/>
-    <cs:effectRef idx="0"/>
-    <cs:fontRef idx="minor">
-      <a:schemeClr val="tx1">
-        <a:lumMod val="65000"/>
-        <a:lumOff val="35000"/>
-      </a:schemeClr>
-    </cs:fontRef>
-    <cs:defRPr sz="1197" kern="1200" spc="20" baseline="0"/>
-  </cs:valueAxis>
-  <cs:wall>
-    <cs:lnRef idx="0"/>
-    <cs:fillRef idx="0"/>
-    <cs:effectRef idx="0"/>
-    <cs:fontRef idx="minor">
-      <a:schemeClr val="dk1"/>
-    </cs:fontRef>
-  </cs:wall>
-</cs:chartStyle>
-</file>
-
-<file path=ppt/diagrams/colors1.xml><?xml version="1.0" encoding="utf-8"?>
-<dgm:colorsDef xmlns:dgm="http://schemas.openxmlformats.org/drawingml/2006/diagram" xmlns:a="http://schemas.openxmlformats.org/drawingml/2006/main" uniqueId="urn:microsoft.com/office/officeart/2005/8/colors/accent0_3">
-  <dgm:title val=""/>
-  <dgm:desc val=""/>
-  <dgm:catLst>
-    <dgm:cat type="mainScheme" pri="10300"/>
-  </dgm:catLst>
-  <dgm:styleLbl name="node0">
-    <dgm:fillClrLst meth="repeat">
-      <a:schemeClr val="dk2"/>
-    </dgm:fillClrLst>
-    <dgm:linClrLst meth="repeat">
-      <a:schemeClr val="lt2"/>
-    </dgm:linClrLst>
-    <dgm:effectClrLst/>
-    <dgm:txLinClrLst/>
-    <dgm:txFillClrLst/>
-    <dgm:txEffectClrLst/>
-  </dgm:styleLbl>
-  <dgm:styleLbl name="alignNode1">
-    <dgm:fillClrLst meth="repeat">
-      <a:schemeClr val="dk2"/>
-    </dgm:fillClrLst>
-    <dgm:linClrLst meth="repeat">
-      <a:schemeClr val="dk2"/>
-    </dgm:linClrLst>
-    <dgm:effectClrLst/>
-    <dgm:txLinClrLst/>
-    <dgm:txFillClrLst/>
-    <dgm:txEffectClrLst/>
-  </dgm:styleLbl>
-  <dgm:styleLbl name="node1">
-    <dgm:fillClrLst meth="repeat">
-      <a:schemeClr val="dk2"/>
-    </dgm:fillClrLst>
-    <dgm:linClrLst meth="repeat">
-      <a:schemeClr val="lt2"/>
-    </dgm:linClrLst>
-    <dgm:effectClrLst/>
-    <dgm:txLinClrLst/>
-    <dgm:txFillClrLst/>
-    <dgm:txEffectClrLst/>
-  </dgm:styleLbl>
-  <dgm:styleLbl name="lnNode1">
-    <dgm:fillClrLst meth="repeat">
-      <a:schemeClr val="dk2"/>
-    </dgm:fillClrLst>
-    <dgm:linClrLst meth="repeat">
-      <a:schemeClr val="lt2"/>
-    </dgm:linClrLst>
-    <dgm:effectClrLst/>
-    <dgm:txLinClrLst/>
-    <dgm:txFillClrLst/>
-    <dgm:txEffectClrLst/>
-  </dgm:styleLbl>
-  <dgm:styleLbl name="vennNode1">
-    <dgm:fillClrLst meth="repeat">
-      <a:schemeClr val="dk2">
-        <a:alpha val="50000"/>
-      </a:schemeClr>
-    </dgm:fillClrLst>
-    <dgm:linClrLst meth="repeat">
-      <a:schemeClr val="lt2"/>
-    </dgm:linClrLst>
-    <dgm:effectClrLst/>
-    <dgm:txLinClrLst/>
-    <dgm:txFillClrLst/>
-    <dgm:txEffectClrLst/>
-  </dgm:styleLbl>
-  <dgm:styleLbl name="node2">
-    <dgm:fillClrLst meth="repeat">
-      <a:schemeClr val="dk2"/>
-    </dgm:fillClrLst>
-    <dgm:linClrLst meth="repeat">
-      <a:schemeClr val="lt2"/>
-    </dgm:linClrLst>
-    <dgm:effectClrLst/>
-    <dgm:txLinClrLst/>
-    <dgm:txFillClrLst/>
-    <dgm:txEffectClrLst/>
-  </dgm:styleLbl>
-  <dgm:styleLbl name="node3">
-    <dgm:fillClrLst meth="repeat">
-      <a:schemeClr val="dk2"/>
-    </dgm:fillClrLst>
-    <dgm:linClrLst meth="repeat">
-      <a:schemeClr val="lt2"/>
-    </dgm:linClrLst>
-    <dgm:effectClrLst/>
-    <dgm:txLinClrLst/>
-    <dgm:txFillClrLst/>
-    <dgm:txEffectClrLst/>
-  </dgm:styleLbl>
-  <dgm:styleLbl name="node4">
-    <dgm:fillClrLst meth="repeat">
-      <a:schemeClr val="dk2"/>
-    </dgm:fillClrLst>
-    <dgm:linClrLst meth="repeat">
-      <a:schemeClr val="lt2"/>
-    </dgm:linClrLst>
-    <dgm:effectClrLst/>
-    <dgm:txLinClrLst/>
-    <dgm:txFillClrLst/>
-    <dgm:txEffectClrLst/>
-  </dgm:styleLbl>
-  <dgm:styleLbl name="fgImgPlace1">
-    <dgm:fillClrLst meth="repeat">
-      <a:schemeClr val="dk2">
-        <a:tint val="50000"/>
-      </a:schemeClr>
-    </dgm:fillClrLst>
-    <dgm:linClrLst meth="repeat">
-      <a:schemeClr val="lt2"/>
-    </dgm:linClrLst>
-    <dgm:effectClrLst/>
-    <dgm:txLinClrLst/>
-    <dgm:txFillClrLst meth="repeat">
-      <a:schemeClr val="lt2"/>
-    </dgm:txFillClrLst>
-    <dgm:txEffectClrLst/>
-  </dgm:styleLbl>
-  <dgm:styleLbl name="alignImgPlace1">
-    <dgm:fillClrLst meth="repeat">
-      <a:schemeClr val="dk2">
-        <a:tint val="50000"/>
-      </a:schemeClr>
-    </dgm:fillClrLst>
-    <dgm:linClrLst meth="repeat">
-      <a:schemeClr val="dk2">
-        <a:shade val="80000"/>
-      </a:schemeClr>
-    </dgm:linClrLst>
-    <dgm:effectClrLst/>
-    <dgm:txLinClrLst/>
-    <dgm:txFillClrLst meth="repeat">
-      <a:schemeClr val="lt2"/>
-    </dgm:txFillClrLst>
-    <dgm:txEffectClrLst/>
-  </dgm:styleLbl>
-  <dgm:styleLbl name="bgImgPlace1">
-    <dgm:fillClrLst meth="repeat">
-      <a:schemeClr val="dk2">
-        <a:tint val="50000"/>
-      </a:schemeClr>
-    </dgm:fillClrLst>
-    <dgm:linClrLst meth="repeat">
-      <a:schemeClr val="dk2">
-        <a:shade val="80000"/>
-      </a:schemeClr>
-    </dgm:linClrLst>
-    <dgm:effectClrLst/>
-    <dgm:txLinClrLst/>
-    <dgm:txFillClrLst meth="repeat">
-      <a:schemeClr val="lt2"/>
-    </dgm:txFillClrLst>
-    <dgm:txEffectClrLst/>
-  </dgm:styleLbl>
-  <dgm:styleLbl name="sibTrans2D1">
-    <dgm:fillClrLst meth="repeat">
-      <a:schemeClr val="dk2">
-        <a:tint val="60000"/>
-      </a:schemeClr>
-    </dgm:fillClrLst>
-    <dgm:linClrLst meth="repeat">
-      <a:schemeClr val="dk2">
-        <a:tint val="60000"/>
-      </a:schemeClr>
-    </dgm:linClrLst>
-    <dgm:effectClrLst/>
-    <dgm:txLinClrLst/>
-    <dgm:txFillClrLst/>
-    <dgm:txEffectClrLst/>
-  </dgm:styleLbl>
-  <dgm:styleLbl name="fgSibTrans2D1">
-    <dgm:fillClrLst meth="repeat">
-      <a:schemeClr val="dk2">
-        <a:tint val="60000"/>
-      </a:schemeClr>
-    </dgm:fillClrLst>
-    <dgm:linClrLst meth="repeat">
-      <a:schemeClr val="dk2">
-        <a:tint val="60000"/>
-      </a:schemeClr>
-    </dgm:linClrLst>
-    <dgm:effectClrLst/>
-    <dgm:txLinClrLst/>
-    <dgm:txFillClrLst/>
-    <dgm:txEffectClrLst/>
-  </dgm:styleLbl>
-  <dgm:styleLbl name="bgSibTrans2D1">
-    <dgm:fillClrLst meth="repeat">
-      <a:schemeClr val="dk2">
-        <a:tint val="60000"/>
-      </a:schemeClr>
-    </dgm:fillClrLst>
-    <dgm:linClrLst meth="repeat">
-      <a:schemeClr val="dk2">
-        <a:tint val="60000"/>
-      </a:schemeClr>
-    </dgm:linClrLst>
-    <dgm:effectClrLst/>
-    <dgm:txLinClrLst/>
-    <dgm:txFillClrLst/>
-    <dgm:txEffectClrLst/>
-  </dgm:styleLbl>
-  <dgm:styleLbl name="sibTrans1D1">
-    <dgm:fillClrLst meth="repeat">
-      <a:schemeClr val="dk2"/>
-    </dgm:fillClrLst>
-    <dgm:linClrLst meth="repeat">
-      <a:schemeClr val="dk2"/>
-    </dgm:linClrLst>
-    <dgm:effectClrLst/>
-    <dgm:txLinClrLst/>
-    <dgm:txFillClrLst meth="repeat">
-      <a:schemeClr val="lt2"/>
-    </dgm:txFillClrLst>
-    <dgm:txEffectClrLst/>
-  </dgm:styleLbl>
-  <dgm:styleLbl name="callout">
-    <dgm:fillClrLst meth="repeat">
-      <a:schemeClr val="dk2"/>
-    </dgm:fillClrLst>
-    <dgm:linClrLst meth="repeat">
-      <a:schemeClr val="dk2">
-        <a:tint val="50000"/>
-      </a:schemeClr>
-    </dgm:linClrLst>
-    <dgm:effectClrLst/>
-    <dgm:txLinClrLst/>
-    <dgm:txFillClrLst meth="repeat">
-      <a:schemeClr val="lt2"/>
-    </dgm:txFillClrLst>
-    <dgm:txEffectClrLst/>
-  </dgm:styleLbl>
-  <dgm:styleLbl name="asst0">
-    <dgm:fillClrLst meth="repeat">
-      <a:schemeClr val="dk2"/>
-    </dgm:fillClrLst>
-    <dgm:linClrLst meth="repeat">
-      <a:schemeClr val="lt2"/>
-    </dgm:linClrLst>
-    <dgm:effectClrLst/>
-    <dgm:txLinClrLst/>
-    <dgm:txFillClrLst/>
-    <dgm:txEffectClrLst/>
-  </dgm:styleLbl>
-  <dgm:styleLbl name="asst1">
-    <dgm:fillClrLst meth="repeat">
-      <a:schemeClr val="dk2"/>
-    </dgm:fillClrLst>
-    <dgm:linClrLst meth="repeat">
-      <a:schemeClr val="lt2"/>
-    </dgm:linClrLst>
-    <dgm:effectClrLst/>
-    <dgm:txLinClrLst/>
-    <dgm:txFillClrLst/>
-    <dgm:txEffectClrLst/>
-  </dgm:styleLbl>
-  <dgm:styleLbl name="asst2">
-    <dgm:fillClrLst meth="repeat">
-      <a:schemeClr val="dk2"/>
-    </dgm:fillClrLst>
-    <dgm:linClrLst meth="repeat">
-      <a:schemeClr val="lt2"/>
-    </dgm:linClrLst>
-    <dgm:effectClrLst/>
-    <dgm:txLinClrLst/>
-    <dgm:txFillClrLst/>
-    <dgm:txEffectClrLst/>
-  </dgm:styleLbl>
-  <dgm:styleLbl name="asst3">
-    <dgm:fillClrLst meth="repeat">
-      <a:schemeClr val="dk2"/>
-    </dgm:fillClrLst>
-    <dgm:linClrLst meth="repeat">
-      <a:schemeClr val="lt2"/>
-    </dgm:linClrLst>
-    <dgm:effectClrLst/>
-    <dgm:txLinClrLst/>
-    <dgm:txFillClrLst/>
-    <dgm:txEffectClrLst/>
-  </dgm:styleLbl>
-  <dgm:styleLbl name="asst4">
-    <dgm:fillClrLst meth="repeat">
-      <a:schemeClr val="dk2"/>
-    </dgm:fillClrLst>
-    <dgm:linClrLst meth="repeat">
-      <a:schemeClr val="lt2"/>
-    </dgm:linClrLst>
-    <dgm:effectClrLst/>
-    <dgm:txLinClrLst/>
-    <dgm:txFillClrLst/>
-    <dgm:txEffectClrLst/>
-  </dgm:styleLbl>
-  <dgm:styleLbl name="parChTrans2D1">
-    <dgm:fillClrLst meth="repeat">
-      <a:schemeClr val="dk2">
-        <a:tint val="60000"/>
-      </a:schemeClr>
-    </dgm:fillClrLst>
-    <dgm:linClrLst meth="repeat">
-      <a:schemeClr val="dk2">
-        <a:tint val="60000"/>
-      </a:schemeClr>
-    </dgm:linClrLst>
-    <dgm:effectClrLst/>
-    <dgm:txLinClrLst/>
-    <dgm:txFillClrLst meth="repeat">
-      <a:schemeClr val="lt2"/>
-    </dgm:txFillClrLst>
-    <dgm:txEffectClrLst/>
-  </dgm:styleLbl>
-  <dgm:styleLbl name="parChTrans2D2">
-    <dgm:fillClrLst meth="repeat">
-      <a:schemeClr val="dk2"/>
-    </dgm:fillClrLst>
-    <dgm:linClrLst meth="repeat">
-      <a:schemeClr val="dk2"/>
-    </dgm:linClrLst>
-    <dgm:effectClrLst/>
-    <dgm:txLinClrLst/>
-    <dgm:txFillClrLst meth="repeat">
-      <a:schemeClr val="lt2"/>
-    </dgm:txFillClrLst>
-    <dgm:txEffectClrLst/>
-  </dgm:styleLbl>
-  <dgm:styleLbl name="parChTrans2D3">
-    <dgm:fillClrLst meth="repeat">
-      <a:schemeClr val="dk2"/>
-    </dgm:fillClrLst>
-    <dgm:linClrLst meth="repeat">
-      <a:schemeClr val="dk2"/>
-    </dgm:linClrLst>
-    <dgm:effectClrLst/>
-    <dgm:txLinClrLst/>
-    <dgm:txFillClrLst meth="repeat">
-      <a:schemeClr val="lt2"/>
-    </dgm:txFillClrLst>
-    <dgm:txEffectClrLst/>
-  </dgm:styleLbl>
-  <dgm:styleLbl name="parChTrans2D4">
-    <dgm:fillClrLst meth="repeat">
-      <a:schemeClr val="dk2"/>
-    </dgm:fillClrLst>
-    <dgm:linClrLst meth="repeat">
-      <a:schemeClr val="dk2"/>
-    </dgm:linClrLst>
-    <dgm:effectClrLst/>
-    <dgm:txLinClrLst/>
-    <dgm:txFillClrLst meth="repeat">
-      <a:schemeClr val="lt2"/>
-    </dgm:txFillClrLst>
-    <dgm:txEffectClrLst/>
-  </dgm:styleLbl>
-  <dgm:styleLbl name="parChTrans1D1">
-    <dgm:fillClrLst meth="repeat">
-      <a:schemeClr val="dk2"/>
-    </dgm:fillClrLst>
-    <dgm:linClrLst meth="repeat">
-      <a:schemeClr val="dk2">
-        <a:shade val="60000"/>
-      </a:schemeClr>
-    </dgm:linClrLst>
-    <dgm:effectClrLst/>
-    <dgm:txLinClrLst/>
-    <dgm:txFillClrLst meth="repeat">
-      <a:schemeClr val="tx1"/>
-    </dgm:txFillClrLst>
-    <dgm:txEffectClrLst/>
-  </dgm:styleLbl>
-  <dgm:styleLbl name="parChTrans1D2">
-    <dgm:fillClrLst meth="repeat">
-      <a:schemeClr val="dk2"/>
-    </dgm:fillClrLst>
-    <dgm:linClrLst meth="repeat">
-      <a:schemeClr val="dk2">
-        <a:shade val="60000"/>
-      </a:schemeClr>
-    </dgm:linClrLst>
-    <dgm:effectClrLst/>
-    <dgm:txLinClrLst/>
-    <dgm:txFillClrLst meth="repeat">
-      <a:schemeClr val="tx1"/>
-    </dgm:txFillClrLst>
-    <dgm:txEffectClrLst/>
-  </dgm:styleLbl>
-  <dgm:styleLbl name="parChTrans1D3">
-    <dgm:fillClrLst meth="repeat">
-      <a:schemeClr val="dk2"/>
-    </dgm:fillClrLst>
-    <dgm:linClrLst meth="repeat">
-      <a:schemeClr val="dk2">
-        <a:shade val="80000"/>
-      </a:schemeClr>
-    </dgm:linClrLst>
-    <dgm:effectClrLst/>
-    <dgm:txLinClrLst/>
-    <dgm:txFillClrLst meth="repeat">
-      <a:schemeClr val="tx1"/>
-    </dgm:txFillClrLst>
-    <dgm:txEffectClrLst/>
-  </dgm:styleLbl>
-  <dgm:styleLbl name="parChTrans1D4">
-    <dgm:fillClrLst meth="repeat">
-      <a:schemeClr val="dk2"/>
-    </dgm:fillClrLst>
-    <dgm:linClrLst meth="repeat">
-      <a:schemeClr val="dk2">
-        <a:shade val="80000"/>
-      </a:schemeClr>
-    </dgm:linClrLst>
-    <dgm:effectClrLst/>
-    <dgm:txLinClrLst/>
-    <dgm:txFillClrLst meth="repeat">
-      <a:schemeClr val="tx1"/>
-    </dgm:txFillClrLst>
-    <dgm:txEffectClrLst/>
-  </dgm:styleLbl>
-  <dgm:styleLbl name="fgAcc1">
-    <dgm:fillClrLst meth="repeat">
-      <a:schemeClr val="lt2">
-        <a:alpha val="90000"/>
-      </a:schemeClr>
-    </dgm:fillClrLst>
-    <dgm:linClrLst meth="repeat">
-      <a:schemeClr val="dk2"/>
-    </dgm:linClrLst>
-    <dgm:effectClrLst/>
-    <dgm:txLinClrLst/>
-    <dgm:txFillClrLst meth="repeat">
-      <a:schemeClr val="dk1"/>
-    </dgm:txFillClrLst>
-    <dgm:txEffectClrLst/>
-  </dgm:styleLbl>
-  <dgm:styleLbl name="conFgAcc1">
-    <dgm:fillClrLst meth="repeat">
-      <a:schemeClr val="lt2">
-        <a:alpha val="90000"/>
-      </a:schemeClr>
-    </dgm:fillClrLst>
-    <dgm:linClrLst meth="repeat">
-      <a:schemeClr val="dk2"/>
-    </dgm:linClrLst>
-    <dgm:effectClrLst/>
-    <dgm:txLinClrLst/>
-    <dgm:txFillClrLst meth="repeat">
-      <a:schemeClr val="dk1"/>
-    </dgm:txFillClrLst>
-    <dgm:txEffectClrLst/>
-  </dgm:styleLbl>
-  <dgm:styleLbl name="alignAcc1">
-    <dgm:fillClrLst meth="repeat">
-      <a:schemeClr val="lt2">
-        <a:alpha val="90000"/>
-      </a:schemeClr>
-    </dgm:fillClrLst>
-    <dgm:linClrLst meth="repeat">
-      <a:schemeClr val="dk2"/>
-    </dgm:linClrLst>
-    <dgm:effectClrLst/>
-    <dgm:txLinClrLst/>
-    <dgm:txFillClrLst meth="repeat">
-      <a:schemeClr val="dk1"/>
-    </dgm:txFillClrLst>
-    <dgm:txEffectClrLst/>
-  </dgm:styleLbl>
-  <dgm:styleLbl name="trAlignAcc1">
-    <dgm:fillClrLst meth="repeat">
-      <a:schemeClr val="lt2">
-        <a:alpha val="40000"/>
-      </a:schemeClr>
-    </dgm:fillClrLst>
-    <dgm:linClrLst meth="repeat">
-      <a:schemeClr val="dk2"/>
-    </dgm:linClrLst>
-    <dgm:effectClrLst/>
-    <dgm:txLinClrLst/>
-    <dgm:txFillClrLst meth="repeat">
-      <a:schemeClr val="dk1"/>
-    </dgm:txFillClrLst>
-    <dgm:txEffectClrLst/>
-  </dgm:styleLbl>
-  <dgm:styleLbl name="bgAcc1">
-    <dgm:fillClrLst meth="repeat">
-      <a:schemeClr val="lt2">
-        <a:alpha val="90000"/>
-      </a:schemeClr>
-    </dgm:fillClrLst>
-    <dgm:linClrLst meth="repeat">
-      <a:schemeClr val="dk2"/>
-    </dgm:linClrLst>
-    <dgm:effectClrLst/>
-    <dgm:txLinClrLst/>
-    <dgm:txFillClrLst meth="repeat">
-      <a:schemeClr val="dk1"/>
-    </dgm:txFillClrLst>
-    <dgm:txEffectClrLst/>
-  </dgm:styleLbl>
-  <dgm:styleLbl name="solidFgAcc1">
-    <dgm:fillClrLst meth="repeat">
-      <a:schemeClr val="lt2"/>
-    </dgm:fillClrLst>
-    <dgm:linClrLst meth="repeat">
-      <a:schemeClr val="dk2"/>
-    </dgm:linClrLst>
-    <dgm:effectClrLst/>
-    <dgm:txLinClrLst/>
-    <dgm:txFillClrLst meth="repeat">
-      <a:schemeClr val="dk1"/>
-    </dgm:txFillClrLst>
-    <dgm:txEffectClrLst/>
-  </dgm:styleLbl>
-  <dgm:styleLbl name="solidAlignAcc1">
-    <dgm:fillClrLst meth="repeat">
-      <a:schemeClr val="lt2"/>
-    </dgm:fillClrLst>
-    <dgm:linClrLst meth="repeat">
-      <a:schemeClr val="dk2"/>
-    </dgm:linClrLst>
-    <dgm:effectClrLst/>
-    <dgm:txLinClrLst/>
-    <dgm:txFillClrLst meth="repeat">
-      <a:schemeClr val="dk1"/>
-    </dgm:txFillClrLst>
-    <dgm:txEffectClrLst/>
-  </dgm:styleLbl>
-  <dgm:styleLbl name="solidBgAcc1">
-    <dgm:fillClrLst meth="repeat">
-      <a:schemeClr val="lt2"/>
-    </dgm:fillClrLst>
-    <dgm:linClrLst meth="repeat">
-      <a:schemeClr val="dk2"/>
-    </dgm:linClrLst>
-    <dgm:effectClrLst/>
-    <dgm:txLinClrLst/>
-    <dgm:txFillClrLst meth="repeat">
-      <a:schemeClr val="dk1"/>
-    </dgm:txFillClrLst>
-    <dgm:txEffectClrLst/>
-  </dgm:styleLbl>
-  <dgm:styleLbl name="fgAccFollowNode1">
-    <dgm:fillClrLst meth="repeat">
-      <a:schemeClr val="dk2">
-        <a:alpha val="90000"/>
-        <a:tint val="40000"/>
-      </a:schemeClr>
-    </dgm:fillClrLst>
-    <dgm:linClrLst meth="repeat">
-      <a:schemeClr val="dk2">
-        <a:alpha val="90000"/>
-        <a:tint val="40000"/>
-      </a:schemeClr>
-    </dgm:linClrLst>
-    <dgm:effectClrLst/>
-    <dgm:txLinClrLst/>
-    <dgm:txFillClrLst meth="repeat">
-      <a:schemeClr val="dk1"/>
-    </dgm:txFillClrLst>
-    <dgm:txEffectClrLst/>
-  </dgm:styleLbl>
-  <dgm:styleLbl name="alignAccFollowNode1">
-    <dgm:fillClrLst meth="repeat">
-      <a:schemeClr val="dk2">
-        <a:alpha val="90000"/>
-        <a:tint val="40000"/>
-      </a:schemeClr>
-    </dgm:fillClrLst>
-    <dgm:linClrLst meth="repeat">
-      <a:schemeClr val="dk2">
-        <a:alpha val="90000"/>
-        <a:tint val="40000"/>
-      </a:schemeClr>
-    </dgm:linClrLst>
-    <dgm:effectClrLst/>
-    <dgm:txLinClrLst/>
-    <dgm:txFillClrLst meth="repeat">
-      <a:schemeClr val="dk1"/>
-    </dgm:txFillClrLst>
-    <dgm:txEffectClrLst/>
-  </dgm:styleLbl>
-  <dgm:styleLbl name="bgAccFollowNode1">
-    <dgm:fillClrLst meth="repeat">
-      <a:schemeClr val="dk2">
-        <a:alpha val="90000"/>
-        <a:tint val="40000"/>
-      </a:schemeClr>
-    </dgm:fillClrLst>
-    <dgm:linClrLst meth="repeat">
-      <a:schemeClr val="dk2">
-        <a:alpha val="90000"/>
-        <a:tint val="40000"/>
-      </a:schemeClr>
-    </dgm:linClrLst>
-    <dgm:effectClrLst/>
-    <dgm:txLinClrLst/>
-    <dgm:txFillClrLst meth="repeat">
-      <a:schemeClr val="dk1"/>
-    </dgm:txFillClrLst>
-    <dgm:txEffectClrLst/>
-  </dgm:styleLbl>
-  <dgm:styleLbl name="fgAcc0">
-    <dgm:fillClrLst meth="repeat">
-      <a:schemeClr val="lt2">
-        <a:alpha val="90000"/>
-      </a:schemeClr>
-    </dgm:fillClrLst>
-    <dgm:linClrLst meth="repeat">
-      <a:schemeClr val="dk2"/>
-    </dgm:linClrLst>
-    <dgm:effectClrLst/>
-    <dgm:txLinClrLst/>
-    <dgm:txFillClrLst meth="repeat">
-      <a:schemeClr val="dk1"/>
-    </dgm:txFillClrLst>
-    <dgm:txEffectClrLst/>
-  </dgm:styleLbl>
-  <dgm:styleLbl name="fgAcc2">
-    <dgm:fillClrLst meth="repeat">
-      <a:schemeClr val="lt2">
-        <a:alpha val="90000"/>
-      </a:schemeClr>
-    </dgm:fillClrLst>
-    <dgm:linClrLst meth="repeat">
-      <a:schemeClr val="dk2"/>
-    </dgm:linClrLst>
-    <dgm:effectClrLst/>
-    <dgm:txLinClrLst/>
-    <dgm:txFillClrLst meth="repeat">
-      <a:schemeClr val="dk1"/>
-    </dgm:txFillClrLst>
-    <dgm:txEffectClrLst/>
-  </dgm:styleLbl>
-  <dgm:styleLbl name="fgAcc3">
-    <dgm:fillClrLst meth="repeat">
-      <a:schemeClr val="lt2">
-        <a:alpha val="90000"/>
-      </a:schemeClr>
-    </dgm:fillClrLst>
-    <dgm:linClrLst meth="repeat">
-      <a:schemeClr val="dk2"/>
-    </dgm:linClrLst>
-    <dgm:effectClrLst/>
-    <dgm:txLinClrLst/>
-    <dgm:txFillClrLst meth="repeat">
-      <a:schemeClr val="dk1"/>
-    </dgm:txFillClrLst>
-    <dgm:txEffectClrLst/>
-  </dgm:styleLbl>
-  <dgm:styleLbl name="fgAcc4">
-    <dgm:fillClrLst meth="repeat">
-      <a:schemeClr val="lt2">
-        <a:alpha val="90000"/>
-      </a:schemeClr>
-    </dgm:fillClrLst>
-    <dgm:linClrLst meth="repeat">
-      <a:schemeClr val="dk2"/>
-    </dgm:linClrLst>
-    <dgm:effectClrLst/>
-    <dgm:txLinClrLst/>
-    <dgm:txFillClrLst meth="repeat">
-      <a:schemeClr val="dk1"/>
-    </dgm:txFillClrLst>
-    <dgm:txEffectClrLst/>
-  </dgm:styleLbl>
-  <dgm:styleLbl name="bgShp">
-    <dgm:fillClrLst meth="repeat">
-      <a:schemeClr val="dk2">
-        <a:tint val="40000"/>
-      </a:schemeClr>
-    </dgm:fillClrLst>
-    <dgm:linClrLst meth="repeat">
-      <a:schemeClr val="dk2"/>
-    </dgm:linClrLst>
-    <dgm:effectClrLst/>
-    <dgm:txLinClrLst/>
-    <dgm:txFillClrLst meth="repeat">
-      <a:schemeClr val="dk1"/>
-    </dgm:txFillClrLst>
-    <dgm:txEffectClrLst/>
-  </dgm:styleLbl>
-  <dgm:styleLbl name="dkBgShp">
-    <dgm:fillClrLst meth="repeat">
-      <a:schemeClr val="dk2">
-        <a:shade val="80000"/>
-      </a:schemeClr>
-    </dgm:fillClrLst>
-    <dgm:linClrLst meth="repeat">
-      <a:schemeClr val="dk2"/>
-    </dgm:linClrLst>
-    <dgm:effectClrLst/>
-    <dgm:txLinClrLst/>
-    <dgm:txFillClrLst meth="repeat">
-      <a:schemeClr val="lt1"/>
-    </dgm:txFillClrLst>
-    <dgm:txEffectClrLst/>
-  </dgm:styleLbl>
-  <dgm:styleLbl name="trBgShp">
-    <dgm:fillClrLst meth="repeat">
-      <a:schemeClr val="dk2">
-        <a:tint val="50000"/>
-        <a:alpha val="40000"/>
-      </a:schemeClr>
-    </dgm:fillClrLst>
-    <dgm:linClrLst meth="repeat">
-      <a:schemeClr val="dk2"/>
-    </dgm:linClrLst>
-    <dgm:effectClrLst/>
-    <dgm:txLinClrLst/>
-    <dgm:txFillClrLst meth="repeat">
-      <a:schemeClr val="lt1"/>
-    </dgm:txFillClrLst>
-    <dgm:txEffectClrLst/>
-  </dgm:styleLbl>
-  <dgm:styleLbl name="fgShp">
-    <dgm:fillClrLst meth="repeat">
-      <a:schemeClr val="dk2">
-        <a:tint val="60000"/>
-      </a:schemeClr>
-    </dgm:fillClrLst>
-    <dgm:linClrLst meth="repeat">
-      <a:schemeClr val="lt2"/>
-    </dgm:linClrLst>
-    <dgm:effectClrLst/>
-    <dgm:txLinClrLst/>
-    <dgm:txFillClrLst meth="repeat">
-      <a:schemeClr val="dk1"/>
-    </dgm:txFillClrLst>
-    <dgm:txEffectClrLst/>
-  </dgm:styleLbl>
-  <dgm:styleLbl name="revTx">
-    <dgm:fillClrLst meth="repeat">
-      <a:schemeClr val="lt2">
-        <a:alpha val="0"/>
-      </a:schemeClr>
-    </dgm:fillClrLst>
-    <dgm:linClrLst meth="repeat">
-      <a:schemeClr val="dk1">
-        <a:alpha val="0"/>
-      </a:schemeClr>
-    </dgm:linClrLst>
-    <dgm:effectClrLst/>
-    <dgm:txLinClrLst/>
-    <dgm:txFillClrLst meth="repeat">
-      <a:schemeClr val="tx1"/>
-    </dgm:txFillClrLst>
-    <dgm:txEffectClrLst/>
-  </dgm:styleLbl>
-</dgm:colorsDef>
-</file>
-
-<file path=ppt/diagrams/data1.xml><?xml version="1.0" encoding="utf-8"?>
-<dgm:dataModel xmlns:dgm="http://schemas.openxmlformats.org/drawingml/2006/diagram" xmlns:a="http://schemas.openxmlformats.org/drawingml/2006/main">
-  <dgm:ptLst>
-    <dgm:pt modelId="{CADE50C9-6A62-45AC-AF42-A90DC46A3209}" type="doc">
-      <dgm:prSet loTypeId="urn:microsoft.com/office/officeart/2005/8/layout/process3" loCatId="process" qsTypeId="urn:microsoft.com/office/officeart/2005/8/quickstyle/simple4" qsCatId="simple" csTypeId="urn:microsoft.com/office/officeart/2005/8/colors/accent0_3" csCatId="mainScheme" phldr="1"/>
-      <dgm:spPr/>
-      <dgm:t>
-        <a:bodyPr/>
-        <a:lstStyle/>
-        <a:p>
-          <a:endParaRPr lang="en-US"/>
-        </a:p>
-      </dgm:t>
-    </dgm:pt>
-    <dgm:pt modelId="{5F712884-449D-4DB5-9953-28B7C76B95EA}">
-      <dgm:prSet phldrT="[Text]"/>
-      <dgm:spPr/>
-      <dgm:t>
-        <a:bodyPr/>
-        <a:lstStyle/>
-        <a:p>
-          <a:r>
-            <a:rPr lang="en-US" dirty="0"/>
-            <a:t>Step 1</a:t>
-          </a:r>
-        </a:p>
-      </dgm:t>
-    </dgm:pt>
-    <dgm:pt modelId="{959B81DB-0329-4043-A334-D05EB5160B66}" type="parTrans" cxnId="{5BBBD0A9-97DA-480E-AD44-1947C76CE5E6}">
-      <dgm:prSet/>
-      <dgm:spPr/>
-      <dgm:t>
-        <a:bodyPr/>
-        <a:lstStyle/>
-        <a:p>
-          <a:endParaRPr lang="en-US"/>
-        </a:p>
-      </dgm:t>
-    </dgm:pt>
-    <dgm:pt modelId="{EB5FE175-6B6D-4195-A86F-6DFA96778160}" type="sibTrans" cxnId="{5BBBD0A9-97DA-480E-AD44-1947C76CE5E6}">
-      <dgm:prSet/>
-      <dgm:spPr/>
-      <dgm:t>
-        <a:bodyPr/>
-        <a:lstStyle/>
-        <a:p>
-          <a:endParaRPr lang="en-US"/>
-        </a:p>
-      </dgm:t>
-    </dgm:pt>
-    <dgm:pt modelId="{3C06DC45-D510-48CC-B9DC-C19564791119}">
-      <dgm:prSet phldrT="[Text]"/>
-      <dgm:spPr/>
-      <dgm:t>
-        <a:bodyPr/>
-        <a:lstStyle/>
-        <a:p>
-          <a:r>
-            <a:rPr lang="en-US" dirty="0"/>
-            <a:t>Describe this step</a:t>
-          </a:r>
-          <a:br>
-            <a:rPr lang="en-US" dirty="0"/>
-          </a:br>
-          <a:r>
-            <a:rPr lang="en-US" dirty="0"/>
-            <a:t>in your experiment</a:t>
-          </a:r>
-        </a:p>
-      </dgm:t>
-    </dgm:pt>
-    <dgm:pt modelId="{65F5C7C6-EB25-442A-AB0B-B47F97609474}" type="parTrans" cxnId="{55246683-0A80-455D-B6B5-2B2736293CF2}">
-      <dgm:prSet/>
-      <dgm:spPr/>
-      <dgm:t>
-        <a:bodyPr/>
-        <a:lstStyle/>
-        <a:p>
-          <a:endParaRPr lang="en-US"/>
-        </a:p>
-      </dgm:t>
-    </dgm:pt>
-    <dgm:pt modelId="{D1AB7263-DC38-4830-9C45-C1403EA8E20B}" type="sibTrans" cxnId="{55246683-0A80-455D-B6B5-2B2736293CF2}">
-      <dgm:prSet/>
-      <dgm:spPr/>
-      <dgm:t>
-        <a:bodyPr/>
-        <a:lstStyle/>
-        <a:p>
-          <a:endParaRPr lang="en-US"/>
-        </a:p>
-      </dgm:t>
-    </dgm:pt>
-    <dgm:pt modelId="{981C2CD8-7E8A-4682-8B5A-A510268B34AC}">
-      <dgm:prSet phldrT="[Text]"/>
-      <dgm:spPr/>
-      <dgm:t>
-        <a:bodyPr/>
-        <a:lstStyle/>
-        <a:p>
-          <a:r>
-            <a:rPr lang="en-US" dirty="0"/>
-            <a:t>Step 2</a:t>
-          </a:r>
-        </a:p>
-      </dgm:t>
-    </dgm:pt>
-    <dgm:pt modelId="{1185AE54-EDEE-4D55-93F6-F7D354ED7C11}" type="parTrans" cxnId="{D95BF8C4-EEA0-4AAE-8693-AFAC7500B286}">
-      <dgm:prSet/>
-      <dgm:spPr/>
-      <dgm:t>
-        <a:bodyPr/>
-        <a:lstStyle/>
-        <a:p>
-          <a:endParaRPr lang="en-US"/>
-        </a:p>
-      </dgm:t>
-    </dgm:pt>
-    <dgm:pt modelId="{D7467A3A-2B78-4CDD-91C9-D96452997227}" type="sibTrans" cxnId="{D95BF8C4-EEA0-4AAE-8693-AFAC7500B286}">
-      <dgm:prSet/>
-      <dgm:spPr/>
-      <dgm:t>
-        <a:bodyPr/>
-        <a:lstStyle/>
-        <a:p>
-          <a:endParaRPr lang="en-US"/>
-        </a:p>
-      </dgm:t>
-    </dgm:pt>
-    <dgm:pt modelId="{CF1FE966-0BB0-47ED-84B3-EC7AB055925F}">
-      <dgm:prSet phldrT="[Text]"/>
-      <dgm:spPr/>
-      <dgm:t>
-        <a:bodyPr/>
-        <a:lstStyle/>
-        <a:p>
-          <a:r>
-            <a:rPr lang="en-US" dirty="0"/>
-            <a:t>Describe this step</a:t>
-          </a:r>
-          <a:br>
-            <a:rPr lang="en-US" dirty="0"/>
-          </a:br>
-          <a:r>
-            <a:rPr lang="en-US" dirty="0"/>
-            <a:t>in your experiment</a:t>
-          </a:r>
-        </a:p>
-      </dgm:t>
-    </dgm:pt>
-    <dgm:pt modelId="{FB956851-3BB2-4FF1-A9D6-4692FA0EFDCA}" type="parTrans" cxnId="{7A81218D-5146-40F9-9731-5BD21503537E}">
-      <dgm:prSet/>
-      <dgm:spPr/>
-      <dgm:t>
-        <a:bodyPr/>
-        <a:lstStyle/>
-        <a:p>
-          <a:endParaRPr lang="en-US"/>
-        </a:p>
-      </dgm:t>
-    </dgm:pt>
-    <dgm:pt modelId="{831C3CE2-0F23-433C-85CA-9D194AAC5E20}" type="sibTrans" cxnId="{7A81218D-5146-40F9-9731-5BD21503537E}">
-      <dgm:prSet/>
-      <dgm:spPr/>
-      <dgm:t>
-        <a:bodyPr/>
-        <a:lstStyle/>
-        <a:p>
-          <a:endParaRPr lang="en-US"/>
-        </a:p>
-      </dgm:t>
-    </dgm:pt>
-    <dgm:pt modelId="{DC2DF88C-35A0-4E30-A3E4-E002DC34F521}">
-      <dgm:prSet phldrT="[Text]"/>
-      <dgm:spPr/>
-      <dgm:t>
-        <a:bodyPr/>
-        <a:lstStyle/>
-        <a:p>
-          <a:r>
-            <a:rPr lang="en-US" dirty="0"/>
-            <a:t>Step 3</a:t>
-          </a:r>
-        </a:p>
-      </dgm:t>
-    </dgm:pt>
-    <dgm:pt modelId="{9BB88C43-2261-4EC7-A70D-463964685938}" type="parTrans" cxnId="{63D5015B-3865-4A4B-AEB1-FBEF0DE71B9A}">
-      <dgm:prSet/>
-      <dgm:spPr/>
-      <dgm:t>
-        <a:bodyPr/>
-        <a:lstStyle/>
-        <a:p>
-          <a:endParaRPr lang="en-US"/>
-        </a:p>
-      </dgm:t>
-    </dgm:pt>
-    <dgm:pt modelId="{4DFC88DE-E0F0-4976-9B83-58EADA7CE300}" type="sibTrans" cxnId="{63D5015B-3865-4A4B-AEB1-FBEF0DE71B9A}">
-      <dgm:prSet/>
-      <dgm:spPr/>
-      <dgm:t>
-        <a:bodyPr/>
-        <a:lstStyle/>
-        <a:p>
-          <a:endParaRPr lang="en-US"/>
-        </a:p>
-      </dgm:t>
-    </dgm:pt>
-    <dgm:pt modelId="{DF9FD532-8B13-446E-B6A3-59BDF574BCA8}">
-      <dgm:prSet phldrT="[Text]"/>
-      <dgm:spPr/>
-      <dgm:t>
-        <a:bodyPr/>
-        <a:lstStyle/>
-        <a:p>
-          <a:r>
-            <a:rPr lang="en-US" dirty="0"/>
-            <a:t>Describe this step</a:t>
-          </a:r>
-          <a:br>
-            <a:rPr lang="en-US" dirty="0"/>
-          </a:br>
-          <a:r>
-            <a:rPr lang="en-US" dirty="0"/>
-            <a:t>in your experiment</a:t>
-          </a:r>
-        </a:p>
-      </dgm:t>
-    </dgm:pt>
-    <dgm:pt modelId="{3A79FA23-5F3F-4F7D-B4AC-A9C282166E18}" type="parTrans" cxnId="{D998B319-C072-4BF0-B5CB-2075DB30B691}">
-      <dgm:prSet/>
-      <dgm:spPr/>
-      <dgm:t>
-        <a:bodyPr/>
-        <a:lstStyle/>
-        <a:p>
-          <a:endParaRPr lang="en-US"/>
-        </a:p>
-      </dgm:t>
-    </dgm:pt>
-    <dgm:pt modelId="{31B32A6E-6E91-4EAA-96F6-92A0035B120A}" type="sibTrans" cxnId="{D998B319-C072-4BF0-B5CB-2075DB30B691}">
-      <dgm:prSet/>
-      <dgm:spPr/>
-      <dgm:t>
-        <a:bodyPr/>
-        <a:lstStyle/>
-        <a:p>
-          <a:endParaRPr lang="en-US"/>
-        </a:p>
-      </dgm:t>
-    </dgm:pt>
-    <dgm:pt modelId="{F5961DD5-682B-4D21-A827-30C64679BB5F}">
-      <dgm:prSet phldrT="[Text]"/>
-      <dgm:spPr/>
-      <dgm:t>
-        <a:bodyPr/>
-        <a:lstStyle/>
-        <a:p>
-          <a:r>
-            <a:rPr lang="en-US" dirty="0"/>
-            <a:t>Step 4</a:t>
-          </a:r>
-        </a:p>
-      </dgm:t>
-    </dgm:pt>
-    <dgm:pt modelId="{75D73089-01C8-4BC0-90ED-CA9D1B8E3ADF}" type="parTrans" cxnId="{73708078-FDBA-43F4-96AB-FB14C4C2602F}">
-      <dgm:prSet/>
-      <dgm:spPr/>
-      <dgm:t>
-        <a:bodyPr/>
-        <a:lstStyle/>
-        <a:p>
-          <a:endParaRPr lang="en-US"/>
-        </a:p>
-      </dgm:t>
-    </dgm:pt>
-    <dgm:pt modelId="{CA7ED3B0-10D1-4E2F-8BA0-8D58C22A94D0}" type="sibTrans" cxnId="{73708078-FDBA-43F4-96AB-FB14C4C2602F}">
-      <dgm:prSet/>
-      <dgm:spPr/>
-      <dgm:t>
-        <a:bodyPr/>
-        <a:lstStyle/>
-        <a:p>
-          <a:endParaRPr lang="en-US"/>
-        </a:p>
-      </dgm:t>
-    </dgm:pt>
-    <dgm:pt modelId="{72DB7378-4256-4528-8672-DEEF82828E57}">
-      <dgm:prSet phldrT="[Text]"/>
-      <dgm:spPr/>
-      <dgm:t>
-        <a:bodyPr/>
-        <a:lstStyle/>
-        <a:p>
-          <a:r>
-            <a:rPr lang="en-US" dirty="0"/>
-            <a:t>Describe this step</a:t>
-          </a:r>
-          <a:br>
-            <a:rPr lang="en-US" dirty="0"/>
-          </a:br>
-          <a:r>
-            <a:rPr lang="en-US" dirty="0"/>
-            <a:t>in your experiment</a:t>
-          </a:r>
-        </a:p>
-      </dgm:t>
-    </dgm:pt>
-    <dgm:pt modelId="{97CEFC59-E261-4652-BC13-D71B45B5EC50}" type="parTrans" cxnId="{2A4D48E1-6639-4AC8-ABBF-C8A0D045AFB7}">
-      <dgm:prSet/>
-      <dgm:spPr/>
-      <dgm:t>
-        <a:bodyPr/>
-        <a:lstStyle/>
-        <a:p>
-          <a:endParaRPr lang="en-US"/>
-        </a:p>
-      </dgm:t>
-    </dgm:pt>
-    <dgm:pt modelId="{D0054105-F7A3-4CAE-89E2-0979360A932C}" type="sibTrans" cxnId="{2A4D48E1-6639-4AC8-ABBF-C8A0D045AFB7}">
-      <dgm:prSet/>
-      <dgm:spPr/>
-      <dgm:t>
-        <a:bodyPr/>
-        <a:lstStyle/>
-        <a:p>
-          <a:endParaRPr lang="en-US"/>
-        </a:p>
-      </dgm:t>
-    </dgm:pt>
-    <dgm:pt modelId="{FDB6D5C0-0ED5-4B9D-9E48-126ED2C433C3}" type="pres">
-      <dgm:prSet presAssocID="{CADE50C9-6A62-45AC-AF42-A90DC46A3209}" presName="linearFlow" presStyleCnt="0">
-        <dgm:presLayoutVars>
-          <dgm:dir/>
-          <dgm:animLvl val="lvl"/>
-          <dgm:resizeHandles val="exact"/>
-        </dgm:presLayoutVars>
-      </dgm:prSet>
-      <dgm:spPr/>
-    </dgm:pt>
-    <dgm:pt modelId="{CFDB6B04-AAD5-42A2-8A40-C0EC4077F01E}" type="pres">
-      <dgm:prSet presAssocID="{5F712884-449D-4DB5-9953-28B7C76B95EA}" presName="composite" presStyleCnt="0"/>
-      <dgm:spPr/>
-    </dgm:pt>
-    <dgm:pt modelId="{EF3A946E-96B3-4628-91EB-8B0A2A37DDB1}" type="pres">
-      <dgm:prSet presAssocID="{5F712884-449D-4DB5-9953-28B7C76B95EA}" presName="parTx" presStyleLbl="node1" presStyleIdx="0" presStyleCnt="4">
-        <dgm:presLayoutVars>
-          <dgm:chMax val="0"/>
-          <dgm:chPref val="0"/>
-          <dgm:bulletEnabled val="1"/>
-        </dgm:presLayoutVars>
-      </dgm:prSet>
-      <dgm:spPr/>
-    </dgm:pt>
-    <dgm:pt modelId="{E252839F-D941-4E3B-BA68-AC653DAEAE4C}" type="pres">
-      <dgm:prSet presAssocID="{5F712884-449D-4DB5-9953-28B7C76B95EA}" presName="parSh" presStyleLbl="node1" presStyleIdx="0" presStyleCnt="4"/>
-      <dgm:spPr/>
-    </dgm:pt>
-    <dgm:pt modelId="{9AFA4903-C1AC-4872-B8FC-33B461DA35FC}" type="pres">
-      <dgm:prSet presAssocID="{5F712884-449D-4DB5-9953-28B7C76B95EA}" presName="desTx" presStyleLbl="fgAcc1" presStyleIdx="0" presStyleCnt="4">
-        <dgm:presLayoutVars>
-          <dgm:bulletEnabled val="1"/>
-        </dgm:presLayoutVars>
-      </dgm:prSet>
-      <dgm:spPr/>
-    </dgm:pt>
-    <dgm:pt modelId="{B4B2D37A-6F50-4E0F-B305-9EB4D512D773}" type="pres">
-      <dgm:prSet presAssocID="{EB5FE175-6B6D-4195-A86F-6DFA96778160}" presName="sibTrans" presStyleLbl="sibTrans2D1" presStyleIdx="0" presStyleCnt="3"/>
-      <dgm:spPr/>
-    </dgm:pt>
-    <dgm:pt modelId="{ADE18D45-E3E4-4C40-8D6C-3AC62ACE8299}" type="pres">
-      <dgm:prSet presAssocID="{EB5FE175-6B6D-4195-A86F-6DFA96778160}" presName="connTx" presStyleLbl="sibTrans2D1" presStyleIdx="0" presStyleCnt="3"/>
-      <dgm:spPr/>
-    </dgm:pt>
-    <dgm:pt modelId="{4D30E82E-B1D1-4836-AA5D-2AD3F6A52082}" type="pres">
-      <dgm:prSet presAssocID="{981C2CD8-7E8A-4682-8B5A-A510268B34AC}" presName="composite" presStyleCnt="0"/>
-      <dgm:spPr/>
-    </dgm:pt>
-    <dgm:pt modelId="{C084451C-3DBC-48CF-A871-B521FE90830A}" type="pres">
-      <dgm:prSet presAssocID="{981C2CD8-7E8A-4682-8B5A-A510268B34AC}" presName="parTx" presStyleLbl="node1" presStyleIdx="0" presStyleCnt="4">
-        <dgm:presLayoutVars>
-          <dgm:chMax val="0"/>
-          <dgm:chPref val="0"/>
-          <dgm:bulletEnabled val="1"/>
-        </dgm:presLayoutVars>
-      </dgm:prSet>
-      <dgm:spPr/>
-    </dgm:pt>
-    <dgm:pt modelId="{B29D4F23-83F6-4C7C-9B29-72BF90EFE2CC}" type="pres">
-      <dgm:prSet presAssocID="{981C2CD8-7E8A-4682-8B5A-A510268B34AC}" presName="parSh" presStyleLbl="node1" presStyleIdx="1" presStyleCnt="4"/>
-      <dgm:spPr/>
-    </dgm:pt>
-    <dgm:pt modelId="{032BAEB6-0FB1-4780-AF60-2EFB8C965C77}" type="pres">
-      <dgm:prSet presAssocID="{981C2CD8-7E8A-4682-8B5A-A510268B34AC}" presName="desTx" presStyleLbl="fgAcc1" presStyleIdx="1" presStyleCnt="4">
-        <dgm:presLayoutVars>
-          <dgm:bulletEnabled val="1"/>
-        </dgm:presLayoutVars>
-      </dgm:prSet>
-      <dgm:spPr/>
-    </dgm:pt>
-    <dgm:pt modelId="{84DC82A2-8D59-472B-BE22-46F053C16CD5}" type="pres">
-      <dgm:prSet presAssocID="{D7467A3A-2B78-4CDD-91C9-D96452997227}" presName="sibTrans" presStyleLbl="sibTrans2D1" presStyleIdx="1" presStyleCnt="3"/>
-      <dgm:spPr/>
-    </dgm:pt>
-    <dgm:pt modelId="{E38B4FCE-9678-4085-AB99-40595BD6EB1C}" type="pres">
-      <dgm:prSet presAssocID="{D7467A3A-2B78-4CDD-91C9-D96452997227}" presName="connTx" presStyleLbl="sibTrans2D1" presStyleIdx="1" presStyleCnt="3"/>
-      <dgm:spPr/>
-    </dgm:pt>
-    <dgm:pt modelId="{A7DAE057-DF90-4B1D-8997-39328454C8BF}" type="pres">
-      <dgm:prSet presAssocID="{DC2DF88C-35A0-4E30-A3E4-E002DC34F521}" presName="composite" presStyleCnt="0"/>
-      <dgm:spPr/>
-    </dgm:pt>
-    <dgm:pt modelId="{D297B747-A2CF-41E4-A59D-391BC474F135}" type="pres">
-      <dgm:prSet presAssocID="{DC2DF88C-35A0-4E30-A3E4-E002DC34F521}" presName="parTx" presStyleLbl="node1" presStyleIdx="1" presStyleCnt="4">
-        <dgm:presLayoutVars>
-          <dgm:chMax val="0"/>
-          <dgm:chPref val="0"/>
-          <dgm:bulletEnabled val="1"/>
-        </dgm:presLayoutVars>
-      </dgm:prSet>
-      <dgm:spPr/>
-    </dgm:pt>
-    <dgm:pt modelId="{ABF185BD-956E-4777-8763-980278E426BB}" type="pres">
-      <dgm:prSet presAssocID="{DC2DF88C-35A0-4E30-A3E4-E002DC34F521}" presName="parSh" presStyleLbl="node1" presStyleIdx="2" presStyleCnt="4"/>
-      <dgm:spPr/>
-    </dgm:pt>
-    <dgm:pt modelId="{1526152F-906E-4121-A143-DD130A011105}" type="pres">
-      <dgm:prSet presAssocID="{DC2DF88C-35A0-4E30-A3E4-E002DC34F521}" presName="desTx" presStyleLbl="fgAcc1" presStyleIdx="2" presStyleCnt="4">
-        <dgm:presLayoutVars>
-          <dgm:bulletEnabled val="1"/>
-        </dgm:presLayoutVars>
-      </dgm:prSet>
-      <dgm:spPr/>
-    </dgm:pt>
-    <dgm:pt modelId="{14AD0DAF-92D3-400A-A4E0-170D0AF84100}" type="pres">
-      <dgm:prSet presAssocID="{4DFC88DE-E0F0-4976-9B83-58EADA7CE300}" presName="sibTrans" presStyleLbl="sibTrans2D1" presStyleIdx="2" presStyleCnt="3"/>
-      <dgm:spPr/>
-    </dgm:pt>
-    <dgm:pt modelId="{7E8F3DD0-4BD8-4C40-B882-1E8B5E423D90}" type="pres">
-      <dgm:prSet presAssocID="{4DFC88DE-E0F0-4976-9B83-58EADA7CE300}" presName="connTx" presStyleLbl="sibTrans2D1" presStyleIdx="2" presStyleCnt="3"/>
-      <dgm:spPr/>
-    </dgm:pt>
-    <dgm:pt modelId="{680AC8C3-1F16-413E-9EEB-B70CDD39FAED}" type="pres">
-      <dgm:prSet presAssocID="{F5961DD5-682B-4D21-A827-30C64679BB5F}" presName="composite" presStyleCnt="0"/>
-      <dgm:spPr/>
-    </dgm:pt>
-    <dgm:pt modelId="{4858D85A-2D02-42C7-A50A-A4E78D4F073F}" type="pres">
-      <dgm:prSet presAssocID="{F5961DD5-682B-4D21-A827-30C64679BB5F}" presName="parTx" presStyleLbl="node1" presStyleIdx="2" presStyleCnt="4">
-        <dgm:presLayoutVars>
-          <dgm:chMax val="0"/>
-          <dgm:chPref val="0"/>
-          <dgm:bulletEnabled val="1"/>
-        </dgm:presLayoutVars>
-      </dgm:prSet>
-      <dgm:spPr/>
-    </dgm:pt>
-    <dgm:pt modelId="{D685B160-AC57-41A0-95FE-636A4391B913}" type="pres">
-      <dgm:prSet presAssocID="{F5961DD5-682B-4D21-A827-30C64679BB5F}" presName="parSh" presStyleLbl="node1" presStyleIdx="3" presStyleCnt="4"/>
-      <dgm:spPr/>
-    </dgm:pt>
-    <dgm:pt modelId="{893E387F-15C0-4F86-BCD4-13F52E420B46}" type="pres">
-      <dgm:prSet presAssocID="{F5961DD5-682B-4D21-A827-30C64679BB5F}" presName="desTx" presStyleLbl="fgAcc1" presStyleIdx="3" presStyleCnt="4">
-        <dgm:presLayoutVars>
-          <dgm:bulletEnabled val="1"/>
-        </dgm:presLayoutVars>
-      </dgm:prSet>
-      <dgm:spPr/>
-    </dgm:pt>
-  </dgm:ptLst>
-  <dgm:cxnLst>
-    <dgm:cxn modelId="{93006ACD-B004-4B1F-B0D0-6C85222A28DE}" type="presOf" srcId="{EB5FE175-6B6D-4195-A86F-6DFA96778160}" destId="{ADE18D45-E3E4-4C40-8D6C-3AC62ACE8299}" srcOrd="1" destOrd="0" presId="urn:microsoft.com/office/officeart/2005/8/layout/process3"/>
-    <dgm:cxn modelId="{F188FC37-C998-4CDB-85A2-EBB389808248}" type="presOf" srcId="{981C2CD8-7E8A-4682-8B5A-A510268B34AC}" destId="{B29D4F23-83F6-4C7C-9B29-72BF90EFE2CC}" srcOrd="1" destOrd="0" presId="urn:microsoft.com/office/officeart/2005/8/layout/process3"/>
-    <dgm:cxn modelId="{9197A1EF-40BA-4A00-90BC-61CBC94FE8A7}" type="presOf" srcId="{3C06DC45-D510-48CC-B9DC-C19564791119}" destId="{9AFA4903-C1AC-4872-B8FC-33B461DA35FC}" srcOrd="0" destOrd="0" presId="urn:microsoft.com/office/officeart/2005/8/layout/process3"/>
-    <dgm:cxn modelId="{63D5015B-3865-4A4B-AEB1-FBEF0DE71B9A}" srcId="{CADE50C9-6A62-45AC-AF42-A90DC46A3209}" destId="{DC2DF88C-35A0-4E30-A3E4-E002DC34F521}" srcOrd="2" destOrd="0" parTransId="{9BB88C43-2261-4EC7-A70D-463964685938}" sibTransId="{4DFC88DE-E0F0-4976-9B83-58EADA7CE300}"/>
-    <dgm:cxn modelId="{654B2758-BB63-4A67-9FA8-BFB78F357825}" type="presOf" srcId="{DC2DF88C-35A0-4E30-A3E4-E002DC34F521}" destId="{D297B747-A2CF-41E4-A59D-391BC474F135}" srcOrd="0" destOrd="0" presId="urn:microsoft.com/office/officeart/2005/8/layout/process3"/>
-    <dgm:cxn modelId="{C0883AEA-830B-4AD2-96BF-9E39D8362AB2}" type="presOf" srcId="{DC2DF88C-35A0-4E30-A3E4-E002DC34F521}" destId="{ABF185BD-956E-4777-8763-980278E426BB}" srcOrd="1" destOrd="0" presId="urn:microsoft.com/office/officeart/2005/8/layout/process3"/>
-    <dgm:cxn modelId="{B2733D3B-E352-4F5C-889A-1B9ECD5F8F60}" type="presOf" srcId="{EB5FE175-6B6D-4195-A86F-6DFA96778160}" destId="{B4B2D37A-6F50-4E0F-B305-9EB4D512D773}" srcOrd="0" destOrd="0" presId="urn:microsoft.com/office/officeart/2005/8/layout/process3"/>
-    <dgm:cxn modelId="{5BDE1DA6-E08E-43FF-BCA1-46EC3454F22A}" type="presOf" srcId="{5F712884-449D-4DB5-9953-28B7C76B95EA}" destId="{EF3A946E-96B3-4628-91EB-8B0A2A37DDB1}" srcOrd="0" destOrd="0" presId="urn:microsoft.com/office/officeart/2005/8/layout/process3"/>
-    <dgm:cxn modelId="{7C7C1ACA-D121-4A09-BFF4-2A57A30D871A}" type="presOf" srcId="{D7467A3A-2B78-4CDD-91C9-D96452997227}" destId="{84DC82A2-8D59-472B-BE22-46F053C16CD5}" srcOrd="0" destOrd="0" presId="urn:microsoft.com/office/officeart/2005/8/layout/process3"/>
-    <dgm:cxn modelId="{D998B319-C072-4BF0-B5CB-2075DB30B691}" srcId="{DC2DF88C-35A0-4E30-A3E4-E002DC34F521}" destId="{DF9FD532-8B13-446E-B6A3-59BDF574BCA8}" srcOrd="0" destOrd="0" parTransId="{3A79FA23-5F3F-4F7D-B4AC-A9C282166E18}" sibTransId="{31B32A6E-6E91-4EAA-96F6-92A0035B120A}"/>
-    <dgm:cxn modelId="{AABA8D8C-E800-4FDC-8C5F-A5D82041D563}" type="presOf" srcId="{CF1FE966-0BB0-47ED-84B3-EC7AB055925F}" destId="{032BAEB6-0FB1-4780-AF60-2EFB8C965C77}" srcOrd="0" destOrd="0" presId="urn:microsoft.com/office/officeart/2005/8/layout/process3"/>
-    <dgm:cxn modelId="{D95BF8C4-EEA0-4AAE-8693-AFAC7500B286}" srcId="{CADE50C9-6A62-45AC-AF42-A90DC46A3209}" destId="{981C2CD8-7E8A-4682-8B5A-A510268B34AC}" srcOrd="1" destOrd="0" parTransId="{1185AE54-EDEE-4D55-93F6-F7D354ED7C11}" sibTransId="{D7467A3A-2B78-4CDD-91C9-D96452997227}"/>
-    <dgm:cxn modelId="{5BBBD0A9-97DA-480E-AD44-1947C76CE5E6}" srcId="{CADE50C9-6A62-45AC-AF42-A90DC46A3209}" destId="{5F712884-449D-4DB5-9953-28B7C76B95EA}" srcOrd="0" destOrd="0" parTransId="{959B81DB-0329-4043-A334-D05EB5160B66}" sibTransId="{EB5FE175-6B6D-4195-A86F-6DFA96778160}"/>
-    <dgm:cxn modelId="{2A4D48E1-6639-4AC8-ABBF-C8A0D045AFB7}" srcId="{F5961DD5-682B-4D21-A827-30C64679BB5F}" destId="{72DB7378-4256-4528-8672-DEEF82828E57}" srcOrd="0" destOrd="0" parTransId="{97CEFC59-E261-4652-BC13-D71B45B5EC50}" sibTransId="{D0054105-F7A3-4CAE-89E2-0979360A932C}"/>
-    <dgm:cxn modelId="{7A81218D-5146-40F9-9731-5BD21503537E}" srcId="{981C2CD8-7E8A-4682-8B5A-A510268B34AC}" destId="{CF1FE966-0BB0-47ED-84B3-EC7AB055925F}" srcOrd="0" destOrd="0" parTransId="{FB956851-3BB2-4FF1-A9D6-4692FA0EFDCA}" sibTransId="{831C3CE2-0F23-433C-85CA-9D194AAC5E20}"/>
-    <dgm:cxn modelId="{6C7842C7-2928-4666-A7BA-454C6506C36C}" type="presOf" srcId="{4DFC88DE-E0F0-4976-9B83-58EADA7CE300}" destId="{7E8F3DD0-4BD8-4C40-B882-1E8B5E423D90}" srcOrd="1" destOrd="0" presId="urn:microsoft.com/office/officeart/2005/8/layout/process3"/>
-    <dgm:cxn modelId="{55246683-0A80-455D-B6B5-2B2736293CF2}" srcId="{5F712884-449D-4DB5-9953-28B7C76B95EA}" destId="{3C06DC45-D510-48CC-B9DC-C19564791119}" srcOrd="0" destOrd="0" parTransId="{65F5C7C6-EB25-442A-AB0B-B47F97609474}" sibTransId="{D1AB7263-DC38-4830-9C45-C1403EA8E20B}"/>
-    <dgm:cxn modelId="{461E3B8D-CDD4-4E38-A9CC-325E95F35F5C}" type="presOf" srcId="{72DB7378-4256-4528-8672-DEEF82828E57}" destId="{893E387F-15C0-4F86-BCD4-13F52E420B46}" srcOrd="0" destOrd="0" presId="urn:microsoft.com/office/officeart/2005/8/layout/process3"/>
-    <dgm:cxn modelId="{7A63044C-EE1D-4724-9059-4496B4425527}" type="presOf" srcId="{F5961DD5-682B-4D21-A827-30C64679BB5F}" destId="{4858D85A-2D02-42C7-A50A-A4E78D4F073F}" srcOrd="0" destOrd="0" presId="urn:microsoft.com/office/officeart/2005/8/layout/process3"/>
-    <dgm:cxn modelId="{BB6865B8-A688-4FC4-AFAA-E66324174F02}" type="presOf" srcId="{5F712884-449D-4DB5-9953-28B7C76B95EA}" destId="{E252839F-D941-4E3B-BA68-AC653DAEAE4C}" srcOrd="1" destOrd="0" presId="urn:microsoft.com/office/officeart/2005/8/layout/process3"/>
-    <dgm:cxn modelId="{73708078-FDBA-43F4-96AB-FB14C4C2602F}" srcId="{CADE50C9-6A62-45AC-AF42-A90DC46A3209}" destId="{F5961DD5-682B-4D21-A827-30C64679BB5F}" srcOrd="3" destOrd="0" parTransId="{75D73089-01C8-4BC0-90ED-CA9D1B8E3ADF}" sibTransId="{CA7ED3B0-10D1-4E2F-8BA0-8D58C22A94D0}"/>
-    <dgm:cxn modelId="{37CFE086-8264-4424-B1D0-18A97A56AF66}" type="presOf" srcId="{4DFC88DE-E0F0-4976-9B83-58EADA7CE300}" destId="{14AD0DAF-92D3-400A-A4E0-170D0AF84100}" srcOrd="0" destOrd="0" presId="urn:microsoft.com/office/officeart/2005/8/layout/process3"/>
-    <dgm:cxn modelId="{A5C9FCE5-8766-426B-B5BE-B83931DD52CA}" type="presOf" srcId="{D7467A3A-2B78-4CDD-91C9-D96452997227}" destId="{E38B4FCE-9678-4085-AB99-40595BD6EB1C}" srcOrd="1" destOrd="0" presId="urn:microsoft.com/office/officeart/2005/8/layout/process3"/>
-    <dgm:cxn modelId="{3F4BEE9E-8D26-4AD2-ADA0-D76B4E28C08E}" type="presOf" srcId="{981C2CD8-7E8A-4682-8B5A-A510268B34AC}" destId="{C084451C-3DBC-48CF-A871-B521FE90830A}" srcOrd="0" destOrd="0" presId="urn:microsoft.com/office/officeart/2005/8/layout/process3"/>
-    <dgm:cxn modelId="{47BAA679-3D6E-4A1A-91AA-9E404EE6A4CB}" type="presOf" srcId="{F5961DD5-682B-4D21-A827-30C64679BB5F}" destId="{D685B160-AC57-41A0-95FE-636A4391B913}" srcOrd="1" destOrd="0" presId="urn:microsoft.com/office/officeart/2005/8/layout/process3"/>
-    <dgm:cxn modelId="{AF250757-46ED-49A3-A2B4-276D1B47F666}" type="presOf" srcId="{CADE50C9-6A62-45AC-AF42-A90DC46A3209}" destId="{FDB6D5C0-0ED5-4B9D-9E48-126ED2C433C3}" srcOrd="0" destOrd="0" presId="urn:microsoft.com/office/officeart/2005/8/layout/process3"/>
-    <dgm:cxn modelId="{762AB07F-C728-41D8-9B57-DB011D1EC3F0}" type="presOf" srcId="{DF9FD532-8B13-446E-B6A3-59BDF574BCA8}" destId="{1526152F-906E-4121-A143-DD130A011105}" srcOrd="0" destOrd="0" presId="urn:microsoft.com/office/officeart/2005/8/layout/process3"/>
-    <dgm:cxn modelId="{2B1E6CD2-9E99-4BF4-91F4-6569897959CC}" type="presParOf" srcId="{FDB6D5C0-0ED5-4B9D-9E48-126ED2C433C3}" destId="{CFDB6B04-AAD5-42A2-8A40-C0EC4077F01E}" srcOrd="0" destOrd="0" presId="urn:microsoft.com/office/officeart/2005/8/layout/process3"/>
-    <dgm:cxn modelId="{1E36B744-698A-4110-8366-45A5C14FAB2F}" type="presParOf" srcId="{CFDB6B04-AAD5-42A2-8A40-C0EC4077F01E}" destId="{EF3A946E-96B3-4628-91EB-8B0A2A37DDB1}" srcOrd="0" destOrd="0" presId="urn:microsoft.com/office/officeart/2005/8/layout/process3"/>
-    <dgm:cxn modelId="{A8E72DFA-2E76-423D-B051-4B4AE1F43988}" type="presParOf" srcId="{CFDB6B04-AAD5-42A2-8A40-C0EC4077F01E}" destId="{E252839F-D941-4E3B-BA68-AC653DAEAE4C}" srcOrd="1" destOrd="0" presId="urn:microsoft.com/office/officeart/2005/8/layout/process3"/>
-    <dgm:cxn modelId="{C743754D-872F-4CB7-98AB-907F3F8DF9A9}" type="presParOf" srcId="{CFDB6B04-AAD5-42A2-8A40-C0EC4077F01E}" destId="{9AFA4903-C1AC-4872-B8FC-33B461DA35FC}" srcOrd="2" destOrd="0" presId="urn:microsoft.com/office/officeart/2005/8/layout/process3"/>
-    <dgm:cxn modelId="{3ACFCAB8-326A-415A-9D3E-264698501C9F}" type="presParOf" srcId="{FDB6D5C0-0ED5-4B9D-9E48-126ED2C433C3}" destId="{B4B2D37A-6F50-4E0F-B305-9EB4D512D773}" srcOrd="1" destOrd="0" presId="urn:microsoft.com/office/officeart/2005/8/layout/process3"/>
-    <dgm:cxn modelId="{4CA85728-BF05-4EA0-AC81-26EEF58DACD1}" type="presParOf" srcId="{B4B2D37A-6F50-4E0F-B305-9EB4D512D773}" destId="{ADE18D45-E3E4-4C40-8D6C-3AC62ACE8299}" srcOrd="0" destOrd="0" presId="urn:microsoft.com/office/officeart/2005/8/layout/process3"/>
-    <dgm:cxn modelId="{B7963F07-84FF-4AB4-85F0-AEA6E7572C23}" type="presParOf" srcId="{FDB6D5C0-0ED5-4B9D-9E48-126ED2C433C3}" destId="{4D30E82E-B1D1-4836-AA5D-2AD3F6A52082}" srcOrd="2" destOrd="0" presId="urn:microsoft.com/office/officeart/2005/8/layout/process3"/>
-    <dgm:cxn modelId="{8AD50803-D73D-48EA-A1D7-A97D4337B166}" type="presParOf" srcId="{4D30E82E-B1D1-4836-AA5D-2AD3F6A52082}" destId="{C084451C-3DBC-48CF-A871-B521FE90830A}" srcOrd="0" destOrd="0" presId="urn:microsoft.com/office/officeart/2005/8/layout/process3"/>
-    <dgm:cxn modelId="{AEA58724-A211-4DEF-A1A2-6D535F31212A}" type="presParOf" srcId="{4D30E82E-B1D1-4836-AA5D-2AD3F6A52082}" destId="{B29D4F23-83F6-4C7C-9B29-72BF90EFE2CC}" srcOrd="1" destOrd="0" presId="urn:microsoft.com/office/officeart/2005/8/layout/process3"/>
-    <dgm:cxn modelId="{A4F0F5F4-B969-4CF0-ABDB-3EB68E784446}" type="presParOf" srcId="{4D30E82E-B1D1-4836-AA5D-2AD3F6A52082}" destId="{032BAEB6-0FB1-4780-AF60-2EFB8C965C77}" srcOrd="2" destOrd="0" presId="urn:microsoft.com/office/officeart/2005/8/layout/process3"/>
-    <dgm:cxn modelId="{6D9E19E4-6D00-48A3-A816-3A0A4C255CFD}" type="presParOf" srcId="{FDB6D5C0-0ED5-4B9D-9E48-126ED2C433C3}" destId="{84DC82A2-8D59-472B-BE22-46F053C16CD5}" srcOrd="3" destOrd="0" presId="urn:microsoft.com/office/officeart/2005/8/layout/process3"/>
-    <dgm:cxn modelId="{75C033CD-1209-4B0E-A244-CCC6C5DA69E7}" type="presParOf" srcId="{84DC82A2-8D59-472B-BE22-46F053C16CD5}" destId="{E38B4FCE-9678-4085-AB99-40595BD6EB1C}" srcOrd="0" destOrd="0" presId="urn:microsoft.com/office/officeart/2005/8/layout/process3"/>
-    <dgm:cxn modelId="{49EDC91B-50FF-4365-926C-F2278594A3F7}" type="presParOf" srcId="{FDB6D5C0-0ED5-4B9D-9E48-126ED2C433C3}" destId="{A7DAE057-DF90-4B1D-8997-39328454C8BF}" srcOrd="4" destOrd="0" presId="urn:microsoft.com/office/officeart/2005/8/layout/process3"/>
-    <dgm:cxn modelId="{8DCC3BCF-5F21-459E-BFF8-E61E04BC6115}" type="presParOf" srcId="{A7DAE057-DF90-4B1D-8997-39328454C8BF}" destId="{D297B747-A2CF-41E4-A59D-391BC474F135}" srcOrd="0" destOrd="0" presId="urn:microsoft.com/office/officeart/2005/8/layout/process3"/>
-    <dgm:cxn modelId="{45F2F7F4-A821-41D8-97FE-1BCC41637512}" type="presParOf" srcId="{A7DAE057-DF90-4B1D-8997-39328454C8BF}" destId="{ABF185BD-956E-4777-8763-980278E426BB}" srcOrd="1" destOrd="0" presId="urn:microsoft.com/office/officeart/2005/8/layout/process3"/>
-    <dgm:cxn modelId="{9E83D103-F9A6-4857-9AB9-FDE9BD76651D}" type="presParOf" srcId="{A7DAE057-DF90-4B1D-8997-39328454C8BF}" destId="{1526152F-906E-4121-A143-DD130A011105}" srcOrd="2" destOrd="0" presId="urn:microsoft.com/office/officeart/2005/8/layout/process3"/>
-    <dgm:cxn modelId="{C50C89FF-10B7-474B-BADA-AE4B0B2B514D}" type="presParOf" srcId="{FDB6D5C0-0ED5-4B9D-9E48-126ED2C433C3}" destId="{14AD0DAF-92D3-400A-A4E0-170D0AF84100}" srcOrd="5" destOrd="0" presId="urn:microsoft.com/office/officeart/2005/8/layout/process3"/>
-    <dgm:cxn modelId="{54D0F3B8-77BF-44DC-AE21-DFB3C93FE638}" type="presParOf" srcId="{14AD0DAF-92D3-400A-A4E0-170D0AF84100}" destId="{7E8F3DD0-4BD8-4C40-B882-1E8B5E423D90}" srcOrd="0" destOrd="0" presId="urn:microsoft.com/office/officeart/2005/8/layout/process3"/>
-    <dgm:cxn modelId="{10ADB078-339C-42F4-B8CA-BDC61A653524}" type="presParOf" srcId="{FDB6D5C0-0ED5-4B9D-9E48-126ED2C433C3}" destId="{680AC8C3-1F16-413E-9EEB-B70CDD39FAED}" srcOrd="6" destOrd="0" presId="urn:microsoft.com/office/officeart/2005/8/layout/process3"/>
-    <dgm:cxn modelId="{2D04AC6E-42B8-4A44-93E8-A5CE9BC4015F}" type="presParOf" srcId="{680AC8C3-1F16-413E-9EEB-B70CDD39FAED}" destId="{4858D85A-2D02-42C7-A50A-A4E78D4F073F}" srcOrd="0" destOrd="0" presId="urn:microsoft.com/office/officeart/2005/8/layout/process3"/>
-    <dgm:cxn modelId="{79892CE0-795A-43FE-8EA3-4125BC575FCA}" type="presParOf" srcId="{680AC8C3-1F16-413E-9EEB-B70CDD39FAED}" destId="{D685B160-AC57-41A0-95FE-636A4391B913}" srcOrd="1" destOrd="0" presId="urn:microsoft.com/office/officeart/2005/8/layout/process3"/>
-    <dgm:cxn modelId="{731CA2C0-3CE3-4192-9DF8-D7B7B3113BC5}" type="presParOf" srcId="{680AC8C3-1F16-413E-9EEB-B70CDD39FAED}" destId="{893E387F-15C0-4F86-BCD4-13F52E420B46}" srcOrd="2" destOrd="0" presId="urn:microsoft.com/office/officeart/2005/8/layout/process3"/>
-  </dgm:cxnLst>
-  <dgm:bg/>
-  <dgm:whole/>
-  <dgm:extLst>
-    <a:ext uri="http://schemas.microsoft.com/office/drawing/2008/diagram">
-      <dsp:dataModelExt xmlns:dsp="http://schemas.microsoft.com/office/drawing/2008/diagram" relId="rId7" minVer="http://schemas.openxmlformats.org/drawingml/2006/diagram"/>
-    </a:ext>
-  </dgm:extLst>
-</dgm:dataModel>
-</file>
-
-<file path=ppt/diagrams/drawing1.xml><?xml version="1.0" encoding="utf-8"?>
-<dsp:drawing xmlns:dgm="http://schemas.openxmlformats.org/drawingml/2006/diagram" xmlns:dsp="http://schemas.microsoft.com/office/drawing/2008/diagram" xmlns:a="http://schemas.openxmlformats.org/drawingml/2006/main">
-  <dsp:spTree>
-    <dsp:nvGrpSpPr>
-      <dsp:cNvPr id="0" name=""/>
-      <dsp:cNvGrpSpPr/>
-    </dsp:nvGrpSpPr>
-    <dsp:grpSpPr/>
-    <dsp:sp modelId="{E252839F-D941-4E3B-BA68-AC653DAEAE4C}">
-      <dsp:nvSpPr>
-        <dsp:cNvPr id="0" name=""/>
-        <dsp:cNvSpPr/>
-      </dsp:nvSpPr>
-      <dsp:spPr>
-        <a:xfrm>
-          <a:off x="1328" y="1321650"/>
-          <a:ext cx="1669286" cy="777599"/>
-        </a:xfrm>
-        <a:prstGeom prst="roundRect">
-          <a:avLst>
-            <a:gd name="adj" fmla="val 10000"/>
-          </a:avLst>
-        </a:prstGeom>
-        <a:gradFill rotWithShape="0">
-          <a:gsLst>
-            <a:gs pos="0">
-              <a:schemeClr val="dk2">
-                <a:hueOff val="0"/>
-                <a:satOff val="0"/>
-                <a:lumOff val="0"/>
-                <a:alphaOff val="0"/>
-                <a:satMod val="103000"/>
-                <a:lumMod val="102000"/>
-                <a:tint val="94000"/>
-              </a:schemeClr>
-            </a:gs>
-            <a:gs pos="50000">
-              <a:schemeClr val="dk2">
-                <a:hueOff val="0"/>
-                <a:satOff val="0"/>
-                <a:lumOff val="0"/>
-                <a:alphaOff val="0"/>
-                <a:satMod val="110000"/>
-                <a:lumMod val="100000"/>
-                <a:shade val="100000"/>
-              </a:schemeClr>
-            </a:gs>
-            <a:gs pos="100000">
-              <a:schemeClr val="dk2">
-                <a:hueOff val="0"/>
-                <a:satOff val="0"/>
-                <a:lumOff val="0"/>
-                <a:alphaOff val="0"/>
-                <a:lumMod val="99000"/>
-                <a:satMod val="120000"/>
-                <a:shade val="78000"/>
-              </a:schemeClr>
-            </a:gs>
-          </a:gsLst>
-          <a:lin ang="5400000" scaled="0"/>
-        </a:gradFill>
-        <a:ln>
-          <a:noFill/>
-        </a:ln>
-        <a:effectLst/>
-      </dsp:spPr>
-      <dsp:style>
-        <a:lnRef idx="0">
-          <a:scrgbClr r="0" g="0" b="0"/>
-        </a:lnRef>
-        <a:fillRef idx="3">
-          <a:scrgbClr r="0" g="0" b="0"/>
-        </a:fillRef>
-        <a:effectRef idx="2">
-          <a:scrgbClr r="0" g="0" b="0"/>
-        </a:effectRef>
-        <a:fontRef idx="minor">
-          <a:schemeClr val="lt1"/>
-        </a:fontRef>
-      </dsp:style>
-      <dsp:txBody>
-        <a:bodyPr spcFirstLastPara="0" vert="horz" wrap="square" lIns="128016" tIns="128016" rIns="128016" bIns="68580" numCol="1" spcCol="1270" anchor="t" anchorCtr="0">
-          <a:noAutofit/>
-        </a:bodyPr>
-        <a:lstStyle/>
-        <a:p>
-          <a:pPr marL="0" lvl="0" indent="0" algn="l" defTabSz="800100">
-            <a:lnSpc>
-              <a:spcPct val="90000"/>
-            </a:lnSpc>
-            <a:spcBef>
-              <a:spcPct val="0"/>
-            </a:spcBef>
-            <a:spcAft>
-              <a:spcPct val="35000"/>
-            </a:spcAft>
-            <a:buNone/>
-          </a:pPr>
-          <a:r>
-            <a:rPr lang="en-US" sz="1800" kern="1200" dirty="0"/>
-            <a:t>Step 1</a:t>
-          </a:r>
-        </a:p>
-      </dsp:txBody>
-      <dsp:txXfrm>
-        <a:off x="1328" y="1321650"/>
-        <a:ext cx="1669286" cy="518400"/>
-      </dsp:txXfrm>
-    </dsp:sp>
-    <dsp:sp modelId="{9AFA4903-C1AC-4872-B8FC-33B461DA35FC}">
-      <dsp:nvSpPr>
-        <dsp:cNvPr id="0" name=""/>
-        <dsp:cNvSpPr/>
-      </dsp:nvSpPr>
-      <dsp:spPr>
-        <a:xfrm>
-          <a:off x="343230" y="1840050"/>
-          <a:ext cx="1669286" cy="1296000"/>
-        </a:xfrm>
-        <a:prstGeom prst="roundRect">
-          <a:avLst>
-            <a:gd name="adj" fmla="val 10000"/>
-          </a:avLst>
-        </a:prstGeom>
-        <a:solidFill>
-          <a:schemeClr val="lt2">
-            <a:alpha val="90000"/>
-            <a:hueOff val="0"/>
-            <a:satOff val="0"/>
-            <a:lumOff val="0"/>
-            <a:alphaOff val="0"/>
-          </a:schemeClr>
-        </a:solidFill>
-        <a:ln w="6350" cap="flat" cmpd="sng" algn="ctr">
-          <a:solidFill>
-            <a:schemeClr val="dk2">
-              <a:hueOff val="0"/>
-              <a:satOff val="0"/>
-              <a:lumOff val="0"/>
-              <a:alphaOff val="0"/>
-            </a:schemeClr>
-          </a:solidFill>
-          <a:prstDash val="solid"/>
-          <a:miter lim="800000"/>
-        </a:ln>
-        <a:effectLst/>
-      </dsp:spPr>
-      <dsp:style>
-        <a:lnRef idx="1">
-          <a:scrgbClr r="0" g="0" b="0"/>
-        </a:lnRef>
-        <a:fillRef idx="1">
-          <a:scrgbClr r="0" g="0" b="0"/>
-        </a:fillRef>
-        <a:effectRef idx="0">
-          <a:scrgbClr r="0" g="0" b="0"/>
-        </a:effectRef>
-        <a:fontRef idx="minor"/>
-      </dsp:style>
-      <dsp:txBody>
-        <a:bodyPr spcFirstLastPara="0" vert="horz" wrap="square" lIns="128016" tIns="128016" rIns="128016" bIns="128016" numCol="1" spcCol="1270" anchor="t" anchorCtr="0">
-          <a:noAutofit/>
-        </a:bodyPr>
-        <a:lstStyle/>
-        <a:p>
-          <a:pPr marL="171450" lvl="1" indent="-171450" algn="l" defTabSz="800100">
-            <a:lnSpc>
-              <a:spcPct val="90000"/>
-            </a:lnSpc>
-            <a:spcBef>
-              <a:spcPct val="0"/>
-            </a:spcBef>
-            <a:spcAft>
-              <a:spcPct val="15000"/>
-            </a:spcAft>
-            <a:buChar char="•"/>
-          </a:pPr>
-          <a:r>
-            <a:rPr lang="en-US" sz="1800" kern="1200" dirty="0"/>
-            <a:t>Describe this step</a:t>
-          </a:r>
-          <a:br>
-            <a:rPr lang="en-US" sz="1800" kern="1200" dirty="0"/>
-          </a:br>
-          <a:r>
-            <a:rPr lang="en-US" sz="1800" kern="1200" dirty="0"/>
-            <a:t>in your experiment</a:t>
-          </a:r>
-        </a:p>
-      </dsp:txBody>
-      <dsp:txXfrm>
-        <a:off x="381189" y="1878009"/>
-        <a:ext cx="1593368" cy="1220082"/>
-      </dsp:txXfrm>
-    </dsp:sp>
-    <dsp:sp modelId="{B4B2D37A-6F50-4E0F-B305-9EB4D512D773}">
-      <dsp:nvSpPr>
-        <dsp:cNvPr id="0" name=""/>
-        <dsp:cNvSpPr/>
-      </dsp:nvSpPr>
-      <dsp:spPr>
-        <a:xfrm>
-          <a:off x="1923672" y="1373047"/>
-          <a:ext cx="536482" cy="415604"/>
-        </a:xfrm>
-        <a:prstGeom prst="rightArrow">
-          <a:avLst>
-            <a:gd name="adj1" fmla="val 60000"/>
-            <a:gd name="adj2" fmla="val 50000"/>
-          </a:avLst>
-        </a:prstGeom>
-        <a:gradFill rotWithShape="0">
-          <a:gsLst>
-            <a:gs pos="0">
-              <a:schemeClr val="dk2">
-                <a:tint val="60000"/>
-                <a:hueOff val="0"/>
-                <a:satOff val="0"/>
-                <a:lumOff val="0"/>
-                <a:alphaOff val="0"/>
-                <a:satMod val="103000"/>
-                <a:lumMod val="102000"/>
-                <a:tint val="94000"/>
-              </a:schemeClr>
-            </a:gs>
-            <a:gs pos="50000">
-              <a:schemeClr val="dk2">
-                <a:tint val="60000"/>
-                <a:hueOff val="0"/>
-                <a:satOff val="0"/>
-                <a:lumOff val="0"/>
-                <a:alphaOff val="0"/>
-                <a:satMod val="110000"/>
-                <a:lumMod val="100000"/>
-                <a:shade val="100000"/>
-              </a:schemeClr>
-            </a:gs>
-            <a:gs pos="100000">
-              <a:schemeClr val="dk2">
-                <a:tint val="60000"/>
-                <a:hueOff val="0"/>
-                <a:satOff val="0"/>
-                <a:lumOff val="0"/>
-                <a:alphaOff val="0"/>
-                <a:lumMod val="99000"/>
-                <a:satMod val="120000"/>
-                <a:shade val="78000"/>
-              </a:schemeClr>
-            </a:gs>
-          </a:gsLst>
-          <a:lin ang="5400000" scaled="0"/>
-        </a:gradFill>
-        <a:ln>
-          <a:noFill/>
-        </a:ln>
-        <a:effectLst/>
-      </dsp:spPr>
-      <dsp:style>
-        <a:lnRef idx="0">
-          <a:scrgbClr r="0" g="0" b="0"/>
-        </a:lnRef>
-        <a:fillRef idx="3">
-          <a:scrgbClr r="0" g="0" b="0"/>
-        </a:fillRef>
-        <a:effectRef idx="2">
-          <a:scrgbClr r="0" g="0" b="0"/>
-        </a:effectRef>
-        <a:fontRef idx="minor">
-          <a:schemeClr val="lt1"/>
-        </a:fontRef>
-      </dsp:style>
-      <dsp:txBody>
-        <a:bodyPr spcFirstLastPara="0" vert="horz" wrap="square" lIns="0" tIns="0" rIns="0" bIns="0" numCol="1" spcCol="1270" anchor="ctr" anchorCtr="0">
-          <a:noAutofit/>
-        </a:bodyPr>
-        <a:lstStyle/>
-        <a:p>
-          <a:pPr marL="0" lvl="0" indent="0" algn="ctr" defTabSz="622300">
-            <a:lnSpc>
-              <a:spcPct val="90000"/>
-            </a:lnSpc>
-            <a:spcBef>
-              <a:spcPct val="0"/>
-            </a:spcBef>
-            <a:spcAft>
-              <a:spcPct val="35000"/>
-            </a:spcAft>
-            <a:buNone/>
-          </a:pPr>
-          <a:endParaRPr lang="en-US" sz="1400" kern="1200"/>
-        </a:p>
-      </dsp:txBody>
-      <dsp:txXfrm>
-        <a:off x="1923672" y="1456168"/>
-        <a:ext cx="411801" cy="249362"/>
-      </dsp:txXfrm>
-    </dsp:sp>
-    <dsp:sp modelId="{B29D4F23-83F6-4C7C-9B29-72BF90EFE2CC}">
-      <dsp:nvSpPr>
-        <dsp:cNvPr id="0" name=""/>
-        <dsp:cNvSpPr/>
-      </dsp:nvSpPr>
-      <dsp:spPr>
-        <a:xfrm>
-          <a:off x="2682846" y="1321650"/>
-          <a:ext cx="1669286" cy="777599"/>
-        </a:xfrm>
-        <a:prstGeom prst="roundRect">
-          <a:avLst>
-            <a:gd name="adj" fmla="val 10000"/>
-          </a:avLst>
-        </a:prstGeom>
-        <a:gradFill rotWithShape="0">
-          <a:gsLst>
-            <a:gs pos="0">
-              <a:schemeClr val="dk2">
-                <a:hueOff val="0"/>
-                <a:satOff val="0"/>
-                <a:lumOff val="0"/>
-                <a:alphaOff val="0"/>
-                <a:satMod val="103000"/>
-                <a:lumMod val="102000"/>
-                <a:tint val="94000"/>
-              </a:schemeClr>
-            </a:gs>
-            <a:gs pos="50000">
-              <a:schemeClr val="dk2">
-                <a:hueOff val="0"/>
-                <a:satOff val="0"/>
-                <a:lumOff val="0"/>
-                <a:alphaOff val="0"/>
-                <a:satMod val="110000"/>
-                <a:lumMod val="100000"/>
-                <a:shade val="100000"/>
-              </a:schemeClr>
-            </a:gs>
-            <a:gs pos="100000">
-              <a:schemeClr val="dk2">
-                <a:hueOff val="0"/>
-                <a:satOff val="0"/>
-                <a:lumOff val="0"/>
-                <a:alphaOff val="0"/>
-                <a:lumMod val="99000"/>
-                <a:satMod val="120000"/>
-                <a:shade val="78000"/>
-              </a:schemeClr>
-            </a:gs>
-          </a:gsLst>
-          <a:lin ang="5400000" scaled="0"/>
-        </a:gradFill>
-        <a:ln>
-          <a:noFill/>
-        </a:ln>
-        <a:effectLst/>
-      </dsp:spPr>
-      <dsp:style>
-        <a:lnRef idx="0">
-          <a:scrgbClr r="0" g="0" b="0"/>
-        </a:lnRef>
-        <a:fillRef idx="3">
-          <a:scrgbClr r="0" g="0" b="0"/>
-        </a:fillRef>
-        <a:effectRef idx="2">
-          <a:scrgbClr r="0" g="0" b="0"/>
-        </a:effectRef>
-        <a:fontRef idx="minor">
-          <a:schemeClr val="lt1"/>
-        </a:fontRef>
-      </dsp:style>
-      <dsp:txBody>
-        <a:bodyPr spcFirstLastPara="0" vert="horz" wrap="square" lIns="128016" tIns="128016" rIns="128016" bIns="68580" numCol="1" spcCol="1270" anchor="t" anchorCtr="0">
-          <a:noAutofit/>
-        </a:bodyPr>
-        <a:lstStyle/>
-        <a:p>
-          <a:pPr marL="0" lvl="0" indent="0" algn="l" defTabSz="800100">
-            <a:lnSpc>
-              <a:spcPct val="90000"/>
-            </a:lnSpc>
-            <a:spcBef>
-              <a:spcPct val="0"/>
-            </a:spcBef>
-            <a:spcAft>
-              <a:spcPct val="35000"/>
-            </a:spcAft>
-            <a:buNone/>
-          </a:pPr>
-          <a:r>
-            <a:rPr lang="en-US" sz="1800" kern="1200" dirty="0"/>
-            <a:t>Step 2</a:t>
-          </a:r>
-        </a:p>
-      </dsp:txBody>
-      <dsp:txXfrm>
-        <a:off x="2682846" y="1321650"/>
-        <a:ext cx="1669286" cy="518400"/>
-      </dsp:txXfrm>
-    </dsp:sp>
-    <dsp:sp modelId="{032BAEB6-0FB1-4780-AF60-2EFB8C965C77}">
-      <dsp:nvSpPr>
-        <dsp:cNvPr id="0" name=""/>
-        <dsp:cNvSpPr/>
-      </dsp:nvSpPr>
-      <dsp:spPr>
-        <a:xfrm>
-          <a:off x="3024748" y="1840050"/>
-          <a:ext cx="1669286" cy="1296000"/>
-        </a:xfrm>
-        <a:prstGeom prst="roundRect">
-          <a:avLst>
-            <a:gd name="adj" fmla="val 10000"/>
-          </a:avLst>
-        </a:prstGeom>
-        <a:solidFill>
-          <a:schemeClr val="lt2">
-            <a:alpha val="90000"/>
-            <a:hueOff val="0"/>
-            <a:satOff val="0"/>
-            <a:lumOff val="0"/>
-            <a:alphaOff val="0"/>
-          </a:schemeClr>
-        </a:solidFill>
-        <a:ln w="6350" cap="flat" cmpd="sng" algn="ctr">
-          <a:solidFill>
-            <a:schemeClr val="dk2">
-              <a:hueOff val="0"/>
-              <a:satOff val="0"/>
-              <a:lumOff val="0"/>
-              <a:alphaOff val="0"/>
-            </a:schemeClr>
-          </a:solidFill>
-          <a:prstDash val="solid"/>
-          <a:miter lim="800000"/>
-        </a:ln>
-        <a:effectLst/>
-      </dsp:spPr>
-      <dsp:style>
-        <a:lnRef idx="1">
-          <a:scrgbClr r="0" g="0" b="0"/>
-        </a:lnRef>
-        <a:fillRef idx="1">
-          <a:scrgbClr r="0" g="0" b="0"/>
-        </a:fillRef>
-        <a:effectRef idx="0">
-          <a:scrgbClr r="0" g="0" b="0"/>
-        </a:effectRef>
-        <a:fontRef idx="minor"/>
-      </dsp:style>
-      <dsp:txBody>
-        <a:bodyPr spcFirstLastPara="0" vert="horz" wrap="square" lIns="128016" tIns="128016" rIns="128016" bIns="128016" numCol="1" spcCol="1270" anchor="t" anchorCtr="0">
-          <a:noAutofit/>
-        </a:bodyPr>
-        <a:lstStyle/>
-        <a:p>
-          <a:pPr marL="171450" lvl="1" indent="-171450" algn="l" defTabSz="800100">
-            <a:lnSpc>
-              <a:spcPct val="90000"/>
-            </a:lnSpc>
-            <a:spcBef>
-              <a:spcPct val="0"/>
-            </a:spcBef>
-            <a:spcAft>
-              <a:spcPct val="15000"/>
-            </a:spcAft>
-            <a:buChar char="•"/>
-          </a:pPr>
-          <a:r>
-            <a:rPr lang="en-US" sz="1800" kern="1200" dirty="0"/>
-            <a:t>Describe this step</a:t>
-          </a:r>
-          <a:br>
-            <a:rPr lang="en-US" sz="1800" kern="1200" dirty="0"/>
-          </a:br>
-          <a:r>
-            <a:rPr lang="en-US" sz="1800" kern="1200" dirty="0"/>
-            <a:t>in your experiment</a:t>
-          </a:r>
-        </a:p>
-      </dsp:txBody>
-      <dsp:txXfrm>
-        <a:off x="3062707" y="1878009"/>
-        <a:ext cx="1593368" cy="1220082"/>
-      </dsp:txXfrm>
-    </dsp:sp>
-    <dsp:sp modelId="{84DC82A2-8D59-472B-BE22-46F053C16CD5}">
-      <dsp:nvSpPr>
-        <dsp:cNvPr id="0" name=""/>
-        <dsp:cNvSpPr/>
-      </dsp:nvSpPr>
-      <dsp:spPr>
-        <a:xfrm>
-          <a:off x="4605191" y="1373047"/>
-          <a:ext cx="536482" cy="415604"/>
-        </a:xfrm>
-        <a:prstGeom prst="rightArrow">
-          <a:avLst>
-            <a:gd name="adj1" fmla="val 60000"/>
-            <a:gd name="adj2" fmla="val 50000"/>
-          </a:avLst>
-        </a:prstGeom>
-        <a:gradFill rotWithShape="0">
-          <a:gsLst>
-            <a:gs pos="0">
-              <a:schemeClr val="dk2">
-                <a:tint val="60000"/>
-                <a:hueOff val="0"/>
-                <a:satOff val="0"/>
-                <a:lumOff val="0"/>
-                <a:alphaOff val="0"/>
-                <a:satMod val="103000"/>
-                <a:lumMod val="102000"/>
-                <a:tint val="94000"/>
-              </a:schemeClr>
-            </a:gs>
-            <a:gs pos="50000">
-              <a:schemeClr val="dk2">
-                <a:tint val="60000"/>
-                <a:hueOff val="0"/>
-                <a:satOff val="0"/>
-                <a:lumOff val="0"/>
-                <a:alphaOff val="0"/>
-                <a:satMod val="110000"/>
-                <a:lumMod val="100000"/>
-                <a:shade val="100000"/>
-              </a:schemeClr>
-            </a:gs>
-            <a:gs pos="100000">
-              <a:schemeClr val="dk2">
-                <a:tint val="60000"/>
-                <a:hueOff val="0"/>
-                <a:satOff val="0"/>
-                <a:lumOff val="0"/>
-                <a:alphaOff val="0"/>
-                <a:lumMod val="99000"/>
-                <a:satMod val="120000"/>
-                <a:shade val="78000"/>
-              </a:schemeClr>
-            </a:gs>
-          </a:gsLst>
-          <a:lin ang="5400000" scaled="0"/>
-        </a:gradFill>
-        <a:ln>
-          <a:noFill/>
-        </a:ln>
-        <a:effectLst/>
-      </dsp:spPr>
-      <dsp:style>
-        <a:lnRef idx="0">
-          <a:scrgbClr r="0" g="0" b="0"/>
-        </a:lnRef>
-        <a:fillRef idx="3">
-          <a:scrgbClr r="0" g="0" b="0"/>
-        </a:fillRef>
-        <a:effectRef idx="2">
-          <a:scrgbClr r="0" g="0" b="0"/>
-        </a:effectRef>
-        <a:fontRef idx="minor">
-          <a:schemeClr val="lt1"/>
-        </a:fontRef>
-      </dsp:style>
-      <dsp:txBody>
-        <a:bodyPr spcFirstLastPara="0" vert="horz" wrap="square" lIns="0" tIns="0" rIns="0" bIns="0" numCol="1" spcCol="1270" anchor="ctr" anchorCtr="0">
-          <a:noAutofit/>
-        </a:bodyPr>
-        <a:lstStyle/>
-        <a:p>
-          <a:pPr marL="0" lvl="0" indent="0" algn="ctr" defTabSz="622300">
-            <a:lnSpc>
-              <a:spcPct val="90000"/>
-            </a:lnSpc>
-            <a:spcBef>
-              <a:spcPct val="0"/>
-            </a:spcBef>
-            <a:spcAft>
-              <a:spcPct val="35000"/>
-            </a:spcAft>
-            <a:buNone/>
-          </a:pPr>
-          <a:endParaRPr lang="en-US" sz="1400" kern="1200"/>
-        </a:p>
-      </dsp:txBody>
-      <dsp:txXfrm>
-        <a:off x="4605191" y="1456168"/>
-        <a:ext cx="411801" cy="249362"/>
-      </dsp:txXfrm>
-    </dsp:sp>
-    <dsp:sp modelId="{ABF185BD-956E-4777-8763-980278E426BB}">
-      <dsp:nvSpPr>
-        <dsp:cNvPr id="0" name=""/>
-        <dsp:cNvSpPr/>
-      </dsp:nvSpPr>
-      <dsp:spPr>
-        <a:xfrm>
-          <a:off x="5364364" y="1321650"/>
-          <a:ext cx="1669286" cy="777599"/>
-        </a:xfrm>
-        <a:prstGeom prst="roundRect">
-          <a:avLst>
-            <a:gd name="adj" fmla="val 10000"/>
-          </a:avLst>
-        </a:prstGeom>
-        <a:gradFill rotWithShape="0">
-          <a:gsLst>
-            <a:gs pos="0">
-              <a:schemeClr val="dk2">
-                <a:hueOff val="0"/>
-                <a:satOff val="0"/>
-                <a:lumOff val="0"/>
-                <a:alphaOff val="0"/>
-                <a:satMod val="103000"/>
-                <a:lumMod val="102000"/>
-                <a:tint val="94000"/>
-              </a:schemeClr>
-            </a:gs>
-            <a:gs pos="50000">
-              <a:schemeClr val="dk2">
-                <a:hueOff val="0"/>
-                <a:satOff val="0"/>
-                <a:lumOff val="0"/>
-                <a:alphaOff val="0"/>
-                <a:satMod val="110000"/>
-                <a:lumMod val="100000"/>
-                <a:shade val="100000"/>
-              </a:schemeClr>
-            </a:gs>
-            <a:gs pos="100000">
-              <a:schemeClr val="dk2">
-                <a:hueOff val="0"/>
-                <a:satOff val="0"/>
-                <a:lumOff val="0"/>
-                <a:alphaOff val="0"/>
-                <a:lumMod val="99000"/>
-                <a:satMod val="120000"/>
-                <a:shade val="78000"/>
-              </a:schemeClr>
-            </a:gs>
-          </a:gsLst>
-          <a:lin ang="5400000" scaled="0"/>
-        </a:gradFill>
-        <a:ln>
-          <a:noFill/>
-        </a:ln>
-        <a:effectLst/>
-      </dsp:spPr>
-      <dsp:style>
-        <a:lnRef idx="0">
-          <a:scrgbClr r="0" g="0" b="0"/>
-        </a:lnRef>
-        <a:fillRef idx="3">
-          <a:scrgbClr r="0" g="0" b="0"/>
-        </a:fillRef>
-        <a:effectRef idx="2">
-          <a:scrgbClr r="0" g="0" b="0"/>
-        </a:effectRef>
-        <a:fontRef idx="minor">
-          <a:schemeClr val="lt1"/>
-        </a:fontRef>
-      </dsp:style>
-      <dsp:txBody>
-        <a:bodyPr spcFirstLastPara="0" vert="horz" wrap="square" lIns="128016" tIns="128016" rIns="128016" bIns="68580" numCol="1" spcCol="1270" anchor="t" anchorCtr="0">
-          <a:noAutofit/>
-        </a:bodyPr>
-        <a:lstStyle/>
-        <a:p>
-          <a:pPr marL="0" lvl="0" indent="0" algn="l" defTabSz="800100">
-            <a:lnSpc>
-              <a:spcPct val="90000"/>
-            </a:lnSpc>
-            <a:spcBef>
-              <a:spcPct val="0"/>
-            </a:spcBef>
-            <a:spcAft>
-              <a:spcPct val="35000"/>
-            </a:spcAft>
-            <a:buNone/>
-          </a:pPr>
-          <a:r>
-            <a:rPr lang="en-US" sz="1800" kern="1200" dirty="0"/>
-            <a:t>Step 3</a:t>
-          </a:r>
-        </a:p>
-      </dsp:txBody>
-      <dsp:txXfrm>
-        <a:off x="5364364" y="1321650"/>
-        <a:ext cx="1669286" cy="518400"/>
-      </dsp:txXfrm>
-    </dsp:sp>
-    <dsp:sp modelId="{1526152F-906E-4121-A143-DD130A011105}">
-      <dsp:nvSpPr>
-        <dsp:cNvPr id="0" name=""/>
-        <dsp:cNvSpPr/>
-      </dsp:nvSpPr>
-      <dsp:spPr>
-        <a:xfrm>
-          <a:off x="5706266" y="1840050"/>
-          <a:ext cx="1669286" cy="1296000"/>
-        </a:xfrm>
-        <a:prstGeom prst="roundRect">
-          <a:avLst>
-            <a:gd name="adj" fmla="val 10000"/>
-          </a:avLst>
-        </a:prstGeom>
-        <a:solidFill>
-          <a:schemeClr val="lt2">
-            <a:alpha val="90000"/>
-            <a:hueOff val="0"/>
-            <a:satOff val="0"/>
-            <a:lumOff val="0"/>
-            <a:alphaOff val="0"/>
-          </a:schemeClr>
-        </a:solidFill>
-        <a:ln w="6350" cap="flat" cmpd="sng" algn="ctr">
-          <a:solidFill>
-            <a:schemeClr val="dk2">
-              <a:hueOff val="0"/>
-              <a:satOff val="0"/>
-              <a:lumOff val="0"/>
-              <a:alphaOff val="0"/>
-            </a:schemeClr>
-          </a:solidFill>
-          <a:prstDash val="solid"/>
-          <a:miter lim="800000"/>
-        </a:ln>
-        <a:effectLst/>
-      </dsp:spPr>
-      <dsp:style>
-        <a:lnRef idx="1">
-          <a:scrgbClr r="0" g="0" b="0"/>
-        </a:lnRef>
-        <a:fillRef idx="1">
-          <a:scrgbClr r="0" g="0" b="0"/>
-        </a:fillRef>
-        <a:effectRef idx="0">
-          <a:scrgbClr r="0" g="0" b="0"/>
-        </a:effectRef>
-        <a:fontRef idx="minor"/>
-      </dsp:style>
-      <dsp:txBody>
-        <a:bodyPr spcFirstLastPara="0" vert="horz" wrap="square" lIns="128016" tIns="128016" rIns="128016" bIns="128016" numCol="1" spcCol="1270" anchor="t" anchorCtr="0">
-          <a:noAutofit/>
-        </a:bodyPr>
-        <a:lstStyle/>
-        <a:p>
-          <a:pPr marL="171450" lvl="1" indent="-171450" algn="l" defTabSz="800100">
-            <a:lnSpc>
-              <a:spcPct val="90000"/>
-            </a:lnSpc>
-            <a:spcBef>
-              <a:spcPct val="0"/>
-            </a:spcBef>
-            <a:spcAft>
-              <a:spcPct val="15000"/>
-            </a:spcAft>
-            <a:buChar char="•"/>
-          </a:pPr>
-          <a:r>
-            <a:rPr lang="en-US" sz="1800" kern="1200" dirty="0"/>
-            <a:t>Describe this step</a:t>
-          </a:r>
-          <a:br>
-            <a:rPr lang="en-US" sz="1800" kern="1200" dirty="0"/>
-          </a:br>
-          <a:r>
-            <a:rPr lang="en-US" sz="1800" kern="1200" dirty="0"/>
-            <a:t>in your experiment</a:t>
-          </a:r>
-        </a:p>
-      </dsp:txBody>
-      <dsp:txXfrm>
-        <a:off x="5744225" y="1878009"/>
-        <a:ext cx="1593368" cy="1220082"/>
-      </dsp:txXfrm>
-    </dsp:sp>
-    <dsp:sp modelId="{14AD0DAF-92D3-400A-A4E0-170D0AF84100}">
-      <dsp:nvSpPr>
-        <dsp:cNvPr id="0" name=""/>
-        <dsp:cNvSpPr/>
-      </dsp:nvSpPr>
-      <dsp:spPr>
-        <a:xfrm>
-          <a:off x="7286709" y="1373047"/>
-          <a:ext cx="536482" cy="415604"/>
-        </a:xfrm>
-        <a:prstGeom prst="rightArrow">
-          <a:avLst>
-            <a:gd name="adj1" fmla="val 60000"/>
-            <a:gd name="adj2" fmla="val 50000"/>
-          </a:avLst>
-        </a:prstGeom>
-        <a:gradFill rotWithShape="0">
-          <a:gsLst>
-            <a:gs pos="0">
-              <a:schemeClr val="dk2">
-                <a:tint val="60000"/>
-                <a:hueOff val="0"/>
-                <a:satOff val="0"/>
-                <a:lumOff val="0"/>
-                <a:alphaOff val="0"/>
-                <a:satMod val="103000"/>
-                <a:lumMod val="102000"/>
-                <a:tint val="94000"/>
-              </a:schemeClr>
-            </a:gs>
-            <a:gs pos="50000">
-              <a:schemeClr val="dk2">
-                <a:tint val="60000"/>
-                <a:hueOff val="0"/>
-                <a:satOff val="0"/>
-                <a:lumOff val="0"/>
-                <a:alphaOff val="0"/>
-                <a:satMod val="110000"/>
-                <a:lumMod val="100000"/>
-                <a:shade val="100000"/>
-              </a:schemeClr>
-            </a:gs>
-            <a:gs pos="100000">
-              <a:schemeClr val="dk2">
-                <a:tint val="60000"/>
-                <a:hueOff val="0"/>
-                <a:satOff val="0"/>
-                <a:lumOff val="0"/>
-                <a:alphaOff val="0"/>
-                <a:lumMod val="99000"/>
-                <a:satMod val="120000"/>
-                <a:shade val="78000"/>
-              </a:schemeClr>
-            </a:gs>
-          </a:gsLst>
-          <a:lin ang="5400000" scaled="0"/>
-        </a:gradFill>
-        <a:ln>
-          <a:noFill/>
-        </a:ln>
-        <a:effectLst/>
-      </dsp:spPr>
-      <dsp:style>
-        <a:lnRef idx="0">
-          <a:scrgbClr r="0" g="0" b="0"/>
-        </a:lnRef>
-        <a:fillRef idx="3">
-          <a:scrgbClr r="0" g="0" b="0"/>
-        </a:fillRef>
-        <a:effectRef idx="2">
-          <a:scrgbClr r="0" g="0" b="0"/>
-        </a:effectRef>
-        <a:fontRef idx="minor">
-          <a:schemeClr val="lt1"/>
-        </a:fontRef>
-      </dsp:style>
-      <dsp:txBody>
-        <a:bodyPr spcFirstLastPara="0" vert="horz" wrap="square" lIns="0" tIns="0" rIns="0" bIns="0" numCol="1" spcCol="1270" anchor="ctr" anchorCtr="0">
-          <a:noAutofit/>
-        </a:bodyPr>
-        <a:lstStyle/>
-        <a:p>
-          <a:pPr marL="0" lvl="0" indent="0" algn="ctr" defTabSz="622300">
-            <a:lnSpc>
-              <a:spcPct val="90000"/>
-            </a:lnSpc>
-            <a:spcBef>
-              <a:spcPct val="0"/>
-            </a:spcBef>
-            <a:spcAft>
-              <a:spcPct val="35000"/>
-            </a:spcAft>
-            <a:buNone/>
-          </a:pPr>
-          <a:endParaRPr lang="en-US" sz="1400" kern="1200"/>
-        </a:p>
-      </dsp:txBody>
-      <dsp:txXfrm>
-        <a:off x="7286709" y="1456168"/>
-        <a:ext cx="411801" cy="249362"/>
-      </dsp:txXfrm>
-    </dsp:sp>
-    <dsp:sp modelId="{D685B160-AC57-41A0-95FE-636A4391B913}">
-      <dsp:nvSpPr>
-        <dsp:cNvPr id="0" name=""/>
-        <dsp:cNvSpPr/>
-      </dsp:nvSpPr>
-      <dsp:spPr>
-        <a:xfrm>
-          <a:off x="8045882" y="1321650"/>
-          <a:ext cx="1669286" cy="777599"/>
-        </a:xfrm>
-        <a:prstGeom prst="roundRect">
-          <a:avLst>
-            <a:gd name="adj" fmla="val 10000"/>
-          </a:avLst>
-        </a:prstGeom>
-        <a:gradFill rotWithShape="0">
-          <a:gsLst>
-            <a:gs pos="0">
-              <a:schemeClr val="dk2">
-                <a:hueOff val="0"/>
-                <a:satOff val="0"/>
-                <a:lumOff val="0"/>
-                <a:alphaOff val="0"/>
-                <a:satMod val="103000"/>
-                <a:lumMod val="102000"/>
-                <a:tint val="94000"/>
-              </a:schemeClr>
-            </a:gs>
-            <a:gs pos="50000">
-              <a:schemeClr val="dk2">
-                <a:hueOff val="0"/>
-                <a:satOff val="0"/>
-                <a:lumOff val="0"/>
-                <a:alphaOff val="0"/>
-                <a:satMod val="110000"/>
-                <a:lumMod val="100000"/>
-                <a:shade val="100000"/>
-              </a:schemeClr>
-            </a:gs>
-            <a:gs pos="100000">
-              <a:schemeClr val="dk2">
-                <a:hueOff val="0"/>
-                <a:satOff val="0"/>
-                <a:lumOff val="0"/>
-                <a:alphaOff val="0"/>
-                <a:lumMod val="99000"/>
-                <a:satMod val="120000"/>
-                <a:shade val="78000"/>
-              </a:schemeClr>
-            </a:gs>
-          </a:gsLst>
-          <a:lin ang="5400000" scaled="0"/>
-        </a:gradFill>
-        <a:ln>
-          <a:noFill/>
-        </a:ln>
-        <a:effectLst/>
-      </dsp:spPr>
-      <dsp:style>
-        <a:lnRef idx="0">
-          <a:scrgbClr r="0" g="0" b="0"/>
-        </a:lnRef>
-        <a:fillRef idx="3">
-          <a:scrgbClr r="0" g="0" b="0"/>
-        </a:fillRef>
-        <a:effectRef idx="2">
-          <a:scrgbClr r="0" g="0" b="0"/>
-        </a:effectRef>
-        <a:fontRef idx="minor">
-          <a:schemeClr val="lt1"/>
-        </a:fontRef>
-      </dsp:style>
-      <dsp:txBody>
-        <a:bodyPr spcFirstLastPara="0" vert="horz" wrap="square" lIns="128016" tIns="128016" rIns="128016" bIns="68580" numCol="1" spcCol="1270" anchor="t" anchorCtr="0">
-          <a:noAutofit/>
-        </a:bodyPr>
-        <a:lstStyle/>
-        <a:p>
-          <a:pPr marL="0" lvl="0" indent="0" algn="l" defTabSz="800100">
-            <a:lnSpc>
-              <a:spcPct val="90000"/>
-            </a:lnSpc>
-            <a:spcBef>
-              <a:spcPct val="0"/>
-            </a:spcBef>
-            <a:spcAft>
-              <a:spcPct val="35000"/>
-            </a:spcAft>
-            <a:buNone/>
-          </a:pPr>
-          <a:r>
-            <a:rPr lang="en-US" sz="1800" kern="1200" dirty="0"/>
-            <a:t>Step 4</a:t>
-          </a:r>
-        </a:p>
-      </dsp:txBody>
-      <dsp:txXfrm>
-        <a:off x="8045882" y="1321650"/>
-        <a:ext cx="1669286" cy="518400"/>
-      </dsp:txXfrm>
-    </dsp:sp>
-    <dsp:sp modelId="{893E387F-15C0-4F86-BCD4-13F52E420B46}">
-      <dsp:nvSpPr>
-        <dsp:cNvPr id="0" name=""/>
-        <dsp:cNvSpPr/>
-      </dsp:nvSpPr>
-      <dsp:spPr>
-        <a:xfrm>
-          <a:off x="8387784" y="1840050"/>
-          <a:ext cx="1669286" cy="1296000"/>
-        </a:xfrm>
-        <a:prstGeom prst="roundRect">
-          <a:avLst>
-            <a:gd name="adj" fmla="val 10000"/>
-          </a:avLst>
-        </a:prstGeom>
-        <a:solidFill>
-          <a:schemeClr val="lt2">
-            <a:alpha val="90000"/>
-            <a:hueOff val="0"/>
-            <a:satOff val="0"/>
-            <a:lumOff val="0"/>
-            <a:alphaOff val="0"/>
-          </a:schemeClr>
-        </a:solidFill>
-        <a:ln w="6350" cap="flat" cmpd="sng" algn="ctr">
-          <a:solidFill>
-            <a:schemeClr val="dk2">
-              <a:hueOff val="0"/>
-              <a:satOff val="0"/>
-              <a:lumOff val="0"/>
-              <a:alphaOff val="0"/>
-            </a:schemeClr>
-          </a:solidFill>
-          <a:prstDash val="solid"/>
-          <a:miter lim="800000"/>
-        </a:ln>
-        <a:effectLst/>
-      </dsp:spPr>
-      <dsp:style>
-        <a:lnRef idx="1">
-          <a:scrgbClr r="0" g="0" b="0"/>
-        </a:lnRef>
-        <a:fillRef idx="1">
-          <a:scrgbClr r="0" g="0" b="0"/>
-        </a:fillRef>
-        <a:effectRef idx="0">
-          <a:scrgbClr r="0" g="0" b="0"/>
-        </a:effectRef>
-        <a:fontRef idx="minor"/>
-      </dsp:style>
-      <dsp:txBody>
-        <a:bodyPr spcFirstLastPara="0" vert="horz" wrap="square" lIns="128016" tIns="128016" rIns="128016" bIns="128016" numCol="1" spcCol="1270" anchor="t" anchorCtr="0">
-          <a:noAutofit/>
-        </a:bodyPr>
-        <a:lstStyle/>
-        <a:p>
-          <a:pPr marL="171450" lvl="1" indent="-171450" algn="l" defTabSz="800100">
-            <a:lnSpc>
-              <a:spcPct val="90000"/>
-            </a:lnSpc>
-            <a:spcBef>
-              <a:spcPct val="0"/>
-            </a:spcBef>
-            <a:spcAft>
-              <a:spcPct val="15000"/>
-            </a:spcAft>
-            <a:buChar char="•"/>
-          </a:pPr>
-          <a:r>
-            <a:rPr lang="en-US" sz="1800" kern="1200" dirty="0"/>
-            <a:t>Describe this step</a:t>
-          </a:r>
-          <a:br>
-            <a:rPr lang="en-US" sz="1800" kern="1200" dirty="0"/>
-          </a:br>
-          <a:r>
-            <a:rPr lang="en-US" sz="1800" kern="1200" dirty="0"/>
-            <a:t>in your experiment</a:t>
-          </a:r>
-        </a:p>
-      </dsp:txBody>
-      <dsp:txXfrm>
-        <a:off x="8425743" y="1878009"/>
-        <a:ext cx="1593368" cy="1220082"/>
-      </dsp:txXfrm>
-    </dsp:sp>
-  </dsp:spTree>
-</dsp:drawing>
-</file>
-
-<file path=ppt/diagrams/layout1.xml><?xml version="1.0" encoding="utf-8"?>
-<dgm:layoutDef xmlns:dgm="http://schemas.openxmlformats.org/drawingml/2006/diagram" xmlns:a="http://schemas.openxmlformats.org/drawingml/2006/main" uniqueId="urn:microsoft.com/office/officeart/2005/8/layout/process3">
-  <dgm:title val=""/>
-  <dgm:desc val=""/>
-  <dgm:catLst>
-    <dgm:cat type="process" pri="2000"/>
-  </dgm:catLst>
-  <dgm:sampData>
-    <dgm:dataModel>
-      <dgm:ptLst>
-        <dgm:pt modelId="0" type="doc"/>
-        <dgm:pt modelId="1">
-          <dgm:prSet phldr="1"/>
-        </dgm:pt>
-        <dgm:pt modelId="11">
-          <dgm:prSet phldr="1"/>
-        </dgm:pt>
-        <dgm:pt modelId="2">
-          <dgm:prSet phldr="1"/>
-        </dgm:pt>
-        <dgm:pt modelId="21">
-          <dgm:prSet phldr="1"/>
-        </dgm:pt>
-        <dgm:pt modelId="3">
-          <dgm:prSet phldr="1"/>
-        </dgm:pt>
-        <dgm:pt modelId="31">
-          <dgm:prSet phldr="1"/>
-        </dgm:pt>
-      </dgm:ptLst>
-      <dgm:cxnLst>
-        <dgm:cxn modelId="4" srcId="0" destId="1" srcOrd="0" destOrd="0"/>
-        <dgm:cxn modelId="5" srcId="0" destId="2" srcOrd="1" destOrd="0"/>
-        <dgm:cxn modelId="6" srcId="0" destId="3" srcOrd="3" destOrd="0"/>
-        <dgm:cxn modelId="12" srcId="1" destId="11" srcOrd="0" destOrd="0"/>
-        <dgm:cxn modelId="23" srcId="2" destId="21" srcOrd="0" destOrd="0"/>
-        <dgm:cxn modelId="34" srcId="3" destId="31" srcOrd="0" destOrd="0"/>
-      </dgm:cxnLst>
-      <dgm:bg/>
-      <dgm:whole/>
-    </dgm:dataModel>
-  </dgm:sampData>
-  <dgm:styleData>
-    <dgm:dataModel>
-      <dgm:ptLst>
-        <dgm:pt modelId="0" type="doc"/>
-        <dgm:pt modelId="1">
-          <dgm:prSet phldr="1"/>
-        </dgm:pt>
-        <dgm:pt modelId="11">
-          <dgm:prSet phldr="1"/>
-        </dgm:pt>
-        <dgm:pt modelId="2">
-          <dgm:prSet phldr="1"/>
-        </dgm:pt>
-        <dgm:pt modelId="21">
-          <dgm:prSet phldr="1"/>
-        </dgm:pt>
-      </dgm:ptLst>
-      <dgm:cxnLst>
-        <dgm:cxn modelId="4" srcId="0" destId="1" srcOrd="0" destOrd="0"/>
-        <dgm:cxn modelId="5" srcId="0" destId="2" srcOrd="1" destOrd="0"/>
-        <dgm:cxn modelId="13" srcId="1" destId="11" srcOrd="0" destOrd="0"/>
-        <dgm:cxn modelId="23" srcId="2" destId="21" srcOrd="0" destOrd="0"/>
-      </dgm:cxnLst>
-      <dgm:bg/>
-      <dgm:whole/>
-    </dgm:dataModel>
-  </dgm:styleData>
-  <dgm:clrData>
-    <dgm:dataModel>
-      <dgm:ptLst>
-        <dgm:pt modelId="0" type="doc"/>
-        <dgm:pt modelId="1">
-          <dgm:prSet phldr="1"/>
-        </dgm:pt>
-        <dgm:pt modelId="11">
-          <dgm:prSet phldr="1"/>
-        </dgm:pt>
-        <dgm:pt modelId="2">
-          <dgm:prSet phldr="1"/>
-        </dgm:pt>
-        <dgm:pt modelId="21">
-          <dgm:prSet phldr="1"/>
-        </dgm:pt>
-        <dgm:pt modelId="3">
-          <dgm:prSet phldr="1"/>
-        </dgm:pt>
-        <dgm:pt modelId="31">
-          <dgm:prSet phldr="1"/>
-        </dgm:pt>
-        <dgm:pt modelId="4">
-          <dgm:prSet phldr="1"/>
-        </dgm:pt>
-        <dgm:pt modelId="41">
-          <dgm:prSet phldr="1"/>
-        </dgm:pt>
-      </dgm:ptLst>
-      <dgm:cxnLst>
-        <dgm:cxn modelId="5" srcId="0" destId="1" srcOrd="0" destOrd="0"/>
-        <dgm:cxn modelId="6" srcId="0" destId="2" srcOrd="1" destOrd="0"/>
-        <dgm:cxn modelId="7" srcId="0" destId="3" srcOrd="2" destOrd="0"/>
-        <dgm:cxn modelId="8" srcId="0" destId="4" srcOrd="3" destOrd="0"/>
-        <dgm:cxn modelId="13" srcId="1" destId="11" srcOrd="0" destOrd="0"/>
-        <dgm:cxn modelId="23" srcId="2" destId="21" srcOrd="0" destOrd="0"/>
-        <dgm:cxn modelId="33" srcId="3" destId="31" srcOrd="0" destOrd="0"/>
-        <dgm:cxn modelId="43" srcId="4" destId="41" srcOrd="0" destOrd="0"/>
-      </dgm:cxnLst>
-      <dgm:bg/>
-      <dgm:whole/>
-    </dgm:dataModel>
-  </dgm:clrData>
-  <dgm:layoutNode name="linearFlow">
-    <dgm:varLst>
-      <dgm:dir/>
-      <dgm:animLvl val="lvl"/>
-      <dgm:resizeHandles val="exact"/>
-    </dgm:varLst>
-    <dgm:choose name="Name0">
-      <dgm:if name="Name1" func="var" arg="dir" op="equ" val="norm">
-        <dgm:alg type="lin"/>
-      </dgm:if>
-      <dgm:else name="Name2">
-        <dgm:alg type="lin">
-          <dgm:param type="linDir" val="fromR"/>
-        </dgm:alg>
-      </dgm:else>
-    </dgm:choose>
-    <dgm:shape xmlns:r="http://schemas.openxmlformats.org/officeDocument/2006/relationships" r:blip="">
-      <dgm:adjLst/>
-    </dgm:shape>
-    <dgm:presOf/>
-    <dgm:constrLst>
-      <dgm:constr type="w" for="ch" forName="composite" refType="w"/>
-      <dgm:constr type="w" for="ch" ptType="sibTrans" refType="w" refFor="ch" refForName="composite" fact="0.3333"/>
-      <dgm:constr type="w" for="des" forName="parTx"/>
-      <dgm:constr type="h" for="des" forName="parTx" op="equ"/>
-      <dgm:constr type="h" for="des" forName="parSh" op="equ"/>
-      <dgm:constr type="w" for="des" forName="desTx"/>
-      <dgm:constr type="h" for="des" forName="desTx" op="equ"/>
-      <dgm:constr type="w" for="des" forName="parSh"/>
-      <dgm:constr type="primFontSz" for="des" forName="parTx" val="65"/>
-      <dgm:constr type="secFontSz" for="des" forName="desTx" refType="primFontSz" refFor="des" refForName="parTx" op="equ"/>
-      <dgm:constr type="primFontSz" for="des" forName="connTx" refType="primFontSz" refFor="des" refForName="parTx" fact="0.8"/>
-      <dgm:constr type="primFontSz" for="des" forName="connTx" refType="primFontSz" refFor="des" refForName="parTx" op="lte" fact="0.8"/>
-      <dgm:constr type="h" for="des" forName="parTx" refType="primFontSz" refFor="des" refForName="parTx" fact="0.8"/>
-      <dgm:constr type="h" for="des" forName="parSh" refType="primFontSz" refFor="des" refForName="parTx" fact="1.2"/>
-      <dgm:constr type="h" for="des" forName="desTx" refType="primFontSz" refFor="des" refForName="parTx" fact="1.6"/>
-      <dgm:constr type="h" for="des" forName="parSh" refType="h" refFor="des" refForName="parTx" op="lte" fact="1.5"/>
-      <dgm:constr type="h" for="des" forName="parSh" refType="h" refFor="des" refForName="parTx" op="gte" fact="1.5"/>
-    </dgm:constrLst>
-    <dgm:ruleLst>
-      <dgm:rule type="w" for="ch" forName="composite" val="0" fact="NaN" max="NaN"/>
-      <dgm:rule type="primFontSz" for="des" forName="parTx" val="5" fact="NaN" max="NaN"/>
-    </dgm:ruleLst>
-    <dgm:forEach name="Name3" axis="ch" ptType="node">
-      <dgm:layoutNode name="composite">
-        <dgm:alg type="composite"/>
-        <dgm:shape xmlns:r="http://schemas.openxmlformats.org/officeDocument/2006/relationships" r:blip="">
-          <dgm:adjLst/>
-        </dgm:shape>
-        <dgm:presOf/>
-        <dgm:choose name="Name4">
-          <dgm:if name="Name5" func="var" arg="dir" op="equ" val="norm">
-            <dgm:constrLst>
-              <dgm:constr type="h" refType="w" fact="1000"/>
-              <dgm:constr type="l" for="ch" forName="parTx"/>
-              <dgm:constr type="w" for="ch" forName="parTx" refType="w" fact="0.83"/>
-              <dgm:constr type="t" for="ch" forName="parTx"/>
-              <dgm:constr type="l" for="ch" forName="parSh"/>
-              <dgm:constr type="w" for="ch" forName="parSh" refType="w" refFor="ch" refForName="parTx"/>
-              <dgm:constr type="t" for="ch" forName="parSh"/>
-              <dgm:constr type="l" for="ch" forName="desTx" refType="w" fact="0.17"/>
-              <dgm:constr type="w" for="ch" forName="desTx" refType="w" refFor="ch" refForName="parTx"/>
-              <dgm:constr type="t" for="ch" forName="desTx" refType="h" refFor="ch" refForName="parTx"/>
-            </dgm:constrLst>
-          </dgm:if>
-          <dgm:else name="Name6">
-            <dgm:constrLst>
-              <dgm:constr type="h" refType="w" fact="1000"/>
-              <dgm:constr type="l" for="ch" forName="parTx" refType="w" fact="0.17"/>
-              <dgm:constr type="w" for="ch" forName="parTx" refType="w" fact="0.83"/>
-              <dgm:constr type="t" for="ch" forName="parTx"/>
-              <dgm:constr type="l" for="ch" forName="parSh" refType="w" fact="0.15"/>
-              <dgm:constr type="w" for="ch" forName="parSh" refType="w" refFor="ch" refForName="parTx"/>
-              <dgm:constr type="t" for="ch" forName="parSh"/>
-              <dgm:constr type="l" for="ch" forName="desTx"/>
-              <dgm:constr type="w" for="ch" forName="desTx" refType="w" refFor="ch" refForName="parTx"/>
-              <dgm:constr type="t" for="ch" forName="desTx" refType="h" refFor="ch" refForName="parTx"/>
-            </dgm:constrLst>
-          </dgm:else>
-        </dgm:choose>
-        <dgm:ruleLst>
-          <dgm:rule type="h" val="INF" fact="NaN" max="NaN"/>
-        </dgm:ruleLst>
-        <dgm:layoutNode name="parTx">
-          <dgm:varLst>
-            <dgm:chMax val="0"/>
-            <dgm:chPref val="0"/>
-            <dgm:bulletEnabled val="1"/>
-          </dgm:varLst>
-          <dgm:alg type="tx">
-            <dgm:param type="parTxLTRAlign" val="l"/>
-            <dgm:param type="parTxRTLAlign" val="r"/>
-            <dgm:param type="txAnchorVert" val="t"/>
-          </dgm:alg>
-          <dgm:shape xmlns:r="http://schemas.openxmlformats.org/officeDocument/2006/relationships" type="rect" r:blip="" zOrderOff="1" hideGeom="1">
-            <dgm:adjLst>
-              <dgm:adj idx="1" val="0.1"/>
-            </dgm:adjLst>
-          </dgm:shape>
-          <dgm:presOf axis="self" ptType="node"/>
-          <dgm:constrLst>
-            <dgm:constr type="h" refType="w" op="lte" fact="0.4"/>
-            <dgm:constr type="bMarg" refType="primFontSz" fact="0.3"/>
-            <dgm:constr type="h"/>
-          </dgm:constrLst>
-          <dgm:ruleLst>
-            <dgm:rule type="h" val="INF" fact="NaN" max="NaN"/>
-          </dgm:ruleLst>
-        </dgm:layoutNode>
-        <dgm:layoutNode name="parSh">
-          <dgm:alg type="sp"/>
-          <dgm:shape xmlns:r="http://schemas.openxmlformats.org/officeDocument/2006/relationships" type="roundRect" r:blip="">
-            <dgm:adjLst>
-              <dgm:adj idx="1" val="0.1"/>
-            </dgm:adjLst>
-          </dgm:shape>
-          <dgm:presOf axis="self" ptType="node"/>
-          <dgm:constrLst>
-            <dgm:constr type="h"/>
-          </dgm:constrLst>
-          <dgm:ruleLst/>
-        </dgm:layoutNode>
-        <dgm:layoutNode name="desTx" styleLbl="fgAcc1">
-          <dgm:varLst>
-            <dgm:bulletEnabled val="1"/>
-          </dgm:varLst>
-          <dgm:alg type="tx">
-            <dgm:param type="stBulletLvl" val="1"/>
-          </dgm:alg>
-          <dgm:shape xmlns:r="http://schemas.openxmlformats.org/officeDocument/2006/relationships" type="roundRect" r:blip="">
-            <dgm:adjLst>
-              <dgm:adj idx="1" val="0.1"/>
-            </dgm:adjLst>
-          </dgm:shape>
-          <dgm:presOf axis="des" ptType="node"/>
-          <dgm:constrLst>
-            <dgm:constr type="secFontSz" val="65"/>
-            <dgm:constr type="primFontSz" refType="secFontSz"/>
-            <dgm:constr type="h"/>
-          </dgm:constrLst>
-          <dgm:ruleLst>
-            <dgm:rule type="h" val="INF" fact="NaN" max="NaN"/>
-          </dgm:ruleLst>
-        </dgm:layoutNode>
-      </dgm:layoutNode>
-      <dgm:forEach name="sibTransForEach" axis="followSib" ptType="sibTrans" cnt="1">
-        <dgm:layoutNode name="sibTrans">
-          <dgm:alg type="conn">
-            <dgm:param type="begPts" val="auto"/>
-            <dgm:param type="endPts" val="auto"/>
-            <dgm:param type="srcNode" val="parTx"/>
-            <dgm:param type="dstNode" val="parTx"/>
-          </dgm:alg>
-          <dgm:shape xmlns:r="http://schemas.openxmlformats.org/officeDocument/2006/relationships" type="conn" r:blip="">
-            <dgm:adjLst/>
-          </dgm:shape>
-          <dgm:presOf axis="self"/>
-          <dgm:constrLst>
-            <dgm:constr type="h" refType="w" fact="0.62"/>
-            <dgm:constr type="connDist"/>
-            <dgm:constr type="begPad" refType="connDist" fact="0.25"/>
-            <dgm:constr type="endPad" refType="connDist" fact="0.22"/>
-          </dgm:constrLst>
-          <dgm:ruleLst/>
-          <dgm:layoutNode name="connTx">
-            <dgm:alg type="tx">
-              <dgm:param type="autoTxRot" val="grav"/>
-            </dgm:alg>
-            <dgm:shape xmlns:r="http://schemas.openxmlformats.org/officeDocument/2006/relationships" type="conn" r:blip="" hideGeom="1">
-              <dgm:adjLst/>
-            </dgm:shape>
-            <dgm:presOf axis="self"/>
-            <dgm:constrLst>
-              <dgm:constr type="lMarg"/>
-              <dgm:constr type="rMarg"/>
-              <dgm:constr type="tMarg"/>
-              <dgm:constr type="bMarg"/>
-            </dgm:constrLst>
-            <dgm:ruleLst>
-              <dgm:rule type="primFontSz" val="5" fact="NaN" max="NaN"/>
-            </dgm:ruleLst>
-          </dgm:layoutNode>
-        </dgm:layoutNode>
-      </dgm:forEach>
-    </dgm:forEach>
-  </dgm:layoutNode>
-</dgm:layoutDef>
-</file>
-
-<file path=ppt/diagrams/quickStyle1.xml><?xml version="1.0" encoding="utf-8"?>
-<dgm:styleDef xmlns:dgm="http://schemas.openxmlformats.org/drawingml/2006/diagram" xmlns:a="http://schemas.openxmlformats.org/drawingml/2006/main" uniqueId="urn:microsoft.com/office/officeart/2005/8/quickstyle/simple4">
-  <dgm:title val=""/>
-  <dgm:desc val=""/>
-  <dgm:catLst>
-    <dgm:cat type="simple" pri="10400"/>
-  </dgm:catLst>
-  <dgm:scene3d>
-    <a:camera prst="orthographicFront"/>
-    <a:lightRig rig="threePt" dir="t"/>
-  </dgm:scene3d>
-  <dgm:styleLbl name="node0">
-    <dgm:scene3d>
-      <a:camera prst="orthographicFront"/>
-      <a:lightRig rig="threePt" dir="t"/>
-    </dgm:scene3d>
-    <dgm:sp3d/>
-    <dgm:txPr/>
-    <dgm:style>
-      <a:lnRef idx="0">
-        <a:scrgbClr r="0" g="0" b="0"/>
-      </a:lnRef>
-      <a:fillRef idx="3">
-        <a:scrgbClr r="0" g="0" b="0"/>
-      </a:fillRef>
-      <a:effectRef idx="2">
-        <a:scrgbClr r="0" g="0" b="0"/>
-      </a:effectRef>
-      <a:fontRef idx="minor">
-        <a:schemeClr val="lt1"/>
-      </a:fontRef>
-    </dgm:style>
-  </dgm:styleLbl>
-  <dgm:styleLbl name="lnNode1">
-    <dgm:scene3d>
-      <a:camera prst="orthographicFront"/>
-      <a:lightRig rig="threePt" dir="t"/>
-    </dgm:scene3d>
-    <dgm:sp3d/>
-    <dgm:txPr/>
-    <dgm:style>
-      <a:lnRef idx="1">
-        <a:scrgbClr r="0" g="0" b="0"/>
-      </a:lnRef>
-      <a:fillRef idx="3">
-        <a:scrgbClr r="0" g="0" b="0"/>
-      </a:fillRef>
-      <a:effectRef idx="2">
-        <a:scrgbClr r="0" g="0" b="0"/>
-      </a:effectRef>
-      <a:fontRef idx="minor">
-        <a:schemeClr val="lt1"/>
-      </a:fontRef>
-    </dgm:style>
-  </dgm:styleLbl>
-  <dgm:styleLbl name="vennNode1">
-    <dgm:scene3d>
-      <a:camera prst="orthographicFront"/>
-      <a:lightRig rig="threePt" dir="t"/>
-    </dgm:scene3d>
-    <dgm:sp3d/>
-    <dgm:txPr/>
-    <dgm:style>
-      <a:lnRef idx="0">
-        <a:scrgbClr r="0" g="0" b="0"/>
-      </a:lnRef>
-      <a:fillRef idx="3">
-        <a:scrgbClr r="0" g="0" b="0"/>
-      </a:fillRef>
-      <a:effectRef idx="0">
-        <a:scrgbClr r="0" g="0" b="0"/>
-      </a:effectRef>
-      <a:fontRef idx="minor">
-        <a:schemeClr val="tx1"/>
-      </a:fontRef>
-    </dgm:style>
-  </dgm:styleLbl>
-  <dgm:styleLbl name="alignNode1">
-    <dgm:scene3d>
-      <a:camera prst="orthographicFront"/>
-      <a:lightRig rig="threePt" dir="t"/>
-    </dgm:scene3d>
-    <dgm:sp3d/>
-    <dgm:txPr/>
-    <dgm:style>
-      <a:lnRef idx="1">
-        <a:scrgbClr r="0" g="0" b="0"/>
-      </a:lnRef>
-      <a:fillRef idx="3">
-        <a:scrgbClr r="0" g="0" b="0"/>
-      </a:fillRef>
-      <a:effectRef idx="2">
-        <a:scrgbClr r="0" g="0" b="0"/>
-      </a:effectRef>
-      <a:fontRef idx="minor">
-        <a:schemeClr val="lt1"/>
-      </a:fontRef>
-    </dgm:style>
-  </dgm:styleLbl>
-  <dgm:styleLbl name="node1">
-    <dgm:scene3d>
-      <a:camera prst="orthographicFront"/>
-      <a:lightRig rig="threePt" dir="t"/>
-    </dgm:scene3d>
-    <dgm:sp3d/>
-    <dgm:txPr/>
-    <dgm:style>
-      <a:lnRef idx="0">
-        <a:scrgbClr r="0" g="0" b="0"/>
-      </a:lnRef>
-      <a:fillRef idx="3">
-        <a:scrgbClr r="0" g="0" b="0"/>
-      </a:fillRef>
-      <a:effectRef idx="2">
-        <a:scrgbClr r="0" g="0" b="0"/>
-      </a:effectRef>
-      <a:fontRef idx="minor">
-        <a:schemeClr val="lt1"/>
-      </a:fontRef>
-    </dgm:style>
-  </dgm:styleLbl>
-  <dgm:styleLbl name="node2">
-    <dgm:scene3d>
-      <a:camera prst="orthographicFront"/>
-      <a:lightRig rig="threePt" dir="t"/>
-    </dgm:scene3d>
-    <dgm:sp3d/>
-    <dgm:txPr/>
-    <dgm:style>
-      <a:lnRef idx="0">
-        <a:scrgbClr r="0" g="0" b="0"/>
-      </a:lnRef>
-      <a:fillRef idx="3">
-        <a:scrgbClr r="0" g="0" b="0"/>
-      </a:fillRef>
-      <a:effectRef idx="2">
-        <a:scrgbClr r="0" g="0" b="0"/>
-      </a:effectRef>
-      <a:fontRef idx="minor">
-        <a:schemeClr val="lt1"/>
-      </a:fontRef>
-    </dgm:style>
-  </dgm:styleLbl>
-  <dgm:styleLbl name="node3">
-    <dgm:scene3d>
-      <a:camera prst="orthographicFront"/>
-      <a:lightRig rig="threePt" dir="t"/>
-    </dgm:scene3d>
-    <dgm:sp3d/>
-    <dgm:txPr/>
-    <dgm:style>
-      <a:lnRef idx="0">
-        <a:scrgbClr r="0" g="0" b="0"/>
-      </a:lnRef>
-      <a:fillRef idx="3">
-        <a:scrgbClr r="0" g="0" b="0"/>
-      </a:fillRef>
-      <a:effectRef idx="2">
-        <a:scrgbClr r="0" g="0" b="0"/>
-      </a:effectRef>
-      <a:fontRef idx="minor">
-        <a:schemeClr val="lt1"/>
-      </a:fontRef>
-    </dgm:style>
-  </dgm:styleLbl>
-  <dgm:styleLbl name="node4">
-    <dgm:scene3d>
-      <a:camera prst="orthographicFront"/>
-      <a:lightRig rig="threePt" dir="t"/>
-    </dgm:scene3d>
-    <dgm:sp3d/>
-    <dgm:txPr/>
-    <dgm:style>
-      <a:lnRef idx="0">
-        <a:scrgbClr r="0" g="0" b="0"/>
-      </a:lnRef>
-      <a:fillRef idx="3">
-        <a:scrgbClr r="0" g="0" b="0"/>
-      </a:fillRef>
-      <a:effectRef idx="2">
-        <a:scrgbClr r="0" g="0" b="0"/>
-      </a:effectRef>
-      <a:fontRef idx="minor">
-        <a:schemeClr val="lt1"/>
-      </a:fontRef>
-    </dgm:style>
-  </dgm:styleLbl>
-  <dgm:styleLbl name="fgImgPlace1">
-    <dgm:scene3d>
-      <a:camera prst="orthographicFront"/>
-      <a:lightRig rig="threePt" dir="t"/>
-    </dgm:scene3d>
-    <dgm:sp3d/>
-    <dgm:txPr/>
-    <dgm:style>
-      <a:lnRef idx="0">
-        <a:scrgbClr r="0" g="0" b="0"/>
-      </a:lnRef>
-      <a:fillRef idx="1">
-        <a:scrgbClr r="0" g="0" b="0"/>
-      </a:fillRef>
-      <a:effectRef idx="2">
-        <a:scrgbClr r="0" g="0" b="0"/>
-      </a:effectRef>
-      <a:fontRef idx="minor"/>
-    </dgm:style>
-  </dgm:styleLbl>
-  <dgm:styleLbl name="alignImgPlace1">
-    <dgm:scene3d>
-      <a:camera prst="orthographicFront"/>
-      <a:lightRig rig="threePt" dir="t"/>
-    </dgm:scene3d>
-    <dgm:sp3d/>
-    <dgm:txPr/>
-    <dgm:style>
-      <a:lnRef idx="0">
-        <a:scrgbClr r="0" g="0" b="0"/>
-      </a:lnRef>
-      <a:fillRef idx="1">
-        <a:scrgbClr r="0" g="0" b="0"/>
-      </a:fillRef>
-      <a:effectRef idx="2">
-        <a:scrgbClr r="0" g="0" b="0"/>
-      </a:effectRef>
-      <a:fontRef idx="minor"/>
-    </dgm:style>
-  </dgm:styleLbl>
-  <dgm:styleLbl name="bgImgPlace1">
-    <dgm:scene3d>
-      <a:camera prst="orthographicFront"/>
-      <a:lightRig rig="threePt" dir="t"/>
-    </dgm:scene3d>
-    <dgm:sp3d/>
-    <dgm:txPr/>
-    <dgm:style>
-      <a:lnRef idx="0">
-        <a:scrgbClr r="0" g="0" b="0"/>
-      </a:lnRef>
-      <a:fillRef idx="1">
-        <a:scrgbClr r="0" g="0" b="0"/>
-      </a:fillRef>
-      <a:effectRef idx="2">
-        <a:scrgbClr r="0" g="0" b="0"/>
-      </a:effectRef>
-      <a:fontRef idx="minor"/>
-    </dgm:style>
-  </dgm:styleLbl>
-  <dgm:styleLbl name="sibTrans2D1">
-    <dgm:scene3d>
-      <a:camera prst="orthographicFront"/>
-      <a:lightRig rig="threePt" dir="t"/>
-    </dgm:scene3d>
-    <dgm:sp3d/>
-    <dgm:txPr/>
-    <dgm:style>
-      <a:lnRef idx="0">
-        <a:scrgbClr r="0" g="0" b="0"/>
-      </a:lnRef>
-      <a:fillRef idx="3">
-        <a:scrgbClr r="0" g="0" b="0"/>
-      </a:fillRef>
-      <a:effectRef idx="2">
-        <a:scrgbClr r="0" g="0" b="0"/>
-      </a:effectRef>
-      <a:fontRef idx="minor">
-        <a:schemeClr val="lt1"/>
-      </a:fontRef>
-    </dgm:style>
-  </dgm:styleLbl>
-  <dgm:styleLbl name="fgSibTrans2D1">
-    <dgm:scene3d>
-      <a:camera prst="orthographicFront"/>
-      <a:lightRig rig="threePt" dir="t"/>
-    </dgm:scene3d>
-    <dgm:sp3d/>
-    <dgm:txPr/>
-    <dgm:style>
-      <a:lnRef idx="0">
-        <a:scrgbClr r="0" g="0" b="0"/>
-      </a:lnRef>
-      <a:fillRef idx="3">
-        <a:scrgbClr r="0" g="0" b="0"/>
-      </a:fillRef>
-      <a:effectRef idx="2">
-        <a:scrgbClr r="0" g="0" b="0"/>
-      </a:effectRef>
-      <a:fontRef idx="minor">
-        <a:schemeClr val="lt1"/>
-      </a:fontRef>
-    </dgm:style>
-  </dgm:styleLbl>
-  <dgm:styleLbl name="bgSibTrans2D1">
-    <dgm:scene3d>
-      <a:camera prst="orthographicFront"/>
-      <a:lightRig rig="threePt" dir="t"/>
-    </dgm:scene3d>
-    <dgm:sp3d/>
-    <dgm:txPr/>
-    <dgm:style>
-      <a:lnRef idx="0">
-        <a:scrgbClr r="0" g="0" b="0"/>
-      </a:lnRef>
-      <a:fillRef idx="3">
-        <a:scrgbClr r="0" g="0" b="0"/>
-      </a:fillRef>
-      <a:effectRef idx="2">
-        <a:scrgbClr r="0" g="0" b="0"/>
-      </a:effectRef>
-      <a:fontRef idx="minor">
-        <a:schemeClr val="lt1"/>
-      </a:fontRef>
-    </dgm:style>
-  </dgm:styleLbl>
-  <dgm:styleLbl name="sibTrans1D1">
-    <dgm:scene3d>
-      <a:camera prst="orthographicFront"/>
-      <a:lightRig rig="threePt" dir="t"/>
-    </dgm:scene3d>
-    <dgm:sp3d/>
-    <dgm:txPr/>
-    <dgm:style>
-      <a:lnRef idx="1">
-        <a:scrgbClr r="0" g="0" b="0"/>
-      </a:lnRef>
-      <a:fillRef idx="0">
-        <a:scrgbClr r="0" g="0" b="0"/>
-      </a:fillRef>
-      <a:effectRef idx="0">
-        <a:scrgbClr r="0" g="0" b="0"/>
-      </a:effectRef>
-      <a:fontRef idx="minor"/>
-    </dgm:style>
-  </dgm:styleLbl>
-  <dgm:styleLbl name="callout">
-    <dgm:scene3d>
-      <a:camera prst="orthographicFront"/>
-      <a:lightRig rig="threePt" dir="t"/>
-    </dgm:scene3d>
-    <dgm:sp3d/>
-    <dgm:txPr/>
-    <dgm:style>
-      <a:lnRef idx="2">
-        <a:scrgbClr r="0" g="0" b="0"/>
-      </a:lnRef>
-      <a:fillRef idx="1">
-        <a:scrgbClr r="0" g="0" b="0"/>
-      </a:fillRef>
-      <a:effectRef idx="1">
-        <a:scrgbClr r="0" g="0" b="0"/>
-      </a:effectRef>
-      <a:fontRef idx="minor"/>
-    </dgm:style>
-  </dgm:styleLbl>
-  <dgm:styleLbl name="asst0">
-    <dgm:scene3d>
-      <a:camera prst="orthographicFront"/>
-      <a:lightRig rig="threePt" dir="t"/>
-    </dgm:scene3d>
-    <dgm:sp3d/>
-    <dgm:txPr/>
-    <dgm:style>
-      <a:lnRef idx="0">
-        <a:scrgbClr r="0" g="0" b="0"/>
-      </a:lnRef>
-      <a:fillRef idx="3">
-        <a:scrgbClr r="0" g="0" b="0"/>
-      </a:fillRef>
-      <a:effectRef idx="2">
-        <a:scrgbClr r="0" g="0" b="0"/>
-      </a:effectRef>
-      <a:fontRef idx="minor">
-        <a:schemeClr val="lt1"/>
-      </a:fontRef>
-    </dgm:style>
-  </dgm:styleLbl>
-  <dgm:styleLbl name="asst1">
-    <dgm:scene3d>
-      <a:camera prst="orthographicFront"/>
-      <a:lightRig rig="threePt" dir="t"/>
-    </dgm:scene3d>
-    <dgm:sp3d/>
-    <dgm:txPr/>
-    <dgm:style>
-      <a:lnRef idx="0">
-        <a:scrgbClr r="0" g="0" b="0"/>
-      </a:lnRef>
-      <a:fillRef idx="3">
-        <a:scrgbClr r="0" g="0" b="0"/>
-      </a:fillRef>
-      <a:effectRef idx="2">
-        <a:scrgbClr r="0" g="0" b="0"/>
-      </a:effectRef>
-      <a:fontRef idx="minor">
-        <a:schemeClr val="lt1"/>
-      </a:fontRef>
-    </dgm:style>
-  </dgm:styleLbl>
-  <dgm:styleLbl name="asst2">
-    <dgm:scene3d>
-      <a:camera prst="orthographicFront"/>
-      <a:lightRig rig="threePt" dir="t"/>
-    </dgm:scene3d>
-    <dgm:sp3d/>
-    <dgm:txPr/>
-    <dgm:style>
-      <a:lnRef idx="0">
-        <a:scrgbClr r="0" g="0" b="0"/>
-      </a:lnRef>
-      <a:fillRef idx="3">
-        <a:scrgbClr r="0" g="0" b="0"/>
-      </a:fillRef>
-      <a:effectRef idx="2">
-        <a:scrgbClr r="0" g="0" b="0"/>
-      </a:effectRef>
-      <a:fontRef idx="minor">
-        <a:schemeClr val="lt1"/>
-      </a:fontRef>
-    </dgm:style>
-  </dgm:styleLbl>
-  <dgm:styleLbl name="asst3">
-    <dgm:scene3d>
-      <a:camera prst="orthographicFront"/>
-      <a:lightRig rig="threePt" dir="t"/>
-    </dgm:scene3d>
-    <dgm:sp3d/>
-    <dgm:txPr/>
-    <dgm:style>
-      <a:lnRef idx="0">
-        <a:scrgbClr r="0" g="0" b="0"/>
-      </a:lnRef>
-      <a:fillRef idx="3">
-        <a:scrgbClr r="0" g="0" b="0"/>
-      </a:fillRef>
-      <a:effectRef idx="2">
-        <a:scrgbClr r="0" g="0" b="0"/>
-      </a:effectRef>
-      <a:fontRef idx="minor">
-        <a:schemeClr val="lt1"/>
-      </a:fontRef>
-    </dgm:style>
-  </dgm:styleLbl>
-  <dgm:styleLbl name="asst4">
-    <dgm:scene3d>
-      <a:camera prst="orthographicFront"/>
-      <a:lightRig rig="threePt" dir="t"/>
-    </dgm:scene3d>
-    <dgm:sp3d/>
-    <dgm:txPr/>
-    <dgm:style>
-      <a:lnRef idx="0">
-        <a:scrgbClr r="0" g="0" b="0"/>
-      </a:lnRef>
-      <a:fillRef idx="3">
-        <a:scrgbClr r="0" g="0" b="0"/>
-      </a:fillRef>
-      <a:effectRef idx="2">
-        <a:scrgbClr r="0" g="0" b="0"/>
-      </a:effectRef>
-      <a:fontRef idx="minor">
-        <a:schemeClr val="lt1"/>
-      </a:fontRef>
-    </dgm:style>
-  </dgm:styleLbl>
-  <dgm:styleLbl name="parChTrans2D1">
-    <dgm:scene3d>
-      <a:camera prst="orthographicFront"/>
-      <a:lightRig rig="threePt" dir="t"/>
-    </dgm:scene3d>
-    <dgm:sp3d/>
-    <dgm:txPr/>
-    <dgm:style>
-      <a:lnRef idx="0">
-        <a:scrgbClr r="0" g="0" b="0"/>
-      </a:lnRef>
-      <a:fillRef idx="3">
-        <a:scrgbClr r="0" g="0" b="0"/>
-      </a:fillRef>
-      <a:effectRef idx="2">
-        <a:scrgbClr r="0" g="0" b="0"/>
-      </a:effectRef>
-      <a:fontRef idx="minor">
-        <a:schemeClr val="lt1"/>
-      </a:fontRef>
-    </dgm:style>
-  </dgm:styleLbl>
-  <dgm:styleLbl name="parChTrans2D2">
-    <dgm:scene3d>
-      <a:camera prst="orthographicFront"/>
-      <a:lightRig rig="threePt" dir="t"/>
-    </dgm:scene3d>
-    <dgm:sp3d/>
-    <dgm:txPr/>
-    <dgm:style>
-      <a:lnRef idx="0">
-        <a:scrgbClr r="0" g="0" b="0"/>
-      </a:lnRef>
-      <a:fillRef idx="3">
-        <a:scrgbClr r="0" g="0" b="0"/>
-      </a:fillRef>
-      <a:effectRef idx="2">
-        <a:scrgbClr r="0" g="0" b="0"/>
-      </a:effectRef>
-      <a:fontRef idx="minor">
-        <a:schemeClr val="lt1"/>
-      </a:fontRef>
-    </dgm:style>
-  </dgm:styleLbl>
-  <dgm:styleLbl name="parChTrans2D3">
-    <dgm:scene3d>
-      <a:camera prst="orthographicFront"/>
-      <a:lightRig rig="threePt" dir="t"/>
-    </dgm:scene3d>
-    <dgm:sp3d/>
-    <dgm:txPr/>
-    <dgm:style>
-      <a:lnRef idx="1">
-        <a:scrgbClr r="0" g="0" b="0"/>
-      </a:lnRef>
-      <a:fillRef idx="3">
-        <a:scrgbClr r="0" g="0" b="0"/>
-      </a:fillRef>
-      <a:effectRef idx="2">
-        <a:scrgbClr r="0" g="0" b="0"/>
-      </a:effectRef>
-      <a:fontRef idx="minor">
-        <a:schemeClr val="lt1"/>
-      </a:fontRef>
-    </dgm:style>
-  </dgm:styleLbl>
-  <dgm:styleLbl name="parChTrans2D4">
-    <dgm:scene3d>
-      <a:camera prst="orthographicFront"/>
-      <a:lightRig rig="threePt" dir="t"/>
-    </dgm:scene3d>
-    <dgm:sp3d/>
-    <dgm:txPr/>
-    <dgm:style>
-      <a:lnRef idx="1">
-        <a:scrgbClr r="0" g="0" b="0"/>
-      </a:lnRef>
-      <a:fillRef idx="3">
-        <a:scrgbClr r="0" g="0" b="0"/>
-      </a:fillRef>
-      <a:effectRef idx="2">
-        <a:scrgbClr r="0" g="0" b="0"/>
-      </a:effectRef>
-      <a:fontRef idx="minor">
-        <a:schemeClr val="lt1"/>
-      </a:fontRef>
-    </dgm:style>
-  </dgm:styleLbl>
-  <dgm:styleLbl name="parChTrans1D1">
-    <dgm:scene3d>
-      <a:camera prst="orthographicFront"/>
-      <a:lightRig rig="threePt" dir="t"/>
-    </dgm:scene3d>
-    <dgm:sp3d/>
-    <dgm:txPr/>
-    <dgm:style>
-      <a:lnRef idx="1">
-        <a:scrgbClr r="0" g="0" b="0"/>
-      </a:lnRef>
-      <a:fillRef idx="0">
-        <a:scrgbClr r="0" g="0" b="0"/>
-      </a:fillRef>
-      <a:effectRef idx="0">
-        <a:scrgbClr r="0" g="0" b="0"/>
-      </a:effectRef>
-      <a:fontRef idx="minor"/>
-    </dgm:style>
-  </dgm:styleLbl>
-  <dgm:styleLbl name="parChTrans1D2">
-    <dgm:scene3d>
-      <a:camera prst="orthographicFront"/>
-      <a:lightRig rig="threePt" dir="t"/>
-    </dgm:scene3d>
-    <dgm:sp3d/>
-    <dgm:txPr/>
-    <dgm:style>
-      <a:lnRef idx="1">
-        <a:scrgbClr r="0" g="0" b="0"/>
-      </a:lnRef>
-      <a:fillRef idx="0">
-        <a:scrgbClr r="0" g="0" b="0"/>
-      </a:fillRef>
-      <a:effectRef idx="0">
-        <a:scrgbClr r="0" g="0" b="0"/>
-      </a:effectRef>
-      <a:fontRef idx="minor"/>
-    </dgm:style>
-  </dgm:styleLbl>
-  <dgm:styleLbl name="parChTrans1D3">
-    <dgm:scene3d>
-      <a:camera prst="orthographicFront"/>
-      <a:lightRig rig="threePt" dir="t"/>
-    </dgm:scene3d>
-    <dgm:sp3d/>
-    <dgm:txPr/>
-    <dgm:style>
-      <a:lnRef idx="1">
-        <a:scrgbClr r="0" g="0" b="0"/>
-      </a:lnRef>
-      <a:fillRef idx="0">
-        <a:scrgbClr r="0" g="0" b="0"/>
-      </a:fillRef>
-      <a:effectRef idx="0">
-        <a:scrgbClr r="0" g="0" b="0"/>
-      </a:effectRef>
-      <a:fontRef idx="minor"/>
-    </dgm:style>
-  </dgm:styleLbl>
-  <dgm:styleLbl name="parChTrans1D4">
-    <dgm:scene3d>
-      <a:camera prst="orthographicFront"/>
-      <a:lightRig rig="threePt" dir="t"/>
-    </dgm:scene3d>
-    <dgm:sp3d/>
-    <dgm:txPr/>
-    <dgm:style>
-      <a:lnRef idx="1">
-        <a:scrgbClr r="0" g="0" b="0"/>
-      </a:lnRef>
-      <a:fillRef idx="0">
-        <a:scrgbClr r="0" g="0" b="0"/>
-      </a:fillRef>
-      <a:effectRef idx="0">
-        <a:scrgbClr r="0" g="0" b="0"/>
-      </a:effectRef>
-      <a:fontRef idx="minor"/>
-    </dgm:style>
-  </dgm:styleLbl>
-  <dgm:styleLbl name="fgAcc1">
-    <dgm:scene3d>
-      <a:camera prst="orthographicFront"/>
-      <a:lightRig rig="threePt" dir="t"/>
-    </dgm:scene3d>
-    <dgm:sp3d/>
-    <dgm:txPr/>
-    <dgm:style>
-      <a:lnRef idx="1">
-        <a:scrgbClr r="0" g="0" b="0"/>
-      </a:lnRef>
-      <a:fillRef idx="1">
-        <a:scrgbClr r="0" g="0" b="0"/>
-      </a:fillRef>
-      <a:effectRef idx="0">
-        <a:scrgbClr r="0" g="0" b="0"/>
-      </a:effectRef>
-      <a:fontRef idx="minor"/>
-    </dgm:style>
-  </dgm:styleLbl>
-  <dgm:styleLbl name="conFgAcc1">
-    <dgm:scene3d>
-      <a:camera prst="orthographicFront"/>
-      <a:lightRig rig="threePt" dir="t"/>
-    </dgm:scene3d>
-    <dgm:sp3d/>
-    <dgm:txPr/>
-    <dgm:style>
-      <a:lnRef idx="1">
-        <a:scrgbClr r="0" g="0" b="0"/>
-      </a:lnRef>
-      <a:fillRef idx="1">
-        <a:scrgbClr r="0" g="0" b="0"/>
-      </a:fillRef>
-      <a:effectRef idx="0">
-        <a:scrgbClr r="0" g="0" b="0"/>
-      </a:effectRef>
-      <a:fontRef idx="minor"/>
-    </dgm:style>
-  </dgm:styleLbl>
-  <dgm:styleLbl name="alignAcc1">
-    <dgm:scene3d>
-      <a:camera prst="orthographicFront"/>
-      <a:lightRig rig="threePt" dir="t"/>
-    </dgm:scene3d>
-    <dgm:sp3d/>
-    <dgm:txPr/>
-    <dgm:style>
-      <a:lnRef idx="1">
-        <a:scrgbClr r="0" g="0" b="0"/>
-      </a:lnRef>
-      <a:fillRef idx="1">
-        <a:scrgbClr r="0" g="0" b="0"/>
-      </a:fillRef>
-      <a:effectRef idx="0">
-        <a:scrgbClr r="0" g="0" b="0"/>
-      </a:effectRef>
-      <a:fontRef idx="minor"/>
-    </dgm:style>
-  </dgm:styleLbl>
-  <dgm:styleLbl name="trAlignAcc1">
-    <dgm:scene3d>
-      <a:camera prst="orthographicFront"/>
-      <a:lightRig rig="threePt" dir="t"/>
-    </dgm:scene3d>
-    <dgm:sp3d/>
-    <dgm:txPr/>
-    <dgm:style>
-      <a:lnRef idx="1">
-        <a:scrgbClr r="0" g="0" b="0"/>
-      </a:lnRef>
-      <a:fillRef idx="1">
-        <a:scrgbClr r="0" g="0" b="0"/>
-      </a:fillRef>
-      <a:effectRef idx="0">
-        <a:scrgbClr r="0" g="0" b="0"/>
-      </a:effectRef>
-      <a:fontRef idx="minor"/>
-    </dgm:style>
-  </dgm:styleLbl>
-  <dgm:styleLbl name="bgAcc1">
-    <dgm:scene3d>
-      <a:camera prst="orthographicFront"/>
-      <a:lightRig rig="threePt" dir="t"/>
-    </dgm:scene3d>
-    <dgm:sp3d/>
-    <dgm:txPr/>
-    <dgm:style>
-      <a:lnRef idx="1">
-        <a:scrgbClr r="0" g="0" b="0"/>
-      </a:lnRef>
-      <a:fillRef idx="1">
-        <a:scrgbClr r="0" g="0" b="0"/>
-      </a:fillRef>
-      <a:effectRef idx="0">
-        <a:scrgbClr r="0" g="0" b="0"/>
-      </a:effectRef>
-      <a:fontRef idx="minor"/>
-    </dgm:style>
-  </dgm:styleLbl>
-  <dgm:styleLbl name="solidFgAcc1">
-    <dgm:scene3d>
-      <a:camera prst="orthographicFront"/>
-      <a:lightRig rig="threePt" dir="t"/>
-    </dgm:scene3d>
-    <dgm:sp3d/>
-    <dgm:txPr/>
-    <dgm:style>
-      <a:lnRef idx="1">
-        <a:scrgbClr r="0" g="0" b="0"/>
-      </a:lnRef>
-      <a:fillRef idx="1">
-        <a:scrgbClr r="0" g="0" b="0"/>
-      </a:fillRef>
-      <a:effectRef idx="0">
-        <a:scrgbClr r="0" g="0" b="0"/>
-      </a:effectRef>
-      <a:fontRef idx="minor"/>
-    </dgm:style>
-  </dgm:styleLbl>
-  <dgm:styleLbl name="solidAlignAcc1">
-    <dgm:scene3d>
-      <a:camera prst="orthographicFront"/>
-      <a:lightRig rig="threePt" dir="t"/>
-    </dgm:scene3d>
-    <dgm:sp3d/>
-    <dgm:txPr/>
-    <dgm:style>
-      <a:lnRef idx="1">
-        <a:scrgbClr r="0" g="0" b="0"/>
-      </a:lnRef>
-      <a:fillRef idx="1">
-        <a:scrgbClr r="0" g="0" b="0"/>
-      </a:fillRef>
-      <a:effectRef idx="0">
-        <a:scrgbClr r="0" g="0" b="0"/>
-      </a:effectRef>
-      <a:fontRef idx="minor"/>
-    </dgm:style>
-  </dgm:styleLbl>
-  <dgm:styleLbl name="solidBgAcc1">
-    <dgm:scene3d>
-      <a:camera prst="orthographicFront"/>
-      <a:lightRig rig="threePt" dir="t"/>
-    </dgm:scene3d>
-    <dgm:sp3d/>
-    <dgm:txPr/>
-    <dgm:style>
-      <a:lnRef idx="1">
-        <a:scrgbClr r="0" g="0" b="0"/>
-      </a:lnRef>
-      <a:fillRef idx="1">
-        <a:scrgbClr r="0" g="0" b="0"/>
-      </a:fillRef>
-      <a:effectRef idx="0">
-        <a:scrgbClr r="0" g="0" b="0"/>
-      </a:effectRef>
-      <a:fontRef idx="minor"/>
-    </dgm:style>
-  </dgm:styleLbl>
-  <dgm:styleLbl name="fgAccFollowNode1">
-    <dgm:scene3d>
-      <a:camera prst="orthographicFront"/>
-      <a:lightRig rig="threePt" dir="t"/>
-    </dgm:scene3d>
-    <dgm:sp3d/>
-    <dgm:txPr/>
-    <dgm:style>
-      <a:lnRef idx="1">
-        <a:scrgbClr r="0" g="0" b="0"/>
-      </a:lnRef>
-      <a:fillRef idx="1">
-        <a:scrgbClr r="0" g="0" b="0"/>
-      </a:fillRef>
-      <a:effectRef idx="0">
-        <a:scrgbClr r="0" g="0" b="0"/>
-      </a:effectRef>
-      <a:fontRef idx="minor"/>
-    </dgm:style>
-  </dgm:styleLbl>
-  <dgm:styleLbl name="alignAccFollowNode1">
-    <dgm:scene3d>
-      <a:camera prst="orthographicFront"/>
-      <a:lightRig rig="threePt" dir="t"/>
-    </dgm:scene3d>
-    <dgm:sp3d/>
-    <dgm:txPr/>
-    <dgm:style>
-      <a:lnRef idx="1">
-        <a:scrgbClr r="0" g="0" b="0"/>
-      </a:lnRef>
-      <a:fillRef idx="1">
-        <a:scrgbClr r="0" g="0" b="0"/>
-      </a:fillRef>
-      <a:effectRef idx="0">
-        <a:scrgbClr r="0" g="0" b="0"/>
-      </a:effectRef>
-      <a:fontRef idx="minor"/>
-    </dgm:style>
-  </dgm:styleLbl>
-  <dgm:styleLbl name="bgAccFollowNode1">
-    <dgm:scene3d>
-      <a:camera prst="orthographicFront"/>
-      <a:lightRig rig="threePt" dir="t"/>
-    </dgm:scene3d>
-    <dgm:sp3d/>
-    <dgm:txPr/>
-    <dgm:style>
-      <a:lnRef idx="1">
-        <a:scrgbClr r="0" g="0" b="0"/>
-      </a:lnRef>
-      <a:fillRef idx="1">
-        <a:scrgbClr r="0" g="0" b="0"/>
-      </a:fillRef>
-      <a:effectRef idx="0">
-        <a:scrgbClr r="0" g="0" b="0"/>
-      </a:effectRef>
-      <a:fontRef idx="minor"/>
-    </dgm:style>
-  </dgm:styleLbl>
-  <dgm:styleLbl name="fgAcc0">
-    <dgm:scene3d>
-      <a:camera prst="orthographicFront"/>
-      <a:lightRig rig="threePt" dir="t"/>
-    </dgm:scene3d>
-    <dgm:sp3d/>
-    <dgm:txPr/>
-    <dgm:style>
-      <a:lnRef idx="1">
-        <a:scrgbClr r="0" g="0" b="0"/>
-      </a:lnRef>
-      <a:fillRef idx="1">
-        <a:scrgbClr r="0" g="0" b="0"/>
-      </a:fillRef>
-      <a:effectRef idx="0">
-        <a:scrgbClr r="0" g="0" b="0"/>
-      </a:effectRef>
-      <a:fontRef idx="minor"/>
-    </dgm:style>
-  </dgm:styleLbl>
-  <dgm:styleLbl name="fgAcc2">
-    <dgm:scene3d>
-      <a:camera prst="orthographicFront"/>
-      <a:lightRig rig="threePt" dir="t"/>
-    </dgm:scene3d>
-    <dgm:sp3d/>
-    <dgm:txPr/>
-    <dgm:style>
-      <a:lnRef idx="1">
-        <a:scrgbClr r="0" g="0" b="0"/>
-      </a:lnRef>
-      <a:fillRef idx="1">
-        <a:scrgbClr r="0" g="0" b="0"/>
-      </a:fillRef>
-      <a:effectRef idx="0">
-        <a:scrgbClr r="0" g="0" b="0"/>
-      </a:effectRef>
-      <a:fontRef idx="minor"/>
-    </dgm:style>
-  </dgm:styleLbl>
-  <dgm:styleLbl name="fgAcc3">
-    <dgm:scene3d>
-      <a:camera prst="orthographicFront"/>
-      <a:lightRig rig="threePt" dir="t"/>
-    </dgm:scene3d>
-    <dgm:sp3d/>
-    <dgm:txPr/>
-    <dgm:style>
-      <a:lnRef idx="1">
-        <a:scrgbClr r="0" g="0" b="0"/>
-      </a:lnRef>
-      <a:fillRef idx="1">
-        <a:scrgbClr r="0" g="0" b="0"/>
-      </a:fillRef>
-      <a:effectRef idx="0">
-        <a:scrgbClr r="0" g="0" b="0"/>
-      </a:effectRef>
-      <a:fontRef idx="minor"/>
-    </dgm:style>
-  </dgm:styleLbl>
-  <dgm:styleLbl name="fgAcc4">
-    <dgm:scene3d>
-      <a:camera prst="orthographicFront"/>
-      <a:lightRig rig="threePt" dir="t"/>
-    </dgm:scene3d>
-    <dgm:sp3d/>
-    <dgm:txPr/>
-    <dgm:style>
-      <a:lnRef idx="1">
-        <a:scrgbClr r="0" g="0" b="0"/>
-      </a:lnRef>
-      <a:fillRef idx="1">
-        <a:scrgbClr r="0" g="0" b="0"/>
-      </a:fillRef>
-      <a:effectRef idx="0">
-        <a:scrgbClr r="0" g="0" b="0"/>
-      </a:effectRef>
-      <a:fontRef idx="minor"/>
-    </dgm:style>
-  </dgm:styleLbl>
-  <dgm:styleLbl name="bgShp">
-    <dgm:scene3d>
-      <a:camera prst="orthographicFront"/>
-      <a:lightRig rig="threePt" dir="t"/>
-    </dgm:scene3d>
-    <dgm:sp3d/>
-    <dgm:txPr/>
-    <dgm:style>
-      <a:lnRef idx="0">
-        <a:scrgbClr r="0" g="0" b="0"/>
-      </a:lnRef>
-      <a:fillRef idx="1">
-        <a:scrgbClr r="0" g="0" b="0"/>
-      </a:fillRef>
-      <a:effectRef idx="2">
-        <a:scrgbClr r="0" g="0" b="0"/>
-      </a:effectRef>
-      <a:fontRef idx="minor"/>
-    </dgm:style>
-  </dgm:styleLbl>
-  <dgm:styleLbl name="dkBgShp">
-    <dgm:scene3d>
-      <a:camera prst="orthographicFront"/>
-      <a:lightRig rig="threePt" dir="t"/>
-    </dgm:scene3d>
-    <dgm:sp3d/>
-    <dgm:txPr/>
-    <dgm:style>
-      <a:lnRef idx="0">
-        <a:scrgbClr r="0" g="0" b="0"/>
-      </a:lnRef>
-      <a:fillRef idx="1">
-        <a:scrgbClr r="0" g="0" b="0"/>
-      </a:fillRef>
-      <a:effectRef idx="2">
-        <a:scrgbClr r="0" g="0" b="0"/>
-      </a:effectRef>
-      <a:fontRef idx="minor"/>
-    </dgm:style>
-  </dgm:styleLbl>
-  <dgm:styleLbl name="trBgShp">
-    <dgm:scene3d>
-      <a:camera prst="orthographicFront"/>
-      <a:lightRig rig="threePt" dir="t"/>
-    </dgm:scene3d>
-    <dgm:sp3d/>
-    <dgm:txPr/>
-    <dgm:style>
-      <a:lnRef idx="0">
-        <a:scrgbClr r="0" g="0" b="0"/>
-      </a:lnRef>
-      <a:fillRef idx="1">
-        <a:scrgbClr r="0" g="0" b="0"/>
-      </a:fillRef>
-      <a:effectRef idx="0">
-        <a:scrgbClr r="0" g="0" b="0"/>
-      </a:effectRef>
-      <a:fontRef idx="minor"/>
-    </dgm:style>
-  </dgm:styleLbl>
-  <dgm:styleLbl name="fgShp">
-    <dgm:scene3d>
-      <a:camera prst="orthographicFront"/>
-      <a:lightRig rig="threePt" dir="t"/>
-    </dgm:scene3d>
-    <dgm:sp3d/>
-    <dgm:txPr/>
-    <dgm:style>
-      <a:lnRef idx="0">
-        <a:scrgbClr r="0" g="0" b="0"/>
-      </a:lnRef>
-      <a:fillRef idx="3">
-        <a:scrgbClr r="0" g="0" b="0"/>
-      </a:fillRef>
-      <a:effectRef idx="2">
-        <a:scrgbClr r="0" g="0" b="0"/>
-      </a:effectRef>
-      <a:fontRef idx="minor"/>
-    </dgm:style>
-  </dgm:styleLbl>
-  <dgm:styleLbl name="revTx">
-    <dgm:scene3d>
-      <a:camera prst="orthographicFront"/>
-      <a:lightRig rig="threePt" dir="t"/>
-    </dgm:scene3d>
-    <dgm:sp3d/>
-    <dgm:txPr/>
-    <dgm:style>
-      <a:lnRef idx="0">
-        <a:scrgbClr r="0" g="0" b="0"/>
-      </a:lnRef>
-      <a:fillRef idx="0">
-        <a:scrgbClr r="0" g="0" b="0"/>
-      </a:fillRef>
-      <a:effectRef idx="0">
-        <a:scrgbClr r="0" g="0" b="0"/>
-      </a:effectRef>
-      <a:fontRef idx="minor"/>
-    </dgm:style>
-  </dgm:styleLbl>
-</dgm:styleDef>
-</file>
-
 <file path=ppt/handoutMasters/handoutMaster1.xml><?xml version="1.0" encoding="utf-8"?>
 <p:handoutMaster xmlns:a="http://schemas.openxmlformats.org/drawingml/2006/main" xmlns:r="http://schemas.openxmlformats.org/officeDocument/2006/relationships" xmlns:p="http://schemas.openxmlformats.org/presentationml/2006/main">
   <p:cSld>
@@ -5499,7 +857,7 @@
     </p:spTree>
     <p:extLst>
       <p:ext uri="{BB962C8B-B14F-4D97-AF65-F5344CB8AC3E}">
-        <p14:creationId xmlns:p14="http://schemas.microsoft.com/office/powerpoint/2010/main" val="2684921326"/>
+        <p14:creationId xmlns:p14="http://schemas.microsoft.com/office/powerpoint/2010/main" val="68332356"/>
       </p:ext>
     </p:extLst>
   </p:cSld>
@@ -5611,7 +969,7 @@
     </p:spTree>
     <p:extLst>
       <p:ext uri="{BB962C8B-B14F-4D97-AF65-F5344CB8AC3E}">
-        <p14:creationId xmlns:p14="http://schemas.microsoft.com/office/powerpoint/2010/main" val="68332356"/>
+        <p14:creationId xmlns:p14="http://schemas.microsoft.com/office/powerpoint/2010/main" val="1788840736"/>
       </p:ext>
     </p:extLst>
   </p:cSld>
@@ -5684,15 +1042,12 @@
             </a:pPr>
             <a:r>
               <a:rPr lang="en-US" dirty="0"/>
-              <a:t>Summarize your research in</a:t>
+              <a:t>Establish hypothesis</a:t>
             </a:r>
             <a:r>
               <a:rPr lang="en-US" baseline="0" dirty="0"/>
-              <a:t> three to five points.</a:t>
-            </a:r>
-            <a:endParaRPr lang="en-US" dirty="0"/>
-          </a:p>
-          <a:p>
+              <a:t> before you begin the experiment. This should be your best educated guess based on your research.</a:t>
+            </a:r>
             <a:endParaRPr lang="en-US" dirty="0"/>
           </a:p>
         </p:txBody>
@@ -5723,7 +1078,7 @@
     </p:spTree>
     <p:extLst>
       <p:ext uri="{BB962C8B-B14F-4D97-AF65-F5344CB8AC3E}">
-        <p14:creationId xmlns:p14="http://schemas.microsoft.com/office/powerpoint/2010/main" val="1788840736"/>
+        <p14:creationId xmlns:p14="http://schemas.microsoft.com/office/powerpoint/2010/main" val="1862177854"/>
       </p:ext>
     </p:extLst>
   </p:cSld>
@@ -5832,7 +1187,7 @@
     </p:spTree>
     <p:extLst>
       <p:ext uri="{BB962C8B-B14F-4D97-AF65-F5344CB8AC3E}">
-        <p14:creationId xmlns:p14="http://schemas.microsoft.com/office/powerpoint/2010/main" val="1862177854"/>
+        <p14:creationId xmlns:p14="http://schemas.microsoft.com/office/powerpoint/2010/main" val="2616487880"/>
       </p:ext>
     </p:extLst>
   </p:cSld>
@@ -5941,7 +1296,7 @@
     </p:spTree>
     <p:extLst>
       <p:ext uri="{BB962C8B-B14F-4D97-AF65-F5344CB8AC3E}">
-        <p14:creationId xmlns:p14="http://schemas.microsoft.com/office/powerpoint/2010/main" val="2616487880"/>
+        <p14:creationId xmlns:p14="http://schemas.microsoft.com/office/powerpoint/2010/main" val="3010085033"/>
       </p:ext>
     </p:extLst>
   </p:cSld>
@@ -6014,12 +1369,15 @@
             </a:pPr>
             <a:r>
               <a:rPr lang="en-US" dirty="0"/>
-              <a:t>Establish hypothesis</a:t>
+              <a:t>Summarize your research in</a:t>
             </a:r>
             <a:r>
               <a:rPr lang="en-US" baseline="0" dirty="0"/>
-              <a:t> before you begin the experiment. This should be your best educated guess based on your research.</a:t>
-            </a:r>
+              <a:t> three to five points.</a:t>
+            </a:r>
+            <a:endParaRPr lang="en-US" dirty="0"/>
+          </a:p>
+          <a:p>
             <a:endParaRPr lang="en-US" dirty="0"/>
           </a:p>
         </p:txBody>
@@ -6050,7 +1408,7 @@
     </p:spTree>
     <p:extLst>
       <p:ext uri="{BB962C8B-B14F-4D97-AF65-F5344CB8AC3E}">
-        <p14:creationId xmlns:p14="http://schemas.microsoft.com/office/powerpoint/2010/main" val="3010085033"/>
+        <p14:creationId xmlns:p14="http://schemas.microsoft.com/office/powerpoint/2010/main" val="3997717277"/>
       </p:ext>
     </p:extLst>
   </p:cSld>
@@ -6162,7 +1520,7 @@
     </p:spTree>
     <p:extLst>
       <p:ext uri="{BB962C8B-B14F-4D97-AF65-F5344CB8AC3E}">
-        <p14:creationId xmlns:p14="http://schemas.microsoft.com/office/powerpoint/2010/main" val="3997717277"/>
+        <p14:creationId xmlns:p14="http://schemas.microsoft.com/office/powerpoint/2010/main" val="582950495"/>
       </p:ext>
     </p:extLst>
   </p:cSld>
@@ -6274,7 +1632,7 @@
     </p:spTree>
     <p:extLst>
       <p:ext uri="{BB962C8B-B14F-4D97-AF65-F5344CB8AC3E}">
-        <p14:creationId xmlns:p14="http://schemas.microsoft.com/office/powerpoint/2010/main" val="582950495"/>
+        <p14:creationId xmlns:p14="http://schemas.microsoft.com/office/powerpoint/2010/main" val="724975937"/>
       </p:ext>
     </p:extLst>
   </p:cSld>
@@ -6386,116 +1744,7 @@
     </p:spTree>
     <p:extLst>
       <p:ext uri="{BB962C8B-B14F-4D97-AF65-F5344CB8AC3E}">
-        <p14:creationId xmlns:p14="http://schemas.microsoft.com/office/powerpoint/2010/main" val="724975937"/>
-      </p:ext>
-    </p:extLst>
-  </p:cSld>
-  <p:clrMapOvr>
-    <a:masterClrMapping/>
-  </p:clrMapOvr>
-</p:notes>
-</file>
-
-<file path=ppt/notesSlides/notesSlide19.xml><?xml version="1.0" encoding="utf-8"?>
-<p:notes xmlns:a="http://schemas.openxmlformats.org/drawingml/2006/main" xmlns:r="http://schemas.openxmlformats.org/officeDocument/2006/relationships" xmlns:p="http://schemas.openxmlformats.org/presentationml/2006/main">
-  <p:cSld>
-    <p:spTree>
-      <p:nvGrpSpPr>
-        <p:cNvPr id="1" name=""/>
-        <p:cNvGrpSpPr/>
-        <p:nvPr/>
-      </p:nvGrpSpPr>
-      <p:grpSpPr>
-        <a:xfrm>
-          <a:off x="0" y="0"/>
-          <a:ext cx="0" cy="0"/>
-          <a:chOff x="0" y="0"/>
-          <a:chExt cx="0" cy="0"/>
-        </a:xfrm>
-      </p:grpSpPr>
-      <p:sp>
-        <p:nvSpPr>
-          <p:cNvPr id="2" name="Slide Image Placeholder 1"/>
-          <p:cNvSpPr>
-            <a:spLocks noGrp="1" noRot="1" noChangeAspect="1"/>
-          </p:cNvSpPr>
-          <p:nvPr>
-            <p:ph type="sldImg"/>
-          </p:nvPr>
-        </p:nvSpPr>
-        <p:spPr/>
-      </p:sp>
-      <p:sp>
-        <p:nvSpPr>
-          <p:cNvPr id="3" name="Notes Placeholder 2"/>
-          <p:cNvSpPr>
-            <a:spLocks noGrp="1"/>
-          </p:cNvSpPr>
-          <p:nvPr>
-            <p:ph type="body" idx="1"/>
-          </p:nvPr>
-        </p:nvSpPr>
-        <p:spPr/>
-        <p:txBody>
-          <a:bodyPr/>
-          <a:lstStyle/>
-          <a:p>
-            <a:pPr marL="0" marR="0" indent="0" algn="l" defTabSz="914400" rtl="0" eaLnBrk="1" fontAlgn="auto" latinLnBrk="0" hangingPunct="1">
-              <a:lnSpc>
-                <a:spcPct val="100000"/>
-              </a:lnSpc>
-              <a:spcBef>
-                <a:spcPts val="0"/>
-              </a:spcBef>
-              <a:spcAft>
-                <a:spcPts val="0"/>
-              </a:spcAft>
-              <a:buClrTx/>
-              <a:buSzTx/>
-              <a:buFontTx/>
-              <a:buNone/>
-              <a:tabLst/>
-              <a:defRPr/>
-            </a:pPr>
-            <a:r>
-              <a:rPr lang="en-US" dirty="0"/>
-              <a:t>Establish hypothesis</a:t>
-            </a:r>
-            <a:r>
-              <a:rPr lang="en-US" baseline="0" dirty="0"/>
-              <a:t> before you begin the experiment. This should be your best educated guess based on your research.</a:t>
-            </a:r>
-            <a:endParaRPr lang="en-US" dirty="0"/>
-          </a:p>
-        </p:txBody>
-      </p:sp>
-      <p:sp>
-        <p:nvSpPr>
-          <p:cNvPr id="4" name="Slide Number Placeholder 3"/>
-          <p:cNvSpPr>
-            <a:spLocks noGrp="1"/>
-          </p:cNvSpPr>
-          <p:nvPr>
-            <p:ph type="sldNum" sz="quarter" idx="10"/>
-          </p:nvPr>
-        </p:nvSpPr>
-        <p:spPr/>
-        <p:txBody>
-          <a:bodyPr/>
-          <a:lstStyle/>
-          <a:p>
-            <a:fld id="{5D81F1E7-4EFD-4BFF-B438-FCD52FD36B17}" type="slidenum">
-              <a:rPr lang="en-US" smtClean="0"/>
-              <a:t>23</a:t>
-            </a:fld>
-            <a:endParaRPr lang="en-US"/>
-          </a:p>
-        </p:txBody>
-      </p:sp>
-    </p:spTree>
-    <p:extLst>
-      <p:ext uri="{BB962C8B-B14F-4D97-AF65-F5344CB8AC3E}">
-        <p14:creationId xmlns:p14="http://schemas.microsoft.com/office/powerpoint/2010/main" val="473636834"/>
+        <p14:creationId xmlns:p14="http://schemas.microsoft.com/office/powerpoint/2010/main" val="3349537044"/>
       </p:ext>
     </p:extLst>
   </p:cSld>
@@ -6583,328 +1832,6 @@
     <p:extLst>
       <p:ext uri="{BB962C8B-B14F-4D97-AF65-F5344CB8AC3E}">
         <p14:creationId xmlns:p14="http://schemas.microsoft.com/office/powerpoint/2010/main" val="3551080958"/>
-      </p:ext>
-    </p:extLst>
-  </p:cSld>
-  <p:clrMapOvr>
-    <a:masterClrMapping/>
-  </p:clrMapOvr>
-</p:notes>
-</file>
-
-<file path=ppt/notesSlides/notesSlide20.xml><?xml version="1.0" encoding="utf-8"?>
-<p:notes xmlns:a="http://schemas.openxmlformats.org/drawingml/2006/main" xmlns:r="http://schemas.openxmlformats.org/officeDocument/2006/relationships" xmlns:p="http://schemas.openxmlformats.org/presentationml/2006/main">
-  <p:cSld>
-    <p:spTree>
-      <p:nvGrpSpPr>
-        <p:cNvPr id="1" name=""/>
-        <p:cNvGrpSpPr/>
-        <p:nvPr/>
-      </p:nvGrpSpPr>
-      <p:grpSpPr>
-        <a:xfrm>
-          <a:off x="0" y="0"/>
-          <a:ext cx="0" cy="0"/>
-          <a:chOff x="0" y="0"/>
-          <a:chExt cx="0" cy="0"/>
-        </a:xfrm>
-      </p:grpSpPr>
-      <p:sp>
-        <p:nvSpPr>
-          <p:cNvPr id="2" name="Slide Image Placeholder 1"/>
-          <p:cNvSpPr>
-            <a:spLocks noGrp="1" noRot="1" noChangeAspect="1"/>
-          </p:cNvSpPr>
-          <p:nvPr>
-            <p:ph type="sldImg"/>
-          </p:nvPr>
-        </p:nvSpPr>
-        <p:spPr/>
-      </p:sp>
-      <p:sp>
-        <p:nvSpPr>
-          <p:cNvPr id="3" name="Notes Placeholder 2"/>
-          <p:cNvSpPr>
-            <a:spLocks noGrp="1"/>
-          </p:cNvSpPr>
-          <p:nvPr>
-            <p:ph type="body" idx="1"/>
-          </p:nvPr>
-        </p:nvSpPr>
-        <p:spPr/>
-        <p:txBody>
-          <a:bodyPr/>
-          <a:lstStyle/>
-          <a:p>
-            <a:pPr marL="0" marR="0" indent="0" algn="l" defTabSz="914400" rtl="0" eaLnBrk="1" fontAlgn="auto" latinLnBrk="0" hangingPunct="1">
-              <a:lnSpc>
-                <a:spcPct val="100000"/>
-              </a:lnSpc>
-              <a:spcBef>
-                <a:spcPts val="0"/>
-              </a:spcBef>
-              <a:spcAft>
-                <a:spcPts val="0"/>
-              </a:spcAft>
-              <a:buClrTx/>
-              <a:buSzTx/>
-              <a:buFontTx/>
-              <a:buNone/>
-              <a:tabLst/>
-              <a:defRPr/>
-            </a:pPr>
-            <a:r>
-              <a:rPr lang="en-US" dirty="0"/>
-              <a:t>Summarize your research in</a:t>
-            </a:r>
-            <a:r>
-              <a:rPr lang="en-US" baseline="0" dirty="0"/>
-              <a:t> three to five points.</a:t>
-            </a:r>
-            <a:endParaRPr lang="en-US" dirty="0"/>
-          </a:p>
-          <a:p>
-            <a:endParaRPr lang="en-US" dirty="0"/>
-          </a:p>
-        </p:txBody>
-      </p:sp>
-      <p:sp>
-        <p:nvSpPr>
-          <p:cNvPr id="4" name="Slide Number Placeholder 3"/>
-          <p:cNvSpPr>
-            <a:spLocks noGrp="1"/>
-          </p:cNvSpPr>
-          <p:nvPr>
-            <p:ph type="sldNum" sz="quarter" idx="10"/>
-          </p:nvPr>
-        </p:nvSpPr>
-        <p:spPr/>
-        <p:txBody>
-          <a:bodyPr/>
-          <a:lstStyle/>
-          <a:p>
-            <a:fld id="{5D81F1E7-4EFD-4BFF-B438-FCD52FD36B17}" type="slidenum">
-              <a:rPr lang="en-US" smtClean="0"/>
-              <a:t>24</a:t>
-            </a:fld>
-            <a:endParaRPr lang="en-US"/>
-          </a:p>
-        </p:txBody>
-      </p:sp>
-    </p:spTree>
-    <p:extLst>
-      <p:ext uri="{BB962C8B-B14F-4D97-AF65-F5344CB8AC3E}">
-        <p14:creationId xmlns:p14="http://schemas.microsoft.com/office/powerpoint/2010/main" val="1481410060"/>
-      </p:ext>
-    </p:extLst>
-  </p:cSld>
-  <p:clrMapOvr>
-    <a:masterClrMapping/>
-  </p:clrMapOvr>
-</p:notes>
-</file>
-
-<file path=ppt/notesSlides/notesSlide21.xml><?xml version="1.0" encoding="utf-8"?>
-<p:notes xmlns:a="http://schemas.openxmlformats.org/drawingml/2006/main" xmlns:r="http://schemas.openxmlformats.org/officeDocument/2006/relationships" xmlns:p="http://schemas.openxmlformats.org/presentationml/2006/main">
-  <p:cSld>
-    <p:spTree>
-      <p:nvGrpSpPr>
-        <p:cNvPr id="1" name=""/>
-        <p:cNvGrpSpPr/>
-        <p:nvPr/>
-      </p:nvGrpSpPr>
-      <p:grpSpPr>
-        <a:xfrm>
-          <a:off x="0" y="0"/>
-          <a:ext cx="0" cy="0"/>
-          <a:chOff x="0" y="0"/>
-          <a:chExt cx="0" cy="0"/>
-        </a:xfrm>
-      </p:grpSpPr>
-      <p:sp>
-        <p:nvSpPr>
-          <p:cNvPr id="2" name="Slide Image Placeholder 1"/>
-          <p:cNvSpPr>
-            <a:spLocks noGrp="1" noRot="1" noChangeAspect="1"/>
-          </p:cNvSpPr>
-          <p:nvPr>
-            <p:ph type="sldImg"/>
-          </p:nvPr>
-        </p:nvSpPr>
-        <p:spPr/>
-      </p:sp>
-      <p:sp>
-        <p:nvSpPr>
-          <p:cNvPr id="3" name="Notes Placeholder 2"/>
-          <p:cNvSpPr>
-            <a:spLocks noGrp="1"/>
-          </p:cNvSpPr>
-          <p:nvPr>
-            <p:ph type="body" idx="1"/>
-          </p:nvPr>
-        </p:nvSpPr>
-        <p:spPr/>
-        <p:txBody>
-          <a:bodyPr/>
-          <a:lstStyle/>
-          <a:p>
-            <a:pPr marL="0" marR="0" indent="0" algn="l" defTabSz="914400" rtl="0" eaLnBrk="1" fontAlgn="auto" latinLnBrk="0" hangingPunct="1">
-              <a:lnSpc>
-                <a:spcPct val="100000"/>
-              </a:lnSpc>
-              <a:spcBef>
-                <a:spcPts val="0"/>
-              </a:spcBef>
-              <a:spcAft>
-                <a:spcPts val="0"/>
-              </a:spcAft>
-              <a:buClrTx/>
-              <a:buSzTx/>
-              <a:buFontTx/>
-              <a:buNone/>
-              <a:tabLst/>
-              <a:defRPr/>
-            </a:pPr>
-            <a:r>
-              <a:rPr lang="en-US" dirty="0"/>
-              <a:t>Summarize your research in</a:t>
-            </a:r>
-            <a:r>
-              <a:rPr lang="en-US" baseline="0" dirty="0"/>
-              <a:t> three to five points.</a:t>
-            </a:r>
-            <a:endParaRPr lang="en-US" dirty="0"/>
-          </a:p>
-          <a:p>
-            <a:endParaRPr lang="en-US" dirty="0"/>
-          </a:p>
-        </p:txBody>
-      </p:sp>
-      <p:sp>
-        <p:nvSpPr>
-          <p:cNvPr id="4" name="Slide Number Placeholder 3"/>
-          <p:cNvSpPr>
-            <a:spLocks noGrp="1"/>
-          </p:cNvSpPr>
-          <p:nvPr>
-            <p:ph type="sldNum" sz="quarter" idx="10"/>
-          </p:nvPr>
-        </p:nvSpPr>
-        <p:spPr/>
-        <p:txBody>
-          <a:bodyPr/>
-          <a:lstStyle/>
-          <a:p>
-            <a:fld id="{5D81F1E7-4EFD-4BFF-B438-FCD52FD36B17}" type="slidenum">
-              <a:rPr lang="en-US" smtClean="0"/>
-              <a:t>25</a:t>
-            </a:fld>
-            <a:endParaRPr lang="en-US"/>
-          </a:p>
-        </p:txBody>
-      </p:sp>
-    </p:spTree>
-    <p:extLst>
-      <p:ext uri="{BB962C8B-B14F-4D97-AF65-F5344CB8AC3E}">
-        <p14:creationId xmlns:p14="http://schemas.microsoft.com/office/powerpoint/2010/main" val="2529031800"/>
-      </p:ext>
-    </p:extLst>
-  </p:cSld>
-  <p:clrMapOvr>
-    <a:masterClrMapping/>
-  </p:clrMapOvr>
-</p:notes>
-</file>
-
-<file path=ppt/notesSlides/notesSlide22.xml><?xml version="1.0" encoding="utf-8"?>
-<p:notes xmlns:a="http://schemas.openxmlformats.org/drawingml/2006/main" xmlns:r="http://schemas.openxmlformats.org/officeDocument/2006/relationships" xmlns:p="http://schemas.openxmlformats.org/presentationml/2006/main">
-  <p:cSld>
-    <p:spTree>
-      <p:nvGrpSpPr>
-        <p:cNvPr id="1" name=""/>
-        <p:cNvGrpSpPr/>
-        <p:nvPr/>
-      </p:nvGrpSpPr>
-      <p:grpSpPr>
-        <a:xfrm>
-          <a:off x="0" y="0"/>
-          <a:ext cx="0" cy="0"/>
-          <a:chOff x="0" y="0"/>
-          <a:chExt cx="0" cy="0"/>
-        </a:xfrm>
-      </p:grpSpPr>
-      <p:sp>
-        <p:nvSpPr>
-          <p:cNvPr id="2" name="Slide Image Placeholder 1"/>
-          <p:cNvSpPr>
-            <a:spLocks noGrp="1" noRot="1" noChangeAspect="1"/>
-          </p:cNvSpPr>
-          <p:nvPr>
-            <p:ph type="sldImg"/>
-          </p:nvPr>
-        </p:nvSpPr>
-        <p:spPr/>
-      </p:sp>
-      <p:sp>
-        <p:nvSpPr>
-          <p:cNvPr id="3" name="Notes Placeholder 2"/>
-          <p:cNvSpPr>
-            <a:spLocks noGrp="1"/>
-          </p:cNvSpPr>
-          <p:nvPr>
-            <p:ph type="body" idx="1"/>
-          </p:nvPr>
-        </p:nvSpPr>
-        <p:spPr/>
-        <p:txBody>
-          <a:bodyPr/>
-          <a:lstStyle/>
-          <a:p>
-            <a:r>
-              <a:rPr lang="en-US" dirty="0"/>
-              <a:t>List all of the steps used in completing</a:t>
-            </a:r>
-            <a:r>
-              <a:rPr lang="en-US" baseline="0" dirty="0"/>
-              <a:t> your experiment.</a:t>
-            </a:r>
-          </a:p>
-          <a:p>
-            <a:r>
-              <a:rPr lang="en-US" baseline="0" dirty="0"/>
-              <a:t>Remember to number your steps.</a:t>
-            </a:r>
-            <a:endParaRPr lang="en-US" dirty="0"/>
-          </a:p>
-        </p:txBody>
-      </p:sp>
-      <p:sp>
-        <p:nvSpPr>
-          <p:cNvPr id="4" name="Slide Number Placeholder 3"/>
-          <p:cNvSpPr>
-            <a:spLocks noGrp="1"/>
-          </p:cNvSpPr>
-          <p:nvPr>
-            <p:ph type="sldNum" sz="quarter" idx="10"/>
-          </p:nvPr>
-        </p:nvSpPr>
-        <p:spPr/>
-        <p:txBody>
-          <a:bodyPr/>
-          <a:lstStyle/>
-          <a:p>
-            <a:fld id="{5D81F1E7-4EFD-4BFF-B438-FCD52FD36B17}" type="slidenum">
-              <a:rPr lang="en-US" smtClean="0"/>
-              <a:t>26</a:t>
-            </a:fld>
-            <a:endParaRPr lang="en-US"/>
-          </a:p>
-        </p:txBody>
-      </p:sp>
-    </p:spTree>
-    <p:extLst>
-      <p:ext uri="{BB962C8B-B14F-4D97-AF65-F5344CB8AC3E}">
-        <p14:creationId xmlns:p14="http://schemas.microsoft.com/office/powerpoint/2010/main" val="2666161826"/>
       </p:ext>
     </p:extLst>
   </p:cSld>
@@ -7240,7 +2167,7 @@
     </p:spTree>
     <p:extLst>
       <p:ext uri="{BB962C8B-B14F-4D97-AF65-F5344CB8AC3E}">
-        <p14:creationId xmlns:p14="http://schemas.microsoft.com/office/powerpoint/2010/main" val="3381700637"/>
+        <p14:creationId xmlns:p14="http://schemas.microsoft.com/office/powerpoint/2010/main" val="3855036933"/>
       </p:ext>
     </p:extLst>
   </p:cSld>
@@ -7352,7 +2279,7 @@
     </p:spTree>
     <p:extLst>
       <p:ext uri="{BB962C8B-B14F-4D97-AF65-F5344CB8AC3E}">
-        <p14:creationId xmlns:p14="http://schemas.microsoft.com/office/powerpoint/2010/main" val="3855036933"/>
+        <p14:creationId xmlns:p14="http://schemas.microsoft.com/office/powerpoint/2010/main" val="2472037089"/>
       </p:ext>
     </p:extLst>
   </p:cSld>
@@ -7464,7 +2391,7 @@
     </p:spTree>
     <p:extLst>
       <p:ext uri="{BB962C8B-B14F-4D97-AF65-F5344CB8AC3E}">
-        <p14:creationId xmlns:p14="http://schemas.microsoft.com/office/powerpoint/2010/main" val="2472037089"/>
+        <p14:creationId xmlns:p14="http://schemas.microsoft.com/office/powerpoint/2010/main" val="3835923808"/>
       </p:ext>
     </p:extLst>
   </p:cSld>
@@ -7576,7 +2503,7 @@
     </p:spTree>
     <p:extLst>
       <p:ext uri="{BB962C8B-B14F-4D97-AF65-F5344CB8AC3E}">
-        <p14:creationId xmlns:p14="http://schemas.microsoft.com/office/powerpoint/2010/main" val="3835923808"/>
+        <p14:creationId xmlns:p14="http://schemas.microsoft.com/office/powerpoint/2010/main" val="2332450303"/>
       </p:ext>
     </p:extLst>
   </p:cSld>
@@ -7688,7 +2615,7 @@
     </p:spTree>
     <p:extLst>
       <p:ext uri="{BB962C8B-B14F-4D97-AF65-F5344CB8AC3E}">
-        <p14:creationId xmlns:p14="http://schemas.microsoft.com/office/powerpoint/2010/main" val="2332450303"/>
+        <p14:creationId xmlns:p14="http://schemas.microsoft.com/office/powerpoint/2010/main" val="2684921326"/>
       </p:ext>
     </p:extLst>
   </p:cSld>
@@ -14463,7 +9390,7 @@
           <a:p>
             <a:r>
               <a:rPr lang="en-US" dirty="0"/>
-              <a:t>Testing correlation</a:t>
+              <a:t>Exploring Final Score (G3)</a:t>
             </a:r>
           </a:p>
         </p:txBody>
@@ -14492,21 +9419,21 @@
         </p:blipFill>
         <p:spPr>
           <a:xfrm>
-            <a:off x="6992812" y="1549609"/>
-            <a:ext cx="4966940" cy="4457700"/>
+            <a:off x="8054333" y="2075687"/>
+            <a:ext cx="3887412" cy="3383281"/>
           </a:xfrm>
         </p:spPr>
       </p:pic>
       <p:sp>
         <p:nvSpPr>
-          <p:cNvPr id="5" name="TextBox 4"/>
+          <p:cNvPr id="3" name="TextBox 2"/>
           <p:cNvSpPr txBox="1"/>
           <p:nvPr/>
         </p:nvSpPr>
         <p:spPr>
           <a:xfrm>
-            <a:off x="479685" y="1549609"/>
-            <a:ext cx="6093502" cy="4031873"/>
+            <a:off x="905257" y="2075687"/>
+            <a:ext cx="6291072" cy="3416320"/>
           </a:xfrm>
           <a:prstGeom prst="rect">
             <a:avLst/>
@@ -14520,63 +9447,35 @@
           <a:lstStyle/>
           <a:p>
             <a:r>
-              <a:rPr lang="en-GB" sz="3200" dirty="0"/>
-              <a:t>Strong correlation between;</a:t>
-            </a:r>
-          </a:p>
-          <a:p>
-            <a:r>
-              <a:rPr lang="en-GB" sz="3200" dirty="0"/>
-              <a:t>1) G3/failures</a:t>
-            </a:r>
-          </a:p>
-          <a:p>
-            <a:r>
-              <a:rPr lang="en-GB" sz="3200" dirty="0"/>
-              <a:t>2) failures/pass</a:t>
-            </a:r>
-          </a:p>
-          <a:p>
-            <a:r>
-              <a:rPr lang="en-GB" sz="3200" dirty="0"/>
-              <a:t>3) </a:t>
-            </a:r>
-            <a:r>
-              <a:rPr lang="en-GB" sz="3200" dirty="0" err="1"/>
-              <a:t>Walc</a:t>
-            </a:r>
-            <a:r>
-              <a:rPr lang="en-GB" sz="3200" dirty="0"/>
-              <a:t>/</a:t>
-            </a:r>
-            <a:r>
-              <a:rPr lang="en-GB" sz="3200" dirty="0" err="1"/>
-              <a:t>Dalc</a:t>
-            </a:r>
-            <a:endParaRPr lang="en-GB" sz="3200" dirty="0"/>
-          </a:p>
-          <a:p>
-            <a:r>
-              <a:rPr lang="en-GB" sz="3200" dirty="0"/>
-              <a:t>4) age/failure</a:t>
-            </a:r>
-          </a:p>
-          <a:p>
-            <a:endParaRPr lang="en-GB" sz="3200" dirty="0"/>
-          </a:p>
-          <a:p>
-            <a:r>
-              <a:rPr lang="en-GB" sz="3200" dirty="0"/>
-              <a:t>This shows that failure is a candidate for removal. </a:t>
-            </a:r>
-            <a:endParaRPr lang="en-US" sz="3200" dirty="0"/>
+              <a:rPr lang="en-GB" sz="2400" dirty="0"/>
+              <a:t>Median score is over 10 which is a pass mark while there are 2 outliers.</a:t>
+            </a:r>
+          </a:p>
+          <a:p>
+            <a:endParaRPr lang="en-GB" sz="2400" dirty="0"/>
+          </a:p>
+          <a:p>
+            <a:r>
+              <a:rPr lang="en-GB" sz="2400" dirty="0"/>
+              <a:t>Would be interesting to understand why there is a student has a zero score while it looks like the average minimum score is 5.  </a:t>
+            </a:r>
+          </a:p>
+          <a:p>
+            <a:endParaRPr lang="en-GB" sz="2400" dirty="0"/>
+          </a:p>
+          <a:p>
+            <a:r>
+              <a:rPr lang="en-GB" sz="2400" dirty="0"/>
+              <a:t>Is 5 the minimum score for just showing up for an exam?</a:t>
+            </a:r>
+            <a:endParaRPr lang="en-US" sz="2400" dirty="0"/>
           </a:p>
         </p:txBody>
       </p:sp>
     </p:spTree>
     <p:extLst>
       <p:ext uri="{BB962C8B-B14F-4D97-AF65-F5344CB8AC3E}">
-        <p14:creationId xmlns:p14="http://schemas.microsoft.com/office/powerpoint/2010/main" val="2269964818"/>
+        <p14:creationId xmlns:p14="http://schemas.microsoft.com/office/powerpoint/2010/main" val="1852699665"/>
       </p:ext>
     </p:extLst>
   </p:cSld>
@@ -14632,14 +9531,14 @@
           <a:p>
             <a:r>
               <a:rPr lang="en-US" dirty="0"/>
-              <a:t>Exploring Final Score (G3)</a:t>
+              <a:t>Age</a:t>
             </a:r>
           </a:p>
         </p:txBody>
       </p:sp>
       <p:pic>
         <p:nvPicPr>
-          <p:cNvPr id="4" name="Content Placeholder 3"/>
+          <p:cNvPr id="5" name="Content Placeholder 4"/>
           <p:cNvPicPr>
             <a:picLocks noGrp="1" noChangeAspect="1"/>
           </p:cNvPicPr>
@@ -14661,8 +9560,8 @@
         </p:blipFill>
         <p:spPr>
           <a:xfrm>
-            <a:off x="8054333" y="2075687"/>
-            <a:ext cx="3887412" cy="3383281"/>
+            <a:off x="6504238" y="1699510"/>
+            <a:ext cx="5269532" cy="4457700"/>
           </a:xfrm>
         </p:spPr>
       </p:pic>
@@ -14674,8 +9573,8 @@
         </p:nvSpPr>
         <p:spPr>
           <a:xfrm>
-            <a:off x="905257" y="2075687"/>
-            <a:ext cx="6291072" cy="3416320"/>
+            <a:off x="494675" y="1699510"/>
+            <a:ext cx="5478905" cy="4524315"/>
           </a:xfrm>
           <a:prstGeom prst="rect">
             <a:avLst/>
@@ -14690,7 +9589,7 @@
           <a:p>
             <a:r>
               <a:rPr lang="en-GB" sz="2400" dirty="0"/>
-              <a:t>Median score is over 10 which is a pass mark while there are 2 outliers.</a:t>
+              <a:t>The average final score and spread are relatively constant across the different ages between 15-19</a:t>
             </a:r>
           </a:p>
           <a:p>
@@ -14699,7 +9598,7 @@
           <a:p>
             <a:r>
               <a:rPr lang="en-GB" sz="2400" dirty="0"/>
-              <a:t>Would be interesting to understand why there is a student has a zero score while it looks like the average minimum score is 5.  </a:t>
+              <a:t>The spread of scores of students who are 19 were smaller than average and from 19 years, there was a slight decline in average final scores. </a:t>
             </a:r>
           </a:p>
           <a:p>
@@ -14708,7 +9607,19 @@
           <a:p>
             <a:r>
               <a:rPr lang="en-GB" sz="2400" dirty="0"/>
-              <a:t>Is 5 the minimum score for just showing up for an exam?</a:t>
+              <a:t>This could be due to other factors related to age </a:t>
+            </a:r>
+            <a:r>
+              <a:rPr lang="en-GB" sz="2400" dirty="0" err="1"/>
+              <a:t>eg</a:t>
+            </a:r>
+            <a:r>
+              <a:rPr lang="en-GB" sz="2400" dirty="0"/>
+              <a:t> romantic relationships, alcohol </a:t>
+            </a:r>
+            <a:r>
+              <a:rPr lang="en-GB" sz="2400" dirty="0" err="1"/>
+              <a:t>etc</a:t>
             </a:r>
             <a:endParaRPr lang="en-US" sz="2400" dirty="0"/>
           </a:p>
@@ -14717,7 +9628,7 @@
     </p:spTree>
     <p:extLst>
       <p:ext uri="{BB962C8B-B14F-4D97-AF65-F5344CB8AC3E}">
-        <p14:creationId xmlns:p14="http://schemas.microsoft.com/office/powerpoint/2010/main" val="1852699665"/>
+        <p14:creationId xmlns:p14="http://schemas.microsoft.com/office/powerpoint/2010/main" val="4182945389"/>
       </p:ext>
     </p:extLst>
   </p:cSld>
@@ -14773,159 +9684,6 @@
           <a:p>
             <a:r>
               <a:rPr lang="en-US" dirty="0"/>
-              <a:t>Age</a:t>
-            </a:r>
-          </a:p>
-        </p:txBody>
-      </p:sp>
-      <p:pic>
-        <p:nvPicPr>
-          <p:cNvPr id="5" name="Content Placeholder 4"/>
-          <p:cNvPicPr>
-            <a:picLocks noGrp="1" noChangeAspect="1"/>
-          </p:cNvPicPr>
-          <p:nvPr>
-            <p:ph idx="1"/>
-          </p:nvPr>
-        </p:nvPicPr>
-        <p:blipFill>
-          <a:blip r:embed="rId3">
-            <a:extLst>
-              <a:ext uri="{28A0092B-C50C-407E-A947-70E740481C1C}">
-                <a14:useLocalDpi xmlns:a14="http://schemas.microsoft.com/office/drawing/2010/main" val="0"/>
-              </a:ext>
-            </a:extLst>
-          </a:blip>
-          <a:stretch>
-            <a:fillRect/>
-          </a:stretch>
-        </p:blipFill>
-        <p:spPr>
-          <a:xfrm>
-            <a:off x="6504238" y="1699510"/>
-            <a:ext cx="5269532" cy="4457700"/>
-          </a:xfrm>
-        </p:spPr>
-      </p:pic>
-      <p:sp>
-        <p:nvSpPr>
-          <p:cNvPr id="3" name="TextBox 2"/>
-          <p:cNvSpPr txBox="1"/>
-          <p:nvPr/>
-        </p:nvSpPr>
-        <p:spPr>
-          <a:xfrm>
-            <a:off x="494675" y="1699510"/>
-            <a:ext cx="5478905" cy="4524315"/>
-          </a:xfrm>
-          <a:prstGeom prst="rect">
-            <a:avLst/>
-          </a:prstGeom>
-          <a:noFill/>
-        </p:spPr>
-        <p:txBody>
-          <a:bodyPr wrap="square" rtlCol="0">
-            <a:spAutoFit/>
-          </a:bodyPr>
-          <a:lstStyle/>
-          <a:p>
-            <a:r>
-              <a:rPr lang="en-GB" sz="2400" dirty="0"/>
-              <a:t>The average final score and spread are relatively constant across the different ages between 15-19</a:t>
-            </a:r>
-          </a:p>
-          <a:p>
-            <a:endParaRPr lang="en-GB" sz="2400" dirty="0"/>
-          </a:p>
-          <a:p>
-            <a:r>
-              <a:rPr lang="en-GB" sz="2400" dirty="0"/>
-              <a:t>The spread of scores of students who are 19 were smaller than average and from 19 years, there was a slight decline in average final scores. </a:t>
-            </a:r>
-          </a:p>
-          <a:p>
-            <a:endParaRPr lang="en-GB" sz="2400" dirty="0"/>
-          </a:p>
-          <a:p>
-            <a:r>
-              <a:rPr lang="en-GB" sz="2400" dirty="0"/>
-              <a:t>This could be due to other factors related to age </a:t>
-            </a:r>
-            <a:r>
-              <a:rPr lang="en-GB" sz="2400" dirty="0" err="1"/>
-              <a:t>eg</a:t>
-            </a:r>
-            <a:r>
-              <a:rPr lang="en-GB" sz="2400" dirty="0"/>
-              <a:t> romantic relationships, alcohol </a:t>
-            </a:r>
-            <a:r>
-              <a:rPr lang="en-GB" sz="2400" dirty="0" err="1"/>
-              <a:t>etc</a:t>
-            </a:r>
-            <a:endParaRPr lang="en-US" sz="2400" dirty="0"/>
-          </a:p>
-        </p:txBody>
-      </p:sp>
-    </p:spTree>
-    <p:extLst>
-      <p:ext uri="{BB962C8B-B14F-4D97-AF65-F5344CB8AC3E}">
-        <p14:creationId xmlns:p14="http://schemas.microsoft.com/office/powerpoint/2010/main" val="4182945389"/>
-      </p:ext>
-    </p:extLst>
-  </p:cSld>
-  <p:clrMapOvr>
-    <a:masterClrMapping/>
-  </p:clrMapOvr>
-  <mc:AlternateContent xmlns:mc="http://schemas.openxmlformats.org/markup-compatibility/2006" xmlns:p14="http://schemas.microsoft.com/office/powerpoint/2010/main">
-    <mc:Choice Requires="p14">
-      <p:transition spd="med" p14:dur="700">
-        <p:fade/>
-      </p:transition>
-    </mc:Choice>
-    <mc:Fallback xmlns="">
-      <p:transition spd="med">
-        <p:fade/>
-      </p:transition>
-    </mc:Fallback>
-  </mc:AlternateContent>
-</p:sld>
-</file>
-
-<file path=ppt/slides/slide13.xml><?xml version="1.0" encoding="utf-8"?>
-<p:sld xmlns:a="http://schemas.openxmlformats.org/drawingml/2006/main" xmlns:r="http://schemas.openxmlformats.org/officeDocument/2006/relationships" xmlns:p="http://schemas.openxmlformats.org/presentationml/2006/main">
-  <p:cSld>
-    <p:spTree>
-      <p:nvGrpSpPr>
-        <p:cNvPr id="1" name=""/>
-        <p:cNvGrpSpPr/>
-        <p:nvPr/>
-      </p:nvGrpSpPr>
-      <p:grpSpPr>
-        <a:xfrm>
-          <a:off x="0" y="0"/>
-          <a:ext cx="0" cy="0"/>
-          <a:chOff x="0" y="0"/>
-          <a:chExt cx="0" cy="0"/>
-        </a:xfrm>
-      </p:grpSpPr>
-      <p:sp>
-        <p:nvSpPr>
-          <p:cNvPr id="2" name="Title 1"/>
-          <p:cNvSpPr>
-            <a:spLocks noGrp="1"/>
-          </p:cNvSpPr>
-          <p:nvPr>
-            <p:ph type="title"/>
-          </p:nvPr>
-        </p:nvSpPr>
-        <p:spPr/>
-        <p:txBody>
-          <a:bodyPr/>
-          <a:lstStyle/>
-          <a:p>
-            <a:r>
-              <a:rPr lang="en-US" dirty="0"/>
               <a:t>Weekly Alcohol Consumption and Final Grades</a:t>
             </a:r>
           </a:p>
@@ -15015,7 +9773,7 @@
 </p:sld>
 </file>
 
-<file path=ppt/slides/slide14.xml><?xml version="1.0" encoding="utf-8"?>
+<file path=ppt/slides/slide13.xml><?xml version="1.0" encoding="utf-8"?>
 <p:sld xmlns:a="http://schemas.openxmlformats.org/drawingml/2006/main" xmlns:r="http://schemas.openxmlformats.org/officeDocument/2006/relationships" xmlns:p="http://schemas.openxmlformats.org/presentationml/2006/main">
   <p:cSld>
     <p:spTree>
@@ -15166,7 +9924,7 @@
 </p:sld>
 </file>
 
-<file path=ppt/slides/slide15.xml><?xml version="1.0" encoding="utf-8"?>
+<file path=ppt/slides/slide14.xml><?xml version="1.0" encoding="utf-8"?>
 <p:sld xmlns:a="http://schemas.openxmlformats.org/drawingml/2006/main" xmlns:r="http://schemas.openxmlformats.org/officeDocument/2006/relationships" xmlns:p="http://schemas.openxmlformats.org/presentationml/2006/main">
   <p:cSld>
     <p:spTree>
@@ -15293,7 +10051,7 @@
 </p:sld>
 </file>
 
-<file path=ppt/slides/slide16.xml><?xml version="1.0" encoding="utf-8"?>
+<file path=ppt/slides/slide15.xml><?xml version="1.0" encoding="utf-8"?>
 <p:sld xmlns:a="http://schemas.openxmlformats.org/drawingml/2006/main" xmlns:r="http://schemas.openxmlformats.org/officeDocument/2006/relationships" xmlns:p="http://schemas.openxmlformats.org/presentationml/2006/main">
   <p:cSld>
     <p:spTree>
@@ -15434,7 +10192,7 @@
 </p:sld>
 </file>
 
-<file path=ppt/slides/slide17.xml><?xml version="1.0" encoding="utf-8"?>
+<file path=ppt/slides/slide16.xml><?xml version="1.0" encoding="utf-8"?>
 <p:sld xmlns:a="http://schemas.openxmlformats.org/drawingml/2006/main" xmlns:r="http://schemas.openxmlformats.org/officeDocument/2006/relationships" xmlns:p="http://schemas.openxmlformats.org/presentationml/2006/main">
   <p:cSld>
     <p:spTree>
@@ -15575,7 +10333,7 @@
 </p:sld>
 </file>
 
-<file path=ppt/slides/slide18.xml><?xml version="1.0" encoding="utf-8"?>
+<file path=ppt/slides/slide17.xml><?xml version="1.0" encoding="utf-8"?>
 <p:sld xmlns:a="http://schemas.openxmlformats.org/drawingml/2006/main" xmlns:r="http://schemas.openxmlformats.org/officeDocument/2006/relationships" xmlns:p="http://schemas.openxmlformats.org/presentationml/2006/main">
   <p:cSld>
     <p:spTree>
@@ -15868,7 +10626,7 @@
 </p:sld>
 </file>
 
-<file path=ppt/slides/slide19.xml><?xml version="1.0" encoding="utf-8"?>
+<file path=ppt/slides/slide18.xml><?xml version="1.0" encoding="utf-8"?>
 <p:sld xmlns:a="http://schemas.openxmlformats.org/drawingml/2006/main" xmlns:r="http://schemas.openxmlformats.org/officeDocument/2006/relationships" xmlns:p="http://schemas.openxmlformats.org/presentationml/2006/main">
   <p:cSld>
     <p:spTree>
@@ -15942,7 +10700,7 @@
         <p:spPr>
           <a:xfrm>
             <a:off x="299803" y="1655023"/>
-            <a:ext cx="4542020" cy="2308324"/>
+            <a:ext cx="4542020" cy="3046988"/>
           </a:xfrm>
           <a:prstGeom prst="rect">
             <a:avLst/>
@@ -15957,16 +10715,19 @@
           <a:p>
             <a:r>
               <a:rPr lang="en-GB" sz="2400" dirty="0"/>
-              <a:t>Tested GLM, GBM, RF, GLMNET, KNN models without tuning and the metric was ROC.</a:t>
+              <a:t>Tested GLM, GBM, RF, GLMNET, KNN models without tuning and the accuracy metric was ROC.</a:t>
             </a:r>
           </a:p>
           <a:p>
             <a:endParaRPr lang="en-GB" sz="2400" dirty="0"/>
           </a:p>
           <a:p>
+            <a:endParaRPr lang="en-GB" sz="2400" dirty="0"/>
+          </a:p>
+          <a:p>
             <a:r>
               <a:rPr lang="en-GB" sz="2400" dirty="0"/>
-              <a:t>GBM had the highest ROC accuracy of 0.7399</a:t>
+              <a:t>GBM had the highest ROC accuracy of 0.7396</a:t>
             </a:r>
             <a:endParaRPr lang="en-US" sz="2400" dirty="0"/>
           </a:p>
@@ -15974,22 +10735,58 @@
       </p:sp>
       <p:pic>
         <p:nvPicPr>
-          <p:cNvPr id="5" name="Picture 4"/>
+          <p:cNvPr id="6" name="Picture 5"/>
           <p:cNvPicPr>
             <a:picLocks noChangeAspect="1"/>
           </p:cNvPicPr>
           <p:nvPr/>
         </p:nvPicPr>
         <p:blipFill>
-          <a:blip r:embed="rId3"/>
+          <a:blip r:embed="rId3">
+            <a:extLst>
+              <a:ext uri="{28A0092B-C50C-407E-A947-70E740481C1C}">
+                <a14:useLocalDpi xmlns:a14="http://schemas.microsoft.com/office/drawing/2010/main" val="0"/>
+              </a:ext>
+            </a:extLst>
+          </a:blip>
           <a:stretch>
             <a:fillRect/>
           </a:stretch>
         </p:blipFill>
         <p:spPr>
           <a:xfrm>
-            <a:off x="4762186" y="1655023"/>
-            <a:ext cx="7373756" cy="3374973"/>
+            <a:off x="5055719" y="1753432"/>
+            <a:ext cx="7049245" cy="2672263"/>
+          </a:xfrm>
+          <a:prstGeom prst="rect">
+            <a:avLst/>
+          </a:prstGeom>
+        </p:spPr>
+      </p:pic>
+      <p:pic>
+        <p:nvPicPr>
+          <p:cNvPr id="7" name="Picture 6"/>
+          <p:cNvPicPr>
+            <a:picLocks noChangeAspect="1"/>
+          </p:cNvPicPr>
+          <p:nvPr/>
+        </p:nvPicPr>
+        <p:blipFill>
+          <a:blip r:embed="rId4">
+            <a:extLst>
+              <a:ext uri="{28A0092B-C50C-407E-A947-70E740481C1C}">
+                <a14:useLocalDpi xmlns:a14="http://schemas.microsoft.com/office/drawing/2010/main" val="0"/>
+              </a:ext>
+            </a:extLst>
+          </a:blip>
+          <a:stretch>
+            <a:fillRect/>
+          </a:stretch>
+        </p:blipFill>
+        <p:spPr>
+          <a:xfrm>
+            <a:off x="5055719" y="4783580"/>
+            <a:ext cx="3925035" cy="867411"/>
           </a:xfrm>
           <a:prstGeom prst="rect">
             <a:avLst/>
@@ -16021,129 +10818,7 @@
 </p:sld>
 </file>
 
-<file path=ppt/slides/slide2.xml><?xml version="1.0" encoding="utf-8"?>
-<p:sld xmlns:a="http://schemas.openxmlformats.org/drawingml/2006/main" xmlns:r="http://schemas.openxmlformats.org/officeDocument/2006/relationships" xmlns:p="http://schemas.openxmlformats.org/presentationml/2006/main">
-  <p:cSld>
-    <p:spTree>
-      <p:nvGrpSpPr>
-        <p:cNvPr id="1" name=""/>
-        <p:cNvGrpSpPr/>
-        <p:nvPr/>
-      </p:nvGrpSpPr>
-      <p:grpSpPr>
-        <a:xfrm>
-          <a:off x="0" y="0"/>
-          <a:ext cx="0" cy="0"/>
-          <a:chOff x="0" y="0"/>
-          <a:chExt cx="0" cy="0"/>
-        </a:xfrm>
-      </p:grpSpPr>
-      <p:sp>
-        <p:nvSpPr>
-          <p:cNvPr id="2" name="Title 1"/>
-          <p:cNvSpPr>
-            <a:spLocks noGrp="1"/>
-          </p:cNvSpPr>
-          <p:nvPr>
-            <p:ph type="title"/>
-          </p:nvPr>
-        </p:nvSpPr>
-        <p:spPr>
-          <a:xfrm>
-            <a:off x="603250" y="685800"/>
-            <a:ext cx="10972800" cy="4413018"/>
-          </a:xfrm>
-        </p:spPr>
-        <p:txBody>
-          <a:bodyPr anchor="t">
-            <a:normAutofit/>
-          </a:bodyPr>
-          <a:lstStyle/>
-          <a:p>
-            <a:br>
-              <a:rPr lang="en-US" sz="2800" dirty="0"/>
-            </a:br>
-            <a:br>
-              <a:rPr lang="en-US" sz="2800" dirty="0"/>
-            </a:br>
-            <a:r>
-              <a:rPr lang="en-US" sz="2800" dirty="0"/>
-              <a:t>The Project is to determine the correlation (if any) between alcohol consumption by students and their grades in 2 Portuguese Secondary Schools. </a:t>
-            </a:r>
-            <a:br>
-              <a:rPr lang="en-US" sz="2800" dirty="0"/>
-            </a:br>
-            <a:br>
-              <a:rPr lang="en-US" sz="2800" dirty="0"/>
-            </a:br>
-            <a:r>
-              <a:rPr lang="en-US" sz="2800" dirty="0"/>
-              <a:t>We will also be looking at the importance/relevance of other variables in determining passing grades in this dataset based on the best performing model.</a:t>
-            </a:r>
-          </a:p>
-        </p:txBody>
-      </p:sp>
-      <p:sp>
-        <p:nvSpPr>
-          <p:cNvPr id="3" name="Text Placeholder 2"/>
-          <p:cNvSpPr>
-            <a:spLocks noGrp="1"/>
-          </p:cNvSpPr>
-          <p:nvPr>
-            <p:ph type="body" idx="1"/>
-          </p:nvPr>
-        </p:nvSpPr>
-        <p:spPr/>
-        <p:txBody>
-          <a:bodyPr/>
-          <a:lstStyle/>
-          <a:p>
-            <a:r>
-              <a:rPr lang="en-GB" dirty="0">
-                <a:solidFill>
-                  <a:schemeClr val="tx1">
-                    <a:lumMod val="95000"/>
-                  </a:schemeClr>
-                </a:solidFill>
-              </a:rPr>
-              <a:t>Project Overview</a:t>
-            </a:r>
-            <a:endParaRPr lang="en-US" dirty="0">
-              <a:solidFill>
-                <a:schemeClr val="tx1">
-                  <a:lumMod val="95000"/>
-                </a:schemeClr>
-              </a:solidFill>
-            </a:endParaRPr>
-          </a:p>
-        </p:txBody>
-      </p:sp>
-    </p:spTree>
-    <p:extLst>
-      <p:ext uri="{BB962C8B-B14F-4D97-AF65-F5344CB8AC3E}">
-        <p14:creationId xmlns:p14="http://schemas.microsoft.com/office/powerpoint/2010/main" val="2301054955"/>
-      </p:ext>
-    </p:extLst>
-  </p:cSld>
-  <p:clrMapOvr>
-    <a:masterClrMapping/>
-  </p:clrMapOvr>
-  <mc:AlternateContent xmlns:mc="http://schemas.openxmlformats.org/markup-compatibility/2006" xmlns:p14="http://schemas.microsoft.com/office/powerpoint/2010/main">
-    <mc:Choice Requires="p14">
-      <p:transition spd="med" p14:dur="700">
-        <p:fade/>
-      </p:transition>
-    </mc:Choice>
-    <mc:Fallback xmlns="">
-      <p:transition spd="med">
-        <p:fade/>
-      </p:transition>
-    </mc:Fallback>
-  </mc:AlternateContent>
-</p:sld>
-</file>
-
-<file path=ppt/slides/slide20.xml><?xml version="1.0" encoding="utf-8"?>
+<file path=ppt/slides/slide19.xml><?xml version="1.0" encoding="utf-8"?>
 <p:sld xmlns:a="http://schemas.openxmlformats.org/drawingml/2006/main" xmlns:r="http://schemas.openxmlformats.org/officeDocument/2006/relationships" xmlns:p="http://schemas.openxmlformats.org/presentationml/2006/main">
   <p:cSld>
     <p:spTree>
@@ -16371,6 +11046,356 @@
 </p:sld>
 </file>
 
+<file path=ppt/slides/slide2.xml><?xml version="1.0" encoding="utf-8"?>
+<p:sld xmlns:a="http://schemas.openxmlformats.org/drawingml/2006/main" xmlns:r="http://schemas.openxmlformats.org/officeDocument/2006/relationships" xmlns:p="http://schemas.openxmlformats.org/presentationml/2006/main">
+  <p:cSld>
+    <p:spTree>
+      <p:nvGrpSpPr>
+        <p:cNvPr id="1" name=""/>
+        <p:cNvGrpSpPr/>
+        <p:nvPr/>
+      </p:nvGrpSpPr>
+      <p:grpSpPr>
+        <a:xfrm>
+          <a:off x="0" y="0"/>
+          <a:ext cx="0" cy="0"/>
+          <a:chOff x="0" y="0"/>
+          <a:chExt cx="0" cy="0"/>
+        </a:xfrm>
+      </p:grpSpPr>
+      <p:sp>
+        <p:nvSpPr>
+          <p:cNvPr id="2" name="Title 1"/>
+          <p:cNvSpPr>
+            <a:spLocks noGrp="1"/>
+          </p:cNvSpPr>
+          <p:nvPr>
+            <p:ph type="title"/>
+          </p:nvPr>
+        </p:nvSpPr>
+        <p:spPr>
+          <a:xfrm>
+            <a:off x="603250" y="685800"/>
+            <a:ext cx="10972800" cy="4413018"/>
+          </a:xfrm>
+        </p:spPr>
+        <p:txBody>
+          <a:bodyPr anchor="t">
+            <a:normAutofit/>
+          </a:bodyPr>
+          <a:lstStyle/>
+          <a:p>
+            <a:br>
+              <a:rPr lang="en-US" sz="2800" dirty="0"/>
+            </a:br>
+            <a:br>
+              <a:rPr lang="en-US" sz="2800" dirty="0"/>
+            </a:br>
+            <a:r>
+              <a:rPr lang="en-US" sz="2800" dirty="0"/>
+              <a:t>The Project is to determine the correlation (if any) between alcohol consumption by students and their grades in 2 Portuguese Secondary Schools. </a:t>
+            </a:r>
+            <a:br>
+              <a:rPr lang="en-US" sz="2800" dirty="0"/>
+            </a:br>
+            <a:br>
+              <a:rPr lang="en-US" sz="2800" dirty="0"/>
+            </a:br>
+            <a:r>
+              <a:rPr lang="en-US" sz="2800" dirty="0"/>
+              <a:t>We will also be looking at the importance/relevance of other variables in determining passing grades in this dataset based on the best performing model.</a:t>
+            </a:r>
+          </a:p>
+        </p:txBody>
+      </p:sp>
+      <p:sp>
+        <p:nvSpPr>
+          <p:cNvPr id="3" name="Text Placeholder 2"/>
+          <p:cNvSpPr>
+            <a:spLocks noGrp="1"/>
+          </p:cNvSpPr>
+          <p:nvPr>
+            <p:ph type="body" idx="1"/>
+          </p:nvPr>
+        </p:nvSpPr>
+        <p:spPr/>
+        <p:txBody>
+          <a:bodyPr/>
+          <a:lstStyle/>
+          <a:p>
+            <a:r>
+              <a:rPr lang="en-GB" dirty="0">
+                <a:solidFill>
+                  <a:schemeClr val="tx1">
+                    <a:lumMod val="95000"/>
+                  </a:schemeClr>
+                </a:solidFill>
+              </a:rPr>
+              <a:t>Project Overview</a:t>
+            </a:r>
+            <a:endParaRPr lang="en-US" dirty="0">
+              <a:solidFill>
+                <a:schemeClr val="tx1">
+                  <a:lumMod val="95000"/>
+                </a:schemeClr>
+              </a:solidFill>
+            </a:endParaRPr>
+          </a:p>
+        </p:txBody>
+      </p:sp>
+    </p:spTree>
+    <p:extLst>
+      <p:ext uri="{BB962C8B-B14F-4D97-AF65-F5344CB8AC3E}">
+        <p14:creationId xmlns:p14="http://schemas.microsoft.com/office/powerpoint/2010/main" val="2301054955"/>
+      </p:ext>
+    </p:extLst>
+  </p:cSld>
+  <p:clrMapOvr>
+    <a:masterClrMapping/>
+  </p:clrMapOvr>
+  <mc:AlternateContent xmlns:mc="http://schemas.openxmlformats.org/markup-compatibility/2006" xmlns:p14="http://schemas.microsoft.com/office/powerpoint/2010/main">
+    <mc:Choice Requires="p14">
+      <p:transition spd="med" p14:dur="700">
+        <p:fade/>
+      </p:transition>
+    </mc:Choice>
+    <mc:Fallback xmlns="">
+      <p:transition spd="med">
+        <p:fade/>
+      </p:transition>
+    </mc:Fallback>
+  </mc:AlternateContent>
+</p:sld>
+</file>
+
+<file path=ppt/slides/slide20.xml><?xml version="1.0" encoding="utf-8"?>
+<p:sld xmlns:a="http://schemas.openxmlformats.org/drawingml/2006/main" xmlns:r="http://schemas.openxmlformats.org/officeDocument/2006/relationships" xmlns:p="http://schemas.openxmlformats.org/presentationml/2006/main">
+  <p:cSld>
+    <p:spTree>
+      <p:nvGrpSpPr>
+        <p:cNvPr id="1" name=""/>
+        <p:cNvGrpSpPr/>
+        <p:nvPr/>
+      </p:nvGrpSpPr>
+      <p:grpSpPr>
+        <a:xfrm>
+          <a:off x="0" y="0"/>
+          <a:ext cx="0" cy="0"/>
+          <a:chOff x="0" y="0"/>
+          <a:chExt cx="0" cy="0"/>
+        </a:xfrm>
+      </p:grpSpPr>
+      <p:sp>
+        <p:nvSpPr>
+          <p:cNvPr id="2" name="Title 1"/>
+          <p:cNvSpPr>
+            <a:spLocks noGrp="1"/>
+          </p:cNvSpPr>
+          <p:nvPr>
+            <p:ph type="title"/>
+          </p:nvPr>
+        </p:nvSpPr>
+        <p:spPr/>
+        <p:txBody>
+          <a:bodyPr/>
+          <a:lstStyle/>
+          <a:p>
+            <a:r>
+              <a:rPr lang="en-GB" dirty="0"/>
+              <a:t>RF Variable Importance (descending)</a:t>
+            </a:r>
+            <a:endParaRPr lang="en-US" dirty="0"/>
+          </a:p>
+        </p:txBody>
+      </p:sp>
+      <p:sp>
+        <p:nvSpPr>
+          <p:cNvPr id="4" name="TextBox 3"/>
+          <p:cNvSpPr txBox="1"/>
+          <p:nvPr/>
+        </p:nvSpPr>
+        <p:spPr>
+          <a:xfrm>
+            <a:off x="1416570" y="5074170"/>
+            <a:ext cx="184731" cy="369332"/>
+          </a:xfrm>
+          <a:prstGeom prst="rect">
+            <a:avLst/>
+          </a:prstGeom>
+          <a:noFill/>
+        </p:spPr>
+        <p:txBody>
+          <a:bodyPr wrap="none" rtlCol="0">
+            <a:spAutoFit/>
+          </a:bodyPr>
+          <a:lstStyle/>
+          <a:p>
+            <a:endParaRPr lang="en-US" dirty="0"/>
+          </a:p>
+        </p:txBody>
+      </p:sp>
+      <p:sp>
+        <p:nvSpPr>
+          <p:cNvPr id="10" name="TextBox 9"/>
+          <p:cNvSpPr txBox="1"/>
+          <p:nvPr/>
+        </p:nvSpPr>
+        <p:spPr>
+          <a:xfrm>
+            <a:off x="344774" y="1978702"/>
+            <a:ext cx="4804347" cy="3046988"/>
+          </a:xfrm>
+          <a:prstGeom prst="rect">
+            <a:avLst/>
+          </a:prstGeom>
+          <a:noFill/>
+        </p:spPr>
+        <p:txBody>
+          <a:bodyPr wrap="square" rtlCol="0">
+            <a:spAutoFit/>
+          </a:bodyPr>
+          <a:lstStyle/>
+          <a:p>
+            <a:pPr marL="285750" indent="-285750">
+              <a:buFont typeface="Arial" panose="020B0604020202020204" pitchFamily="34" charset="0"/>
+              <a:buChar char="•"/>
+            </a:pPr>
+            <a:r>
+              <a:rPr lang="en-GB" sz="2400" dirty="0"/>
+              <a:t>Failures</a:t>
+            </a:r>
+          </a:p>
+          <a:p>
+            <a:pPr marL="285750" indent="-285750">
+              <a:buFont typeface="Arial" panose="020B0604020202020204" pitchFamily="34" charset="0"/>
+              <a:buChar char="•"/>
+            </a:pPr>
+            <a:r>
+              <a:rPr lang="en-GB" sz="2400" dirty="0"/>
+              <a:t>absences</a:t>
+            </a:r>
+          </a:p>
+          <a:p>
+            <a:pPr marL="285750" indent="-285750">
+              <a:buFont typeface="Arial" panose="020B0604020202020204" pitchFamily="34" charset="0"/>
+              <a:buChar char="•"/>
+            </a:pPr>
+            <a:r>
+              <a:rPr lang="en-GB" sz="2400" dirty="0"/>
+              <a:t>age</a:t>
+            </a:r>
+          </a:p>
+          <a:p>
+            <a:pPr marL="285750" indent="-285750">
+              <a:buFont typeface="Arial" panose="020B0604020202020204" pitchFamily="34" charset="0"/>
+              <a:buChar char="•"/>
+            </a:pPr>
+            <a:r>
+              <a:rPr lang="en-GB" sz="2400" dirty="0"/>
+              <a:t>health</a:t>
+            </a:r>
+          </a:p>
+          <a:p>
+            <a:pPr marL="285750" indent="-285750">
+              <a:buFont typeface="Arial" panose="020B0604020202020204" pitchFamily="34" charset="0"/>
+              <a:buChar char="•"/>
+            </a:pPr>
+            <a:r>
+              <a:rPr lang="en-GB" sz="2400" dirty="0" err="1"/>
+              <a:t>Walc</a:t>
+            </a:r>
+            <a:endParaRPr lang="en-GB" sz="2400" dirty="0"/>
+          </a:p>
+          <a:p>
+            <a:pPr marL="285750" indent="-285750">
+              <a:buFont typeface="Arial" panose="020B0604020202020204" pitchFamily="34" charset="0"/>
+              <a:buChar char="•"/>
+            </a:pPr>
+            <a:r>
+              <a:rPr lang="en-GB" sz="2400" dirty="0" err="1"/>
+              <a:t>freetime</a:t>
+            </a:r>
+            <a:endParaRPr lang="en-GB" sz="2400" dirty="0"/>
+          </a:p>
+          <a:p>
+            <a:pPr marL="285750" indent="-285750">
+              <a:buFont typeface="Arial" panose="020B0604020202020204" pitchFamily="34" charset="0"/>
+              <a:buChar char="•"/>
+            </a:pPr>
+            <a:r>
+              <a:rPr lang="en-GB" sz="2400" dirty="0" err="1"/>
+              <a:t>Dalc</a:t>
+            </a:r>
+            <a:endParaRPr lang="en-GB" sz="2400" dirty="0"/>
+          </a:p>
+          <a:p>
+            <a:pPr marL="285750" indent="-285750">
+              <a:buFont typeface="Arial" panose="020B0604020202020204" pitchFamily="34" charset="0"/>
+              <a:buChar char="•"/>
+            </a:pPr>
+            <a:r>
+              <a:rPr lang="en-GB" sz="2400" dirty="0" err="1"/>
+              <a:t>paid.Y</a:t>
+            </a:r>
+            <a:endParaRPr lang="en-US" sz="2400" dirty="0"/>
+          </a:p>
+        </p:txBody>
+      </p:sp>
+      <p:pic>
+        <p:nvPicPr>
+          <p:cNvPr id="7" name="Picture 6"/>
+          <p:cNvPicPr>
+            <a:picLocks noChangeAspect="1"/>
+          </p:cNvPicPr>
+          <p:nvPr/>
+        </p:nvPicPr>
+        <p:blipFill>
+          <a:blip r:embed="rId3">
+            <a:extLst>
+              <a:ext uri="{28A0092B-C50C-407E-A947-70E740481C1C}">
+                <a14:useLocalDpi xmlns:a14="http://schemas.microsoft.com/office/drawing/2010/main" val="0"/>
+              </a:ext>
+            </a:extLst>
+          </a:blip>
+          <a:stretch>
+            <a:fillRect/>
+          </a:stretch>
+        </p:blipFill>
+        <p:spPr>
+          <a:xfrm>
+            <a:off x="6227064" y="1553747"/>
+            <a:ext cx="5702107" cy="5154157"/>
+          </a:xfrm>
+          <a:prstGeom prst="rect">
+            <a:avLst/>
+          </a:prstGeom>
+        </p:spPr>
+      </p:pic>
+    </p:spTree>
+    <p:extLst>
+      <p:ext uri="{BB962C8B-B14F-4D97-AF65-F5344CB8AC3E}">
+        <p14:creationId xmlns:p14="http://schemas.microsoft.com/office/powerpoint/2010/main" val="4050108920"/>
+      </p:ext>
+    </p:extLst>
+  </p:cSld>
+  <p:clrMapOvr>
+    <a:masterClrMapping/>
+  </p:clrMapOvr>
+  <mc:AlternateContent xmlns:mc="http://schemas.openxmlformats.org/markup-compatibility/2006" xmlns:p14="http://schemas.microsoft.com/office/powerpoint/2010/main">
+    <mc:Choice Requires="p14">
+      <p:transition spd="med" p14:dur="700">
+        <p:fade/>
+      </p:transition>
+    </mc:Choice>
+    <mc:Fallback xmlns="">
+      <p:transition spd="med">
+        <p:fade/>
+      </p:transition>
+    </mc:Fallback>
+  </mc:AlternateContent>
+</p:sld>
+</file>
+
 <file path=ppt/slides/slide21.xml><?xml version="1.0" encoding="utf-8"?>
 <p:sld xmlns:a="http://schemas.openxmlformats.org/drawingml/2006/main" xmlns:r="http://schemas.openxmlformats.org/officeDocument/2006/relationships" xmlns:p="http://schemas.openxmlformats.org/presentationml/2006/main">
   <p:cSld>
@@ -16423,7 +11448,7 @@
         <p:spPr/>
         <p:txBody>
           <a:bodyPr>
-            <a:normAutofit fontScale="62500" lnSpcReduction="20000"/>
+            <a:normAutofit fontScale="55000" lnSpcReduction="20000"/>
           </a:bodyPr>
           <a:lstStyle/>
           <a:p>
@@ -16471,7 +11496,7 @@
           <a:p>
             <a:r>
               <a:rPr lang="en-GB" sz="3800" dirty="0"/>
-              <a:t>After sampling 5 different algorithms, GBM was the best performing model with a ROC of 0.7399 and an Area under Curve (AUC) of 0.686</a:t>
+              <a:t>After sampling 5 different algorithms, GBM was the best performing model with a ROC of 0.7399 and an Area under Curve (AUC) of 0.6957</a:t>
             </a:r>
           </a:p>
           <a:p>
@@ -16481,15 +11506,19 @@
             </a:r>
             <a:r>
               <a:rPr lang="en-GB" sz="3800" dirty="0" err="1"/>
-              <a:t>Ensembling</a:t>
+              <a:t>ensembling</a:t>
             </a:r>
             <a:r>
               <a:rPr lang="en-GB" sz="3800" dirty="0"/>
-              <a:t> or removing variables form model that don’t contribute to </a:t>
-            </a:r>
-            <a:r>
-              <a:rPr lang="en-GB" sz="3800"/>
-              <a:t>it (PCA).</a:t>
+              <a:t> or removing variables from model that </a:t>
+            </a:r>
+            <a:r>
+              <a:rPr lang="en-GB" sz="3800" dirty="0" err="1"/>
+              <a:t>doesnt</a:t>
+            </a:r>
+            <a:r>
+              <a:rPr lang="en-GB" sz="3800" dirty="0"/>
+              <a:t> contribute to it (PCA).</a:t>
             </a:r>
             <a:endParaRPr lang="en-US" sz="3800" dirty="0"/>
           </a:p>
@@ -16612,492 +11641,6 @@
 </p:sld>
 </file>
 
-<file path=ppt/slides/slide23.xml><?xml version="1.0" encoding="utf-8"?>
-<p:sld xmlns:a="http://schemas.openxmlformats.org/drawingml/2006/main" xmlns:r="http://schemas.openxmlformats.org/officeDocument/2006/relationships" xmlns:p="http://schemas.openxmlformats.org/presentationml/2006/main">
-  <p:cSld>
-    <p:spTree>
-      <p:nvGrpSpPr>
-        <p:cNvPr id="1" name=""/>
-        <p:cNvGrpSpPr/>
-        <p:nvPr/>
-      </p:nvGrpSpPr>
-      <p:grpSpPr>
-        <a:xfrm>
-          <a:off x="0" y="0"/>
-          <a:ext cx="0" cy="0"/>
-          <a:chOff x="0" y="0"/>
-          <a:chExt cx="0" cy="0"/>
-        </a:xfrm>
-      </p:grpSpPr>
-      <p:sp>
-        <p:nvSpPr>
-          <p:cNvPr id="2" name="Title 1"/>
-          <p:cNvSpPr>
-            <a:spLocks noGrp="1"/>
-          </p:cNvSpPr>
-          <p:nvPr>
-            <p:ph type="title"/>
-          </p:nvPr>
-        </p:nvSpPr>
-        <p:spPr/>
-        <p:txBody>
-          <a:bodyPr/>
-          <a:lstStyle/>
-          <a:p>
-            <a:r>
-              <a:rPr lang="en-US" dirty="0"/>
-              <a:t>Analysis</a:t>
-            </a:r>
-          </a:p>
-        </p:txBody>
-      </p:sp>
-      <p:sp>
-        <p:nvSpPr>
-          <p:cNvPr id="3" name="Text Placeholder 2"/>
-          <p:cNvSpPr>
-            <a:spLocks noGrp="1"/>
-          </p:cNvSpPr>
-          <p:nvPr>
-            <p:ph type="body" idx="1"/>
-          </p:nvPr>
-        </p:nvSpPr>
-        <p:spPr/>
-        <p:txBody>
-          <a:bodyPr/>
-          <a:lstStyle/>
-          <a:p>
-            <a:r>
-              <a:rPr lang="en-US" dirty="0">
-                <a:solidFill>
-                  <a:schemeClr val="tx1"/>
-                </a:solidFill>
-              </a:rPr>
-              <a:t>Hypothesis</a:t>
-            </a:r>
-          </a:p>
-        </p:txBody>
-      </p:sp>
-    </p:spTree>
-    <p:extLst>
-      <p:ext uri="{BB962C8B-B14F-4D97-AF65-F5344CB8AC3E}">
-        <p14:creationId xmlns:p14="http://schemas.microsoft.com/office/powerpoint/2010/main" val="232024693"/>
-      </p:ext>
-    </p:extLst>
-  </p:cSld>
-  <p:clrMapOvr>
-    <a:masterClrMapping/>
-  </p:clrMapOvr>
-  <mc:AlternateContent xmlns:mc="http://schemas.openxmlformats.org/markup-compatibility/2006" xmlns:p14="http://schemas.microsoft.com/office/powerpoint/2010/main">
-    <mc:Choice Requires="p14">
-      <p:transition spd="med" p14:dur="700">
-        <p:fade/>
-      </p:transition>
-    </mc:Choice>
-    <mc:Fallback xmlns="">
-      <p:transition spd="med">
-        <p:fade/>
-      </p:transition>
-    </mc:Fallback>
-  </mc:AlternateContent>
-</p:sld>
-</file>
-
-<file path=ppt/slides/slide24.xml><?xml version="1.0" encoding="utf-8"?>
-<p:sld xmlns:a="http://schemas.openxmlformats.org/drawingml/2006/main" xmlns:r="http://schemas.openxmlformats.org/officeDocument/2006/relationships" xmlns:p="http://schemas.openxmlformats.org/presentationml/2006/main">
-  <p:cSld>
-    <p:spTree>
-      <p:nvGrpSpPr>
-        <p:cNvPr id="1" name=""/>
-        <p:cNvGrpSpPr/>
-        <p:nvPr/>
-      </p:nvGrpSpPr>
-      <p:grpSpPr>
-        <a:xfrm>
-          <a:off x="0" y="0"/>
-          <a:ext cx="0" cy="0"/>
-          <a:chOff x="0" y="0"/>
-          <a:chExt cx="0" cy="0"/>
-        </a:xfrm>
-      </p:grpSpPr>
-      <p:sp>
-        <p:nvSpPr>
-          <p:cNvPr id="2" name="Title 1"/>
-          <p:cNvSpPr>
-            <a:spLocks noGrp="1"/>
-          </p:cNvSpPr>
-          <p:nvPr>
-            <p:ph type="title"/>
-          </p:nvPr>
-        </p:nvSpPr>
-        <p:spPr/>
-        <p:txBody>
-          <a:bodyPr/>
-          <a:lstStyle/>
-          <a:p>
-            <a:r>
-              <a:rPr lang="en-US" dirty="0"/>
-              <a:t>Analysis</a:t>
-            </a:r>
-          </a:p>
-        </p:txBody>
-      </p:sp>
-      <p:sp>
-        <p:nvSpPr>
-          <p:cNvPr id="3" name="Content Placeholder 2"/>
-          <p:cNvSpPr>
-            <a:spLocks noGrp="1"/>
-          </p:cNvSpPr>
-          <p:nvPr>
-            <p:ph idx="1"/>
-          </p:nvPr>
-        </p:nvSpPr>
-        <p:spPr/>
-        <p:txBody>
-          <a:bodyPr/>
-          <a:lstStyle/>
-          <a:p>
-            <a:r>
-              <a:rPr lang="en-US"/>
-              <a:t>First research point</a:t>
-            </a:r>
-          </a:p>
-          <a:p>
-            <a:r>
-              <a:rPr lang="en-US"/>
-              <a:t>Second research point</a:t>
-            </a:r>
-          </a:p>
-          <a:p>
-            <a:r>
-              <a:rPr lang="en-US"/>
-              <a:t>Third research point</a:t>
-            </a:r>
-            <a:endParaRPr lang="en-US" dirty="0"/>
-          </a:p>
-        </p:txBody>
-      </p:sp>
-    </p:spTree>
-    <p:extLst>
-      <p:ext uri="{BB962C8B-B14F-4D97-AF65-F5344CB8AC3E}">
-        <p14:creationId xmlns:p14="http://schemas.microsoft.com/office/powerpoint/2010/main" val="1918831607"/>
-      </p:ext>
-    </p:extLst>
-  </p:cSld>
-  <p:clrMapOvr>
-    <a:masterClrMapping/>
-  </p:clrMapOvr>
-  <mc:AlternateContent xmlns:mc="http://schemas.openxmlformats.org/markup-compatibility/2006" xmlns:p14="http://schemas.microsoft.com/office/powerpoint/2010/main">
-    <mc:Choice Requires="p14">
-      <p:transition spd="med" p14:dur="700">
-        <p:fade/>
-      </p:transition>
-    </mc:Choice>
-    <mc:Fallback xmlns="">
-      <p:transition spd="med">
-        <p:fade/>
-      </p:transition>
-    </mc:Fallback>
-  </mc:AlternateContent>
-</p:sld>
-</file>
-
-<file path=ppt/slides/slide25.xml><?xml version="1.0" encoding="utf-8"?>
-<p:sld xmlns:a="http://schemas.openxmlformats.org/drawingml/2006/main" xmlns:r="http://schemas.openxmlformats.org/officeDocument/2006/relationships" xmlns:p="http://schemas.openxmlformats.org/presentationml/2006/main">
-  <p:cSld>
-    <p:spTree>
-      <p:nvGrpSpPr>
-        <p:cNvPr id="1" name=""/>
-        <p:cNvGrpSpPr/>
-        <p:nvPr/>
-      </p:nvGrpSpPr>
-      <p:grpSpPr>
-        <a:xfrm>
-          <a:off x="0" y="0"/>
-          <a:ext cx="0" cy="0"/>
-          <a:chOff x="0" y="0"/>
-          <a:chExt cx="0" cy="0"/>
-        </a:xfrm>
-      </p:grpSpPr>
-      <p:sp>
-        <p:nvSpPr>
-          <p:cNvPr id="2" name="Title 1"/>
-          <p:cNvSpPr>
-            <a:spLocks noGrp="1"/>
-          </p:cNvSpPr>
-          <p:nvPr>
-            <p:ph type="title"/>
-          </p:nvPr>
-        </p:nvSpPr>
-        <p:spPr/>
-        <p:txBody>
-          <a:bodyPr/>
-          <a:lstStyle/>
-          <a:p>
-            <a:r>
-              <a:rPr lang="en-US" dirty="0"/>
-              <a:t>Feature Importance</a:t>
-            </a:r>
-          </a:p>
-        </p:txBody>
-      </p:sp>
-      <p:sp>
-        <p:nvSpPr>
-          <p:cNvPr id="3" name="Content Placeholder 2"/>
-          <p:cNvSpPr>
-            <a:spLocks noGrp="1"/>
-          </p:cNvSpPr>
-          <p:nvPr>
-            <p:ph idx="1"/>
-          </p:nvPr>
-        </p:nvSpPr>
-        <p:spPr/>
-        <p:txBody>
-          <a:bodyPr/>
-          <a:lstStyle/>
-          <a:p>
-            <a:r>
-              <a:rPr lang="en-US"/>
-              <a:t>First research point</a:t>
-            </a:r>
-          </a:p>
-          <a:p>
-            <a:r>
-              <a:rPr lang="en-US"/>
-              <a:t>Second research point</a:t>
-            </a:r>
-          </a:p>
-          <a:p>
-            <a:r>
-              <a:rPr lang="en-US"/>
-              <a:t>Third research point</a:t>
-            </a:r>
-            <a:endParaRPr lang="en-US" dirty="0"/>
-          </a:p>
-        </p:txBody>
-      </p:sp>
-    </p:spTree>
-    <p:extLst>
-      <p:ext uri="{BB962C8B-B14F-4D97-AF65-F5344CB8AC3E}">
-        <p14:creationId xmlns:p14="http://schemas.microsoft.com/office/powerpoint/2010/main" val="3778178739"/>
-      </p:ext>
-    </p:extLst>
-  </p:cSld>
-  <p:clrMapOvr>
-    <a:masterClrMapping/>
-  </p:clrMapOvr>
-  <mc:AlternateContent xmlns:mc="http://schemas.openxmlformats.org/markup-compatibility/2006" xmlns:p14="http://schemas.microsoft.com/office/powerpoint/2010/main">
-    <mc:Choice Requires="p14">
-      <p:transition spd="med" p14:dur="700">
-        <p:fade/>
-      </p:transition>
-    </mc:Choice>
-    <mc:Fallback xmlns="">
-      <p:transition spd="med">
-        <p:fade/>
-      </p:transition>
-    </mc:Fallback>
-  </mc:AlternateContent>
-</p:sld>
-</file>
-
-<file path=ppt/slides/slide26.xml><?xml version="1.0" encoding="utf-8"?>
-<p:sld xmlns:a="http://schemas.openxmlformats.org/drawingml/2006/main" xmlns:r="http://schemas.openxmlformats.org/officeDocument/2006/relationships" xmlns:p="http://schemas.openxmlformats.org/presentationml/2006/main" show="0">
-  <p:cSld>
-    <p:spTree>
-      <p:nvGrpSpPr>
-        <p:cNvPr id="1" name=""/>
-        <p:cNvGrpSpPr/>
-        <p:nvPr/>
-      </p:nvGrpSpPr>
-      <p:grpSpPr>
-        <a:xfrm>
-          <a:off x="0" y="0"/>
-          <a:ext cx="0" cy="0"/>
-          <a:chOff x="0" y="0"/>
-          <a:chExt cx="0" cy="0"/>
-        </a:xfrm>
-      </p:grpSpPr>
-      <p:sp>
-        <p:nvSpPr>
-          <p:cNvPr id="2" name="Title 1"/>
-          <p:cNvSpPr>
-            <a:spLocks noGrp="1"/>
-          </p:cNvSpPr>
-          <p:nvPr>
-            <p:ph type="title"/>
-          </p:nvPr>
-        </p:nvSpPr>
-        <p:spPr/>
-        <p:txBody>
-          <a:bodyPr/>
-          <a:lstStyle/>
-          <a:p>
-            <a:r>
-              <a:rPr lang="en-US" dirty="0"/>
-              <a:t>Procedure</a:t>
-            </a:r>
-          </a:p>
-        </p:txBody>
-      </p:sp>
-      <p:graphicFrame>
-        <p:nvGraphicFramePr>
-          <p:cNvPr id="4" name="Content Placeholder 2" descr="Accent process showing 4 groups arranged from left to right with task descriptions under each group"/>
-          <p:cNvGraphicFramePr>
-            <a:graphicFrameLocks noGrp="1"/>
-          </p:cNvGraphicFramePr>
-          <p:nvPr>
-            <p:ph idx="1"/>
-            <p:extLst/>
-          </p:nvPr>
-        </p:nvGraphicFramePr>
-        <p:xfrm>
-          <a:off x="1066800" y="1714500"/>
-          <a:ext cx="10058400" cy="4457700"/>
-        </p:xfrm>
-        <a:graphic>
-          <a:graphicData uri="http://schemas.openxmlformats.org/drawingml/2006/diagram">
-            <dgm:relIds xmlns:dgm="http://schemas.openxmlformats.org/drawingml/2006/diagram" xmlns:r="http://schemas.openxmlformats.org/officeDocument/2006/relationships" r:dm="rId3" r:lo="rId4" r:qs="rId5" r:cs="rId6"/>
-          </a:graphicData>
-        </a:graphic>
-      </p:graphicFrame>
-    </p:spTree>
-    <p:extLst>
-      <p:ext uri="{BB962C8B-B14F-4D97-AF65-F5344CB8AC3E}">
-        <p14:creationId xmlns:p14="http://schemas.microsoft.com/office/powerpoint/2010/main" val="1569005203"/>
-      </p:ext>
-    </p:extLst>
-  </p:cSld>
-  <p:clrMapOvr>
-    <a:masterClrMapping/>
-  </p:clrMapOvr>
-  <mc:AlternateContent xmlns:mc="http://schemas.openxmlformats.org/markup-compatibility/2006" xmlns:p14="http://schemas.microsoft.com/office/powerpoint/2010/main">
-    <mc:Choice Requires="p14">
-      <p:transition spd="med" p14:dur="700">
-        <p:fade/>
-      </p:transition>
-    </mc:Choice>
-    <mc:Fallback xmlns="">
-      <p:transition spd="med">
-        <p:fade/>
-      </p:transition>
-    </mc:Fallback>
-  </mc:AlternateContent>
-</p:sld>
-</file>
-
-<file path=ppt/slides/slide27.xml><?xml version="1.0" encoding="utf-8"?>
-<p:sld xmlns:a="http://schemas.openxmlformats.org/drawingml/2006/main" xmlns:r="http://schemas.openxmlformats.org/officeDocument/2006/relationships" xmlns:p="http://schemas.openxmlformats.org/presentationml/2006/main">
-  <p:cSld>
-    <p:spTree>
-      <p:nvGrpSpPr>
-        <p:cNvPr id="1" name=""/>
-        <p:cNvGrpSpPr/>
-        <p:nvPr/>
-      </p:nvGrpSpPr>
-      <p:grpSpPr>
-        <a:xfrm>
-          <a:off x="0" y="0"/>
-          <a:ext cx="0" cy="0"/>
-          <a:chOff x="0" y="0"/>
-          <a:chExt cx="0" cy="0"/>
-        </a:xfrm>
-      </p:grpSpPr>
-      <p:sp>
-        <p:nvSpPr>
-          <p:cNvPr id="2" name="Title 1"/>
-          <p:cNvSpPr>
-            <a:spLocks noGrp="1"/>
-          </p:cNvSpPr>
-          <p:nvPr>
-            <p:ph type="title"/>
-          </p:nvPr>
-        </p:nvSpPr>
-        <p:spPr/>
-        <p:txBody>
-          <a:bodyPr/>
-          <a:lstStyle/>
-          <a:p>
-            <a:r>
-              <a:rPr lang="en-US"/>
-              <a:t>Data/Observations</a:t>
-            </a:r>
-            <a:endParaRPr lang="en-US" dirty="0"/>
-          </a:p>
-        </p:txBody>
-      </p:sp>
-      <p:sp>
-        <p:nvSpPr>
-          <p:cNvPr id="3" name="Text Placeholder 2"/>
-          <p:cNvSpPr>
-            <a:spLocks noGrp="1"/>
-          </p:cNvSpPr>
-          <p:nvPr>
-            <p:ph type="body" sz="half" idx="2"/>
-          </p:nvPr>
-        </p:nvSpPr>
-        <p:spPr/>
-        <p:txBody>
-          <a:bodyPr/>
-          <a:lstStyle/>
-          <a:p>
-            <a:r>
-              <a:rPr lang="en-US"/>
-              <a:t>Include Observation based on the data from your experiments</a:t>
-            </a:r>
-            <a:endParaRPr lang="en-US" dirty="0"/>
-          </a:p>
-        </p:txBody>
-      </p:sp>
-      <p:graphicFrame>
-        <p:nvGraphicFramePr>
-          <p:cNvPr id="6" name="Content Placeholder 3" descr="Clustered column chart showing the values of 3 series for 4 categories"/>
-          <p:cNvGraphicFramePr>
-            <a:graphicFrameLocks noGrp="1"/>
-          </p:cNvGraphicFramePr>
-          <p:nvPr>
-            <p:ph idx="1"/>
-            <p:extLst>
-              <p:ext uri="{D42A27DB-BD31-4B8C-83A1-F6EECF244321}">
-                <p14:modId xmlns:p14="http://schemas.microsoft.com/office/powerpoint/2010/main" val="1094775993"/>
-              </p:ext>
-            </p:extLst>
-          </p:nvPr>
-        </p:nvGraphicFramePr>
-        <p:xfrm>
-          <a:off x="4699000" y="465138"/>
-          <a:ext cx="7048500" cy="5935662"/>
-        </p:xfrm>
-        <a:graphic>
-          <a:graphicData uri="http://schemas.openxmlformats.org/drawingml/2006/chart">
-            <c:chart xmlns:c="http://schemas.openxmlformats.org/drawingml/2006/chart" xmlns:r="http://schemas.openxmlformats.org/officeDocument/2006/relationships" r:id="rId2"/>
-          </a:graphicData>
-        </a:graphic>
-      </p:graphicFrame>
-    </p:spTree>
-    <p:extLst>
-      <p:ext uri="{BB962C8B-B14F-4D97-AF65-F5344CB8AC3E}">
-        <p14:creationId xmlns:p14="http://schemas.microsoft.com/office/powerpoint/2010/main" val="2605552468"/>
-      </p:ext>
-    </p:extLst>
-  </p:cSld>
-  <p:clrMapOvr>
-    <a:masterClrMapping/>
-  </p:clrMapOvr>
-  <mc:AlternateContent xmlns:mc="http://schemas.openxmlformats.org/markup-compatibility/2006" xmlns:p14="http://schemas.microsoft.com/office/powerpoint/2010/main">
-    <mc:Choice Requires="p14">
-      <p:transition spd="med" p14:dur="700">
-        <p:fade/>
-      </p:transition>
-    </mc:Choice>
-    <mc:Fallback xmlns="">
-      <p:transition spd="med">
-        <p:fade/>
-      </p:transition>
-    </mc:Fallback>
-  </mc:AlternateContent>
-</p:sld>
-</file>
-
 <file path=ppt/slides/slide3.xml><?xml version="1.0" encoding="utf-8"?>
 <p:sld xmlns:a="http://schemas.openxmlformats.org/drawingml/2006/main" xmlns:r="http://schemas.openxmlformats.org/officeDocument/2006/relationships" xmlns:p="http://schemas.openxmlformats.org/presentationml/2006/main">
   <p:cSld>
@@ -17958,41 +12501,45 @@
           <a:p>
             <a:r>
               <a:rPr lang="en-US" dirty="0"/>
-              <a:t>Data Structure</a:t>
-            </a:r>
-          </a:p>
-        </p:txBody>
-      </p:sp>
-      <p:pic>
-        <p:nvPicPr>
-          <p:cNvPr id="4" name="Content Placeholder 3"/>
-          <p:cNvPicPr>
-            <a:picLocks noGrp="1" noChangeAspect="1"/>
-          </p:cNvPicPr>
+              <a:t>Target Variable</a:t>
+            </a:r>
+          </a:p>
+        </p:txBody>
+      </p:sp>
+      <p:sp>
+        <p:nvSpPr>
+          <p:cNvPr id="3" name="Content Placeholder 2"/>
+          <p:cNvSpPr>
+            <a:spLocks noGrp="1"/>
+          </p:cNvSpPr>
           <p:nvPr>
             <p:ph idx="1"/>
           </p:nvPr>
-        </p:nvPicPr>
-        <p:blipFill>
-          <a:blip r:embed="rId3"/>
-          <a:stretch>
-            <a:fillRect/>
-          </a:stretch>
-        </p:blipFill>
-        <p:spPr>
-          <a:xfrm>
-            <a:off x="6696722" y="1648315"/>
-            <a:ext cx="4949686" cy="4457700"/>
-          </a:xfrm>
-          <a:prstGeom prst="rect">
-            <a:avLst/>
-          </a:prstGeom>
-        </p:spPr>
-      </p:pic>
+        </p:nvSpPr>
+        <p:spPr/>
+        <p:txBody>
+          <a:bodyPr>
+            <a:normAutofit/>
+          </a:bodyPr>
+          <a:lstStyle/>
+          <a:p>
+            <a:r>
+              <a:rPr lang="en-US" sz="3200" dirty="0"/>
+              <a:t>There were 3 grades G1,G2, and G3 representing first, second and final grades respectively.</a:t>
+            </a:r>
+          </a:p>
+          <a:p>
+            <a:r>
+              <a:rPr lang="en-GB" sz="3200" dirty="0"/>
+              <a:t>Created a P/F variable based on passing mark for Schools in Portugal (In Portugal, exams are scaled on 0-20 with a pass mark of 9).</a:t>
+            </a:r>
+          </a:p>
+        </p:txBody>
+      </p:sp>
     </p:spTree>
     <p:extLst>
       <p:ext uri="{BB962C8B-B14F-4D97-AF65-F5344CB8AC3E}">
-        <p14:creationId xmlns:p14="http://schemas.microsoft.com/office/powerpoint/2010/main" val="544878906"/>
+        <p14:creationId xmlns:p14="http://schemas.microsoft.com/office/powerpoint/2010/main" val="2325154954"/>
       </p:ext>
     </p:extLst>
   </p:cSld>
@@ -18048,7 +12595,7 @@
           <a:p>
             <a:r>
               <a:rPr lang="en-US" dirty="0"/>
-              <a:t>Target Variable</a:t>
+              <a:t>Exploratory Data Analysis</a:t>
             </a:r>
           </a:p>
         </p:txBody>
@@ -18066,19 +12613,30 @@
         <p:spPr/>
         <p:txBody>
           <a:bodyPr>
-            <a:normAutofit/>
+            <a:noAutofit/>
           </a:bodyPr>
           <a:lstStyle/>
           <a:p>
             <a:r>
               <a:rPr lang="en-US" sz="3200" dirty="0"/>
-              <a:t>There were 3 grades G1,G2, and G3 representing first, second and final grades respectively.</a:t>
-            </a:r>
-          </a:p>
-          <a:p>
+              <a:t>Data merged from two datasets.</a:t>
+            </a:r>
+            <a:endParaRPr lang="en-US" sz="3200" dirty="0"/>
+          </a:p>
+          <a:p>
+            <a:r>
+              <a:rPr lang="en-US" sz="3200" dirty="0"/>
+              <a:t>No missing values were found </a:t>
+            </a:r>
             <a:r>
               <a:rPr lang="en-GB" sz="3200" dirty="0"/>
-              <a:t>Created a P/F variable based on passing mark for Schools in Portugal (In Portugal, exams are scaled on 0-20 with a pass mark of 9).</a:t>
+              <a:t>Used ggplot2 and plot (stats) to examine central tendency and distribution of continuous variables (G3).</a:t>
+            </a:r>
+          </a:p>
+          <a:p>
+            <a:r>
+              <a:rPr lang="en-US" sz="3200" dirty="0"/>
+              <a:t>Each factor was converted into a separate binary variable with a value of either 1 or 0. This increased the number of variables from 32 to 53.</a:t>
             </a:r>
           </a:p>
         </p:txBody>
@@ -18086,7 +12644,7 @@
     </p:spTree>
     <p:extLst>
       <p:ext uri="{BB962C8B-B14F-4D97-AF65-F5344CB8AC3E}">
-        <p14:creationId xmlns:p14="http://schemas.microsoft.com/office/powerpoint/2010/main" val="2325154954"/>
+        <p14:creationId xmlns:p14="http://schemas.microsoft.com/office/powerpoint/2010/main" val="2368093945"/>
       </p:ext>
     </p:extLst>
   </p:cSld>
@@ -18142,56 +12700,120 @@
           <a:p>
             <a:r>
               <a:rPr lang="en-US" dirty="0"/>
-              <a:t>Exploratory Data Analysis</a:t>
-            </a:r>
-          </a:p>
-        </p:txBody>
-      </p:sp>
-      <p:sp>
-        <p:nvSpPr>
-          <p:cNvPr id="3" name="Content Placeholder 2"/>
-          <p:cNvSpPr>
-            <a:spLocks noGrp="1"/>
-          </p:cNvSpPr>
+              <a:t>Testing correlation</a:t>
+            </a:r>
+          </a:p>
+        </p:txBody>
+      </p:sp>
+      <p:pic>
+        <p:nvPicPr>
+          <p:cNvPr id="4" name="Content Placeholder 3"/>
+          <p:cNvPicPr>
+            <a:picLocks noGrp="1" noChangeAspect="1"/>
+          </p:cNvPicPr>
           <p:nvPr>
             <p:ph idx="1"/>
           </p:nvPr>
-        </p:nvSpPr>
-        <p:spPr/>
-        <p:txBody>
-          <a:bodyPr>
-            <a:noAutofit/>
+        </p:nvPicPr>
+        <p:blipFill>
+          <a:blip r:embed="rId3">
+            <a:extLst>
+              <a:ext uri="{28A0092B-C50C-407E-A947-70E740481C1C}">
+                <a14:useLocalDpi xmlns:a14="http://schemas.microsoft.com/office/drawing/2010/main" val="0"/>
+              </a:ext>
+            </a:extLst>
+          </a:blip>
+          <a:stretch>
+            <a:fillRect/>
+          </a:stretch>
+        </p:blipFill>
+        <p:spPr>
+          <a:xfrm>
+            <a:off x="6992812" y="1549609"/>
+            <a:ext cx="4966940" cy="4457700"/>
+          </a:xfrm>
+        </p:spPr>
+      </p:pic>
+      <p:sp>
+        <p:nvSpPr>
+          <p:cNvPr id="5" name="TextBox 4"/>
+          <p:cNvSpPr txBox="1"/>
+          <p:nvPr/>
+        </p:nvSpPr>
+        <p:spPr>
+          <a:xfrm>
+            <a:off x="479685" y="1549609"/>
+            <a:ext cx="6093502" cy="4031873"/>
+          </a:xfrm>
+          <a:prstGeom prst="rect">
+            <a:avLst/>
+          </a:prstGeom>
+          <a:noFill/>
+        </p:spPr>
+        <p:txBody>
+          <a:bodyPr wrap="square" rtlCol="0">
+            <a:spAutoFit/>
           </a:bodyPr>
           <a:lstStyle/>
           <a:p>
             <a:r>
-              <a:rPr lang="en-US" sz="3200" dirty="0"/>
-              <a:t>Data merged from two datasets.</a:t>
+              <a:rPr lang="en-GB" sz="3200" dirty="0"/>
+              <a:t>Strong correlation between;</a:t>
+            </a:r>
+          </a:p>
+          <a:p>
+            <a:r>
+              <a:rPr lang="en-GB" sz="3200" dirty="0"/>
+              <a:t>1) G3/failures</a:t>
+            </a:r>
+          </a:p>
+          <a:p>
+            <a:r>
+              <a:rPr lang="en-GB" sz="3200" dirty="0"/>
+              <a:t>2) failures/pass</a:t>
+            </a:r>
+          </a:p>
+          <a:p>
+            <a:r>
+              <a:rPr lang="en-GB" sz="3200" dirty="0"/>
+              <a:t>3) </a:t>
+            </a:r>
+            <a:r>
+              <a:rPr lang="en-GB" sz="3200" dirty="0" err="1"/>
+              <a:t>Walc</a:t>
+            </a:r>
+            <a:r>
+              <a:rPr lang="en-GB" sz="3200" dirty="0"/>
+              <a:t>/</a:t>
+            </a:r>
+            <a:r>
+              <a:rPr lang="en-GB" sz="3200" dirty="0" err="1"/>
+              <a:t>Dalc</a:t>
+            </a:r>
+            <a:endParaRPr lang="en-GB" sz="3200" dirty="0"/>
+          </a:p>
+          <a:p>
+            <a:r>
+              <a:rPr lang="en-GB" sz="3200" dirty="0"/>
+              <a:t>4) age/failure</a:t>
+            </a:r>
+          </a:p>
+          <a:p>
+            <a:endParaRPr lang="en-GB" sz="3200" dirty="0"/>
+          </a:p>
+          <a:p>
+            <a:r>
+              <a:rPr lang="en-GB" sz="3200" dirty="0"/>
+              <a:t>This shows that failure is a candidate for removal. </a:t>
             </a:r>
             <a:endParaRPr lang="en-US" sz="3200" dirty="0"/>
-          </a:p>
-          <a:p>
-            <a:r>
-              <a:rPr lang="en-US" sz="3200" dirty="0"/>
-              <a:t>No missing values were found </a:t>
-            </a:r>
-            <a:r>
-              <a:rPr lang="en-GB" sz="3200" dirty="0"/>
-              <a:t>Used ggplot2 and plot (stats) to examine central tendency and distribution of continuous variables (G3).</a:t>
-            </a:r>
-          </a:p>
-          <a:p>
-            <a:r>
-              <a:rPr lang="en-US" sz="3200" dirty="0"/>
-              <a:t>Each factor was converted into a separate binary variable with a value of either 1 or 0. This increased the number of variables from 32 to 53.</a:t>
-            </a:r>
           </a:p>
         </p:txBody>
       </p:sp>
     </p:spTree>
     <p:extLst>
       <p:ext uri="{BB962C8B-B14F-4D97-AF65-F5344CB8AC3E}">
-        <p14:creationId xmlns:p14="http://schemas.microsoft.com/office/powerpoint/2010/main" val="2368093945"/>
+        <p14:creationId xmlns:p14="http://schemas.microsoft.com/office/powerpoint/2010/main" val="2269964818"/>
       </p:ext>
     </p:extLst>
   </p:cSld>

--- a/Student Alcohol Consumption Data Science Project.pptx
+++ b/Student Alcohol Consumption Data Science Project.pptx
@@ -10942,7 +10942,7 @@
             </a:pPr>
             <a:r>
               <a:rPr lang="en-GB" sz="2400" dirty="0" err="1"/>
-              <a:t>HigherY</a:t>
+              <a:t>Higher.Y</a:t>
             </a:r>
             <a:endParaRPr lang="en-GB" sz="2400" dirty="0"/>
           </a:p>
@@ -11243,7 +11243,7 @@
         <p:spPr>
           <a:xfrm>
             <a:off x="344774" y="1978702"/>
-            <a:ext cx="4804347" cy="3046988"/>
+            <a:ext cx="4804347" cy="4154984"/>
           </a:xfrm>
           <a:prstGeom prst="rect">
             <a:avLst/>
@@ -11255,6 +11255,23 @@
             <a:spAutoFit/>
           </a:bodyPr>
           <a:lstStyle/>
+          <a:p>
+            <a:pPr marL="285750" indent="-285750">
+              <a:buFont typeface="Arial" panose="020B0604020202020204" pitchFamily="34" charset="0"/>
+              <a:buChar char="•"/>
+            </a:pPr>
+            <a:r>
+              <a:rPr lang="en-GB" sz="2400" dirty="0"/>
+              <a:t>Random Forest was the second best performing Model</a:t>
+            </a:r>
+          </a:p>
+          <a:p>
+            <a:pPr marL="285750" indent="-285750">
+              <a:buFont typeface="Arial" panose="020B0604020202020204" pitchFamily="34" charset="0"/>
+              <a:buChar char="•"/>
+            </a:pPr>
+            <a:endParaRPr lang="en-GB" sz="2400" dirty="0"/>
+          </a:p>
           <a:p>
             <a:pPr marL="285750" indent="-285750">
               <a:buFont typeface="Arial" panose="020B0604020202020204" pitchFamily="34" charset="0"/>
